--- a/Highway_env代码学习.pptx
+++ b/Highway_env代码学习.pptx
@@ -6,15 +6,16 @@
   </p:sldMasterIdLst>
   <p:sldIdLst>
     <p:sldId id="256" r:id="rId2"/>
-    <p:sldId id="261" r:id="rId3"/>
-    <p:sldId id="262" r:id="rId4"/>
-    <p:sldId id="263" r:id="rId5"/>
-    <p:sldId id="264" r:id="rId6"/>
-    <p:sldId id="257" r:id="rId7"/>
-    <p:sldId id="260" r:id="rId8"/>
-    <p:sldId id="258" r:id="rId9"/>
-    <p:sldId id="265" r:id="rId10"/>
-    <p:sldId id="259" r:id="rId11"/>
+    <p:sldId id="266" r:id="rId3"/>
+    <p:sldId id="261" r:id="rId4"/>
+    <p:sldId id="262" r:id="rId5"/>
+    <p:sldId id="263" r:id="rId6"/>
+    <p:sldId id="264" r:id="rId7"/>
+    <p:sldId id="257" r:id="rId8"/>
+    <p:sldId id="260" r:id="rId9"/>
+    <p:sldId id="258" r:id="rId10"/>
+    <p:sldId id="265" r:id="rId11"/>
+    <p:sldId id="259" r:id="rId12"/>
   </p:sldIdLst>
   <p:sldSz cx="12192000" cy="6858000"/>
   <p:notesSz cx="6858000" cy="9144000"/>
@@ -113,6 +114,11 @@
       </a:defRPr>
     </a:lvl9pPr>
   </p:defaultTextStyle>
+  <p:extLst>
+    <p:ext uri="{EFAFB233-063F-42B5-8137-9DF3F51BA10A}">
+      <p15:sldGuideLst xmlns:p15="http://schemas.microsoft.com/office/powerpoint/2012/main"/>
+    </p:ext>
+  </p:extLst>
 </p:presentation>
 </file>
 
@@ -3398,6 +3404,212 @@
         <p:cNvPr id="1" name="">
           <a:extLst>
             <a:ext uri="{FF2B5EF4-FFF2-40B4-BE49-F238E27FC236}">
+              <a16:creationId xmlns:a16="http://schemas.microsoft.com/office/drawing/2014/main" id="{4B2CC4CC-3ED1-610A-AA59-F1AFFBB5566C}"/>
+            </a:ext>
+          </a:extLst>
+        </p:cNvPr>
+        <p:cNvGrpSpPr/>
+        <p:nvPr/>
+      </p:nvGrpSpPr>
+      <p:grpSpPr>
+        <a:xfrm>
+          <a:off x="0" y="0"/>
+          <a:ext cx="0" cy="0"/>
+          <a:chOff x="0" y="0"/>
+          <a:chExt cx="0" cy="0"/>
+        </a:xfrm>
+      </p:grpSpPr>
+      <p:sp>
+        <p:nvSpPr>
+          <p:cNvPr id="4" name="文本框 3">
+            <a:extLst>
+              <a:ext uri="{FF2B5EF4-FFF2-40B4-BE49-F238E27FC236}">
+                <a16:creationId xmlns:a16="http://schemas.microsoft.com/office/drawing/2014/main" id="{8A5A5CD4-EA5D-8733-A536-670530F4C7BE}"/>
+              </a:ext>
+            </a:extLst>
+          </p:cNvPr>
+          <p:cNvSpPr txBox="1"/>
+          <p:nvPr/>
+        </p:nvSpPr>
+        <p:spPr>
+          <a:xfrm>
+            <a:off x="231530" y="181707"/>
+            <a:ext cx="3760177" cy="523220"/>
+          </a:xfrm>
+          <a:prstGeom prst="rect">
+            <a:avLst/>
+          </a:prstGeom>
+          <a:noFill/>
+        </p:spPr>
+        <p:txBody>
+          <a:bodyPr wrap="square" rtlCol="0">
+            <a:spAutoFit/>
+          </a:bodyPr>
+          <a:lstStyle/>
+          <a:p>
+            <a:r>
+              <a:rPr lang="en-US" altLang="zh-CN" sz="2800" dirty="0">
+                <a:latin typeface="Times New Roman" panose="02020603050405020304" pitchFamily="18" charset="0"/>
+                <a:ea typeface="宋体" panose="02010600030101010101" pitchFamily="2" charset="-122"/>
+                <a:cs typeface="Times New Roman" panose="02020603050405020304" pitchFamily="18" charset="0"/>
+              </a:rPr>
+              <a:t>road—lane.py</a:t>
+            </a:r>
+          </a:p>
+        </p:txBody>
+      </p:sp>
+      <p:sp>
+        <p:nvSpPr>
+          <p:cNvPr id="2" name="文本框 1">
+            <a:extLst>
+              <a:ext uri="{FF2B5EF4-FFF2-40B4-BE49-F238E27FC236}">
+                <a16:creationId xmlns:a16="http://schemas.microsoft.com/office/drawing/2014/main" id="{1487F6DA-BD7D-F623-06FA-3312002AC4BA}"/>
+              </a:ext>
+            </a:extLst>
+          </p:cNvPr>
+          <p:cNvSpPr txBox="1"/>
+          <p:nvPr/>
+        </p:nvSpPr>
+        <p:spPr>
+          <a:xfrm>
+            <a:off x="231529" y="838200"/>
+            <a:ext cx="11884271" cy="2492990"/>
+          </a:xfrm>
+          <a:prstGeom prst="rect">
+            <a:avLst/>
+          </a:prstGeom>
+          <a:noFill/>
+        </p:spPr>
+        <p:txBody>
+          <a:bodyPr wrap="square" rtlCol="0">
+            <a:spAutoFit/>
+          </a:bodyPr>
+          <a:lstStyle/>
+          <a:p>
+            <a:r>
+              <a:rPr lang="en-US" altLang="zh-CN" sz="2800" dirty="0">
+                <a:latin typeface="Times New Roman" panose="02020603050405020304" pitchFamily="18" charset="0"/>
+                <a:ea typeface="宋体" panose="02010600030101010101" pitchFamily="2" charset="-122"/>
+                <a:cs typeface="Times New Roman" panose="02020603050405020304" pitchFamily="18" charset="0"/>
+              </a:rPr>
+              <a:t>Class </a:t>
+            </a:r>
+            <a:r>
+              <a:rPr lang="en-US" altLang="zh-CN" sz="2800" dirty="0" err="1">
+                <a:latin typeface="Times New Roman" panose="02020603050405020304" pitchFamily="18" charset="0"/>
+                <a:ea typeface="宋体" panose="02010600030101010101" pitchFamily="2" charset="-122"/>
+                <a:cs typeface="Times New Roman" panose="02020603050405020304" pitchFamily="18" charset="0"/>
+              </a:rPr>
+              <a:t>AbstractLane</a:t>
+            </a:r>
+            <a:r>
+              <a:rPr lang="zh-CN" altLang="en-US" sz="2800" dirty="0">
+                <a:latin typeface="Times New Roman" panose="02020603050405020304" pitchFamily="18" charset="0"/>
+                <a:ea typeface="宋体" panose="02010600030101010101" pitchFamily="2" charset="-122"/>
+                <a:cs typeface="Times New Roman" panose="02020603050405020304" pitchFamily="18" charset="0"/>
+              </a:rPr>
+              <a:t>：</a:t>
+            </a:r>
+            <a:endParaRPr lang="en-US" altLang="zh-CN" sz="2800" dirty="0">
+              <a:latin typeface="Times New Roman" panose="02020603050405020304" pitchFamily="18" charset="0"/>
+              <a:ea typeface="宋体" panose="02010600030101010101" pitchFamily="2" charset="-122"/>
+              <a:cs typeface="Times New Roman" panose="02020603050405020304" pitchFamily="18" charset="0"/>
+            </a:endParaRPr>
+          </a:p>
+          <a:p>
+            <a:endParaRPr lang="en-US" altLang="zh-CN" sz="2800" dirty="0">
+              <a:latin typeface="Times New Roman" panose="02020603050405020304" pitchFamily="18" charset="0"/>
+              <a:ea typeface="宋体" panose="02010600030101010101" pitchFamily="2" charset="-122"/>
+              <a:cs typeface="Times New Roman" panose="02020603050405020304" pitchFamily="18" charset="0"/>
+            </a:endParaRPr>
+          </a:p>
+          <a:p>
+            <a:endParaRPr lang="en-US" altLang="zh-CN" sz="2800" dirty="0">
+              <a:latin typeface="Times New Roman" panose="02020603050405020304" pitchFamily="18" charset="0"/>
+              <a:ea typeface="宋体" panose="02010600030101010101" pitchFamily="2" charset="-122"/>
+              <a:cs typeface="Times New Roman" panose="02020603050405020304" pitchFamily="18" charset="0"/>
+            </a:endParaRPr>
+          </a:p>
+          <a:p>
+            <a:r>
+              <a:rPr lang="en-US" altLang="zh-CN" sz="2400" dirty="0">
+                <a:solidFill>
+                  <a:srgbClr val="FF0000"/>
+                </a:solidFill>
+                <a:latin typeface="Times New Roman" panose="02020603050405020304" pitchFamily="18" charset="0"/>
+                <a:ea typeface="宋体" panose="02010600030101010101" pitchFamily="2" charset="-122"/>
+                <a:cs typeface="Times New Roman" panose="02020603050405020304" pitchFamily="18" charset="0"/>
+              </a:rPr>
+              <a:t>def __</a:t>
+            </a:r>
+            <a:r>
+              <a:rPr lang="en-US" altLang="zh-CN" sz="2400" dirty="0" err="1">
+                <a:solidFill>
+                  <a:srgbClr val="FF0000"/>
+                </a:solidFill>
+                <a:latin typeface="Times New Roman" panose="02020603050405020304" pitchFamily="18" charset="0"/>
+                <a:ea typeface="宋体" panose="02010600030101010101" pitchFamily="2" charset="-122"/>
+                <a:cs typeface="Times New Roman" panose="02020603050405020304" pitchFamily="18" charset="0"/>
+              </a:rPr>
+              <a:t>init</a:t>
+            </a:r>
+            <a:r>
+              <a:rPr lang="en-US" altLang="zh-CN" sz="2400" dirty="0">
+                <a:solidFill>
+                  <a:srgbClr val="FF0000"/>
+                </a:solidFill>
+                <a:latin typeface="Times New Roman" panose="02020603050405020304" pitchFamily="18" charset="0"/>
+                <a:ea typeface="宋体" panose="02010600030101010101" pitchFamily="2" charset="-122"/>
+                <a:cs typeface="Times New Roman" panose="02020603050405020304" pitchFamily="18" charset="0"/>
+              </a:rPr>
+              <a:t>__(self, points: list[tuple[float, float]]):</a:t>
+            </a:r>
+          </a:p>
+          <a:p>
+            <a:r>
+              <a:rPr lang="zh-CN" altLang="en-US" sz="2400" dirty="0">
+                <a:latin typeface="Times New Roman" panose="02020603050405020304" pitchFamily="18" charset="0"/>
+                <a:ea typeface="宋体" panose="02010600030101010101" pitchFamily="2" charset="-122"/>
+                <a:cs typeface="Times New Roman" panose="02020603050405020304" pitchFamily="18" charset="0"/>
+              </a:rPr>
+              <a:t>初始化一系列的变量。</a:t>
+            </a:r>
+            <a:endParaRPr lang="en-US" altLang="zh-CN" sz="2400" dirty="0">
+              <a:latin typeface="Times New Roman" panose="02020603050405020304" pitchFamily="18" charset="0"/>
+              <a:ea typeface="宋体" panose="02010600030101010101" pitchFamily="2" charset="-122"/>
+              <a:cs typeface="Times New Roman" panose="02020603050405020304" pitchFamily="18" charset="0"/>
+            </a:endParaRPr>
+          </a:p>
+          <a:p>
+            <a:endParaRPr lang="en-US" altLang="zh-CN" sz="2400" dirty="0">
+              <a:latin typeface="Times New Roman" panose="02020603050405020304" pitchFamily="18" charset="0"/>
+              <a:ea typeface="宋体" panose="02010600030101010101" pitchFamily="2" charset="-122"/>
+              <a:cs typeface="Times New Roman" panose="02020603050405020304" pitchFamily="18" charset="0"/>
+            </a:endParaRPr>
+          </a:p>
+        </p:txBody>
+      </p:sp>
+    </p:spTree>
+    <p:extLst>
+      <p:ext uri="{BB962C8B-B14F-4D97-AF65-F5344CB8AC3E}">
+        <p14:creationId xmlns:p14="http://schemas.microsoft.com/office/powerpoint/2010/main" val="3935121053"/>
+      </p:ext>
+    </p:extLst>
+  </p:cSld>
+  <p:clrMapOvr>
+    <a:masterClrMapping/>
+  </p:clrMapOvr>
+</p:sld>
+</file>
+
+<file path=ppt/slides/slide11.xml><?xml version="1.0" encoding="utf-8"?>
+<p:sld xmlns:a="http://schemas.openxmlformats.org/drawingml/2006/main" xmlns:r="http://schemas.openxmlformats.org/officeDocument/2006/relationships" xmlns:p="http://schemas.openxmlformats.org/presentationml/2006/main">
+  <p:cSld>
+    <p:spTree>
+      <p:nvGrpSpPr>
+        <p:cNvPr id="1" name="">
+          <a:extLst>
+            <a:ext uri="{FF2B5EF4-FFF2-40B4-BE49-F238E27FC236}">
               <a16:creationId xmlns:a16="http://schemas.microsoft.com/office/drawing/2014/main" id="{893333D1-62D0-A6EC-364E-6EB4D07DDF39}"/>
             </a:ext>
           </a:extLst>
@@ -3471,6 +3683,581 @@
 </file>
 
 <file path=ppt/slides/slide2.xml><?xml version="1.0" encoding="utf-8"?>
+<p:sld xmlns:a="http://schemas.openxmlformats.org/drawingml/2006/main" xmlns:r="http://schemas.openxmlformats.org/officeDocument/2006/relationships" xmlns:p="http://schemas.openxmlformats.org/presentationml/2006/main">
+  <p:cSld>
+    <p:spTree>
+      <p:nvGrpSpPr>
+        <p:cNvPr id="1" name="">
+          <a:extLst>
+            <a:ext uri="{FF2B5EF4-FFF2-40B4-BE49-F238E27FC236}">
+              <a16:creationId xmlns:a16="http://schemas.microsoft.com/office/drawing/2014/main" id="{EB57DBA1-6533-DB95-EAF5-0BA20CFE8534}"/>
+            </a:ext>
+          </a:extLst>
+        </p:cNvPr>
+        <p:cNvGrpSpPr/>
+        <p:nvPr/>
+      </p:nvGrpSpPr>
+      <p:grpSpPr>
+        <a:xfrm>
+          <a:off x="0" y="0"/>
+          <a:ext cx="0" cy="0"/>
+          <a:chOff x="0" y="0"/>
+          <a:chExt cx="0" cy="0"/>
+        </a:xfrm>
+      </p:grpSpPr>
+      <p:sp>
+        <p:nvSpPr>
+          <p:cNvPr id="4" name="文本框 3">
+            <a:extLst>
+              <a:ext uri="{FF2B5EF4-FFF2-40B4-BE49-F238E27FC236}">
+                <a16:creationId xmlns:a16="http://schemas.microsoft.com/office/drawing/2014/main" id="{04A2094B-4415-00F3-C8CB-E6D33DFB419C}"/>
+              </a:ext>
+            </a:extLst>
+          </p:cNvPr>
+          <p:cNvSpPr txBox="1"/>
+          <p:nvPr/>
+        </p:nvSpPr>
+        <p:spPr>
+          <a:xfrm>
+            <a:off x="190500" y="293077"/>
+            <a:ext cx="8001001" cy="707886"/>
+          </a:xfrm>
+          <a:prstGeom prst="rect">
+            <a:avLst/>
+          </a:prstGeom>
+          <a:noFill/>
+        </p:spPr>
+        <p:txBody>
+          <a:bodyPr wrap="square" rtlCol="0">
+            <a:spAutoFit/>
+          </a:bodyPr>
+          <a:lstStyle/>
+          <a:p>
+            <a:r>
+              <a:rPr lang="en-US" altLang="zh-CN" sz="4000" dirty="0" err="1">
+                <a:latin typeface="Times New Roman" panose="02020603050405020304" pitchFamily="18" charset="0"/>
+                <a:ea typeface="宋体" panose="02010600030101010101" pitchFamily="2" charset="-122"/>
+                <a:cs typeface="Times New Roman" panose="02020603050405020304" pitchFamily="18" charset="0"/>
+              </a:rPr>
+              <a:t>Highway_env</a:t>
+            </a:r>
+            <a:r>
+              <a:rPr lang="en-US" altLang="zh-CN" sz="4000" dirty="0">
+                <a:latin typeface="Times New Roman" panose="02020603050405020304" pitchFamily="18" charset="0"/>
+                <a:ea typeface="宋体" panose="02010600030101010101" pitchFamily="2" charset="-122"/>
+                <a:cs typeface="Times New Roman" panose="02020603050405020304" pitchFamily="18" charset="0"/>
+              </a:rPr>
+              <a:t> </a:t>
+            </a:r>
+            <a:r>
+              <a:rPr lang="zh-CN" altLang="en-US" sz="4000" dirty="0">
+                <a:latin typeface="Times New Roman" panose="02020603050405020304" pitchFamily="18" charset="0"/>
+                <a:ea typeface="宋体" panose="02010600030101010101" pitchFamily="2" charset="-122"/>
+                <a:cs typeface="Times New Roman" panose="02020603050405020304" pitchFamily="18" charset="0"/>
+              </a:rPr>
+              <a:t>代码总览</a:t>
+            </a:r>
+          </a:p>
+        </p:txBody>
+      </p:sp>
+      <p:pic>
+        <p:nvPicPr>
+          <p:cNvPr id="3" name="图片 2">
+            <a:extLst>
+              <a:ext uri="{FF2B5EF4-FFF2-40B4-BE49-F238E27FC236}">
+                <a16:creationId xmlns:a16="http://schemas.microsoft.com/office/drawing/2014/main" id="{876370C1-D077-17CA-57FC-4A1406F41A9E}"/>
+              </a:ext>
+            </a:extLst>
+          </p:cNvPr>
+          <p:cNvPicPr>
+            <a:picLocks noChangeAspect="1"/>
+          </p:cNvPicPr>
+          <p:nvPr/>
+        </p:nvPicPr>
+        <p:blipFill>
+          <a:blip r:embed="rId2"/>
+          <a:stretch>
+            <a:fillRect/>
+          </a:stretch>
+        </p:blipFill>
+        <p:spPr>
+          <a:xfrm>
+            <a:off x="190500" y="1475539"/>
+            <a:ext cx="3347398" cy="3917696"/>
+          </a:xfrm>
+          <a:prstGeom prst="rect">
+            <a:avLst/>
+          </a:prstGeom>
+        </p:spPr>
+      </p:pic>
+      <p:sp>
+        <p:nvSpPr>
+          <p:cNvPr id="5" name="文本框 4">
+            <a:extLst>
+              <a:ext uri="{FF2B5EF4-FFF2-40B4-BE49-F238E27FC236}">
+                <a16:creationId xmlns:a16="http://schemas.microsoft.com/office/drawing/2014/main" id="{5B65E2C2-13E2-019F-F9A6-E58FA413DD19}"/>
+              </a:ext>
+            </a:extLst>
+          </p:cNvPr>
+          <p:cNvSpPr txBox="1"/>
+          <p:nvPr/>
+        </p:nvSpPr>
+        <p:spPr>
+          <a:xfrm>
+            <a:off x="3744686" y="1039588"/>
+            <a:ext cx="8447314" cy="5324535"/>
+          </a:xfrm>
+          <a:prstGeom prst="rect">
+            <a:avLst/>
+          </a:prstGeom>
+          <a:noFill/>
+        </p:spPr>
+        <p:txBody>
+          <a:bodyPr wrap="square" rtlCol="0">
+            <a:spAutoFit/>
+          </a:bodyPr>
+          <a:lstStyle/>
+          <a:p>
+            <a:r>
+              <a:rPr lang="en-US" altLang="zh-CN" sz="2000" dirty="0" err="1">
+                <a:latin typeface="Times New Roman" panose="02020603050405020304" pitchFamily="18" charset="0"/>
+                <a:ea typeface="宋体" panose="02010600030101010101" pitchFamily="2" charset="-122"/>
+                <a:cs typeface="Times New Roman" panose="02020603050405020304" pitchFamily="18" charset="0"/>
+              </a:rPr>
+              <a:t>envs</a:t>
+            </a:r>
+            <a:r>
+              <a:rPr lang="zh-CN" altLang="en-US" sz="2000" dirty="0">
+                <a:latin typeface="Times New Roman" panose="02020603050405020304" pitchFamily="18" charset="0"/>
+                <a:ea typeface="宋体" panose="02010600030101010101" pitchFamily="2" charset="-122"/>
+                <a:cs typeface="Times New Roman" panose="02020603050405020304" pitchFamily="18" charset="0"/>
+              </a:rPr>
+              <a:t>文件夹：</a:t>
+            </a:r>
+            <a:endParaRPr lang="en-US" altLang="zh-CN" sz="2000" dirty="0">
+              <a:latin typeface="Times New Roman" panose="02020603050405020304" pitchFamily="18" charset="0"/>
+              <a:ea typeface="宋体" panose="02010600030101010101" pitchFamily="2" charset="-122"/>
+              <a:cs typeface="Times New Roman" panose="02020603050405020304" pitchFamily="18" charset="0"/>
+            </a:endParaRPr>
+          </a:p>
+          <a:p>
+            <a:r>
+              <a:rPr lang="en-US" altLang="zh-CN" sz="2000" dirty="0">
+                <a:latin typeface="Times New Roman" panose="02020603050405020304" pitchFamily="18" charset="0"/>
+                <a:ea typeface="宋体" panose="02010600030101010101" pitchFamily="2" charset="-122"/>
+                <a:cs typeface="Times New Roman" panose="02020603050405020304" pitchFamily="18" charset="0"/>
+              </a:rPr>
+              <a:t>    </a:t>
+            </a:r>
+            <a:r>
+              <a:rPr lang="en-US" altLang="zh-CN" sz="2000" b="0" i="0" dirty="0" err="1">
+                <a:solidFill>
+                  <a:srgbClr val="4D4D4D"/>
+                </a:solidFill>
+                <a:effectLst/>
+                <a:latin typeface="-apple-system"/>
+              </a:rPr>
+              <a:t>envs</a:t>
+            </a:r>
+            <a:r>
+              <a:rPr lang="en-US" altLang="zh-CN" sz="2000" b="0" i="0" dirty="0">
+                <a:solidFill>
+                  <a:srgbClr val="4D4D4D"/>
+                </a:solidFill>
+                <a:effectLst/>
+                <a:latin typeface="-apple-system"/>
+              </a:rPr>
+              <a:t>/common</a:t>
+            </a:r>
+            <a:r>
+              <a:rPr lang="zh-CN" altLang="en-US" sz="2000" b="0" i="0" dirty="0">
+                <a:solidFill>
+                  <a:srgbClr val="4D4D4D"/>
+                </a:solidFill>
+                <a:effectLst/>
+                <a:latin typeface="Times New Roman" panose="02020603050405020304" pitchFamily="18" charset="0"/>
+                <a:ea typeface="宋体" panose="02010600030101010101" pitchFamily="2" charset="-122"/>
+                <a:cs typeface="Times New Roman" panose="02020603050405020304" pitchFamily="18" charset="0"/>
+              </a:rPr>
+              <a:t>：</a:t>
+            </a:r>
+            <a:r>
+              <a:rPr lang="en-US" altLang="zh-CN" sz="2000" dirty="0">
+                <a:latin typeface="Times New Roman" panose="02020603050405020304" pitchFamily="18" charset="0"/>
+                <a:ea typeface="宋体" panose="02010600030101010101" pitchFamily="2" charset="-122"/>
+                <a:cs typeface="Times New Roman" panose="02020603050405020304" pitchFamily="18" charset="0"/>
+              </a:rPr>
+              <a:t>abstract</a:t>
+            </a:r>
+            <a:r>
+              <a:rPr lang="zh-CN" altLang="en-US" sz="2000" dirty="0">
+                <a:latin typeface="Times New Roman" panose="02020603050405020304" pitchFamily="18" charset="0"/>
+                <a:ea typeface="宋体" panose="02010600030101010101" pitchFamily="2" charset="-122"/>
+                <a:cs typeface="Times New Roman" panose="02020603050405020304" pitchFamily="18" charset="0"/>
+              </a:rPr>
+              <a:t>抽象类定义</a:t>
+            </a:r>
+            <a:r>
+              <a:rPr lang="en-US" altLang="zh-CN" sz="2000" dirty="0">
+                <a:latin typeface="Times New Roman" panose="02020603050405020304" pitchFamily="18" charset="0"/>
+                <a:ea typeface="宋体" panose="02010600030101010101" pitchFamily="2" charset="-122"/>
+                <a:cs typeface="Times New Roman" panose="02020603050405020304" pitchFamily="18" charset="0"/>
+              </a:rPr>
+              <a:t>MDP</a:t>
+            </a:r>
+            <a:r>
+              <a:rPr lang="zh-CN" altLang="en-US" sz="2000" dirty="0">
+                <a:latin typeface="Times New Roman" panose="02020603050405020304" pitchFamily="18" charset="0"/>
+                <a:ea typeface="宋体" panose="02010600030101010101" pitchFamily="2" charset="-122"/>
+                <a:cs typeface="Times New Roman" panose="02020603050405020304" pitchFamily="18" charset="0"/>
+              </a:rPr>
+              <a:t>问题的更新过程。</a:t>
+            </a:r>
+            <a:endParaRPr lang="en-US" altLang="zh-CN" sz="2000" dirty="0">
+              <a:latin typeface="Times New Roman" panose="02020603050405020304" pitchFamily="18" charset="0"/>
+              <a:ea typeface="宋体" panose="02010600030101010101" pitchFamily="2" charset="-122"/>
+              <a:cs typeface="Times New Roman" panose="02020603050405020304" pitchFamily="18" charset="0"/>
+            </a:endParaRPr>
+          </a:p>
+          <a:p>
+            <a:r>
+              <a:rPr lang="en-US" altLang="zh-CN" sz="2000" dirty="0">
+                <a:latin typeface="Times New Roman" panose="02020603050405020304" pitchFamily="18" charset="0"/>
+                <a:ea typeface="宋体" panose="02010600030101010101" pitchFamily="2" charset="-122"/>
+                <a:cs typeface="Times New Roman" panose="02020603050405020304" pitchFamily="18" charset="0"/>
+              </a:rPr>
+              <a:t>                               action</a:t>
+            </a:r>
+            <a:r>
+              <a:rPr lang="zh-CN" altLang="en-US" sz="2000" dirty="0">
+                <a:latin typeface="Times New Roman" panose="02020603050405020304" pitchFamily="18" charset="0"/>
+                <a:ea typeface="宋体" panose="02010600030101010101" pitchFamily="2" charset="-122"/>
+                <a:cs typeface="Times New Roman" panose="02020603050405020304" pitchFamily="18" charset="0"/>
+              </a:rPr>
+              <a:t>文件定义动作空间。</a:t>
+            </a:r>
+            <a:endParaRPr lang="en-US" altLang="zh-CN" sz="2000" dirty="0">
+              <a:latin typeface="Times New Roman" panose="02020603050405020304" pitchFamily="18" charset="0"/>
+              <a:ea typeface="宋体" panose="02010600030101010101" pitchFamily="2" charset="-122"/>
+              <a:cs typeface="Times New Roman" panose="02020603050405020304" pitchFamily="18" charset="0"/>
+            </a:endParaRPr>
+          </a:p>
+          <a:p>
+            <a:r>
+              <a:rPr lang="en-US" altLang="zh-CN" sz="2000" dirty="0">
+                <a:latin typeface="Times New Roman" panose="02020603050405020304" pitchFamily="18" charset="0"/>
+                <a:ea typeface="宋体" panose="02010600030101010101" pitchFamily="2" charset="-122"/>
+                <a:cs typeface="Times New Roman" panose="02020603050405020304" pitchFamily="18" charset="0"/>
+              </a:rPr>
+              <a:t>                               </a:t>
+            </a:r>
+            <a:r>
+              <a:rPr lang="en-US" altLang="zh-CN" sz="2000" dirty="0" err="1">
+                <a:latin typeface="Times New Roman" panose="02020603050405020304" pitchFamily="18" charset="0"/>
+                <a:ea typeface="宋体" panose="02010600030101010101" pitchFamily="2" charset="-122"/>
+                <a:cs typeface="Times New Roman" panose="02020603050405020304" pitchFamily="18" charset="0"/>
+              </a:rPr>
+              <a:t>finite_mdp</a:t>
+            </a:r>
+            <a:r>
+              <a:rPr lang="zh-CN" altLang="en-US" sz="2000" dirty="0">
+                <a:latin typeface="Times New Roman" panose="02020603050405020304" pitchFamily="18" charset="0"/>
+                <a:ea typeface="宋体" panose="02010600030101010101" pitchFamily="2" charset="-122"/>
+                <a:cs typeface="Times New Roman" panose="02020603050405020304" pitchFamily="18" charset="0"/>
+              </a:rPr>
+              <a:t>定义了</a:t>
+            </a:r>
+            <a:r>
+              <a:rPr lang="en-US" altLang="zh-CN" sz="2000" dirty="0">
+                <a:latin typeface="Times New Roman" panose="02020603050405020304" pitchFamily="18" charset="0"/>
+                <a:ea typeface="宋体" panose="02010600030101010101" pitchFamily="2" charset="-122"/>
+                <a:cs typeface="Times New Roman" panose="02020603050405020304" pitchFamily="18" charset="0"/>
+              </a:rPr>
+              <a:t>TTC</a:t>
+            </a:r>
+            <a:r>
+              <a:rPr lang="zh-CN" altLang="en-US" sz="2000" dirty="0">
+                <a:latin typeface="Times New Roman" panose="02020603050405020304" pitchFamily="18" charset="0"/>
+                <a:ea typeface="宋体" panose="02010600030101010101" pitchFamily="2" charset="-122"/>
+                <a:cs typeface="Times New Roman" panose="02020603050405020304" pitchFamily="18" charset="0"/>
+              </a:rPr>
+              <a:t>碰撞网格。</a:t>
+            </a:r>
+            <a:endParaRPr lang="en-US" altLang="zh-CN" sz="2000" dirty="0">
+              <a:latin typeface="Times New Roman" panose="02020603050405020304" pitchFamily="18" charset="0"/>
+              <a:ea typeface="宋体" panose="02010600030101010101" pitchFamily="2" charset="-122"/>
+              <a:cs typeface="Times New Roman" panose="02020603050405020304" pitchFamily="18" charset="0"/>
+            </a:endParaRPr>
+          </a:p>
+          <a:p>
+            <a:r>
+              <a:rPr lang="en-US" altLang="zh-CN" sz="2000" dirty="0">
+                <a:latin typeface="Times New Roman" panose="02020603050405020304" pitchFamily="18" charset="0"/>
+                <a:ea typeface="宋体" panose="02010600030101010101" pitchFamily="2" charset="-122"/>
+                <a:cs typeface="Times New Roman" panose="02020603050405020304" pitchFamily="18" charset="0"/>
+              </a:rPr>
+              <a:t>                               graphics</a:t>
+            </a:r>
+            <a:r>
+              <a:rPr lang="zh-CN" altLang="en-US" sz="2000" dirty="0">
+                <a:latin typeface="Times New Roman" panose="02020603050405020304" pitchFamily="18" charset="0"/>
+                <a:ea typeface="宋体" panose="02010600030101010101" pitchFamily="2" charset="-122"/>
+                <a:cs typeface="Times New Roman" panose="02020603050405020304" pitchFamily="18" charset="0"/>
+              </a:rPr>
+              <a:t>主要是可视化函数。</a:t>
+            </a:r>
+            <a:endParaRPr lang="en-US" altLang="zh-CN" sz="2000" dirty="0">
+              <a:latin typeface="Times New Roman" panose="02020603050405020304" pitchFamily="18" charset="0"/>
+              <a:ea typeface="宋体" panose="02010600030101010101" pitchFamily="2" charset="-122"/>
+              <a:cs typeface="Times New Roman" panose="02020603050405020304" pitchFamily="18" charset="0"/>
+            </a:endParaRPr>
+          </a:p>
+          <a:p>
+            <a:r>
+              <a:rPr lang="en-US" altLang="zh-CN" sz="2000" dirty="0">
+                <a:latin typeface="Times New Roman" panose="02020603050405020304" pitchFamily="18" charset="0"/>
+                <a:ea typeface="宋体" panose="02010600030101010101" pitchFamily="2" charset="-122"/>
+                <a:cs typeface="Times New Roman" panose="02020603050405020304" pitchFamily="18" charset="0"/>
+              </a:rPr>
+              <a:t>                               observation</a:t>
+            </a:r>
+            <a:r>
+              <a:rPr lang="zh-CN" altLang="en-US" sz="2000" dirty="0">
+                <a:latin typeface="Times New Roman" panose="02020603050405020304" pitchFamily="18" charset="0"/>
+                <a:ea typeface="宋体" panose="02010600030101010101" pitchFamily="2" charset="-122"/>
+                <a:cs typeface="Times New Roman" panose="02020603050405020304" pitchFamily="18" charset="0"/>
+              </a:rPr>
+              <a:t>主要是状态空间的定义。</a:t>
+            </a:r>
+            <a:endParaRPr lang="en-US" altLang="zh-CN" sz="2000" dirty="0">
+              <a:latin typeface="Times New Roman" panose="02020603050405020304" pitchFamily="18" charset="0"/>
+              <a:ea typeface="宋体" panose="02010600030101010101" pitchFamily="2" charset="-122"/>
+              <a:cs typeface="Times New Roman" panose="02020603050405020304" pitchFamily="18" charset="0"/>
+            </a:endParaRPr>
+          </a:p>
+          <a:p>
+            <a:r>
+              <a:rPr lang="en-US" altLang="zh-CN" sz="2000" dirty="0">
+                <a:latin typeface="Times New Roman" panose="02020603050405020304" pitchFamily="18" charset="0"/>
+                <a:ea typeface="宋体" panose="02010600030101010101" pitchFamily="2" charset="-122"/>
+                <a:cs typeface="Times New Roman" panose="02020603050405020304" pitchFamily="18" charset="0"/>
+              </a:rPr>
+              <a:t>road</a:t>
+            </a:r>
+            <a:r>
+              <a:rPr lang="zh-CN" altLang="en-US" sz="2000" dirty="0">
+                <a:latin typeface="Times New Roman" panose="02020603050405020304" pitchFamily="18" charset="0"/>
+                <a:ea typeface="宋体" panose="02010600030101010101" pitchFamily="2" charset="-122"/>
+                <a:cs typeface="Times New Roman" panose="02020603050405020304" pitchFamily="18" charset="0"/>
+              </a:rPr>
+              <a:t>文件夹：</a:t>
+            </a:r>
+            <a:endParaRPr lang="en-US" altLang="zh-CN" sz="2000" dirty="0">
+              <a:latin typeface="Times New Roman" panose="02020603050405020304" pitchFamily="18" charset="0"/>
+              <a:ea typeface="宋体" panose="02010600030101010101" pitchFamily="2" charset="-122"/>
+              <a:cs typeface="Times New Roman" panose="02020603050405020304" pitchFamily="18" charset="0"/>
+            </a:endParaRPr>
+          </a:p>
+          <a:p>
+            <a:r>
+              <a:rPr lang="en-US" altLang="zh-CN" sz="2000" dirty="0">
+                <a:latin typeface="Times New Roman" panose="02020603050405020304" pitchFamily="18" charset="0"/>
+                <a:ea typeface="宋体" panose="02010600030101010101" pitchFamily="2" charset="-122"/>
+                <a:cs typeface="Times New Roman" panose="02020603050405020304" pitchFamily="18" charset="0"/>
+              </a:rPr>
+              <a:t>    graphics</a:t>
+            </a:r>
+            <a:r>
+              <a:rPr lang="zh-CN" altLang="en-US" sz="2000" dirty="0">
+                <a:latin typeface="Times New Roman" panose="02020603050405020304" pitchFamily="18" charset="0"/>
+                <a:ea typeface="宋体" panose="02010600030101010101" pitchFamily="2" charset="-122"/>
+                <a:cs typeface="Times New Roman" panose="02020603050405020304" pitchFamily="18" charset="0"/>
+              </a:rPr>
+              <a:t>主要是可视化的方法。</a:t>
+            </a:r>
+            <a:endParaRPr lang="en-US" altLang="zh-CN" sz="2000" dirty="0">
+              <a:latin typeface="Times New Roman" panose="02020603050405020304" pitchFamily="18" charset="0"/>
+              <a:ea typeface="宋体" panose="02010600030101010101" pitchFamily="2" charset="-122"/>
+              <a:cs typeface="Times New Roman" panose="02020603050405020304" pitchFamily="18" charset="0"/>
+            </a:endParaRPr>
+          </a:p>
+          <a:p>
+            <a:r>
+              <a:rPr lang="en-US" altLang="zh-CN" sz="2000" dirty="0">
+                <a:latin typeface="Times New Roman" panose="02020603050405020304" pitchFamily="18" charset="0"/>
+                <a:ea typeface="宋体" panose="02010600030101010101" pitchFamily="2" charset="-122"/>
+                <a:cs typeface="Times New Roman" panose="02020603050405020304" pitchFamily="18" charset="0"/>
+              </a:rPr>
+              <a:t>    lane</a:t>
+            </a:r>
+            <a:r>
+              <a:rPr lang="zh-CN" altLang="en-US" sz="2000" dirty="0">
+                <a:latin typeface="Times New Roman" panose="02020603050405020304" pitchFamily="18" charset="0"/>
+                <a:ea typeface="宋体" panose="02010600030101010101" pitchFamily="2" charset="-122"/>
+                <a:cs typeface="Times New Roman" panose="02020603050405020304" pitchFamily="18" charset="0"/>
+              </a:rPr>
+              <a:t>文件定义了集中类型的车道，有抽闲车道、直线车道、正弦车道和多项式拟合车道。</a:t>
+            </a:r>
+            <a:endParaRPr lang="en-US" altLang="zh-CN" sz="2000" dirty="0">
+              <a:latin typeface="Times New Roman" panose="02020603050405020304" pitchFamily="18" charset="0"/>
+              <a:ea typeface="宋体" panose="02010600030101010101" pitchFamily="2" charset="-122"/>
+              <a:cs typeface="Times New Roman" panose="02020603050405020304" pitchFamily="18" charset="0"/>
+            </a:endParaRPr>
+          </a:p>
+          <a:p>
+            <a:r>
+              <a:rPr lang="en-US" altLang="zh-CN" sz="2000" dirty="0">
+                <a:latin typeface="Times New Roman" panose="02020603050405020304" pitchFamily="18" charset="0"/>
+                <a:ea typeface="宋体" panose="02010600030101010101" pitchFamily="2" charset="-122"/>
+                <a:cs typeface="Times New Roman" panose="02020603050405020304" pitchFamily="18" charset="0"/>
+              </a:rPr>
+              <a:t>    regulation</a:t>
+            </a:r>
+            <a:r>
+              <a:rPr lang="zh-CN" altLang="en-US" sz="2000" dirty="0">
+                <a:latin typeface="Times New Roman" panose="02020603050405020304" pitchFamily="18" charset="0"/>
+                <a:ea typeface="宋体" panose="02010600030101010101" pitchFamily="2" charset="-122"/>
+                <a:cs typeface="Times New Roman" panose="02020603050405020304" pitchFamily="18" charset="0"/>
+              </a:rPr>
+              <a:t>定义了车辆的优先通行规则，比如避让直行，或者右转现行等。</a:t>
+            </a:r>
+            <a:endParaRPr lang="en-US" altLang="zh-CN" sz="2000" dirty="0">
+              <a:latin typeface="Times New Roman" panose="02020603050405020304" pitchFamily="18" charset="0"/>
+              <a:ea typeface="宋体" panose="02010600030101010101" pitchFamily="2" charset="-122"/>
+              <a:cs typeface="Times New Roman" panose="02020603050405020304" pitchFamily="18" charset="0"/>
+            </a:endParaRPr>
+          </a:p>
+          <a:p>
+            <a:r>
+              <a:rPr lang="en-US" altLang="zh-CN" sz="2000" dirty="0">
+                <a:latin typeface="Times New Roman" panose="02020603050405020304" pitchFamily="18" charset="0"/>
+                <a:ea typeface="宋体" panose="02010600030101010101" pitchFamily="2" charset="-122"/>
+                <a:cs typeface="Times New Roman" panose="02020603050405020304" pitchFamily="18" charset="0"/>
+              </a:rPr>
+              <a:t>    road</a:t>
+            </a:r>
+            <a:r>
+              <a:rPr lang="zh-CN" altLang="en-US" sz="2000" dirty="0">
+                <a:latin typeface="Times New Roman" panose="02020603050405020304" pitchFamily="18" charset="0"/>
+                <a:ea typeface="宋体" panose="02010600030101010101" pitchFamily="2" charset="-122"/>
+                <a:cs typeface="Times New Roman" panose="02020603050405020304" pitchFamily="18" charset="0"/>
+              </a:rPr>
+              <a:t>定义了很多生成道路的方法，要结合车道线。</a:t>
+            </a:r>
+            <a:endParaRPr lang="en-US" altLang="zh-CN" sz="2000" dirty="0">
+              <a:latin typeface="Times New Roman" panose="02020603050405020304" pitchFamily="18" charset="0"/>
+              <a:ea typeface="宋体" panose="02010600030101010101" pitchFamily="2" charset="-122"/>
+              <a:cs typeface="Times New Roman" panose="02020603050405020304" pitchFamily="18" charset="0"/>
+            </a:endParaRPr>
+          </a:p>
+          <a:p>
+            <a:r>
+              <a:rPr lang="en-US" altLang="zh-CN" sz="2000" dirty="0">
+                <a:latin typeface="Times New Roman" panose="02020603050405020304" pitchFamily="18" charset="0"/>
+                <a:ea typeface="宋体" panose="02010600030101010101" pitchFamily="2" charset="-122"/>
+                <a:cs typeface="Times New Roman" panose="02020603050405020304" pitchFamily="18" charset="0"/>
+              </a:rPr>
+              <a:t>vehicle</a:t>
+            </a:r>
+            <a:r>
+              <a:rPr lang="zh-CN" altLang="en-US" sz="2000" dirty="0">
+                <a:latin typeface="Times New Roman" panose="02020603050405020304" pitchFamily="18" charset="0"/>
+                <a:ea typeface="宋体" panose="02010600030101010101" pitchFamily="2" charset="-122"/>
+                <a:cs typeface="Times New Roman" panose="02020603050405020304" pitchFamily="18" charset="0"/>
+              </a:rPr>
+              <a:t>文件：</a:t>
+            </a:r>
+            <a:endParaRPr lang="en-US" altLang="zh-CN" sz="2000" dirty="0">
+              <a:latin typeface="Times New Roman" panose="02020603050405020304" pitchFamily="18" charset="0"/>
+              <a:ea typeface="宋体" panose="02010600030101010101" pitchFamily="2" charset="-122"/>
+              <a:cs typeface="Times New Roman" panose="02020603050405020304" pitchFamily="18" charset="0"/>
+            </a:endParaRPr>
+          </a:p>
+          <a:p>
+            <a:r>
+              <a:rPr lang="en-US" altLang="zh-CN" sz="2000" dirty="0">
+                <a:latin typeface="Times New Roman" panose="02020603050405020304" pitchFamily="18" charset="0"/>
+                <a:ea typeface="宋体" panose="02010600030101010101" pitchFamily="2" charset="-122"/>
+                <a:cs typeface="Times New Roman" panose="02020603050405020304" pitchFamily="18" charset="0"/>
+              </a:rPr>
+              <a:t>    behavior</a:t>
+            </a:r>
+            <a:r>
+              <a:rPr lang="zh-CN" altLang="en-US" sz="2000" dirty="0">
+                <a:latin typeface="Times New Roman" panose="02020603050405020304" pitchFamily="18" charset="0"/>
+                <a:ea typeface="宋体" panose="02010600030101010101" pitchFamily="2" charset="-122"/>
+                <a:cs typeface="Times New Roman" panose="02020603050405020304" pitchFamily="18" charset="0"/>
+              </a:rPr>
+              <a:t>文件中主要定义了纵向和横向两种控制策略的方法，定义车辆间的行为控制。</a:t>
+            </a:r>
+            <a:endParaRPr lang="en-US" altLang="zh-CN" sz="2000" dirty="0">
+              <a:latin typeface="Times New Roman" panose="02020603050405020304" pitchFamily="18" charset="0"/>
+              <a:ea typeface="宋体" panose="02010600030101010101" pitchFamily="2" charset="-122"/>
+              <a:cs typeface="Times New Roman" panose="02020603050405020304" pitchFamily="18" charset="0"/>
+            </a:endParaRPr>
+          </a:p>
+          <a:p>
+            <a:r>
+              <a:rPr lang="en-US" altLang="zh-CN" sz="2000" dirty="0">
+                <a:latin typeface="Times New Roman" panose="02020603050405020304" pitchFamily="18" charset="0"/>
+                <a:ea typeface="宋体" panose="02010600030101010101" pitchFamily="2" charset="-122"/>
+                <a:cs typeface="Times New Roman" panose="02020603050405020304" pitchFamily="18" charset="0"/>
+              </a:rPr>
+              <a:t>    controller</a:t>
+            </a:r>
+            <a:r>
+              <a:rPr lang="zh-CN" altLang="en-US" sz="2000" dirty="0">
+                <a:latin typeface="Times New Roman" panose="02020603050405020304" pitchFamily="18" charset="0"/>
+                <a:ea typeface="宋体" panose="02010600030101010101" pitchFamily="2" charset="-122"/>
+                <a:cs typeface="Times New Roman" panose="02020603050405020304" pitchFamily="18" charset="0"/>
+              </a:rPr>
+              <a:t>文件定义了主车执行动作的控制逻辑。</a:t>
+            </a:r>
+            <a:endParaRPr lang="en-US" altLang="zh-CN" sz="2000" dirty="0">
+              <a:latin typeface="Times New Roman" panose="02020603050405020304" pitchFamily="18" charset="0"/>
+              <a:ea typeface="宋体" panose="02010600030101010101" pitchFamily="2" charset="-122"/>
+              <a:cs typeface="Times New Roman" panose="02020603050405020304" pitchFamily="18" charset="0"/>
+            </a:endParaRPr>
+          </a:p>
+          <a:p>
+            <a:r>
+              <a:rPr lang="en-US" altLang="zh-CN" sz="2000" dirty="0">
+                <a:latin typeface="Times New Roman" panose="02020603050405020304" pitchFamily="18" charset="0"/>
+                <a:ea typeface="宋体" panose="02010600030101010101" pitchFamily="2" charset="-122"/>
+                <a:cs typeface="Times New Roman" panose="02020603050405020304" pitchFamily="18" charset="0"/>
+              </a:rPr>
+              <a:t>    objects</a:t>
+            </a:r>
+            <a:r>
+              <a:rPr lang="zh-CN" altLang="en-US" sz="2000" dirty="0">
+                <a:latin typeface="Times New Roman" panose="02020603050405020304" pitchFamily="18" charset="0"/>
+                <a:ea typeface="宋体" panose="02010600030101010101" pitchFamily="2" charset="-122"/>
+                <a:cs typeface="Times New Roman" panose="02020603050405020304" pitchFamily="18" charset="0"/>
+              </a:rPr>
+              <a:t>应该是将道路中所有对象都看成矩形，可以调整车的大小。</a:t>
+            </a:r>
+            <a:endParaRPr lang="en-US" altLang="zh-CN" sz="2000" dirty="0">
+              <a:latin typeface="Times New Roman" panose="02020603050405020304" pitchFamily="18" charset="0"/>
+              <a:ea typeface="宋体" panose="02010600030101010101" pitchFamily="2" charset="-122"/>
+              <a:cs typeface="Times New Roman" panose="02020603050405020304" pitchFamily="18" charset="0"/>
+            </a:endParaRPr>
+          </a:p>
+        </p:txBody>
+      </p:sp>
+    </p:spTree>
+    <p:extLst>
+      <p:ext uri="{BB962C8B-B14F-4D97-AF65-F5344CB8AC3E}">
+        <p14:creationId xmlns:p14="http://schemas.microsoft.com/office/powerpoint/2010/main" val="2757231215"/>
+      </p:ext>
+    </p:extLst>
+  </p:cSld>
+  <p:clrMapOvr>
+    <a:masterClrMapping/>
+  </p:clrMapOvr>
+</p:sld>
+</file>
+
+<file path=ppt/slides/slide3.xml><?xml version="1.0" encoding="utf-8"?>
 <p:sld xmlns:a="http://schemas.openxmlformats.org/drawingml/2006/main" xmlns:r="http://schemas.openxmlformats.org/officeDocument/2006/relationships" xmlns:p="http://schemas.openxmlformats.org/presentationml/2006/main">
   <p:cSld>
     <p:spTree>
@@ -3973,7 +4760,7 @@
 </p:sld>
 </file>
 
-<file path=ppt/slides/slide3.xml><?xml version="1.0" encoding="utf-8"?>
+<file path=ppt/slides/slide4.xml><?xml version="1.0" encoding="utf-8"?>
 <p:sld xmlns:a="http://schemas.openxmlformats.org/drawingml/2006/main" xmlns:r="http://schemas.openxmlformats.org/officeDocument/2006/relationships" xmlns:p="http://schemas.openxmlformats.org/presentationml/2006/main">
   <p:cSld>
     <p:spTree>
@@ -4112,7 +4899,7 @@
 </p:sld>
 </file>
 
-<file path=ppt/slides/slide4.xml><?xml version="1.0" encoding="utf-8"?>
+<file path=ppt/slides/slide5.xml><?xml version="1.0" encoding="utf-8"?>
 <p:sld xmlns:a="http://schemas.openxmlformats.org/drawingml/2006/main" xmlns:r="http://schemas.openxmlformats.org/officeDocument/2006/relationships" xmlns:p="http://schemas.openxmlformats.org/presentationml/2006/main">
   <p:cSld>
     <p:spTree>
@@ -4985,7 +5772,7 @@
 </p:sld>
 </file>
 
-<file path=ppt/slides/slide5.xml><?xml version="1.0" encoding="utf-8"?>
+<file path=ppt/slides/slide6.xml><?xml version="1.0" encoding="utf-8"?>
 <p:sld xmlns:a="http://schemas.openxmlformats.org/drawingml/2006/main" xmlns:r="http://schemas.openxmlformats.org/officeDocument/2006/relationships" xmlns:p="http://schemas.openxmlformats.org/presentationml/2006/main">
   <p:cSld>
     <p:spTree>
@@ -5677,7 +6464,7 @@
 </p:sld>
 </file>
 
-<file path=ppt/slides/slide6.xml><?xml version="1.0" encoding="utf-8"?>
+<file path=ppt/slides/slide7.xml><?xml version="1.0" encoding="utf-8"?>
 <p:sld xmlns:a="http://schemas.openxmlformats.org/drawingml/2006/main" xmlns:r="http://schemas.openxmlformats.org/officeDocument/2006/relationships" xmlns:p="http://schemas.openxmlformats.org/presentationml/2006/main">
   <p:cSld>
     <p:spTree>
@@ -5757,7 +6544,7 @@
 </p:sld>
 </file>
 
-<file path=ppt/slides/slide7.xml><?xml version="1.0" encoding="utf-8"?>
+<file path=ppt/slides/slide8.xml><?xml version="1.0" encoding="utf-8"?>
 <p:sld xmlns:a="http://schemas.openxmlformats.org/drawingml/2006/main" xmlns:r="http://schemas.openxmlformats.org/officeDocument/2006/relationships" xmlns:p="http://schemas.openxmlformats.org/presentationml/2006/main">
   <p:cSld>
     <p:spTree>
@@ -6279,7 +7066,7 @@
 </p:sld>
 </file>
 
-<file path=ppt/slides/slide8.xml><?xml version="1.0" encoding="utf-8"?>
+<file path=ppt/slides/slide9.xml><?xml version="1.0" encoding="utf-8"?>
 <p:sld xmlns:a="http://schemas.openxmlformats.org/drawingml/2006/main" xmlns:r="http://schemas.openxmlformats.org/officeDocument/2006/relationships" xmlns:p="http://schemas.openxmlformats.org/presentationml/2006/main">
   <p:cSld>
     <p:spTree>
@@ -7030,212 +7817,6 @@
     <p:extLst>
       <p:ext uri="{BB962C8B-B14F-4D97-AF65-F5344CB8AC3E}">
         <p14:creationId xmlns:p14="http://schemas.microsoft.com/office/powerpoint/2010/main" val="3138742476"/>
-      </p:ext>
-    </p:extLst>
-  </p:cSld>
-  <p:clrMapOvr>
-    <a:masterClrMapping/>
-  </p:clrMapOvr>
-</p:sld>
-</file>
-
-<file path=ppt/slides/slide9.xml><?xml version="1.0" encoding="utf-8"?>
-<p:sld xmlns:a="http://schemas.openxmlformats.org/drawingml/2006/main" xmlns:r="http://schemas.openxmlformats.org/officeDocument/2006/relationships" xmlns:p="http://schemas.openxmlformats.org/presentationml/2006/main">
-  <p:cSld>
-    <p:spTree>
-      <p:nvGrpSpPr>
-        <p:cNvPr id="1" name="">
-          <a:extLst>
-            <a:ext uri="{FF2B5EF4-FFF2-40B4-BE49-F238E27FC236}">
-              <a16:creationId xmlns:a16="http://schemas.microsoft.com/office/drawing/2014/main" id="{4B2CC4CC-3ED1-610A-AA59-F1AFFBB5566C}"/>
-            </a:ext>
-          </a:extLst>
-        </p:cNvPr>
-        <p:cNvGrpSpPr/>
-        <p:nvPr/>
-      </p:nvGrpSpPr>
-      <p:grpSpPr>
-        <a:xfrm>
-          <a:off x="0" y="0"/>
-          <a:ext cx="0" cy="0"/>
-          <a:chOff x="0" y="0"/>
-          <a:chExt cx="0" cy="0"/>
-        </a:xfrm>
-      </p:grpSpPr>
-      <p:sp>
-        <p:nvSpPr>
-          <p:cNvPr id="4" name="文本框 3">
-            <a:extLst>
-              <a:ext uri="{FF2B5EF4-FFF2-40B4-BE49-F238E27FC236}">
-                <a16:creationId xmlns:a16="http://schemas.microsoft.com/office/drawing/2014/main" id="{8A5A5CD4-EA5D-8733-A536-670530F4C7BE}"/>
-              </a:ext>
-            </a:extLst>
-          </p:cNvPr>
-          <p:cNvSpPr txBox="1"/>
-          <p:nvPr/>
-        </p:nvSpPr>
-        <p:spPr>
-          <a:xfrm>
-            <a:off x="231530" y="181707"/>
-            <a:ext cx="3760177" cy="523220"/>
-          </a:xfrm>
-          <a:prstGeom prst="rect">
-            <a:avLst/>
-          </a:prstGeom>
-          <a:noFill/>
-        </p:spPr>
-        <p:txBody>
-          <a:bodyPr wrap="square" rtlCol="0">
-            <a:spAutoFit/>
-          </a:bodyPr>
-          <a:lstStyle/>
-          <a:p>
-            <a:r>
-              <a:rPr lang="en-US" altLang="zh-CN" sz="2800" dirty="0">
-                <a:latin typeface="Times New Roman" panose="02020603050405020304" pitchFamily="18" charset="0"/>
-                <a:ea typeface="宋体" panose="02010600030101010101" pitchFamily="2" charset="-122"/>
-                <a:cs typeface="Times New Roman" panose="02020603050405020304" pitchFamily="18" charset="0"/>
-              </a:rPr>
-              <a:t>road—lane.py</a:t>
-            </a:r>
-          </a:p>
-        </p:txBody>
-      </p:sp>
-      <p:sp>
-        <p:nvSpPr>
-          <p:cNvPr id="2" name="文本框 1">
-            <a:extLst>
-              <a:ext uri="{FF2B5EF4-FFF2-40B4-BE49-F238E27FC236}">
-                <a16:creationId xmlns:a16="http://schemas.microsoft.com/office/drawing/2014/main" id="{1487F6DA-BD7D-F623-06FA-3312002AC4BA}"/>
-              </a:ext>
-            </a:extLst>
-          </p:cNvPr>
-          <p:cNvSpPr txBox="1"/>
-          <p:nvPr/>
-        </p:nvSpPr>
-        <p:spPr>
-          <a:xfrm>
-            <a:off x="231529" y="838200"/>
-            <a:ext cx="11884271" cy="2492990"/>
-          </a:xfrm>
-          <a:prstGeom prst="rect">
-            <a:avLst/>
-          </a:prstGeom>
-          <a:noFill/>
-        </p:spPr>
-        <p:txBody>
-          <a:bodyPr wrap="square" rtlCol="0">
-            <a:spAutoFit/>
-          </a:bodyPr>
-          <a:lstStyle/>
-          <a:p>
-            <a:r>
-              <a:rPr lang="en-US" altLang="zh-CN" sz="2800" dirty="0">
-                <a:latin typeface="Times New Roman" panose="02020603050405020304" pitchFamily="18" charset="0"/>
-                <a:ea typeface="宋体" panose="02010600030101010101" pitchFamily="2" charset="-122"/>
-                <a:cs typeface="Times New Roman" panose="02020603050405020304" pitchFamily="18" charset="0"/>
-              </a:rPr>
-              <a:t>Class </a:t>
-            </a:r>
-            <a:r>
-              <a:rPr lang="en-US" altLang="zh-CN" sz="2800" dirty="0" err="1">
-                <a:latin typeface="Times New Roman" panose="02020603050405020304" pitchFamily="18" charset="0"/>
-                <a:ea typeface="宋体" panose="02010600030101010101" pitchFamily="2" charset="-122"/>
-                <a:cs typeface="Times New Roman" panose="02020603050405020304" pitchFamily="18" charset="0"/>
-              </a:rPr>
-              <a:t>AbstractLane</a:t>
-            </a:r>
-            <a:r>
-              <a:rPr lang="zh-CN" altLang="en-US" sz="2800" dirty="0">
-                <a:latin typeface="Times New Roman" panose="02020603050405020304" pitchFamily="18" charset="0"/>
-                <a:ea typeface="宋体" panose="02010600030101010101" pitchFamily="2" charset="-122"/>
-                <a:cs typeface="Times New Roman" panose="02020603050405020304" pitchFamily="18" charset="0"/>
-              </a:rPr>
-              <a:t>：</a:t>
-            </a:r>
-            <a:endParaRPr lang="en-US" altLang="zh-CN" sz="2800" dirty="0">
-              <a:latin typeface="Times New Roman" panose="02020603050405020304" pitchFamily="18" charset="0"/>
-              <a:ea typeface="宋体" panose="02010600030101010101" pitchFamily="2" charset="-122"/>
-              <a:cs typeface="Times New Roman" panose="02020603050405020304" pitchFamily="18" charset="0"/>
-            </a:endParaRPr>
-          </a:p>
-          <a:p>
-            <a:endParaRPr lang="en-US" altLang="zh-CN" sz="2800" dirty="0">
-              <a:latin typeface="Times New Roman" panose="02020603050405020304" pitchFamily="18" charset="0"/>
-              <a:ea typeface="宋体" panose="02010600030101010101" pitchFamily="2" charset="-122"/>
-              <a:cs typeface="Times New Roman" panose="02020603050405020304" pitchFamily="18" charset="0"/>
-            </a:endParaRPr>
-          </a:p>
-          <a:p>
-            <a:endParaRPr lang="en-US" altLang="zh-CN" sz="2800" dirty="0">
-              <a:latin typeface="Times New Roman" panose="02020603050405020304" pitchFamily="18" charset="0"/>
-              <a:ea typeface="宋体" panose="02010600030101010101" pitchFamily="2" charset="-122"/>
-              <a:cs typeface="Times New Roman" panose="02020603050405020304" pitchFamily="18" charset="0"/>
-            </a:endParaRPr>
-          </a:p>
-          <a:p>
-            <a:r>
-              <a:rPr lang="en-US" altLang="zh-CN" sz="2400" dirty="0">
-                <a:solidFill>
-                  <a:srgbClr val="FF0000"/>
-                </a:solidFill>
-                <a:latin typeface="Times New Roman" panose="02020603050405020304" pitchFamily="18" charset="0"/>
-                <a:ea typeface="宋体" panose="02010600030101010101" pitchFamily="2" charset="-122"/>
-                <a:cs typeface="Times New Roman" panose="02020603050405020304" pitchFamily="18" charset="0"/>
-              </a:rPr>
-              <a:t>def __</a:t>
-            </a:r>
-            <a:r>
-              <a:rPr lang="en-US" altLang="zh-CN" sz="2400" dirty="0" err="1">
-                <a:solidFill>
-                  <a:srgbClr val="FF0000"/>
-                </a:solidFill>
-                <a:latin typeface="Times New Roman" panose="02020603050405020304" pitchFamily="18" charset="0"/>
-                <a:ea typeface="宋体" panose="02010600030101010101" pitchFamily="2" charset="-122"/>
-                <a:cs typeface="Times New Roman" panose="02020603050405020304" pitchFamily="18" charset="0"/>
-              </a:rPr>
-              <a:t>init</a:t>
-            </a:r>
-            <a:r>
-              <a:rPr lang="en-US" altLang="zh-CN" sz="2400" dirty="0">
-                <a:solidFill>
-                  <a:srgbClr val="FF0000"/>
-                </a:solidFill>
-                <a:latin typeface="Times New Roman" panose="02020603050405020304" pitchFamily="18" charset="0"/>
-                <a:ea typeface="宋体" panose="02010600030101010101" pitchFamily="2" charset="-122"/>
-                <a:cs typeface="Times New Roman" panose="02020603050405020304" pitchFamily="18" charset="0"/>
-              </a:rPr>
-              <a:t>__(self, points: list[tuple[float, float]]):</a:t>
-            </a:r>
-          </a:p>
-          <a:p>
-            <a:r>
-              <a:rPr lang="zh-CN" altLang="en-US" sz="2400" dirty="0">
-                <a:latin typeface="Times New Roman" panose="02020603050405020304" pitchFamily="18" charset="0"/>
-                <a:ea typeface="宋体" panose="02010600030101010101" pitchFamily="2" charset="-122"/>
-                <a:cs typeface="Times New Roman" panose="02020603050405020304" pitchFamily="18" charset="0"/>
-              </a:rPr>
-              <a:t>初始化一系列的变量。</a:t>
-            </a:r>
-            <a:endParaRPr lang="en-US" altLang="zh-CN" sz="2400" dirty="0">
-              <a:latin typeface="Times New Roman" panose="02020603050405020304" pitchFamily="18" charset="0"/>
-              <a:ea typeface="宋体" panose="02010600030101010101" pitchFamily="2" charset="-122"/>
-              <a:cs typeface="Times New Roman" panose="02020603050405020304" pitchFamily="18" charset="0"/>
-            </a:endParaRPr>
-          </a:p>
-          <a:p>
-            <a:endParaRPr lang="en-US" altLang="zh-CN" sz="2400" dirty="0">
-              <a:latin typeface="Times New Roman" panose="02020603050405020304" pitchFamily="18" charset="0"/>
-              <a:ea typeface="宋体" panose="02010600030101010101" pitchFamily="2" charset="-122"/>
-              <a:cs typeface="Times New Roman" panose="02020603050405020304" pitchFamily="18" charset="0"/>
-            </a:endParaRPr>
-          </a:p>
-        </p:txBody>
-      </p:sp>
-    </p:spTree>
-    <p:extLst>
-      <p:ext uri="{BB962C8B-B14F-4D97-AF65-F5344CB8AC3E}">
-        <p14:creationId xmlns:p14="http://schemas.microsoft.com/office/powerpoint/2010/main" val="3935121053"/>
       </p:ext>
     </p:extLst>
   </p:cSld>

--- a/Highway_env代码学习.pptx
+++ b/Highway_env代码学习.pptx
@@ -15,7 +15,8 @@
     <p:sldId id="260" r:id="rId9"/>
     <p:sldId id="258" r:id="rId10"/>
     <p:sldId id="265" r:id="rId11"/>
-    <p:sldId id="259" r:id="rId12"/>
+    <p:sldId id="267" r:id="rId12"/>
+    <p:sldId id="259" r:id="rId13"/>
   </p:sldIdLst>
   <p:sldSz cx="12192000" cy="6858000"/>
   <p:notesSz cx="6858000" cy="9144000"/>
@@ -269,7 +270,7 @@
           <a:p>
             <a:fld id="{17045EF3-7B5E-4271-926B-403AF402102D}" type="datetimeFigureOut">
               <a:rPr lang="zh-CN" altLang="en-US" smtClean="0"/>
-              <a:t>2024/11/16</a:t>
+              <a:t>2024/11/17</a:t>
             </a:fld>
             <a:endParaRPr lang="zh-CN" altLang="en-US"/>
           </a:p>
@@ -467,7 +468,7 @@
           <a:p>
             <a:fld id="{17045EF3-7B5E-4271-926B-403AF402102D}" type="datetimeFigureOut">
               <a:rPr lang="zh-CN" altLang="en-US" smtClean="0"/>
-              <a:t>2024/11/16</a:t>
+              <a:t>2024/11/17</a:t>
             </a:fld>
             <a:endParaRPr lang="zh-CN" altLang="en-US"/>
           </a:p>
@@ -675,7 +676,7 @@
           <a:p>
             <a:fld id="{17045EF3-7B5E-4271-926B-403AF402102D}" type="datetimeFigureOut">
               <a:rPr lang="zh-CN" altLang="en-US" smtClean="0"/>
-              <a:t>2024/11/16</a:t>
+              <a:t>2024/11/17</a:t>
             </a:fld>
             <a:endParaRPr lang="zh-CN" altLang="en-US"/>
           </a:p>
@@ -873,7 +874,7 @@
           <a:p>
             <a:fld id="{17045EF3-7B5E-4271-926B-403AF402102D}" type="datetimeFigureOut">
               <a:rPr lang="zh-CN" altLang="en-US" smtClean="0"/>
-              <a:t>2024/11/16</a:t>
+              <a:t>2024/11/17</a:t>
             </a:fld>
             <a:endParaRPr lang="zh-CN" altLang="en-US"/>
           </a:p>
@@ -1148,7 +1149,7 @@
           <a:p>
             <a:fld id="{17045EF3-7B5E-4271-926B-403AF402102D}" type="datetimeFigureOut">
               <a:rPr lang="zh-CN" altLang="en-US" smtClean="0"/>
-              <a:t>2024/11/16</a:t>
+              <a:t>2024/11/17</a:t>
             </a:fld>
             <a:endParaRPr lang="zh-CN" altLang="en-US"/>
           </a:p>
@@ -1413,7 +1414,7 @@
           <a:p>
             <a:fld id="{17045EF3-7B5E-4271-926B-403AF402102D}" type="datetimeFigureOut">
               <a:rPr lang="zh-CN" altLang="en-US" smtClean="0"/>
-              <a:t>2024/11/16</a:t>
+              <a:t>2024/11/17</a:t>
             </a:fld>
             <a:endParaRPr lang="zh-CN" altLang="en-US"/>
           </a:p>
@@ -1825,7 +1826,7 @@
           <a:p>
             <a:fld id="{17045EF3-7B5E-4271-926B-403AF402102D}" type="datetimeFigureOut">
               <a:rPr lang="zh-CN" altLang="en-US" smtClean="0"/>
-              <a:t>2024/11/16</a:t>
+              <a:t>2024/11/17</a:t>
             </a:fld>
             <a:endParaRPr lang="zh-CN" altLang="en-US"/>
           </a:p>
@@ -1966,7 +1967,7 @@
           <a:p>
             <a:fld id="{17045EF3-7B5E-4271-926B-403AF402102D}" type="datetimeFigureOut">
               <a:rPr lang="zh-CN" altLang="en-US" smtClean="0"/>
-              <a:t>2024/11/16</a:t>
+              <a:t>2024/11/17</a:t>
             </a:fld>
             <a:endParaRPr lang="zh-CN" altLang="en-US"/>
           </a:p>
@@ -2079,7 +2080,7 @@
           <a:p>
             <a:fld id="{17045EF3-7B5E-4271-926B-403AF402102D}" type="datetimeFigureOut">
               <a:rPr lang="zh-CN" altLang="en-US" smtClean="0"/>
-              <a:t>2024/11/16</a:t>
+              <a:t>2024/11/17</a:t>
             </a:fld>
             <a:endParaRPr lang="zh-CN" altLang="en-US"/>
           </a:p>
@@ -2390,7 +2391,7 @@
           <a:p>
             <a:fld id="{17045EF3-7B5E-4271-926B-403AF402102D}" type="datetimeFigureOut">
               <a:rPr lang="zh-CN" altLang="en-US" smtClean="0"/>
-              <a:t>2024/11/16</a:t>
+              <a:t>2024/11/17</a:t>
             </a:fld>
             <a:endParaRPr lang="zh-CN" altLang="en-US"/>
           </a:p>
@@ -2678,7 +2679,7 @@
           <a:p>
             <a:fld id="{17045EF3-7B5E-4271-926B-403AF402102D}" type="datetimeFigureOut">
               <a:rPr lang="zh-CN" altLang="en-US" smtClean="0"/>
-              <a:t>2024/11/16</a:t>
+              <a:t>2024/11/17</a:t>
             </a:fld>
             <a:endParaRPr lang="zh-CN" altLang="en-US"/>
           </a:p>
@@ -2919,7 +2920,7 @@
           <a:p>
             <a:fld id="{17045EF3-7B5E-4271-926B-403AF402102D}" type="datetimeFigureOut">
               <a:rPr lang="zh-CN" altLang="en-US" smtClean="0"/>
-              <a:t>2024/11/16</a:t>
+              <a:t>2024/11/17</a:t>
             </a:fld>
             <a:endParaRPr lang="zh-CN" altLang="en-US"/>
           </a:p>
@@ -3460,10 +3461,10 @@
       </p:sp>
       <p:sp>
         <p:nvSpPr>
-          <p:cNvPr id="2" name="文本框 1">
-            <a:extLst>
-              <a:ext uri="{FF2B5EF4-FFF2-40B4-BE49-F238E27FC236}">
-                <a16:creationId xmlns:a16="http://schemas.microsoft.com/office/drawing/2014/main" id="{1487F6DA-BD7D-F623-06FA-3312002AC4BA}"/>
+          <p:cNvPr id="3" name="文本框 2">
+            <a:extLst>
+              <a:ext uri="{FF2B5EF4-FFF2-40B4-BE49-F238E27FC236}">
+                <a16:creationId xmlns:a16="http://schemas.microsoft.com/office/drawing/2014/main" id="{94D76436-E09B-C072-1680-BA08A6D4B72B}"/>
               </a:ext>
             </a:extLst>
           </p:cNvPr>
@@ -3472,8 +3473,8 @@
         </p:nvSpPr>
         <p:spPr>
           <a:xfrm>
-            <a:off x="231529" y="838200"/>
-            <a:ext cx="11884271" cy="2492990"/>
+            <a:off x="4736462" y="464158"/>
+            <a:ext cx="2013504" cy="481537"/>
           </a:xfrm>
           <a:prstGeom prst="rect">
             <a:avLst/>
@@ -3486,109 +3487,508 @@
           </a:bodyPr>
           <a:lstStyle/>
           <a:p>
-            <a:r>
-              <a:rPr lang="en-US" altLang="zh-CN" sz="2800" dirty="0">
-                <a:latin typeface="Times New Roman" panose="02020603050405020304" pitchFamily="18" charset="0"/>
-                <a:ea typeface="宋体" panose="02010600030101010101" pitchFamily="2" charset="-122"/>
-                <a:cs typeface="Times New Roman" panose="02020603050405020304" pitchFamily="18" charset="0"/>
-              </a:rPr>
-              <a:t>Class </a:t>
-            </a:r>
-            <a:r>
-              <a:rPr lang="en-US" altLang="zh-CN" sz="2800" dirty="0" err="1">
-                <a:latin typeface="Times New Roman" panose="02020603050405020304" pitchFamily="18" charset="0"/>
-                <a:ea typeface="宋体" panose="02010600030101010101" pitchFamily="2" charset="-122"/>
+            <a:pPr algn="ctr"/>
+            <a:r>
+              <a:rPr lang="en-US" altLang="zh-CN" sz="2000" dirty="0">
+                <a:latin typeface="Times New Roman" panose="02020603050405020304" pitchFamily="18" charset="0"/>
                 <a:cs typeface="Times New Roman" panose="02020603050405020304" pitchFamily="18" charset="0"/>
               </a:rPr>
               <a:t>AbstractLane</a:t>
             </a:r>
-            <a:r>
-              <a:rPr lang="zh-CN" altLang="en-US" sz="2800" dirty="0">
-                <a:latin typeface="Times New Roman" panose="02020603050405020304" pitchFamily="18" charset="0"/>
-                <a:ea typeface="宋体" panose="02010600030101010101" pitchFamily="2" charset="-122"/>
-                <a:cs typeface="Times New Roman" panose="02020603050405020304" pitchFamily="18" charset="0"/>
-              </a:rPr>
-              <a:t>：</a:t>
-            </a:r>
-            <a:endParaRPr lang="en-US" altLang="zh-CN" sz="2800" dirty="0">
+            <a:endParaRPr lang="zh-CN" altLang="en-US" sz="2000" dirty="0">
               <a:latin typeface="Times New Roman" panose="02020603050405020304" pitchFamily="18" charset="0"/>
-              <a:ea typeface="宋体" panose="02010600030101010101" pitchFamily="2" charset="-122"/>
               <a:cs typeface="Times New Roman" panose="02020603050405020304" pitchFamily="18" charset="0"/>
             </a:endParaRPr>
           </a:p>
-          <a:p>
-            <a:endParaRPr lang="en-US" altLang="zh-CN" sz="2800" dirty="0">
+        </p:txBody>
+      </p:sp>
+      <p:sp>
+        <p:nvSpPr>
+          <p:cNvPr id="5" name="文本框 4">
+            <a:extLst>
+              <a:ext uri="{FF2B5EF4-FFF2-40B4-BE49-F238E27FC236}">
+                <a16:creationId xmlns:a16="http://schemas.microsoft.com/office/drawing/2014/main" id="{F0C371E8-352C-8940-CCDB-959475584A04}"/>
+              </a:ext>
+            </a:extLst>
+          </p:cNvPr>
+          <p:cNvSpPr txBox="1"/>
+          <p:nvPr/>
+        </p:nvSpPr>
+        <p:spPr>
+          <a:xfrm>
+            <a:off x="2820581" y="5335096"/>
+            <a:ext cx="2013504" cy="400110"/>
+          </a:xfrm>
+          <a:prstGeom prst="rect">
+            <a:avLst/>
+          </a:prstGeom>
+          <a:noFill/>
+        </p:spPr>
+        <p:txBody>
+          <a:bodyPr wrap="square" rtlCol="0">
+            <a:spAutoFit/>
+          </a:bodyPr>
+          <a:lstStyle/>
+          <a:p>
+            <a:pPr algn="ctr"/>
+            <a:r>
+              <a:rPr lang="en-US" altLang="zh-CN" sz="2000" dirty="0">
+                <a:latin typeface="Times New Roman" panose="02020603050405020304" pitchFamily="18" charset="0"/>
+                <a:cs typeface="Times New Roman" panose="02020603050405020304" pitchFamily="18" charset="0"/>
+              </a:rPr>
+              <a:t>LineType :</a:t>
+            </a:r>
+            <a:endParaRPr lang="zh-CN" altLang="en-US" sz="2000" dirty="0">
               <a:latin typeface="Times New Roman" panose="02020603050405020304" pitchFamily="18" charset="0"/>
-              <a:ea typeface="宋体" panose="02010600030101010101" pitchFamily="2" charset="-122"/>
               <a:cs typeface="Times New Roman" panose="02020603050405020304" pitchFamily="18" charset="0"/>
             </a:endParaRPr>
           </a:p>
-          <a:p>
-            <a:endParaRPr lang="en-US" altLang="zh-CN" sz="2800" dirty="0">
+        </p:txBody>
+      </p:sp>
+      <p:cxnSp>
+        <p:nvCxnSpPr>
+          <p:cNvPr id="7" name="直接箭头连接符 6">
+            <a:extLst>
+              <a:ext uri="{FF2B5EF4-FFF2-40B4-BE49-F238E27FC236}">
+                <a16:creationId xmlns:a16="http://schemas.microsoft.com/office/drawing/2014/main" id="{1A376976-644E-4FC9-2AB0-7376DF24463C}"/>
+              </a:ext>
+            </a:extLst>
+          </p:cNvPr>
+          <p:cNvCxnSpPr>
+            <a:cxnSpLocks/>
+            <a:stCxn id="9" idx="0"/>
+          </p:cNvCxnSpPr>
+          <p:nvPr/>
+        </p:nvCxnSpPr>
+        <p:spPr>
+          <a:xfrm flipV="1">
+            <a:off x="3035272" y="945695"/>
+            <a:ext cx="2127404" cy="1482078"/>
+          </a:xfrm>
+          <a:prstGeom prst="straightConnector1">
+            <a:avLst/>
+          </a:prstGeom>
+          <a:ln>
+            <a:tailEnd type="triangle"/>
+          </a:ln>
+        </p:spPr>
+        <p:style>
+          <a:lnRef idx="2">
+            <a:schemeClr val="dk1"/>
+          </a:lnRef>
+          <a:fillRef idx="0">
+            <a:schemeClr val="dk1"/>
+          </a:fillRef>
+          <a:effectRef idx="1">
+            <a:schemeClr val="dk1"/>
+          </a:effectRef>
+          <a:fontRef idx="minor">
+            <a:schemeClr val="tx1"/>
+          </a:fontRef>
+        </p:style>
+      </p:cxnSp>
+      <p:sp>
+        <p:nvSpPr>
+          <p:cNvPr id="9" name="文本框 8">
+            <a:extLst>
+              <a:ext uri="{FF2B5EF4-FFF2-40B4-BE49-F238E27FC236}">
+                <a16:creationId xmlns:a16="http://schemas.microsoft.com/office/drawing/2014/main" id="{9F239235-9A09-8FDC-6D55-B343C0E0A3B0}"/>
+              </a:ext>
+            </a:extLst>
+          </p:cNvPr>
+          <p:cNvSpPr txBox="1"/>
+          <p:nvPr/>
+        </p:nvSpPr>
+        <p:spPr>
+          <a:xfrm>
+            <a:off x="2061589" y="2427773"/>
+            <a:ext cx="1947367" cy="481537"/>
+          </a:xfrm>
+          <a:prstGeom prst="rect">
+            <a:avLst/>
+          </a:prstGeom>
+          <a:noFill/>
+        </p:spPr>
+        <p:txBody>
+          <a:bodyPr wrap="square" rtlCol="0">
+            <a:spAutoFit/>
+          </a:bodyPr>
+          <a:lstStyle/>
+          <a:p>
+            <a:pPr algn="ctr"/>
+            <a:r>
+              <a:rPr lang="en-US" altLang="zh-CN" sz="2000" dirty="0">
+                <a:latin typeface="Times New Roman" panose="02020603050405020304" pitchFamily="18" charset="0"/>
+                <a:cs typeface="Times New Roman" panose="02020603050405020304" pitchFamily="18" charset="0"/>
+              </a:rPr>
+              <a:t>StraightLane</a:t>
+            </a:r>
+            <a:endParaRPr lang="zh-CN" altLang="en-US" sz="2000" dirty="0">
               <a:latin typeface="Times New Roman" panose="02020603050405020304" pitchFamily="18" charset="0"/>
-              <a:ea typeface="宋体" panose="02010600030101010101" pitchFamily="2" charset="-122"/>
               <a:cs typeface="Times New Roman" panose="02020603050405020304" pitchFamily="18" charset="0"/>
             </a:endParaRPr>
           </a:p>
-          <a:p>
-            <a:r>
-              <a:rPr lang="en-US" altLang="zh-CN" sz="2400" dirty="0">
-                <a:solidFill>
-                  <a:srgbClr val="FF0000"/>
-                </a:solidFill>
-                <a:latin typeface="Times New Roman" panose="02020603050405020304" pitchFamily="18" charset="0"/>
-                <a:ea typeface="宋体" panose="02010600030101010101" pitchFamily="2" charset="-122"/>
-                <a:cs typeface="Times New Roman" panose="02020603050405020304" pitchFamily="18" charset="0"/>
-              </a:rPr>
-              <a:t>def __</a:t>
-            </a:r>
-            <a:r>
-              <a:rPr lang="en-US" altLang="zh-CN" sz="2400" dirty="0" err="1">
-                <a:solidFill>
-                  <a:srgbClr val="FF0000"/>
-                </a:solidFill>
-                <a:latin typeface="Times New Roman" panose="02020603050405020304" pitchFamily="18" charset="0"/>
-                <a:ea typeface="宋体" panose="02010600030101010101" pitchFamily="2" charset="-122"/>
-                <a:cs typeface="Times New Roman" panose="02020603050405020304" pitchFamily="18" charset="0"/>
-              </a:rPr>
-              <a:t>init</a:t>
-            </a:r>
-            <a:r>
-              <a:rPr lang="en-US" altLang="zh-CN" sz="2400" dirty="0">
-                <a:solidFill>
-                  <a:srgbClr val="FF0000"/>
-                </a:solidFill>
-                <a:latin typeface="Times New Roman" panose="02020603050405020304" pitchFamily="18" charset="0"/>
-                <a:ea typeface="宋体" panose="02010600030101010101" pitchFamily="2" charset="-122"/>
-                <a:cs typeface="Times New Roman" panose="02020603050405020304" pitchFamily="18" charset="0"/>
-              </a:rPr>
-              <a:t>__(self, points: list[tuple[float, float]]):</a:t>
-            </a:r>
-          </a:p>
-          <a:p>
-            <a:r>
-              <a:rPr lang="zh-CN" altLang="en-US" sz="2400" dirty="0">
-                <a:latin typeface="Times New Roman" panose="02020603050405020304" pitchFamily="18" charset="0"/>
-                <a:ea typeface="宋体" panose="02010600030101010101" pitchFamily="2" charset="-122"/>
-                <a:cs typeface="Times New Roman" panose="02020603050405020304" pitchFamily="18" charset="0"/>
-              </a:rPr>
-              <a:t>初始化一系列的变量。</a:t>
-            </a:r>
-            <a:endParaRPr lang="en-US" altLang="zh-CN" sz="2400" dirty="0">
+        </p:txBody>
+      </p:sp>
+      <p:sp>
+        <p:nvSpPr>
+          <p:cNvPr id="14" name="文本框 13">
+            <a:extLst>
+              <a:ext uri="{FF2B5EF4-FFF2-40B4-BE49-F238E27FC236}">
+                <a16:creationId xmlns:a16="http://schemas.microsoft.com/office/drawing/2014/main" id="{F15F7B82-0AE7-C94F-B3B3-E747AE9C14A3}"/>
+              </a:ext>
+            </a:extLst>
+          </p:cNvPr>
+          <p:cNvSpPr txBox="1"/>
+          <p:nvPr/>
+        </p:nvSpPr>
+        <p:spPr>
+          <a:xfrm>
+            <a:off x="2061589" y="3909851"/>
+            <a:ext cx="1947367" cy="481537"/>
+          </a:xfrm>
+          <a:prstGeom prst="rect">
+            <a:avLst/>
+          </a:prstGeom>
+          <a:noFill/>
+        </p:spPr>
+        <p:txBody>
+          <a:bodyPr wrap="square" rtlCol="0">
+            <a:spAutoFit/>
+          </a:bodyPr>
+          <a:lstStyle/>
+          <a:p>
+            <a:pPr algn="ctr"/>
+            <a:r>
+              <a:rPr lang="en-US" altLang="zh-CN" sz="2000" dirty="0">
+                <a:latin typeface="Times New Roman" panose="02020603050405020304" pitchFamily="18" charset="0"/>
+                <a:cs typeface="Times New Roman" panose="02020603050405020304" pitchFamily="18" charset="0"/>
+              </a:rPr>
+              <a:t>SineLane</a:t>
+            </a:r>
+            <a:endParaRPr lang="zh-CN" altLang="en-US" sz="2000" dirty="0">
               <a:latin typeface="Times New Roman" panose="02020603050405020304" pitchFamily="18" charset="0"/>
-              <a:ea typeface="宋体" panose="02010600030101010101" pitchFamily="2" charset="-122"/>
               <a:cs typeface="Times New Roman" panose="02020603050405020304" pitchFamily="18" charset="0"/>
             </a:endParaRPr>
           </a:p>
-          <a:p>
-            <a:endParaRPr lang="en-US" altLang="zh-CN" sz="2400" dirty="0">
-              <a:latin typeface="Times New Roman" panose="02020603050405020304" pitchFamily="18" charset="0"/>
-              <a:ea typeface="宋体" panose="02010600030101010101" pitchFamily="2" charset="-122"/>
-              <a:cs typeface="Times New Roman" panose="02020603050405020304" pitchFamily="18" charset="0"/>
-            </a:endParaRPr>
-          </a:p>
         </p:txBody>
       </p:sp>
+      <p:sp>
+        <p:nvSpPr>
+          <p:cNvPr id="15" name="文本框 14">
+            <a:extLst>
+              <a:ext uri="{FF2B5EF4-FFF2-40B4-BE49-F238E27FC236}">
+                <a16:creationId xmlns:a16="http://schemas.microsoft.com/office/drawing/2014/main" id="{018FE660-19DA-1F3A-97FA-CB0CCE77CFE3}"/>
+              </a:ext>
+            </a:extLst>
+          </p:cNvPr>
+          <p:cNvSpPr txBox="1"/>
+          <p:nvPr/>
+        </p:nvSpPr>
+        <p:spPr>
+          <a:xfrm>
+            <a:off x="4508658" y="2427773"/>
+            <a:ext cx="2219261" cy="481537"/>
+          </a:xfrm>
+          <a:prstGeom prst="rect">
+            <a:avLst/>
+          </a:prstGeom>
+          <a:noFill/>
+        </p:spPr>
+        <p:txBody>
+          <a:bodyPr wrap="square" rtlCol="0">
+            <a:spAutoFit/>
+          </a:bodyPr>
+          <a:lstStyle/>
+          <a:p>
+            <a:pPr algn="ctr"/>
+            <a:r>
+              <a:rPr lang="en-US" altLang="zh-CN" sz="2000" dirty="0">
+                <a:latin typeface="Times New Roman" panose="02020603050405020304" pitchFamily="18" charset="0"/>
+                <a:cs typeface="Times New Roman" panose="02020603050405020304" pitchFamily="18" charset="0"/>
+              </a:rPr>
+              <a:t>CircularLane</a:t>
+            </a:r>
+          </a:p>
+        </p:txBody>
+      </p:sp>
+      <p:sp>
+        <p:nvSpPr>
+          <p:cNvPr id="16" name="文本框 15">
+            <a:extLst>
+              <a:ext uri="{FF2B5EF4-FFF2-40B4-BE49-F238E27FC236}">
+                <a16:creationId xmlns:a16="http://schemas.microsoft.com/office/drawing/2014/main" id="{DEB9ADB1-FAF2-06F0-E1F8-EC735F77F5DE}"/>
+              </a:ext>
+            </a:extLst>
+          </p:cNvPr>
+          <p:cNvSpPr txBox="1"/>
+          <p:nvPr/>
+        </p:nvSpPr>
+        <p:spPr>
+          <a:xfrm>
+            <a:off x="7227619" y="2427773"/>
+            <a:ext cx="3226016" cy="481537"/>
+          </a:xfrm>
+          <a:prstGeom prst="rect">
+            <a:avLst/>
+          </a:prstGeom>
+          <a:noFill/>
+        </p:spPr>
+        <p:txBody>
+          <a:bodyPr wrap="square" rtlCol="0">
+            <a:spAutoFit/>
+          </a:bodyPr>
+          <a:lstStyle/>
+          <a:p>
+            <a:pPr algn="ctr"/>
+            <a:r>
+              <a:rPr lang="en-US" altLang="zh-CN" sz="2000" dirty="0">
+                <a:latin typeface="Times New Roman" panose="02020603050405020304" pitchFamily="18" charset="0"/>
+                <a:cs typeface="Times New Roman" panose="02020603050405020304" pitchFamily="18" charset="0"/>
+              </a:rPr>
+              <a:t>PolyLaneFixedWidth</a:t>
+            </a:r>
+          </a:p>
+        </p:txBody>
+      </p:sp>
+      <p:sp>
+        <p:nvSpPr>
+          <p:cNvPr id="17" name="文本框 16">
+            <a:extLst>
+              <a:ext uri="{FF2B5EF4-FFF2-40B4-BE49-F238E27FC236}">
+                <a16:creationId xmlns:a16="http://schemas.microsoft.com/office/drawing/2014/main" id="{80AEEA94-770D-21FF-8328-E018CB4A16A0}"/>
+              </a:ext>
+            </a:extLst>
+          </p:cNvPr>
+          <p:cNvSpPr txBox="1"/>
+          <p:nvPr/>
+        </p:nvSpPr>
+        <p:spPr>
+          <a:xfrm>
+            <a:off x="7866943" y="3909851"/>
+            <a:ext cx="1947367" cy="481537"/>
+          </a:xfrm>
+          <a:prstGeom prst="rect">
+            <a:avLst/>
+          </a:prstGeom>
+          <a:noFill/>
+        </p:spPr>
+        <p:txBody>
+          <a:bodyPr wrap="square" rtlCol="0">
+            <a:spAutoFit/>
+          </a:bodyPr>
+          <a:lstStyle/>
+          <a:p>
+            <a:pPr algn="ctr"/>
+            <a:r>
+              <a:rPr lang="en-US" altLang="zh-CN" sz="2000" dirty="0">
+                <a:latin typeface="Times New Roman" panose="02020603050405020304" pitchFamily="18" charset="0"/>
+                <a:cs typeface="Times New Roman" panose="02020603050405020304" pitchFamily="18" charset="0"/>
+              </a:rPr>
+              <a:t>PolyLane</a:t>
+            </a:r>
+          </a:p>
+        </p:txBody>
+      </p:sp>
+      <p:cxnSp>
+        <p:nvCxnSpPr>
+          <p:cNvPr id="19" name="直接箭头连接符 18">
+            <a:extLst>
+              <a:ext uri="{FF2B5EF4-FFF2-40B4-BE49-F238E27FC236}">
+                <a16:creationId xmlns:a16="http://schemas.microsoft.com/office/drawing/2014/main" id="{05026FAF-216A-B956-E69D-2EB94B201293}"/>
+              </a:ext>
+            </a:extLst>
+          </p:cNvPr>
+          <p:cNvCxnSpPr>
+            <a:cxnSpLocks/>
+            <a:stCxn id="15" idx="0"/>
+          </p:cNvCxnSpPr>
+          <p:nvPr/>
+        </p:nvCxnSpPr>
+        <p:spPr>
+          <a:xfrm flipV="1">
+            <a:off x="5618288" y="945695"/>
+            <a:ext cx="0" cy="1482078"/>
+          </a:xfrm>
+          <a:prstGeom prst="straightConnector1">
+            <a:avLst/>
+          </a:prstGeom>
+          <a:ln>
+            <a:tailEnd type="triangle"/>
+          </a:ln>
+        </p:spPr>
+        <p:style>
+          <a:lnRef idx="2">
+            <a:schemeClr val="dk1"/>
+          </a:lnRef>
+          <a:fillRef idx="0">
+            <a:schemeClr val="dk1"/>
+          </a:fillRef>
+          <a:effectRef idx="1">
+            <a:schemeClr val="dk1"/>
+          </a:effectRef>
+          <a:fontRef idx="minor">
+            <a:schemeClr val="tx1"/>
+          </a:fontRef>
+        </p:style>
+      </p:cxnSp>
+      <p:cxnSp>
+        <p:nvCxnSpPr>
+          <p:cNvPr id="22" name="直接箭头连接符 21">
+            <a:extLst>
+              <a:ext uri="{FF2B5EF4-FFF2-40B4-BE49-F238E27FC236}">
+                <a16:creationId xmlns:a16="http://schemas.microsoft.com/office/drawing/2014/main" id="{1EFEB5E4-999B-D7B0-D285-4B076B0ACBF3}"/>
+              </a:ext>
+            </a:extLst>
+          </p:cNvPr>
+          <p:cNvCxnSpPr>
+            <a:cxnSpLocks/>
+            <a:stCxn id="16" idx="0"/>
+          </p:cNvCxnSpPr>
+          <p:nvPr/>
+        </p:nvCxnSpPr>
+        <p:spPr>
+          <a:xfrm flipH="1" flipV="1">
+            <a:off x="6044502" y="945695"/>
+            <a:ext cx="2796126" cy="1482078"/>
+          </a:xfrm>
+          <a:prstGeom prst="straightConnector1">
+            <a:avLst/>
+          </a:prstGeom>
+          <a:ln>
+            <a:tailEnd type="triangle"/>
+          </a:ln>
+        </p:spPr>
+        <p:style>
+          <a:lnRef idx="2">
+            <a:schemeClr val="dk1"/>
+          </a:lnRef>
+          <a:fillRef idx="0">
+            <a:schemeClr val="dk1"/>
+          </a:fillRef>
+          <a:effectRef idx="1">
+            <a:schemeClr val="dk1"/>
+          </a:effectRef>
+          <a:fontRef idx="minor">
+            <a:schemeClr val="tx1"/>
+          </a:fontRef>
+        </p:style>
+      </p:cxnSp>
+      <p:cxnSp>
+        <p:nvCxnSpPr>
+          <p:cNvPr id="28" name="直接箭头连接符 27">
+            <a:extLst>
+              <a:ext uri="{FF2B5EF4-FFF2-40B4-BE49-F238E27FC236}">
+                <a16:creationId xmlns:a16="http://schemas.microsoft.com/office/drawing/2014/main" id="{78963B59-63BA-7FFF-1BB4-D3AA8B2635E7}"/>
+              </a:ext>
+            </a:extLst>
+          </p:cNvPr>
+          <p:cNvCxnSpPr>
+            <a:cxnSpLocks/>
+            <a:stCxn id="14" idx="0"/>
+            <a:endCxn id="9" idx="2"/>
+          </p:cNvCxnSpPr>
+          <p:nvPr/>
+        </p:nvCxnSpPr>
+        <p:spPr>
+          <a:xfrm flipV="1">
+            <a:off x="3035272" y="2909310"/>
+            <a:ext cx="0" cy="1000542"/>
+          </a:xfrm>
+          <a:prstGeom prst="straightConnector1">
+            <a:avLst/>
+          </a:prstGeom>
+          <a:ln>
+            <a:tailEnd type="triangle"/>
+          </a:ln>
+        </p:spPr>
+        <p:style>
+          <a:lnRef idx="2">
+            <a:schemeClr val="dk1"/>
+          </a:lnRef>
+          <a:fillRef idx="0">
+            <a:schemeClr val="dk1"/>
+          </a:fillRef>
+          <a:effectRef idx="1">
+            <a:schemeClr val="dk1"/>
+          </a:effectRef>
+          <a:fontRef idx="minor">
+            <a:schemeClr val="tx1"/>
+          </a:fontRef>
+        </p:style>
+      </p:cxnSp>
+      <p:cxnSp>
+        <p:nvCxnSpPr>
+          <p:cNvPr id="33" name="直接箭头连接符 32">
+            <a:extLst>
+              <a:ext uri="{FF2B5EF4-FFF2-40B4-BE49-F238E27FC236}">
+                <a16:creationId xmlns:a16="http://schemas.microsoft.com/office/drawing/2014/main" id="{348D79AB-03DE-15AF-2722-17EF5992A230}"/>
+              </a:ext>
+            </a:extLst>
+          </p:cNvPr>
+          <p:cNvCxnSpPr>
+            <a:cxnSpLocks/>
+            <a:endCxn id="16" idx="2"/>
+          </p:cNvCxnSpPr>
+          <p:nvPr/>
+        </p:nvCxnSpPr>
+        <p:spPr>
+          <a:xfrm flipV="1">
+            <a:off x="8840626" y="2909310"/>
+            <a:ext cx="1" cy="1000542"/>
+          </a:xfrm>
+          <a:prstGeom prst="straightConnector1">
+            <a:avLst/>
+          </a:prstGeom>
+          <a:ln>
+            <a:tailEnd type="triangle"/>
+          </a:ln>
+        </p:spPr>
+        <p:style>
+          <a:lnRef idx="2">
+            <a:schemeClr val="dk1"/>
+          </a:lnRef>
+          <a:fillRef idx="0">
+            <a:schemeClr val="dk1"/>
+          </a:fillRef>
+          <a:effectRef idx="1">
+            <a:schemeClr val="dk1"/>
+          </a:effectRef>
+          <a:fontRef idx="minor">
+            <a:schemeClr val="tx1"/>
+          </a:fontRef>
+        </p:style>
+      </p:cxnSp>
+      <p:pic>
+        <p:nvPicPr>
+          <p:cNvPr id="37" name="图片 36">
+            <a:extLst>
+              <a:ext uri="{FF2B5EF4-FFF2-40B4-BE49-F238E27FC236}">
+                <a16:creationId xmlns:a16="http://schemas.microsoft.com/office/drawing/2014/main" id="{0A3AE534-F2C4-B9F0-BEFE-A82EF2CC0140}"/>
+              </a:ext>
+            </a:extLst>
+          </p:cNvPr>
+          <p:cNvPicPr>
+            <a:picLocks noChangeAspect="1"/>
+          </p:cNvPicPr>
+          <p:nvPr/>
+        </p:nvPicPr>
+        <p:blipFill>
+          <a:blip r:embed="rId2"/>
+          <a:stretch>
+            <a:fillRect/>
+          </a:stretch>
+        </p:blipFill>
+        <p:spPr>
+          <a:xfrm>
+            <a:off x="4866624" y="4605403"/>
+            <a:ext cx="3516950" cy="1940922"/>
+          </a:xfrm>
+          <a:prstGeom prst="rect">
+            <a:avLst/>
+          </a:prstGeom>
+        </p:spPr>
+      </p:pic>
     </p:spTree>
     <p:extLst>
       <p:ext uri="{BB962C8B-B14F-4D97-AF65-F5344CB8AC3E}">
@@ -3603,6 +4003,1631 @@
 </file>
 
 <file path=ppt/slides/slide11.xml><?xml version="1.0" encoding="utf-8"?>
+<p:sld xmlns:a="http://schemas.openxmlformats.org/drawingml/2006/main" xmlns:r="http://schemas.openxmlformats.org/officeDocument/2006/relationships" xmlns:p="http://schemas.openxmlformats.org/presentationml/2006/main">
+  <p:cSld>
+    <p:spTree>
+      <p:nvGrpSpPr>
+        <p:cNvPr id="1" name="">
+          <a:extLst>
+            <a:ext uri="{FF2B5EF4-FFF2-40B4-BE49-F238E27FC236}">
+              <a16:creationId xmlns:a16="http://schemas.microsoft.com/office/drawing/2014/main" id="{598E07B9-82D4-C1C1-0C00-C39568D5F452}"/>
+            </a:ext>
+          </a:extLst>
+        </p:cNvPr>
+        <p:cNvGrpSpPr/>
+        <p:nvPr/>
+      </p:nvGrpSpPr>
+      <p:grpSpPr>
+        <a:xfrm>
+          <a:off x="0" y="0"/>
+          <a:ext cx="0" cy="0"/>
+          <a:chOff x="0" y="0"/>
+          <a:chExt cx="0" cy="0"/>
+        </a:xfrm>
+      </p:grpSpPr>
+      <p:sp>
+        <p:nvSpPr>
+          <p:cNvPr id="4" name="文本框 3">
+            <a:extLst>
+              <a:ext uri="{FF2B5EF4-FFF2-40B4-BE49-F238E27FC236}">
+                <a16:creationId xmlns:a16="http://schemas.microsoft.com/office/drawing/2014/main" id="{8241A3DB-16EC-3DDF-AB20-6CF30DA48C33}"/>
+              </a:ext>
+            </a:extLst>
+          </p:cNvPr>
+          <p:cNvSpPr txBox="1"/>
+          <p:nvPr/>
+        </p:nvSpPr>
+        <p:spPr>
+          <a:xfrm>
+            <a:off x="231530" y="181707"/>
+            <a:ext cx="3760177" cy="523220"/>
+          </a:xfrm>
+          <a:prstGeom prst="rect">
+            <a:avLst/>
+          </a:prstGeom>
+          <a:noFill/>
+        </p:spPr>
+        <p:txBody>
+          <a:bodyPr wrap="square" rtlCol="0">
+            <a:spAutoFit/>
+          </a:bodyPr>
+          <a:lstStyle/>
+          <a:p>
+            <a:r>
+              <a:rPr lang="en-US" altLang="zh-CN" sz="2800" dirty="0">
+                <a:latin typeface="Times New Roman" panose="02020603050405020304" pitchFamily="18" charset="0"/>
+                <a:ea typeface="宋体" panose="02010600030101010101" pitchFamily="2" charset="-122"/>
+                <a:cs typeface="Times New Roman" panose="02020603050405020304" pitchFamily="18" charset="0"/>
+              </a:rPr>
+              <a:t>road—lane.py</a:t>
+            </a:r>
+          </a:p>
+        </p:txBody>
+      </p:sp>
+      <p:graphicFrame>
+        <p:nvGraphicFramePr>
+          <p:cNvPr id="26" name="表格 25">
+            <a:extLst>
+              <a:ext uri="{FF2B5EF4-FFF2-40B4-BE49-F238E27FC236}">
+                <a16:creationId xmlns:a16="http://schemas.microsoft.com/office/drawing/2014/main" id="{E00D2B86-8003-0257-4DB0-4EBA8E54F898}"/>
+              </a:ext>
+            </a:extLst>
+          </p:cNvPr>
+          <p:cNvGraphicFramePr>
+            <a:graphicFrameLocks noGrp="1"/>
+          </p:cNvGraphicFramePr>
+          <p:nvPr>
+            <p:extLst>
+              <p:ext uri="{D42A27DB-BD31-4B8C-83A1-F6EECF244321}">
+                <p14:modId xmlns:p14="http://schemas.microsoft.com/office/powerpoint/2010/main" val="2404983253"/>
+              </p:ext>
+            </p:extLst>
+          </p:nvPr>
+        </p:nvGraphicFramePr>
+        <p:xfrm>
+          <a:off x="134816" y="1528559"/>
+          <a:ext cx="6506308" cy="4455160"/>
+        </p:xfrm>
+        <a:graphic>
+          <a:graphicData uri="http://schemas.openxmlformats.org/drawingml/2006/table">
+            <a:tbl>
+              <a:tblPr firstRow="1" bandRow="1"/>
+              <a:tblGrid>
+                <a:gridCol w="6506308">
+                  <a:extLst>
+                    <a:ext uri="{9D8B030D-6E8A-4147-A177-3AD203B41FA5}">
+                      <a16:colId xmlns:a16="http://schemas.microsoft.com/office/drawing/2014/main" val="3867985458"/>
+                    </a:ext>
+                  </a:extLst>
+                </a:gridCol>
+              </a:tblGrid>
+              <a:tr h="370840">
+                <a:tc>
+                  <a:txBody>
+                    <a:bodyPr/>
+                    <a:lstStyle/>
+                    <a:p>
+                      <a:pPr algn="ctr"/>
+                      <a:r>
+                        <a:rPr lang="en-US" altLang="zh-CN" dirty="0"/>
+                        <a:t>AbstractLane (</a:t>
+                      </a:r>
+                      <a:r>
+                        <a:rPr lang="zh-CN" altLang="en-US" dirty="0"/>
+                        <a:t>抽象类</a:t>
+                      </a:r>
+                      <a:r>
+                        <a:rPr lang="en-US" altLang="zh-CN" dirty="0"/>
+                        <a:t>)</a:t>
+                      </a:r>
+                      <a:endParaRPr lang="zh-CN" altLang="en-US" dirty="0"/>
+                    </a:p>
+                  </a:txBody>
+                  <a:tcPr anchor="ctr"/>
+                </a:tc>
+                <a:extLst>
+                  <a:ext uri="{0D108BD9-81ED-4DB2-BD59-A6C34878D82A}">
+                    <a16:rowId xmlns:a16="http://schemas.microsoft.com/office/drawing/2014/main" val="1048727978"/>
+                  </a:ext>
+                </a:extLst>
+              </a:tr>
+              <a:tr h="370840">
+                <a:tc>
+                  <a:txBody>
+                    <a:bodyPr/>
+                    <a:lstStyle/>
+                    <a:p>
+                      <a:pPr algn="l"/>
+                      <a:r>
+                        <a:rPr lang="en-US" altLang="zh-CN" sz="1600" b="0" kern="1200" dirty="0">
+                          <a:solidFill>
+                            <a:schemeClr val="tx1"/>
+                          </a:solidFill>
+                          <a:effectLst/>
+                          <a:latin typeface="+mn-lt"/>
+                          <a:ea typeface="+mn-ea"/>
+                          <a:cs typeface="+mn-cs"/>
+                        </a:rPr>
+                        <a:t>  DEFAULT_WIDTH: float = 4</a:t>
+                      </a:r>
+                    </a:p>
+                    <a:p>
+                      <a:pPr algn="l"/>
+                      <a:r>
+                        <a:rPr lang="en-US" altLang="zh-CN" sz="1600" b="0" kern="1200" dirty="0">
+                          <a:solidFill>
+                            <a:schemeClr val="tx1"/>
+                          </a:solidFill>
+                          <a:effectLst/>
+                          <a:latin typeface="+mn-lt"/>
+                          <a:ea typeface="+mn-ea"/>
+                          <a:cs typeface="+mn-cs"/>
+                        </a:rPr>
+                        <a:t>  VEHICLE_LENGTH: float = 5</a:t>
+                      </a:r>
+                    </a:p>
+                    <a:p>
+                      <a:pPr algn="l"/>
+                      <a:r>
+                        <a:rPr lang="en-US" altLang="zh-CN" sz="1600" b="0" kern="1200" dirty="0">
+                          <a:solidFill>
+                            <a:schemeClr val="tx1"/>
+                          </a:solidFill>
+                          <a:effectLst/>
+                          <a:latin typeface="+mn-lt"/>
+                          <a:ea typeface="+mn-ea"/>
+                          <a:cs typeface="+mn-cs"/>
+                        </a:rPr>
+                        <a:t>  length: float = 0</a:t>
+                      </a:r>
+                    </a:p>
+                    <a:p>
+                      <a:pPr algn="l"/>
+                      <a:r>
+                        <a:rPr lang="en-US" altLang="zh-CN" sz="1600" b="0" kern="1200" dirty="0">
+                          <a:solidFill>
+                            <a:schemeClr val="tx1"/>
+                          </a:solidFill>
+                          <a:effectLst/>
+                          <a:latin typeface="+mn-lt"/>
+                          <a:ea typeface="+mn-ea"/>
+                          <a:cs typeface="+mn-cs"/>
+                        </a:rPr>
+                        <a:t>  line_types: list[LineType]</a:t>
+                      </a:r>
+                      <a:endParaRPr lang="zh-CN" altLang="en-US" sz="1600" b="0" kern="1200" dirty="0">
+                        <a:solidFill>
+                          <a:schemeClr val="tx1"/>
+                        </a:solidFill>
+                        <a:effectLst/>
+                        <a:latin typeface="+mn-lt"/>
+                        <a:ea typeface="+mn-ea"/>
+                        <a:cs typeface="+mn-cs"/>
+                      </a:endParaRPr>
+                    </a:p>
+                  </a:txBody>
+                  <a:tcPr anchor="ctr"/>
+                </a:tc>
+                <a:extLst>
+                  <a:ext uri="{0D108BD9-81ED-4DB2-BD59-A6C34878D82A}">
+                    <a16:rowId xmlns:a16="http://schemas.microsoft.com/office/drawing/2014/main" val="2213804325"/>
+                  </a:ext>
+                </a:extLst>
+              </a:tr>
+              <a:tr h="370840">
+                <a:tc>
+                  <a:txBody>
+                    <a:bodyPr/>
+                    <a:lstStyle/>
+                    <a:p>
+                      <a:pPr marL="0" marR="0" lvl="0" indent="0" algn="l" defTabSz="914400" rtl="0" eaLnBrk="1" fontAlgn="auto" latinLnBrk="0" hangingPunct="1">
+                        <a:lnSpc>
+                          <a:spcPct val="100000"/>
+                        </a:lnSpc>
+                        <a:spcBef>
+                          <a:spcPts val="0"/>
+                        </a:spcBef>
+                        <a:spcAft>
+                          <a:spcPts val="0"/>
+                        </a:spcAft>
+                        <a:buClrTx/>
+                        <a:buSzTx/>
+                        <a:buFontTx/>
+                        <a:buNone/>
+                        <a:tabLst/>
+                        <a:defRPr/>
+                      </a:pPr>
+                      <a:r>
+                        <a:rPr lang="en-US" altLang="zh-CN" sz="1600" dirty="0">
+                          <a:solidFill>
+                            <a:srgbClr val="FF0000"/>
+                          </a:solidFill>
+                        </a:rPr>
+                        <a:t>+ </a:t>
+                      </a:r>
+                      <a:r>
+                        <a:rPr lang="en-US" altLang="zh-CN" sz="1600" b="0" kern="1200" dirty="0">
+                          <a:solidFill>
+                            <a:srgbClr val="FF0000"/>
+                          </a:solidFill>
+                          <a:effectLst/>
+                          <a:latin typeface="+mn-lt"/>
+                          <a:ea typeface="+mn-ea"/>
+                          <a:cs typeface="+mn-cs"/>
+                        </a:rPr>
+                        <a:t>position(self, longitudinal: float, lateral: float) -&gt; np.ndarray</a:t>
+                      </a:r>
+                    </a:p>
+                    <a:p>
+                      <a:pPr marL="0" marR="0" lvl="0" indent="0" algn="l" defTabSz="914400" rtl="0" eaLnBrk="1" fontAlgn="auto" latinLnBrk="0" hangingPunct="1">
+                        <a:lnSpc>
+                          <a:spcPct val="100000"/>
+                        </a:lnSpc>
+                        <a:spcBef>
+                          <a:spcPts val="0"/>
+                        </a:spcBef>
+                        <a:spcAft>
+                          <a:spcPts val="0"/>
+                        </a:spcAft>
+                        <a:buClrTx/>
+                        <a:buSzTx/>
+                        <a:buFontTx/>
+                        <a:buNone/>
+                        <a:tabLst/>
+                        <a:defRPr/>
+                      </a:pPr>
+                      <a:r>
+                        <a:rPr lang="en-US" altLang="zh-CN" sz="1600" b="0" kern="1200" dirty="0">
+                          <a:solidFill>
+                            <a:srgbClr val="FF0000"/>
+                          </a:solidFill>
+                          <a:effectLst/>
+                          <a:latin typeface="+mn-lt"/>
+                          <a:ea typeface="+mn-ea"/>
+                          <a:cs typeface="+mn-cs"/>
+                        </a:rPr>
+                        <a:t>+ local_coordinates(self, position: np.ndarray) -&gt; tuple[float, float]</a:t>
+                      </a:r>
+                    </a:p>
+                    <a:p>
+                      <a:pPr marL="0" marR="0" lvl="0" indent="0" algn="l" defTabSz="914400" rtl="0" eaLnBrk="1" fontAlgn="auto" latinLnBrk="0" hangingPunct="1">
+                        <a:lnSpc>
+                          <a:spcPct val="100000"/>
+                        </a:lnSpc>
+                        <a:spcBef>
+                          <a:spcPts val="0"/>
+                        </a:spcBef>
+                        <a:spcAft>
+                          <a:spcPts val="0"/>
+                        </a:spcAft>
+                        <a:buClrTx/>
+                        <a:buSzTx/>
+                        <a:buFontTx/>
+                        <a:buNone/>
+                        <a:tabLst/>
+                        <a:defRPr/>
+                      </a:pPr>
+                      <a:r>
+                        <a:rPr lang="en-US" altLang="zh-CN" sz="1600" b="0" kern="1200" dirty="0">
+                          <a:solidFill>
+                            <a:srgbClr val="FF0000"/>
+                          </a:solidFill>
+                          <a:effectLst/>
+                          <a:latin typeface="+mn-lt"/>
+                          <a:ea typeface="+mn-ea"/>
+                          <a:cs typeface="+mn-cs"/>
+                        </a:rPr>
+                        <a:t>+ heading_at(self, longitudinal: float) -&gt; float</a:t>
+                      </a:r>
+                    </a:p>
+                    <a:p>
+                      <a:pPr marL="0" marR="0" lvl="0" indent="0" algn="l" defTabSz="914400" rtl="0" eaLnBrk="1" fontAlgn="auto" latinLnBrk="0" hangingPunct="1">
+                        <a:lnSpc>
+                          <a:spcPct val="100000"/>
+                        </a:lnSpc>
+                        <a:spcBef>
+                          <a:spcPts val="0"/>
+                        </a:spcBef>
+                        <a:spcAft>
+                          <a:spcPts val="0"/>
+                        </a:spcAft>
+                        <a:buClrTx/>
+                        <a:buSzTx/>
+                        <a:buFontTx/>
+                        <a:buNone/>
+                        <a:tabLst/>
+                        <a:defRPr/>
+                      </a:pPr>
+                      <a:r>
+                        <a:rPr lang="en-US" altLang="zh-CN" sz="1600" b="0" kern="1200" dirty="0">
+                          <a:solidFill>
+                            <a:srgbClr val="FF0000"/>
+                          </a:solidFill>
+                          <a:effectLst/>
+                          <a:latin typeface="+mn-lt"/>
+                          <a:ea typeface="+mn-ea"/>
+                          <a:cs typeface="+mn-cs"/>
+                        </a:rPr>
+                        <a:t>+ width_at(self, longitudinal: float) -&gt; float</a:t>
+                      </a:r>
+                    </a:p>
+                    <a:p>
+                      <a:pPr marL="0" marR="0" lvl="0" indent="0" algn="l" defTabSz="914400" rtl="0" eaLnBrk="1" fontAlgn="auto" latinLnBrk="0" hangingPunct="1">
+                        <a:lnSpc>
+                          <a:spcPct val="100000"/>
+                        </a:lnSpc>
+                        <a:spcBef>
+                          <a:spcPts val="0"/>
+                        </a:spcBef>
+                        <a:spcAft>
+                          <a:spcPts val="0"/>
+                        </a:spcAft>
+                        <a:buClrTx/>
+                        <a:buSzTx/>
+                        <a:buFontTx/>
+                        <a:buNone/>
+                        <a:tabLst/>
+                        <a:defRPr/>
+                      </a:pPr>
+                      <a:r>
+                        <a:rPr lang="en-US" altLang="zh-CN" sz="1600" b="0" kern="1200" dirty="0">
+                          <a:solidFill>
+                            <a:srgbClr val="FF0000"/>
+                          </a:solidFill>
+                          <a:effectLst/>
+                          <a:latin typeface="+mn-lt"/>
+                          <a:ea typeface="+mn-ea"/>
+                          <a:cs typeface="+mn-cs"/>
+                        </a:rPr>
+                        <a:t>+ from_config(cls, config: dict)</a:t>
+                      </a:r>
+                    </a:p>
+                    <a:p>
+                      <a:pPr marL="0" marR="0" lvl="0" indent="0" algn="l" defTabSz="914400" rtl="0" eaLnBrk="1" fontAlgn="auto" latinLnBrk="0" hangingPunct="1">
+                        <a:lnSpc>
+                          <a:spcPct val="100000"/>
+                        </a:lnSpc>
+                        <a:spcBef>
+                          <a:spcPts val="0"/>
+                        </a:spcBef>
+                        <a:spcAft>
+                          <a:spcPts val="0"/>
+                        </a:spcAft>
+                        <a:buClrTx/>
+                        <a:buSzTx/>
+                        <a:buFontTx/>
+                        <a:buNone/>
+                        <a:tabLst/>
+                        <a:defRPr/>
+                      </a:pPr>
+                      <a:r>
+                        <a:rPr lang="en-US" altLang="zh-CN" sz="1600" b="0" kern="1200" dirty="0">
+                          <a:solidFill>
+                            <a:srgbClr val="FF0000"/>
+                          </a:solidFill>
+                          <a:effectLst/>
+                          <a:latin typeface="+mn-lt"/>
+                          <a:ea typeface="+mn-ea"/>
+                          <a:cs typeface="+mn-cs"/>
+                        </a:rPr>
+                        <a:t>+ to_config(self) -&gt; dict</a:t>
+                      </a:r>
+                    </a:p>
+                    <a:p>
+                      <a:pPr marL="0" marR="0" lvl="0" indent="0" algn="l" defTabSz="914400" rtl="0" eaLnBrk="1" fontAlgn="auto" latinLnBrk="0" hangingPunct="1">
+                        <a:lnSpc>
+                          <a:spcPct val="100000"/>
+                        </a:lnSpc>
+                        <a:spcBef>
+                          <a:spcPts val="0"/>
+                        </a:spcBef>
+                        <a:spcAft>
+                          <a:spcPts val="0"/>
+                        </a:spcAft>
+                        <a:buClrTx/>
+                        <a:buSzTx/>
+                        <a:buFontTx/>
+                        <a:buNone/>
+                        <a:tabLst/>
+                        <a:defRPr/>
+                      </a:pPr>
+                      <a:r>
+                        <a:rPr lang="en-US" altLang="zh-CN" sz="1600" b="0" kern="1200" dirty="0">
+                          <a:solidFill>
+                            <a:schemeClr val="tx1"/>
+                          </a:solidFill>
+                          <a:effectLst/>
+                          <a:latin typeface="+mn-lt"/>
+                          <a:ea typeface="+mn-ea"/>
+                          <a:cs typeface="+mn-cs"/>
+                        </a:rPr>
+                        <a:t>+ on_lane(…)-&gt; bool:</a:t>
+                      </a:r>
+                    </a:p>
+                    <a:p>
+                      <a:pPr marL="0" marR="0" lvl="0" indent="0" algn="l" defTabSz="914400" rtl="0" eaLnBrk="1" fontAlgn="auto" latinLnBrk="0" hangingPunct="1">
+                        <a:lnSpc>
+                          <a:spcPct val="100000"/>
+                        </a:lnSpc>
+                        <a:spcBef>
+                          <a:spcPts val="0"/>
+                        </a:spcBef>
+                        <a:spcAft>
+                          <a:spcPts val="0"/>
+                        </a:spcAft>
+                        <a:buClrTx/>
+                        <a:buSzTx/>
+                        <a:buFontTx/>
+                        <a:buNone/>
+                        <a:tabLst/>
+                        <a:defRPr/>
+                      </a:pPr>
+                      <a:r>
+                        <a:rPr lang="en-US" altLang="zh-CN" sz="1600" b="0" kern="1200" dirty="0">
+                          <a:solidFill>
+                            <a:schemeClr val="tx1"/>
+                          </a:solidFill>
+                          <a:effectLst/>
+                          <a:latin typeface="+mn-lt"/>
+                          <a:ea typeface="+mn-ea"/>
+                          <a:cs typeface="+mn-cs"/>
+                        </a:rPr>
+                        <a:t>+ </a:t>
+                      </a:r>
+                      <a:r>
+                        <a:rPr lang="en-US" altLang="zh-CN" sz="1600" b="0" kern="1200" dirty="0" err="1">
+                          <a:solidFill>
+                            <a:schemeClr val="tx1"/>
+                          </a:solidFill>
+                          <a:effectLst/>
+                          <a:latin typeface="+mn-lt"/>
+                          <a:ea typeface="+mn-ea"/>
+                          <a:cs typeface="+mn-cs"/>
+                        </a:rPr>
+                        <a:t>is_reachable_from</a:t>
+                      </a:r>
+                      <a:r>
+                        <a:rPr lang="en-US" altLang="zh-CN" sz="1600" b="0" kern="1200" dirty="0">
+                          <a:solidFill>
+                            <a:schemeClr val="tx1"/>
+                          </a:solidFill>
+                          <a:effectLst/>
+                          <a:latin typeface="+mn-lt"/>
+                          <a:ea typeface="+mn-ea"/>
+                          <a:cs typeface="+mn-cs"/>
+                        </a:rPr>
+                        <a:t>(self, position: np.ndarray) -&gt; bool</a:t>
+                      </a:r>
+                    </a:p>
+                    <a:p>
+                      <a:pPr marL="0" marR="0" lvl="0" indent="0" algn="l" defTabSz="914400" rtl="0" eaLnBrk="1" fontAlgn="auto" latinLnBrk="0" hangingPunct="1">
+                        <a:lnSpc>
+                          <a:spcPct val="100000"/>
+                        </a:lnSpc>
+                        <a:spcBef>
+                          <a:spcPts val="0"/>
+                        </a:spcBef>
+                        <a:spcAft>
+                          <a:spcPts val="0"/>
+                        </a:spcAft>
+                        <a:buClrTx/>
+                        <a:buSzTx/>
+                        <a:buFontTx/>
+                        <a:buNone/>
+                        <a:tabLst/>
+                        <a:defRPr/>
+                      </a:pPr>
+                      <a:r>
+                        <a:rPr lang="en-US" altLang="zh-CN" sz="1600" b="0" kern="1200" dirty="0">
+                          <a:solidFill>
+                            <a:schemeClr val="tx1"/>
+                          </a:solidFill>
+                          <a:effectLst/>
+                          <a:latin typeface="+mn-lt"/>
+                          <a:ea typeface="+mn-ea"/>
+                          <a:cs typeface="+mn-cs"/>
+                        </a:rPr>
+                        <a:t>+ </a:t>
+                      </a:r>
+                      <a:r>
+                        <a:rPr lang="en-US" altLang="zh-CN" sz="1600" b="0" kern="1200" dirty="0" err="1">
+                          <a:solidFill>
+                            <a:schemeClr val="tx1"/>
+                          </a:solidFill>
+                          <a:effectLst/>
+                          <a:latin typeface="+mn-lt"/>
+                          <a:ea typeface="+mn-ea"/>
+                          <a:cs typeface="+mn-cs"/>
+                        </a:rPr>
+                        <a:t>after_end</a:t>
+                      </a:r>
+                      <a:r>
+                        <a:rPr lang="en-US" altLang="zh-CN" sz="1600" b="0" kern="1200" dirty="0">
+                          <a:solidFill>
+                            <a:schemeClr val="tx1"/>
+                          </a:solidFill>
+                          <a:effectLst/>
+                          <a:latin typeface="+mn-lt"/>
+                          <a:ea typeface="+mn-ea"/>
+                          <a:cs typeface="+mn-cs"/>
+                        </a:rPr>
+                        <a:t>(…) -&gt; bool:</a:t>
+                      </a:r>
+                    </a:p>
+                    <a:p>
+                      <a:pPr marL="0" marR="0" lvl="0" indent="0" algn="l" defTabSz="914400" rtl="0" eaLnBrk="1" fontAlgn="auto" latinLnBrk="0" hangingPunct="1">
+                        <a:lnSpc>
+                          <a:spcPct val="100000"/>
+                        </a:lnSpc>
+                        <a:spcBef>
+                          <a:spcPts val="0"/>
+                        </a:spcBef>
+                        <a:spcAft>
+                          <a:spcPts val="0"/>
+                        </a:spcAft>
+                        <a:buClrTx/>
+                        <a:buSzTx/>
+                        <a:buFontTx/>
+                        <a:buNone/>
+                        <a:tabLst/>
+                        <a:defRPr/>
+                      </a:pPr>
+                      <a:r>
+                        <a:rPr lang="en-US" altLang="zh-CN" sz="1600" b="0" kern="1200" dirty="0">
+                          <a:solidFill>
+                            <a:schemeClr val="tx1"/>
+                          </a:solidFill>
+                          <a:effectLst/>
+                          <a:latin typeface="+mn-lt"/>
+                          <a:ea typeface="+mn-ea"/>
+                          <a:cs typeface="+mn-cs"/>
+                        </a:rPr>
+                        <a:t>+ distance(self, position: np.ndarray)</a:t>
+                      </a:r>
+                    </a:p>
+                    <a:p>
+                      <a:pPr marL="0" marR="0" lvl="0" indent="0" algn="l" defTabSz="914400" rtl="0" eaLnBrk="1" fontAlgn="auto" latinLnBrk="0" hangingPunct="1">
+                        <a:lnSpc>
+                          <a:spcPct val="100000"/>
+                        </a:lnSpc>
+                        <a:spcBef>
+                          <a:spcPts val="0"/>
+                        </a:spcBef>
+                        <a:spcAft>
+                          <a:spcPts val="0"/>
+                        </a:spcAft>
+                        <a:buClrTx/>
+                        <a:buSzTx/>
+                        <a:buFontTx/>
+                        <a:buNone/>
+                        <a:tabLst/>
+                        <a:defRPr/>
+                      </a:pPr>
+                      <a:r>
+                        <a:rPr lang="en-US" altLang="zh-CN" sz="1600" b="0" kern="1200" dirty="0">
+                          <a:solidFill>
+                            <a:schemeClr val="tx1"/>
+                          </a:solidFill>
+                          <a:effectLst/>
+                          <a:latin typeface="+mn-lt"/>
+                          <a:ea typeface="+mn-ea"/>
+                          <a:cs typeface="+mn-cs"/>
+                        </a:rPr>
+                        <a:t>+ </a:t>
+                      </a:r>
+                      <a:r>
+                        <a:rPr lang="en-US" altLang="zh-CN" sz="1600" b="0" kern="1200" dirty="0" err="1">
+                          <a:solidFill>
+                            <a:schemeClr val="tx1"/>
+                          </a:solidFill>
+                          <a:effectLst/>
+                          <a:latin typeface="+mn-lt"/>
+                          <a:ea typeface="+mn-ea"/>
+                          <a:cs typeface="+mn-cs"/>
+                        </a:rPr>
+                        <a:t>distance_with_heading</a:t>
+                      </a:r>
+                      <a:endParaRPr lang="en-US" altLang="zh-CN" sz="1600" b="0" kern="1200" dirty="0">
+                        <a:solidFill>
+                          <a:schemeClr val="tx1"/>
+                        </a:solidFill>
+                        <a:effectLst/>
+                        <a:latin typeface="+mn-lt"/>
+                        <a:ea typeface="+mn-ea"/>
+                        <a:cs typeface="+mn-cs"/>
+                      </a:endParaRPr>
+                    </a:p>
+                    <a:p>
+                      <a:pPr marL="0" marR="0" lvl="0" indent="0" algn="l" defTabSz="914400" rtl="0" eaLnBrk="1" fontAlgn="auto" latinLnBrk="0" hangingPunct="1">
+                        <a:lnSpc>
+                          <a:spcPct val="100000"/>
+                        </a:lnSpc>
+                        <a:spcBef>
+                          <a:spcPts val="0"/>
+                        </a:spcBef>
+                        <a:spcAft>
+                          <a:spcPts val="0"/>
+                        </a:spcAft>
+                        <a:buClrTx/>
+                        <a:buSzTx/>
+                        <a:buFontTx/>
+                        <a:buNone/>
+                        <a:tabLst/>
+                        <a:defRPr/>
+                      </a:pPr>
+                      <a:r>
+                        <a:rPr lang="en-US" altLang="zh-CN" sz="1600" b="0" kern="1200" dirty="0">
+                          <a:solidFill>
+                            <a:schemeClr val="tx1"/>
+                          </a:solidFill>
+                          <a:effectLst/>
+                          <a:latin typeface="+mn-lt"/>
+                          <a:ea typeface="+mn-ea"/>
+                          <a:cs typeface="+mn-cs"/>
+                        </a:rPr>
+                        <a:t>+ </a:t>
+                      </a:r>
+                      <a:r>
+                        <a:rPr lang="en-US" altLang="zh-CN" sz="1600" b="0" kern="1200" dirty="0" err="1">
+                          <a:solidFill>
+                            <a:schemeClr val="tx1"/>
+                          </a:solidFill>
+                          <a:effectLst/>
+                          <a:latin typeface="+mn-lt"/>
+                          <a:ea typeface="+mn-ea"/>
+                          <a:cs typeface="+mn-cs"/>
+                        </a:rPr>
+                        <a:t>local_angle</a:t>
+                      </a:r>
+                      <a:r>
+                        <a:rPr lang="en-US" altLang="zh-CN" sz="1600" b="0" kern="1200" dirty="0">
+                          <a:solidFill>
+                            <a:schemeClr val="tx1"/>
+                          </a:solidFill>
+                          <a:effectLst/>
+                          <a:latin typeface="+mn-lt"/>
+                          <a:ea typeface="+mn-ea"/>
+                          <a:cs typeface="+mn-cs"/>
+                        </a:rPr>
+                        <a:t>(self, heading: float, </a:t>
+                      </a:r>
+                      <a:r>
+                        <a:rPr lang="en-US" altLang="zh-CN" sz="1600" b="0" kern="1200" dirty="0" err="1">
+                          <a:solidFill>
+                            <a:schemeClr val="tx1"/>
+                          </a:solidFill>
+                          <a:effectLst/>
+                          <a:latin typeface="+mn-lt"/>
+                          <a:ea typeface="+mn-ea"/>
+                          <a:cs typeface="+mn-cs"/>
+                        </a:rPr>
+                        <a:t>long_offset</a:t>
+                      </a:r>
+                      <a:r>
+                        <a:rPr lang="en-US" altLang="zh-CN" sz="1600" b="0" kern="1200" dirty="0">
+                          <a:solidFill>
+                            <a:schemeClr val="tx1"/>
+                          </a:solidFill>
+                          <a:effectLst/>
+                          <a:latin typeface="+mn-lt"/>
+                          <a:ea typeface="+mn-ea"/>
+                          <a:cs typeface="+mn-cs"/>
+                        </a:rPr>
+                        <a:t>: float)</a:t>
+                      </a:r>
+                    </a:p>
+                  </a:txBody>
+                  <a:tcPr anchor="ctr"/>
+                </a:tc>
+                <a:extLst>
+                  <a:ext uri="{0D108BD9-81ED-4DB2-BD59-A6C34878D82A}">
+                    <a16:rowId xmlns:a16="http://schemas.microsoft.com/office/drawing/2014/main" val="2743093702"/>
+                  </a:ext>
+                </a:extLst>
+              </a:tr>
+            </a:tbl>
+          </a:graphicData>
+        </a:graphic>
+      </p:graphicFrame>
+      <p:graphicFrame>
+        <p:nvGraphicFramePr>
+          <p:cNvPr id="27" name="表格 26">
+            <a:extLst>
+              <a:ext uri="{FF2B5EF4-FFF2-40B4-BE49-F238E27FC236}">
+                <a16:creationId xmlns:a16="http://schemas.microsoft.com/office/drawing/2014/main" id="{75EFC749-26CB-B826-0A1A-E3746BFC7914}"/>
+              </a:ext>
+            </a:extLst>
+          </p:cNvPr>
+          <p:cNvGraphicFramePr>
+            <a:graphicFrameLocks noGrp="1"/>
+          </p:cNvGraphicFramePr>
+          <p:nvPr>
+            <p:extLst>
+              <p:ext uri="{D42A27DB-BD31-4B8C-83A1-F6EECF244321}">
+                <p14:modId xmlns:p14="http://schemas.microsoft.com/office/powerpoint/2010/main" val="1528753947"/>
+              </p:ext>
+            </p:extLst>
+          </p:nvPr>
+        </p:nvGraphicFramePr>
+        <p:xfrm>
+          <a:off x="6641124" y="1528559"/>
+          <a:ext cx="5275384" cy="4455160"/>
+        </p:xfrm>
+        <a:graphic>
+          <a:graphicData uri="http://schemas.openxmlformats.org/drawingml/2006/table">
+            <a:tbl>
+              <a:tblPr firstRow="1" bandRow="1"/>
+              <a:tblGrid>
+                <a:gridCol w="5275384">
+                  <a:extLst>
+                    <a:ext uri="{9D8B030D-6E8A-4147-A177-3AD203B41FA5}">
+                      <a16:colId xmlns:a16="http://schemas.microsoft.com/office/drawing/2014/main" val="3867985458"/>
+                    </a:ext>
+                  </a:extLst>
+                </a:gridCol>
+              </a:tblGrid>
+              <a:tr h="370840">
+                <a:tc>
+                  <a:txBody>
+                    <a:bodyPr/>
+                    <a:lstStyle/>
+                    <a:p>
+                      <a:pPr algn="ctr"/>
+                      <a:r>
+                        <a:rPr lang="en-US" altLang="zh-CN" dirty="0"/>
+                        <a:t>AbstractLane (</a:t>
+                      </a:r>
+                      <a:r>
+                        <a:rPr lang="zh-CN" altLang="en-US" dirty="0"/>
+                        <a:t>抽象类</a:t>
+                      </a:r>
+                      <a:r>
+                        <a:rPr lang="en-US" altLang="zh-CN" dirty="0"/>
+                        <a:t>)</a:t>
+                      </a:r>
+                      <a:endParaRPr lang="zh-CN" altLang="en-US" dirty="0"/>
+                    </a:p>
+                  </a:txBody>
+                  <a:tcPr anchor="ctr"/>
+                </a:tc>
+                <a:extLst>
+                  <a:ext uri="{0D108BD9-81ED-4DB2-BD59-A6C34878D82A}">
+                    <a16:rowId xmlns:a16="http://schemas.microsoft.com/office/drawing/2014/main" val="1048727978"/>
+                  </a:ext>
+                </a:extLst>
+              </a:tr>
+              <a:tr h="370840">
+                <a:tc>
+                  <a:txBody>
+                    <a:bodyPr/>
+                    <a:lstStyle/>
+                    <a:p>
+                      <a:pPr algn="l"/>
+                      <a:r>
+                        <a:rPr lang="zh-CN" altLang="en-US" sz="1600" b="0" kern="1200" dirty="0">
+                          <a:solidFill>
+                            <a:schemeClr val="tx1"/>
+                          </a:solidFill>
+                          <a:effectLst/>
+                          <a:latin typeface="宋体" panose="02010600030101010101" pitchFamily="2" charset="-122"/>
+                          <a:ea typeface="宋体" panose="02010600030101010101" pitchFamily="2" charset="-122"/>
+                          <a:cs typeface="+mn-cs"/>
+                        </a:rPr>
+                        <a:t>车道宽度</a:t>
+                      </a:r>
+                      <a:endParaRPr lang="en-US" altLang="zh-CN" sz="1600" b="0" kern="1200" dirty="0">
+                        <a:solidFill>
+                          <a:schemeClr val="tx1"/>
+                        </a:solidFill>
+                        <a:effectLst/>
+                        <a:latin typeface="宋体" panose="02010600030101010101" pitchFamily="2" charset="-122"/>
+                        <a:ea typeface="宋体" panose="02010600030101010101" pitchFamily="2" charset="-122"/>
+                        <a:cs typeface="+mn-cs"/>
+                      </a:endParaRPr>
+                    </a:p>
+                    <a:p>
+                      <a:pPr algn="l"/>
+                      <a:r>
+                        <a:rPr lang="zh-CN" altLang="en-US" sz="1600" b="0" kern="1200" dirty="0">
+                          <a:solidFill>
+                            <a:schemeClr val="tx1"/>
+                          </a:solidFill>
+                          <a:effectLst/>
+                          <a:latin typeface="宋体" panose="02010600030101010101" pitchFamily="2" charset="-122"/>
+                          <a:ea typeface="宋体" panose="02010600030101010101" pitchFamily="2" charset="-122"/>
+                          <a:cs typeface="+mn-cs"/>
+                        </a:rPr>
+                        <a:t>车辆长度</a:t>
+                      </a:r>
+                      <a:endParaRPr lang="en-US" altLang="zh-CN" sz="1600" b="0" kern="1200" dirty="0">
+                        <a:solidFill>
+                          <a:schemeClr val="tx1"/>
+                        </a:solidFill>
+                        <a:effectLst/>
+                        <a:latin typeface="宋体" panose="02010600030101010101" pitchFamily="2" charset="-122"/>
+                        <a:ea typeface="宋体" panose="02010600030101010101" pitchFamily="2" charset="-122"/>
+                        <a:cs typeface="+mn-cs"/>
+                      </a:endParaRPr>
+                    </a:p>
+                    <a:p>
+                      <a:pPr algn="l"/>
+                      <a:r>
+                        <a:rPr lang="zh-CN" altLang="en-US" sz="1600" b="0" kern="1200" dirty="0">
+                          <a:solidFill>
+                            <a:schemeClr val="tx1"/>
+                          </a:solidFill>
+                          <a:effectLst/>
+                          <a:latin typeface="宋体" panose="02010600030101010101" pitchFamily="2" charset="-122"/>
+                          <a:ea typeface="宋体" panose="02010600030101010101" pitchFamily="2" charset="-122"/>
+                          <a:cs typeface="+mn-cs"/>
+                        </a:rPr>
+                        <a:t>车道的长度</a:t>
+                      </a:r>
+                      <a:endParaRPr lang="en-US" altLang="zh-CN" sz="1600" b="0" kern="1200" dirty="0">
+                        <a:solidFill>
+                          <a:schemeClr val="tx1"/>
+                        </a:solidFill>
+                        <a:effectLst/>
+                        <a:latin typeface="宋体" panose="02010600030101010101" pitchFamily="2" charset="-122"/>
+                        <a:ea typeface="宋体" panose="02010600030101010101" pitchFamily="2" charset="-122"/>
+                        <a:cs typeface="+mn-cs"/>
+                      </a:endParaRPr>
+                    </a:p>
+                    <a:p>
+                      <a:pPr algn="l"/>
+                      <a:r>
+                        <a:rPr lang="zh-CN" altLang="en-US" sz="1600" b="0" kern="1200" dirty="0">
+                          <a:solidFill>
+                            <a:schemeClr val="tx1"/>
+                          </a:solidFill>
+                          <a:effectLst/>
+                          <a:latin typeface="宋体" panose="02010600030101010101" pitchFamily="2" charset="-122"/>
+                          <a:ea typeface="宋体" panose="02010600030101010101" pitchFamily="2" charset="-122"/>
+                          <a:cs typeface="+mn-cs"/>
+                        </a:rPr>
+                        <a:t>存储车道线类型的列表</a:t>
+                      </a:r>
+                    </a:p>
+                  </a:txBody>
+                  <a:tcPr anchor="ctr"/>
+                </a:tc>
+                <a:extLst>
+                  <a:ext uri="{0D108BD9-81ED-4DB2-BD59-A6C34878D82A}">
+                    <a16:rowId xmlns:a16="http://schemas.microsoft.com/office/drawing/2014/main" val="2213804325"/>
+                  </a:ext>
+                </a:extLst>
+              </a:tr>
+              <a:tr h="370840">
+                <a:tc>
+                  <a:txBody>
+                    <a:bodyPr/>
+                    <a:lstStyle/>
+                    <a:p>
+                      <a:pPr marL="0" marR="0" lvl="0" indent="0" algn="l" defTabSz="914400" rtl="0" eaLnBrk="1" fontAlgn="auto" latinLnBrk="0" hangingPunct="1">
+                        <a:lnSpc>
+                          <a:spcPct val="100000"/>
+                        </a:lnSpc>
+                        <a:spcBef>
+                          <a:spcPts val="0"/>
+                        </a:spcBef>
+                        <a:spcAft>
+                          <a:spcPts val="0"/>
+                        </a:spcAft>
+                        <a:buClrTx/>
+                        <a:buSzTx/>
+                        <a:buFontTx/>
+                        <a:buNone/>
+                        <a:tabLst/>
+                        <a:defRPr/>
+                      </a:pPr>
+                      <a:r>
+                        <a:rPr lang="zh-CN" altLang="en-US" sz="1600" b="0" kern="1200" dirty="0">
+                          <a:solidFill>
+                            <a:schemeClr val="tx1"/>
+                          </a:solidFill>
+                          <a:effectLst/>
+                          <a:latin typeface="宋体" panose="02010600030101010101" pitchFamily="2" charset="-122"/>
+                          <a:ea typeface="宋体" panose="02010600030101010101" pitchFamily="2" charset="-122"/>
+                          <a:cs typeface="+mn-cs"/>
+                        </a:rPr>
+                        <a:t>将局部车道坐标转换为全局坐标。</a:t>
+                      </a:r>
+                      <a:endParaRPr lang="en-US" altLang="zh-CN" sz="1600" b="0" kern="1200" dirty="0">
+                        <a:solidFill>
+                          <a:schemeClr val="tx1"/>
+                        </a:solidFill>
+                        <a:effectLst/>
+                        <a:latin typeface="宋体" panose="02010600030101010101" pitchFamily="2" charset="-122"/>
+                        <a:ea typeface="宋体" panose="02010600030101010101" pitchFamily="2" charset="-122"/>
+                        <a:cs typeface="+mn-cs"/>
+                      </a:endParaRPr>
+                    </a:p>
+                    <a:p>
+                      <a:pPr marL="0" marR="0" lvl="0" indent="0" algn="l" defTabSz="914400" rtl="0" eaLnBrk="1" fontAlgn="auto" latinLnBrk="0" hangingPunct="1">
+                        <a:lnSpc>
+                          <a:spcPct val="100000"/>
+                        </a:lnSpc>
+                        <a:spcBef>
+                          <a:spcPts val="0"/>
+                        </a:spcBef>
+                        <a:spcAft>
+                          <a:spcPts val="0"/>
+                        </a:spcAft>
+                        <a:buClrTx/>
+                        <a:buSzTx/>
+                        <a:buFontTx/>
+                        <a:buNone/>
+                        <a:tabLst/>
+                        <a:defRPr/>
+                      </a:pPr>
+                      <a:r>
+                        <a:rPr lang="zh-CN" altLang="en-US" sz="1600" b="0" kern="1200" dirty="0">
+                          <a:solidFill>
+                            <a:schemeClr val="tx1"/>
+                          </a:solidFill>
+                          <a:effectLst/>
+                          <a:latin typeface="宋体" panose="02010600030101010101" pitchFamily="2" charset="-122"/>
+                          <a:ea typeface="宋体" panose="02010600030101010101" pitchFamily="2" charset="-122"/>
+                          <a:cs typeface="+mn-cs"/>
+                        </a:rPr>
+                        <a:t>将世界位置转换为局部车道坐标。</a:t>
+                      </a:r>
+                      <a:endParaRPr lang="en-US" altLang="zh-CN" sz="1600" b="0" kern="1200" dirty="0">
+                        <a:solidFill>
+                          <a:schemeClr val="tx1"/>
+                        </a:solidFill>
+                        <a:effectLst/>
+                        <a:latin typeface="宋体" panose="02010600030101010101" pitchFamily="2" charset="-122"/>
+                        <a:ea typeface="宋体" panose="02010600030101010101" pitchFamily="2" charset="-122"/>
+                        <a:cs typeface="+mn-cs"/>
+                      </a:endParaRPr>
+                    </a:p>
+                    <a:p>
+                      <a:pPr marL="0" marR="0" lvl="0" indent="0" algn="l" defTabSz="914400" rtl="0" eaLnBrk="1" fontAlgn="auto" latinLnBrk="0" hangingPunct="1">
+                        <a:lnSpc>
+                          <a:spcPct val="100000"/>
+                        </a:lnSpc>
+                        <a:spcBef>
+                          <a:spcPts val="0"/>
+                        </a:spcBef>
+                        <a:spcAft>
+                          <a:spcPts val="0"/>
+                        </a:spcAft>
+                        <a:buClrTx/>
+                        <a:buSzTx/>
+                        <a:buFontTx/>
+                        <a:buNone/>
+                        <a:tabLst/>
+                        <a:defRPr/>
+                      </a:pPr>
+                      <a:r>
+                        <a:rPr lang="zh-CN" altLang="en-US" sz="1600" b="0" kern="1200" dirty="0">
+                          <a:solidFill>
+                            <a:schemeClr val="tx1"/>
+                          </a:solidFill>
+                          <a:effectLst/>
+                          <a:latin typeface="宋体" panose="02010600030101010101" pitchFamily="2" charset="-122"/>
+                          <a:ea typeface="宋体" panose="02010600030101010101" pitchFamily="2" charset="-122"/>
+                          <a:cs typeface="+mn-cs"/>
+                        </a:rPr>
+                        <a:t>获取给定纵向车道坐标处的车道走向。</a:t>
+                      </a:r>
+                      <a:endParaRPr lang="en-US" altLang="zh-CN" sz="1600" b="0" kern="1200" dirty="0">
+                        <a:solidFill>
+                          <a:schemeClr val="tx1"/>
+                        </a:solidFill>
+                        <a:effectLst/>
+                        <a:latin typeface="宋体" panose="02010600030101010101" pitchFamily="2" charset="-122"/>
+                        <a:ea typeface="宋体" panose="02010600030101010101" pitchFamily="2" charset="-122"/>
+                        <a:cs typeface="+mn-cs"/>
+                      </a:endParaRPr>
+                    </a:p>
+                    <a:p>
+                      <a:pPr marL="0" marR="0" lvl="0" indent="0" algn="l" defTabSz="914400" rtl="0" eaLnBrk="1" fontAlgn="auto" latinLnBrk="0" hangingPunct="1">
+                        <a:lnSpc>
+                          <a:spcPct val="100000"/>
+                        </a:lnSpc>
+                        <a:spcBef>
+                          <a:spcPts val="0"/>
+                        </a:spcBef>
+                        <a:spcAft>
+                          <a:spcPts val="0"/>
+                        </a:spcAft>
+                        <a:buClrTx/>
+                        <a:buSzTx/>
+                        <a:buFontTx/>
+                        <a:buNone/>
+                        <a:tabLst/>
+                        <a:defRPr/>
+                      </a:pPr>
+                      <a:r>
+                        <a:rPr lang="zh-CN" altLang="en-US" sz="1600" b="0" kern="1200" dirty="0">
+                          <a:solidFill>
+                            <a:schemeClr val="tx1"/>
+                          </a:solidFill>
+                          <a:effectLst/>
+                          <a:latin typeface="宋体" panose="02010600030101010101" pitchFamily="2" charset="-122"/>
+                          <a:ea typeface="宋体" panose="02010600030101010101" pitchFamily="2" charset="-122"/>
+                          <a:cs typeface="+mn-cs"/>
+                        </a:rPr>
+                        <a:t>获取给定纵向车道坐标处的车道宽度。</a:t>
+                      </a:r>
+                      <a:endParaRPr lang="en-US" altLang="zh-CN" sz="1600" b="0" kern="1200" dirty="0">
+                        <a:solidFill>
+                          <a:schemeClr val="tx1"/>
+                        </a:solidFill>
+                        <a:effectLst/>
+                        <a:latin typeface="宋体" panose="02010600030101010101" pitchFamily="2" charset="-122"/>
+                        <a:ea typeface="宋体" panose="02010600030101010101" pitchFamily="2" charset="-122"/>
+                        <a:cs typeface="+mn-cs"/>
+                      </a:endParaRPr>
+                    </a:p>
+                    <a:p>
+                      <a:pPr marL="0" marR="0" lvl="0" indent="0" algn="l" defTabSz="914400" rtl="0" eaLnBrk="1" fontAlgn="auto" latinLnBrk="0" hangingPunct="1">
+                        <a:lnSpc>
+                          <a:spcPct val="100000"/>
+                        </a:lnSpc>
+                        <a:spcBef>
+                          <a:spcPts val="0"/>
+                        </a:spcBef>
+                        <a:spcAft>
+                          <a:spcPts val="0"/>
+                        </a:spcAft>
+                        <a:buClrTx/>
+                        <a:buSzTx/>
+                        <a:buFontTx/>
+                        <a:buNone/>
+                        <a:tabLst/>
+                        <a:defRPr/>
+                      </a:pPr>
+                      <a:r>
+                        <a:rPr lang="zh-CN" altLang="en-US" sz="1600" b="0" kern="1200" dirty="0">
+                          <a:solidFill>
+                            <a:schemeClr val="tx1"/>
+                          </a:solidFill>
+                          <a:effectLst/>
+                          <a:latin typeface="Times New Roman" panose="02020603050405020304" pitchFamily="18" charset="0"/>
+                          <a:ea typeface="宋体" panose="02010600030101010101" pitchFamily="2" charset="-122"/>
+                          <a:cs typeface="Times New Roman" panose="02020603050405020304" pitchFamily="18" charset="0"/>
+                        </a:rPr>
+                        <a:t>从配置创建</a:t>
+                      </a:r>
+                      <a:r>
+                        <a:rPr lang="en-US" altLang="zh-CN" sz="1600" b="0" kern="1200" dirty="0">
+                          <a:solidFill>
+                            <a:schemeClr val="tx1"/>
+                          </a:solidFill>
+                          <a:effectLst/>
+                          <a:latin typeface="Times New Roman" panose="02020603050405020304" pitchFamily="18" charset="0"/>
+                          <a:ea typeface="宋体" panose="02010600030101010101" pitchFamily="2" charset="-122"/>
+                          <a:cs typeface="Times New Roman" panose="02020603050405020304" pitchFamily="18" charset="0"/>
+                        </a:rPr>
+                        <a:t>lane</a:t>
+                      </a:r>
+                      <a:r>
+                        <a:rPr lang="zh-CN" altLang="en-US" sz="1600" b="0" kern="1200" dirty="0">
+                          <a:solidFill>
+                            <a:schemeClr val="tx1"/>
+                          </a:solidFill>
+                          <a:effectLst/>
+                          <a:latin typeface="Times New Roman" panose="02020603050405020304" pitchFamily="18" charset="0"/>
+                          <a:ea typeface="宋体" panose="02010600030101010101" pitchFamily="2" charset="-122"/>
+                          <a:cs typeface="Times New Roman" panose="02020603050405020304" pitchFamily="18" charset="0"/>
+                        </a:rPr>
+                        <a:t>实例。</a:t>
+                      </a:r>
+                      <a:endParaRPr lang="en-US" altLang="zh-CN" sz="1600" b="0" kern="1200" dirty="0">
+                        <a:solidFill>
+                          <a:schemeClr val="tx1"/>
+                        </a:solidFill>
+                        <a:effectLst/>
+                        <a:latin typeface="Times New Roman" panose="02020603050405020304" pitchFamily="18" charset="0"/>
+                        <a:ea typeface="宋体" panose="02010600030101010101" pitchFamily="2" charset="-122"/>
+                        <a:cs typeface="Times New Roman" panose="02020603050405020304" pitchFamily="18" charset="0"/>
+                      </a:endParaRPr>
+                    </a:p>
+                    <a:p>
+                      <a:pPr marL="0" marR="0" lvl="0" indent="0" algn="l" defTabSz="914400" rtl="0" eaLnBrk="1" fontAlgn="auto" latinLnBrk="0" hangingPunct="1">
+                        <a:lnSpc>
+                          <a:spcPct val="100000"/>
+                        </a:lnSpc>
+                        <a:spcBef>
+                          <a:spcPts val="0"/>
+                        </a:spcBef>
+                        <a:spcAft>
+                          <a:spcPts val="0"/>
+                        </a:spcAft>
+                        <a:buClrTx/>
+                        <a:buSzTx/>
+                        <a:buFontTx/>
+                        <a:buNone/>
+                        <a:tabLst/>
+                        <a:defRPr/>
+                      </a:pPr>
+                      <a:r>
+                        <a:rPr lang="zh-CN" altLang="en-US" sz="1600" b="0" kern="1200" dirty="0">
+                          <a:solidFill>
+                            <a:schemeClr val="tx1"/>
+                          </a:solidFill>
+                          <a:effectLst/>
+                          <a:latin typeface="Times New Roman" panose="02020603050405020304" pitchFamily="18" charset="0"/>
+                          <a:ea typeface="宋体" panose="02010600030101010101" pitchFamily="2" charset="-122"/>
+                          <a:cs typeface="Times New Roman" panose="02020603050405020304" pitchFamily="18" charset="0"/>
+                        </a:rPr>
+                        <a:t>将</a:t>
+                      </a:r>
+                      <a:r>
+                        <a:rPr lang="en-US" altLang="zh-CN" sz="1600" b="0" kern="1200" dirty="0">
+                          <a:solidFill>
+                            <a:schemeClr val="tx1"/>
+                          </a:solidFill>
+                          <a:effectLst/>
+                          <a:latin typeface="Times New Roman" panose="02020603050405020304" pitchFamily="18" charset="0"/>
+                          <a:ea typeface="宋体" panose="02010600030101010101" pitchFamily="2" charset="-122"/>
+                          <a:cs typeface="Times New Roman" panose="02020603050405020304" pitchFamily="18" charset="0"/>
+                        </a:rPr>
+                        <a:t>lane</a:t>
+                      </a:r>
+                      <a:r>
+                        <a:rPr lang="zh-CN" altLang="en-US" sz="1600" b="0" kern="1200" dirty="0">
+                          <a:solidFill>
+                            <a:schemeClr val="tx1"/>
+                          </a:solidFill>
+                          <a:effectLst/>
+                          <a:latin typeface="Times New Roman" panose="02020603050405020304" pitchFamily="18" charset="0"/>
+                          <a:ea typeface="宋体" panose="02010600030101010101" pitchFamily="2" charset="-122"/>
+                          <a:cs typeface="Times New Roman" panose="02020603050405020304" pitchFamily="18" charset="0"/>
+                        </a:rPr>
+                        <a:t>参数写入</a:t>
+                      </a:r>
+                      <a:r>
+                        <a:rPr lang="en-US" altLang="zh-CN" sz="1600" b="0" kern="1200" dirty="0">
+                          <a:solidFill>
+                            <a:schemeClr val="tx1"/>
+                          </a:solidFill>
+                          <a:effectLst/>
+                          <a:latin typeface="Times New Roman" panose="02020603050405020304" pitchFamily="18" charset="0"/>
+                          <a:ea typeface="宋体" panose="02010600030101010101" pitchFamily="2" charset="-122"/>
+                          <a:cs typeface="Times New Roman" panose="02020603050405020304" pitchFamily="18" charset="0"/>
+                        </a:rPr>
+                        <a:t>dict</a:t>
+                      </a:r>
+                      <a:r>
+                        <a:rPr lang="zh-CN" altLang="en-US" sz="1600" b="0" kern="1200" dirty="0">
+                          <a:solidFill>
+                            <a:schemeClr val="tx1"/>
+                          </a:solidFill>
+                          <a:effectLst/>
+                          <a:latin typeface="Times New Roman" panose="02020603050405020304" pitchFamily="18" charset="0"/>
+                          <a:ea typeface="宋体" panose="02010600030101010101" pitchFamily="2" charset="-122"/>
+                          <a:cs typeface="Times New Roman" panose="02020603050405020304" pitchFamily="18" charset="0"/>
+                        </a:rPr>
+                        <a:t>，可以序列化为</a:t>
+                      </a:r>
+                      <a:r>
+                        <a:rPr lang="en-US" altLang="zh-CN" sz="1600" b="0" kern="1200" dirty="0">
+                          <a:solidFill>
+                            <a:schemeClr val="tx1"/>
+                          </a:solidFill>
+                          <a:effectLst/>
+                          <a:latin typeface="Times New Roman" panose="02020603050405020304" pitchFamily="18" charset="0"/>
+                          <a:ea typeface="宋体" panose="02010600030101010101" pitchFamily="2" charset="-122"/>
+                          <a:cs typeface="Times New Roman" panose="02020603050405020304" pitchFamily="18" charset="0"/>
+                        </a:rPr>
+                        <a:t>json</a:t>
+                      </a:r>
+                    </a:p>
+                    <a:p>
+                      <a:pPr marL="0" marR="0" lvl="0" indent="0" algn="l" defTabSz="914400" rtl="0" eaLnBrk="1" fontAlgn="auto" latinLnBrk="0" hangingPunct="1">
+                        <a:lnSpc>
+                          <a:spcPct val="100000"/>
+                        </a:lnSpc>
+                        <a:spcBef>
+                          <a:spcPts val="0"/>
+                        </a:spcBef>
+                        <a:spcAft>
+                          <a:spcPts val="0"/>
+                        </a:spcAft>
+                        <a:buClrTx/>
+                        <a:buSzTx/>
+                        <a:buFontTx/>
+                        <a:buNone/>
+                        <a:tabLst/>
+                        <a:defRPr/>
+                      </a:pPr>
+                      <a:r>
+                        <a:rPr lang="zh-CN" altLang="en-US" sz="1600" b="0" kern="1200" dirty="0">
+                          <a:solidFill>
+                            <a:schemeClr val="tx1"/>
+                          </a:solidFill>
+                          <a:effectLst/>
+                          <a:latin typeface="宋体" panose="02010600030101010101" pitchFamily="2" charset="-122"/>
+                          <a:ea typeface="宋体" panose="02010600030101010101" pitchFamily="2" charset="-122"/>
+                          <a:cs typeface="+mn-cs"/>
+                        </a:rPr>
+                        <a:t>判断给定的世界坐标点是否在车道上。</a:t>
+                      </a:r>
+                      <a:endParaRPr lang="en-US" altLang="zh-CN" sz="1600" b="0" kern="1200" dirty="0">
+                        <a:solidFill>
+                          <a:schemeClr val="tx1"/>
+                        </a:solidFill>
+                        <a:effectLst/>
+                        <a:latin typeface="宋体" panose="02010600030101010101" pitchFamily="2" charset="-122"/>
+                        <a:ea typeface="宋体" panose="02010600030101010101" pitchFamily="2" charset="-122"/>
+                        <a:cs typeface="+mn-cs"/>
+                      </a:endParaRPr>
+                    </a:p>
+                    <a:p>
+                      <a:pPr marL="0" marR="0" lvl="0" indent="0" algn="l" defTabSz="914400" rtl="0" eaLnBrk="1" fontAlgn="auto" latinLnBrk="0" hangingPunct="1">
+                        <a:lnSpc>
+                          <a:spcPct val="100000"/>
+                        </a:lnSpc>
+                        <a:spcBef>
+                          <a:spcPts val="0"/>
+                        </a:spcBef>
+                        <a:spcAft>
+                          <a:spcPts val="0"/>
+                        </a:spcAft>
+                        <a:buClrTx/>
+                        <a:buSzTx/>
+                        <a:buFontTx/>
+                        <a:buNone/>
+                        <a:tabLst/>
+                        <a:defRPr/>
+                      </a:pPr>
+                      <a:r>
+                        <a:rPr lang="zh-CN" altLang="en-US" sz="1600" b="0" kern="1200" dirty="0">
+                          <a:solidFill>
+                            <a:schemeClr val="tx1"/>
+                          </a:solidFill>
+                          <a:effectLst/>
+                          <a:latin typeface="宋体" panose="02010600030101010101" pitchFamily="2" charset="-122"/>
+                          <a:ea typeface="宋体" panose="02010600030101010101" pitchFamily="2" charset="-122"/>
+                          <a:cs typeface="+mn-cs"/>
+                        </a:rPr>
+                        <a:t>从给定的世界位置是否可以到达车道。</a:t>
+                      </a:r>
+                      <a:endParaRPr lang="en-US" altLang="zh-CN" sz="1600" b="0" kern="1200" dirty="0">
+                        <a:solidFill>
+                          <a:schemeClr val="tx1"/>
+                        </a:solidFill>
+                        <a:effectLst/>
+                        <a:latin typeface="宋体" panose="02010600030101010101" pitchFamily="2" charset="-122"/>
+                        <a:ea typeface="宋体" panose="02010600030101010101" pitchFamily="2" charset="-122"/>
+                        <a:cs typeface="+mn-cs"/>
+                      </a:endParaRPr>
+                    </a:p>
+                    <a:p>
+                      <a:pPr marL="0" marR="0" lvl="0" indent="0" algn="l" defTabSz="914400" rtl="0" eaLnBrk="1" fontAlgn="auto" latinLnBrk="0" hangingPunct="1">
+                        <a:lnSpc>
+                          <a:spcPct val="100000"/>
+                        </a:lnSpc>
+                        <a:spcBef>
+                          <a:spcPts val="0"/>
+                        </a:spcBef>
+                        <a:spcAft>
+                          <a:spcPts val="0"/>
+                        </a:spcAft>
+                        <a:buClrTx/>
+                        <a:buSzTx/>
+                        <a:buFontTx/>
+                        <a:buNone/>
+                        <a:tabLst/>
+                        <a:defRPr/>
+                      </a:pPr>
+                      <a:r>
+                        <a:rPr lang="zh-CN" altLang="en-US" sz="1600" b="0" kern="1200" dirty="0">
+                          <a:solidFill>
+                            <a:schemeClr val="tx1"/>
+                          </a:solidFill>
+                          <a:effectLst/>
+                          <a:latin typeface="宋体" panose="02010600030101010101" pitchFamily="2" charset="-122"/>
+                          <a:ea typeface="宋体" panose="02010600030101010101" pitchFamily="2" charset="-122"/>
+                          <a:cs typeface="+mn-cs"/>
+                        </a:rPr>
+                        <a:t>判断某个位置是否位于车道的末尾之后。</a:t>
+                      </a:r>
+                      <a:endParaRPr lang="en-US" altLang="zh-CN" sz="1600" b="0" kern="1200" dirty="0">
+                        <a:solidFill>
+                          <a:schemeClr val="tx1"/>
+                        </a:solidFill>
+                        <a:effectLst/>
+                        <a:latin typeface="宋体" panose="02010600030101010101" pitchFamily="2" charset="-122"/>
+                        <a:ea typeface="宋体" panose="02010600030101010101" pitchFamily="2" charset="-122"/>
+                        <a:cs typeface="+mn-cs"/>
+                      </a:endParaRPr>
+                    </a:p>
+                    <a:p>
+                      <a:pPr marL="0" marR="0" lvl="0" indent="0" algn="l" defTabSz="914400" rtl="0" eaLnBrk="1" fontAlgn="auto" latinLnBrk="0" hangingPunct="1">
+                        <a:lnSpc>
+                          <a:spcPct val="100000"/>
+                        </a:lnSpc>
+                        <a:spcBef>
+                          <a:spcPts val="0"/>
+                        </a:spcBef>
+                        <a:spcAft>
+                          <a:spcPts val="0"/>
+                        </a:spcAft>
+                        <a:buClrTx/>
+                        <a:buSzTx/>
+                        <a:buFontTx/>
+                        <a:buNone/>
+                        <a:tabLst/>
+                        <a:defRPr/>
+                      </a:pPr>
+                      <a:r>
+                        <a:rPr lang="zh-CN" altLang="en-US" sz="1600" b="0" kern="1200" dirty="0">
+                          <a:solidFill>
+                            <a:schemeClr val="tx1"/>
+                          </a:solidFill>
+                          <a:effectLst/>
+                          <a:latin typeface="宋体" panose="02010600030101010101" pitchFamily="2" charset="-122"/>
+                          <a:ea typeface="宋体" panose="02010600030101010101" pitchFamily="2" charset="-122"/>
+                          <a:cs typeface="+mn-cs"/>
+                        </a:rPr>
+                        <a:t>计算一个位置到车道横向距</a:t>
+                      </a:r>
+                      <a:r>
+                        <a:rPr lang="zh-CN" altLang="en-US" sz="1600" b="0" kern="1200" dirty="0">
+                          <a:solidFill>
+                            <a:schemeClr val="tx1"/>
+                          </a:solidFill>
+                          <a:effectLst/>
+                          <a:latin typeface="Times New Roman" panose="02020603050405020304" pitchFamily="18" charset="0"/>
+                          <a:ea typeface="宋体" panose="02010600030101010101" pitchFamily="2" charset="-122"/>
+                          <a:cs typeface="Times New Roman" panose="02020603050405020304" pitchFamily="18" charset="0"/>
+                        </a:rPr>
+                        <a:t>离</a:t>
+                      </a:r>
+                      <a:r>
+                        <a:rPr lang="en-US" altLang="zh-CN" sz="1600" b="0" kern="1200" dirty="0">
+                          <a:solidFill>
+                            <a:schemeClr val="tx1"/>
+                          </a:solidFill>
+                          <a:effectLst/>
+                          <a:latin typeface="Times New Roman" panose="02020603050405020304" pitchFamily="18" charset="0"/>
+                          <a:ea typeface="宋体" panose="02010600030101010101" pitchFamily="2" charset="-122"/>
+                          <a:cs typeface="Times New Roman" panose="02020603050405020304" pitchFamily="18" charset="0"/>
+                        </a:rPr>
+                        <a:t>+</a:t>
+                      </a:r>
+                      <a:r>
+                        <a:rPr lang="zh-CN" altLang="en-US" sz="1600" b="0" kern="1200" dirty="0">
+                          <a:solidFill>
+                            <a:schemeClr val="tx1"/>
+                          </a:solidFill>
+                          <a:effectLst/>
+                          <a:latin typeface="Times New Roman" panose="02020603050405020304" pitchFamily="18" charset="0"/>
+                          <a:ea typeface="宋体" panose="02010600030101010101" pitchFamily="2" charset="-122"/>
+                          <a:cs typeface="Times New Roman" panose="02020603050405020304" pitchFamily="18" charset="0"/>
+                        </a:rPr>
+                        <a:t>纵向</a:t>
+                      </a:r>
+                      <a:r>
+                        <a:rPr lang="zh-CN" altLang="en-US" sz="1600" b="0" kern="1200" dirty="0">
+                          <a:solidFill>
+                            <a:schemeClr val="tx1"/>
+                          </a:solidFill>
+                          <a:effectLst/>
+                          <a:latin typeface="宋体" panose="02010600030101010101" pitchFamily="2" charset="-122"/>
+                          <a:ea typeface="宋体" panose="02010600030101010101" pitchFamily="2" charset="-122"/>
+                          <a:cs typeface="+mn-cs"/>
+                        </a:rPr>
+                        <a:t>距离。</a:t>
+                      </a:r>
+                      <a:endParaRPr lang="en-US" altLang="zh-CN" sz="1600" b="0" kern="1200" dirty="0">
+                        <a:solidFill>
+                          <a:schemeClr val="tx1"/>
+                        </a:solidFill>
+                        <a:effectLst/>
+                        <a:latin typeface="宋体" panose="02010600030101010101" pitchFamily="2" charset="-122"/>
+                        <a:ea typeface="宋体" panose="02010600030101010101" pitchFamily="2" charset="-122"/>
+                        <a:cs typeface="+mn-cs"/>
+                      </a:endParaRPr>
+                    </a:p>
+                    <a:p>
+                      <a:pPr marL="0" marR="0" lvl="0" indent="0" algn="l" defTabSz="914400" rtl="0" eaLnBrk="1" fontAlgn="auto" latinLnBrk="0" hangingPunct="1">
+                        <a:lnSpc>
+                          <a:spcPct val="100000"/>
+                        </a:lnSpc>
+                        <a:spcBef>
+                          <a:spcPts val="0"/>
+                        </a:spcBef>
+                        <a:spcAft>
+                          <a:spcPts val="0"/>
+                        </a:spcAft>
+                        <a:buClrTx/>
+                        <a:buSzTx/>
+                        <a:buFontTx/>
+                        <a:buNone/>
+                        <a:tabLst/>
+                        <a:defRPr/>
+                      </a:pPr>
+                      <a:r>
+                        <a:rPr lang="zh-CN" altLang="en-US" sz="1600" b="0" kern="1200" dirty="0">
+                          <a:solidFill>
+                            <a:schemeClr val="tx1"/>
+                          </a:solidFill>
+                          <a:effectLst/>
+                          <a:latin typeface="宋体" panose="02010600030101010101" pitchFamily="2" charset="-122"/>
+                          <a:ea typeface="宋体" panose="02010600030101010101" pitchFamily="2" charset="-122"/>
+                          <a:cs typeface="+mn-cs"/>
+                        </a:rPr>
+                        <a:t>计算</a:t>
+                      </a:r>
+                      <a:r>
+                        <a:rPr lang="zh-CN" altLang="en-US" sz="1600" b="0" kern="1200" dirty="0">
+                          <a:solidFill>
+                            <a:schemeClr val="tx1"/>
+                          </a:solidFill>
+                          <a:effectLst/>
+                          <a:latin typeface="Times New Roman" panose="02020603050405020304" pitchFamily="18" charset="0"/>
+                          <a:ea typeface="宋体" panose="02010600030101010101" pitchFamily="2" charset="-122"/>
+                          <a:cs typeface="Times New Roman" panose="02020603050405020304" pitchFamily="18" charset="0"/>
+                        </a:rPr>
+                        <a:t>位置</a:t>
+                      </a:r>
+                      <a:r>
+                        <a:rPr lang="en-US" altLang="zh-CN" sz="1600" b="0" kern="1200" dirty="0">
+                          <a:solidFill>
+                            <a:schemeClr val="tx1"/>
+                          </a:solidFill>
+                          <a:effectLst/>
+                          <a:latin typeface="Times New Roman" panose="02020603050405020304" pitchFamily="18" charset="0"/>
+                          <a:ea typeface="宋体" panose="02010600030101010101" pitchFamily="2" charset="-122"/>
+                          <a:cs typeface="Times New Roman" panose="02020603050405020304" pitchFamily="18" charset="0"/>
+                        </a:rPr>
+                        <a:t>(position)</a:t>
+                      </a:r>
+                      <a:r>
+                        <a:rPr lang="zh-CN" altLang="en-US" sz="1600" b="0" kern="1200" dirty="0">
+                          <a:solidFill>
+                            <a:schemeClr val="tx1"/>
+                          </a:solidFill>
+                          <a:effectLst/>
+                          <a:latin typeface="Times New Roman" panose="02020603050405020304" pitchFamily="18" charset="0"/>
+                          <a:ea typeface="宋体" panose="02010600030101010101" pitchFamily="2" charset="-122"/>
+                          <a:cs typeface="Times New Roman" panose="02020603050405020304" pitchFamily="18" charset="0"/>
+                        </a:rPr>
+                        <a:t>和方向</a:t>
+                      </a:r>
+                      <a:r>
+                        <a:rPr lang="en-US" altLang="zh-CN" sz="1600" b="0" kern="1200" dirty="0">
+                          <a:solidFill>
+                            <a:schemeClr val="tx1"/>
+                          </a:solidFill>
+                          <a:effectLst/>
+                          <a:latin typeface="Times New Roman" panose="02020603050405020304" pitchFamily="18" charset="0"/>
+                          <a:ea typeface="宋体" panose="02010600030101010101" pitchFamily="2" charset="-122"/>
+                          <a:cs typeface="Times New Roman" panose="02020603050405020304" pitchFamily="18" charset="0"/>
+                        </a:rPr>
+                        <a:t>(heading)</a:t>
+                      </a:r>
+                      <a:r>
+                        <a:rPr lang="zh-CN" altLang="en-US" sz="1600" b="0" kern="1200" dirty="0">
+                          <a:solidFill>
+                            <a:schemeClr val="tx1"/>
+                          </a:solidFill>
+                          <a:effectLst/>
+                          <a:latin typeface="Times New Roman" panose="02020603050405020304" pitchFamily="18" charset="0"/>
+                          <a:ea typeface="宋体" panose="02010600030101010101" pitchFamily="2" charset="-122"/>
+                          <a:cs typeface="Times New Roman" panose="02020603050405020304" pitchFamily="18" charset="0"/>
+                        </a:rPr>
+                        <a:t>与</a:t>
+                      </a:r>
+                      <a:r>
+                        <a:rPr lang="zh-CN" altLang="en-US" sz="1600" b="0" kern="1200" dirty="0">
+                          <a:solidFill>
+                            <a:schemeClr val="tx1"/>
+                          </a:solidFill>
+                          <a:effectLst/>
+                          <a:latin typeface="宋体" panose="02010600030101010101" pitchFamily="2" charset="-122"/>
+                          <a:ea typeface="宋体" panose="02010600030101010101" pitchFamily="2" charset="-122"/>
+                          <a:cs typeface="+mn-cs"/>
+                        </a:rPr>
+                        <a:t>车道的综合偏差距离。</a:t>
+                      </a:r>
+                      <a:endParaRPr lang="en-US" altLang="zh-CN" sz="1600" b="0" kern="1200" dirty="0">
+                        <a:solidFill>
+                          <a:schemeClr val="tx1"/>
+                        </a:solidFill>
+                        <a:effectLst/>
+                        <a:latin typeface="宋体" panose="02010600030101010101" pitchFamily="2" charset="-122"/>
+                        <a:ea typeface="宋体" panose="02010600030101010101" pitchFamily="2" charset="-122"/>
+                        <a:cs typeface="+mn-cs"/>
+                      </a:endParaRPr>
+                    </a:p>
+                    <a:p>
+                      <a:pPr marL="0" marR="0" lvl="0" indent="0" algn="l" defTabSz="914400" rtl="0" eaLnBrk="1" fontAlgn="auto" latinLnBrk="0" hangingPunct="1">
+                        <a:lnSpc>
+                          <a:spcPct val="100000"/>
+                        </a:lnSpc>
+                        <a:spcBef>
+                          <a:spcPts val="0"/>
+                        </a:spcBef>
+                        <a:spcAft>
+                          <a:spcPts val="0"/>
+                        </a:spcAft>
+                        <a:buClrTx/>
+                        <a:buSzTx/>
+                        <a:buFontTx/>
+                        <a:buNone/>
+                        <a:tabLst/>
+                        <a:defRPr/>
+                      </a:pPr>
+                      <a:r>
+                        <a:rPr lang="zh-CN" altLang="en-US" sz="1600" b="0" kern="1200" dirty="0">
+                          <a:solidFill>
+                            <a:schemeClr val="tx1"/>
+                          </a:solidFill>
+                          <a:effectLst/>
+                          <a:latin typeface="Times New Roman" panose="02020603050405020304" pitchFamily="18" charset="0"/>
+                          <a:ea typeface="宋体" panose="02010600030101010101" pitchFamily="2" charset="-122"/>
+                          <a:cs typeface="Times New Roman" panose="02020603050405020304" pitchFamily="18" charset="0"/>
+                        </a:rPr>
+                        <a:t>计算给定方向（</a:t>
+                      </a:r>
+                      <a:r>
+                        <a:rPr lang="en-US" altLang="zh-CN" sz="1600" b="0" kern="1200" dirty="0">
+                          <a:solidFill>
+                            <a:schemeClr val="tx1"/>
+                          </a:solidFill>
+                          <a:effectLst/>
+                          <a:latin typeface="Times New Roman" panose="02020603050405020304" pitchFamily="18" charset="0"/>
+                          <a:ea typeface="宋体" panose="02010600030101010101" pitchFamily="2" charset="-122"/>
+                          <a:cs typeface="Times New Roman" panose="02020603050405020304" pitchFamily="18" charset="0"/>
+                        </a:rPr>
+                        <a:t>heading</a:t>
+                      </a:r>
+                      <a:r>
+                        <a:rPr lang="zh-CN" altLang="en-US" sz="1600" b="0" kern="1200" dirty="0">
+                          <a:solidFill>
+                            <a:schemeClr val="tx1"/>
+                          </a:solidFill>
+                          <a:effectLst/>
+                          <a:latin typeface="Times New Roman" panose="02020603050405020304" pitchFamily="18" charset="0"/>
+                          <a:ea typeface="宋体" panose="02010600030101010101" pitchFamily="2" charset="-122"/>
+                          <a:cs typeface="Times New Roman" panose="02020603050405020304" pitchFamily="18" charset="0"/>
+                        </a:rPr>
+                        <a:t>）与车道方向的相对角度。</a:t>
+                      </a:r>
+                      <a:endParaRPr lang="en-US" altLang="zh-CN" sz="1600" b="0" kern="1200" dirty="0">
+                        <a:solidFill>
+                          <a:schemeClr val="tx1"/>
+                        </a:solidFill>
+                        <a:effectLst/>
+                        <a:latin typeface="Times New Roman" panose="02020603050405020304" pitchFamily="18" charset="0"/>
+                        <a:ea typeface="宋体" panose="02010600030101010101" pitchFamily="2" charset="-122"/>
+                        <a:cs typeface="Times New Roman" panose="02020603050405020304" pitchFamily="18" charset="0"/>
+                      </a:endParaRPr>
+                    </a:p>
+                  </a:txBody>
+                  <a:tcPr anchor="ctr"/>
+                </a:tc>
+                <a:extLst>
+                  <a:ext uri="{0D108BD9-81ED-4DB2-BD59-A6C34878D82A}">
+                    <a16:rowId xmlns:a16="http://schemas.microsoft.com/office/drawing/2014/main" val="2743093702"/>
+                  </a:ext>
+                </a:extLst>
+              </a:tr>
+            </a:tbl>
+          </a:graphicData>
+        </a:graphic>
+      </p:graphicFrame>
+    </p:spTree>
+    <p:extLst>
+      <p:ext uri="{BB962C8B-B14F-4D97-AF65-F5344CB8AC3E}">
+        <p14:creationId xmlns:p14="http://schemas.microsoft.com/office/powerpoint/2010/main" val="966335747"/>
+      </p:ext>
+    </p:extLst>
+  </p:cSld>
+  <p:clrMapOvr>
+    <a:masterClrMapping/>
+  </p:clrMapOvr>
+</p:sld>
+</file>
+
+<file path=ppt/slides/slide12.xml><?xml version="1.0" encoding="utf-8"?>
 <p:sld xmlns:a="http://schemas.openxmlformats.org/drawingml/2006/main" xmlns:r="http://schemas.openxmlformats.org/officeDocument/2006/relationships" xmlns:p="http://schemas.openxmlformats.org/presentationml/2006/main">
   <p:cSld>
     <p:spTree>
@@ -3734,20 +5759,12 @@
           <a:lstStyle/>
           <a:p>
             <a:r>
-              <a:rPr lang="en-US" altLang="zh-CN" sz="4000" dirty="0" err="1">
-                <a:latin typeface="Times New Roman" panose="02020603050405020304" pitchFamily="18" charset="0"/>
-                <a:ea typeface="宋体" panose="02010600030101010101" pitchFamily="2" charset="-122"/>
-                <a:cs typeface="Times New Roman" panose="02020603050405020304" pitchFamily="18" charset="0"/>
-              </a:rPr>
-              <a:t>Highway_env</a:t>
-            </a:r>
-            <a:r>
               <a:rPr lang="en-US" altLang="zh-CN" sz="4000" dirty="0">
                 <a:latin typeface="Times New Roman" panose="02020603050405020304" pitchFamily="18" charset="0"/>
                 <a:ea typeface="宋体" panose="02010600030101010101" pitchFamily="2" charset="-122"/>
                 <a:cs typeface="Times New Roman" panose="02020603050405020304" pitchFamily="18" charset="0"/>
               </a:rPr>
-              <a:t> </a:t>
+              <a:t>Highway_env </a:t>
             </a:r>
             <a:r>
               <a:rPr lang="zh-CN" altLang="en-US" sz="4000" dirty="0">
@@ -3819,7 +5836,7 @@
           <a:lstStyle/>
           <a:p>
             <a:r>
-              <a:rPr lang="en-US" altLang="zh-CN" sz="2000" dirty="0" err="1">
+              <a:rPr lang="en-US" altLang="zh-CN" sz="2000" dirty="0">
                 <a:latin typeface="Times New Roman" panose="02020603050405020304" pitchFamily="18" charset="0"/>
                 <a:ea typeface="宋体" panose="02010600030101010101" pitchFamily="2" charset="-122"/>
                 <a:cs typeface="Times New Roman" panose="02020603050405020304" pitchFamily="18" charset="0"/>
@@ -3847,34 +5864,10 @@
                 <a:ea typeface="宋体" panose="02010600030101010101" pitchFamily="2" charset="-122"/>
                 <a:cs typeface="Times New Roman" panose="02020603050405020304" pitchFamily="18" charset="0"/>
               </a:rPr>
-              <a:t>    </a:t>
-            </a:r>
-            <a:r>
-              <a:rPr lang="en-US" altLang="zh-CN" sz="2000" b="0" i="0" dirty="0" err="1">
-                <a:solidFill>
-                  <a:srgbClr val="4D4D4D"/>
-                </a:solidFill>
-                <a:effectLst/>
-                <a:latin typeface="-apple-system"/>
-              </a:rPr>
-              <a:t>envs</a:t>
-            </a:r>
-            <a:r>
-              <a:rPr lang="en-US" altLang="zh-CN" sz="2000" b="0" i="0" dirty="0">
-                <a:solidFill>
-                  <a:srgbClr val="4D4D4D"/>
-                </a:solidFill>
-                <a:effectLst/>
-                <a:latin typeface="-apple-system"/>
-              </a:rPr>
-              <a:t>/common</a:t>
-            </a:r>
-            <a:r>
-              <a:rPr lang="zh-CN" altLang="en-US" sz="2000" b="0" i="0" dirty="0">
-                <a:solidFill>
-                  <a:srgbClr val="4D4D4D"/>
-                </a:solidFill>
-                <a:effectLst/>
+              <a:t>    envs/common</a:t>
+            </a:r>
+            <a:r>
+              <a:rPr lang="zh-CN" altLang="en-US" sz="2000" dirty="0">
                 <a:latin typeface="Times New Roman" panose="02020603050405020304" pitchFamily="18" charset="0"/>
                 <a:ea typeface="宋体" panose="02010600030101010101" pitchFamily="2" charset="-122"/>
                 <a:cs typeface="Times New Roman" panose="02020603050405020304" pitchFamily="18" charset="0"/>
@@ -3949,15 +5942,7 @@
                 <a:ea typeface="宋体" panose="02010600030101010101" pitchFamily="2" charset="-122"/>
                 <a:cs typeface="Times New Roman" panose="02020603050405020304" pitchFamily="18" charset="0"/>
               </a:rPr>
-              <a:t>                               </a:t>
-            </a:r>
-            <a:r>
-              <a:rPr lang="en-US" altLang="zh-CN" sz="2000" dirty="0" err="1">
-                <a:latin typeface="Times New Roman" panose="02020603050405020304" pitchFamily="18" charset="0"/>
-                <a:ea typeface="宋体" panose="02010600030101010101" pitchFamily="2" charset="-122"/>
-                <a:cs typeface="Times New Roman" panose="02020603050405020304" pitchFamily="18" charset="0"/>
-              </a:rPr>
-              <a:t>finite_mdp</a:t>
+              <a:t>                               finite_mdp</a:t>
             </a:r>
             <a:r>
               <a:rPr lang="zh-CN" altLang="en-US" sz="2000" dirty="0">
@@ -4361,29 +6346,7 @@
                 <a:ea typeface="宋体" panose="02010600030101010101" pitchFamily="2" charset="-122"/>
                 <a:cs typeface="Times New Roman" panose="02020603050405020304" pitchFamily="18" charset="0"/>
               </a:rPr>
-              <a:t>def _</a:t>
-            </a:r>
-            <a:r>
-              <a:rPr lang="en-US" altLang="zh-CN" sz="2400" dirty="0" err="1">
-                <a:solidFill>
-                  <a:srgbClr val="FF0000"/>
-                </a:solidFill>
-                <a:latin typeface="Times New Roman" panose="02020603050405020304" pitchFamily="18" charset="0"/>
-                <a:ea typeface="宋体" panose="02010600030101010101" pitchFamily="2" charset="-122"/>
-                <a:cs typeface="Times New Roman" panose="02020603050405020304" pitchFamily="18" charset="0"/>
-              </a:rPr>
-              <a:t>register_highway_envs</a:t>
-            </a:r>
-            <a:r>
-              <a:rPr lang="en-US" altLang="zh-CN" sz="2400" dirty="0">
-                <a:solidFill>
-                  <a:srgbClr val="FF0000"/>
-                </a:solidFill>
-                <a:latin typeface="Times New Roman" panose="02020603050405020304" pitchFamily="18" charset="0"/>
-                <a:ea typeface="宋体" panose="02010600030101010101" pitchFamily="2" charset="-122"/>
-                <a:cs typeface="Times New Roman" panose="02020603050405020304" pitchFamily="18" charset="0"/>
-              </a:rPr>
-              <a:t>():</a:t>
+              <a:t>def _register_highway_envs():</a:t>
             </a:r>
           </a:p>
           <a:p>
@@ -4432,51 +6395,7 @@
                 <a:ea typeface="宋体" panose="02010600030101010101" pitchFamily="2" charset="-122"/>
                 <a:cs typeface="Times New Roman" panose="02020603050405020304" pitchFamily="18" charset="0"/>
               </a:rPr>
-              <a:t>        </a:t>
-            </a:r>
-            <a:r>
-              <a:rPr lang="en-US" altLang="zh-CN" sz="2400" dirty="0" err="1">
-                <a:solidFill>
-                  <a:srgbClr val="FF0000"/>
-                </a:solidFill>
-                <a:latin typeface="Times New Roman" panose="02020603050405020304" pitchFamily="18" charset="0"/>
-                <a:ea typeface="宋体" panose="02010600030101010101" pitchFamily="2" charset="-122"/>
-                <a:cs typeface="Times New Roman" panose="02020603050405020304" pitchFamily="18" charset="0"/>
-              </a:rPr>
-              <a:t>entry_point</a:t>
-            </a:r>
-            <a:r>
-              <a:rPr lang="en-US" altLang="zh-CN" sz="2400" dirty="0">
-                <a:solidFill>
-                  <a:srgbClr val="FF0000"/>
-                </a:solidFill>
-                <a:latin typeface="Times New Roman" panose="02020603050405020304" pitchFamily="18" charset="0"/>
-                <a:ea typeface="宋体" panose="02010600030101010101" pitchFamily="2" charset="-122"/>
-                <a:cs typeface="Times New Roman" panose="02020603050405020304" pitchFamily="18" charset="0"/>
-              </a:rPr>
-              <a:t>="</a:t>
-            </a:r>
-            <a:r>
-              <a:rPr lang="en-US" altLang="zh-CN" sz="2400" dirty="0" err="1">
-                <a:solidFill>
-                  <a:srgbClr val="FF0000"/>
-                </a:solidFill>
-                <a:latin typeface="Times New Roman" panose="02020603050405020304" pitchFamily="18" charset="0"/>
-                <a:ea typeface="宋体" panose="02010600030101010101" pitchFamily="2" charset="-122"/>
-                <a:cs typeface="Times New Roman" panose="02020603050405020304" pitchFamily="18" charset="0"/>
-              </a:rPr>
-              <a:t>highway_env.envs.intersection_env:IntersectionEnv</a:t>
-            </a:r>
-            <a:r>
-              <a:rPr lang="en-US" altLang="zh-CN" sz="2400" dirty="0">
-                <a:solidFill>
-                  <a:srgbClr val="FF0000"/>
-                </a:solidFill>
-                <a:latin typeface="Times New Roman" panose="02020603050405020304" pitchFamily="18" charset="0"/>
-                <a:ea typeface="宋体" panose="02010600030101010101" pitchFamily="2" charset="-122"/>
-                <a:cs typeface="Times New Roman" panose="02020603050405020304" pitchFamily="18" charset="0"/>
-              </a:rPr>
-              <a:t>",</a:t>
+              <a:t>        entry_point="highway_env.envs.intersection_env:IntersectionEnv",</a:t>
             </a:r>
           </a:p>
           <a:p>
@@ -4614,20 +6533,12 @@
               <a:t>的格式。注册后，可以通过 </a:t>
             </a:r>
             <a:r>
-              <a:rPr lang="en-US" altLang="zh-CN" sz="2400" dirty="0" err="1">
-                <a:latin typeface="Times New Roman" panose="02020603050405020304" pitchFamily="18" charset="0"/>
-                <a:ea typeface="宋体" panose="02010600030101010101" pitchFamily="2" charset="-122"/>
-                <a:cs typeface="Times New Roman" panose="02020603050405020304" pitchFamily="18" charset="0"/>
-              </a:rPr>
-              <a:t>gym.make</a:t>
-            </a:r>
-            <a:r>
               <a:rPr lang="en-US" altLang="zh-CN" sz="2400" dirty="0">
                 <a:latin typeface="Times New Roman" panose="02020603050405020304" pitchFamily="18" charset="0"/>
                 <a:ea typeface="宋体" panose="02010600030101010101" pitchFamily="2" charset="-122"/>
                 <a:cs typeface="Times New Roman" panose="02020603050405020304" pitchFamily="18" charset="0"/>
               </a:rPr>
-              <a:t>(" intersection-v0") </a:t>
+              <a:t>gym.make(" intersection-v0") </a:t>
             </a:r>
             <a:r>
               <a:rPr lang="zh-CN" altLang="en-US" sz="2400" dirty="0">
@@ -4652,28 +6563,20 @@
           </a:p>
           <a:p>
             <a:r>
-              <a:rPr lang="en-US" altLang="zh-CN" sz="2400" dirty="0" err="1">
-                <a:latin typeface="Times New Roman" panose="02020603050405020304" pitchFamily="18" charset="0"/>
-                <a:ea typeface="宋体" panose="02010600030101010101" pitchFamily="2" charset="-122"/>
-                <a:cs typeface="Times New Roman" panose="02020603050405020304" pitchFamily="18" charset="0"/>
-              </a:rPr>
-              <a:t>entry_point</a:t>
-            </a:r>
-            <a:r>
               <a:rPr lang="en-US" altLang="zh-CN" sz="2400" dirty="0">
                 <a:latin typeface="Times New Roman" panose="02020603050405020304" pitchFamily="18" charset="0"/>
                 <a:ea typeface="宋体" panose="02010600030101010101" pitchFamily="2" charset="-122"/>
                 <a:cs typeface="Times New Roman" panose="02020603050405020304" pitchFamily="18" charset="0"/>
               </a:rPr>
-              <a:t>=“</a:t>
-            </a:r>
-            <a:r>
-              <a:rPr lang="en-US" altLang="zh-CN" sz="2400" dirty="0" err="1">
-                <a:latin typeface="Times New Roman" panose="02020603050405020304" pitchFamily="18" charset="0"/>
-                <a:ea typeface="宋体" panose="02010600030101010101" pitchFamily="2" charset="-122"/>
-                <a:cs typeface="Times New Roman" panose="02020603050405020304" pitchFamily="18" charset="0"/>
-              </a:rPr>
-              <a:t>highway_env.envs.intersection_env:IntersectionEnv</a:t>
+              <a:t>entry_point=“highway_env.envs.intersection_env:IntersectionEnv”</a:t>
+            </a:r>
+            <a:r>
+              <a:rPr lang="zh-CN" altLang="en-US" sz="2400" dirty="0">
+                <a:latin typeface="Times New Roman" panose="02020603050405020304" pitchFamily="18" charset="0"/>
+                <a:ea typeface="宋体" panose="02010600030101010101" pitchFamily="2" charset="-122"/>
+                <a:cs typeface="Times New Roman" panose="02020603050405020304" pitchFamily="18" charset="0"/>
+              </a:rPr>
+              <a:t>是指定环境类的位置。表示</a:t>
             </a:r>
             <a:r>
               <a:rPr lang="en-US" altLang="zh-CN" sz="2400" dirty="0">
@@ -4681,7 +6584,7 @@
                 <a:ea typeface="宋体" panose="02010600030101010101" pitchFamily="2" charset="-122"/>
                 <a:cs typeface="Times New Roman" panose="02020603050405020304" pitchFamily="18" charset="0"/>
               </a:rPr>
-              <a:t>”</a:t>
+              <a:t>highway_env.envs.intersection_env</a:t>
             </a:r>
             <a:r>
               <a:rPr lang="zh-CN" altLang="en-US" sz="2400" dirty="0">
@@ -4689,26 +6592,10 @@
                 <a:ea typeface="宋体" panose="02010600030101010101" pitchFamily="2" charset="-122"/>
                 <a:cs typeface="Times New Roman" panose="02020603050405020304" pitchFamily="18" charset="0"/>
               </a:rPr>
-              <a:t>是指定环境类的位置。表示</a:t>
-            </a:r>
-            <a:r>
-              <a:rPr lang="en-US" altLang="zh-CN" sz="2400" dirty="0" err="1">
-                <a:latin typeface="Times New Roman" panose="02020603050405020304" pitchFamily="18" charset="0"/>
-                <a:ea typeface="宋体" panose="02010600030101010101" pitchFamily="2" charset="-122"/>
-                <a:cs typeface="Times New Roman" panose="02020603050405020304" pitchFamily="18" charset="0"/>
-              </a:rPr>
-              <a:t>highway_env.envs.intersection_env</a:t>
-            </a:r>
-            <a:r>
-              <a:rPr lang="zh-CN" altLang="en-US" sz="2400" dirty="0">
-                <a:latin typeface="Times New Roman" panose="02020603050405020304" pitchFamily="18" charset="0"/>
-                <a:ea typeface="宋体" panose="02010600030101010101" pitchFamily="2" charset="-122"/>
-                <a:cs typeface="Times New Roman" panose="02020603050405020304" pitchFamily="18" charset="0"/>
-              </a:rPr>
               <a:t>中的类 </a:t>
             </a:r>
             <a:r>
-              <a:rPr lang="en-US" altLang="zh-CN" sz="2400" dirty="0" err="1">
+              <a:rPr lang="en-US" altLang="zh-CN" sz="2400" dirty="0">
                 <a:latin typeface="Times New Roman" panose="02020603050405020304" pitchFamily="18" charset="0"/>
                 <a:ea typeface="宋体" panose="02010600030101010101" pitchFamily="2" charset="-122"/>
                 <a:cs typeface="Times New Roman" panose="02020603050405020304" pitchFamily="18" charset="0"/>
@@ -5003,29 +6890,7 @@
                 <a:ea typeface="宋体" panose="02010600030101010101" pitchFamily="2" charset="-122"/>
                 <a:cs typeface="Times New Roman" panose="02020603050405020304" pitchFamily="18" charset="0"/>
               </a:rPr>
-              <a:t>def </a:t>
-            </a:r>
-            <a:r>
-              <a:rPr lang="en-US" altLang="zh-CN" sz="2400" dirty="0" err="1">
-                <a:solidFill>
-                  <a:srgbClr val="FF0000"/>
-                </a:solidFill>
-                <a:latin typeface="Times New Roman" panose="02020603050405020304" pitchFamily="18" charset="0"/>
-                <a:ea typeface="宋体" panose="02010600030101010101" pitchFamily="2" charset="-122"/>
-                <a:cs typeface="Times New Roman" panose="02020603050405020304" pitchFamily="18" charset="0"/>
-              </a:rPr>
-              <a:t>lmap</a:t>
-            </a:r>
-            <a:r>
-              <a:rPr lang="en-US" altLang="zh-CN" sz="2400" dirty="0">
-                <a:solidFill>
-                  <a:srgbClr val="FF0000"/>
-                </a:solidFill>
-                <a:latin typeface="Times New Roman" panose="02020603050405020304" pitchFamily="18" charset="0"/>
-                <a:ea typeface="宋体" panose="02010600030101010101" pitchFamily="2" charset="-122"/>
-                <a:cs typeface="Times New Roman" panose="02020603050405020304" pitchFamily="18" charset="0"/>
-              </a:rPr>
-              <a:t>(v: float, x: Interval, y: Interval) -&gt; float:</a:t>
+              <a:t>def lmap(v: float, x: Interval, y: Interval) -&gt; float:</a:t>
             </a:r>
           </a:p>
           <a:p>
@@ -5085,51 +6950,7 @@
                 <a:ea typeface="宋体" panose="02010600030101010101" pitchFamily="2" charset="-122"/>
                 <a:cs typeface="Times New Roman" panose="02020603050405020304" pitchFamily="18" charset="0"/>
               </a:rPr>
-              <a:t>def constrain(x: float, a: float, b: float) -&gt; </a:t>
-            </a:r>
-            <a:r>
-              <a:rPr lang="en-US" altLang="zh-CN" sz="2400" dirty="0" err="1">
-                <a:solidFill>
-                  <a:srgbClr val="FF0000"/>
-                </a:solidFill>
-                <a:latin typeface="Times New Roman" panose="02020603050405020304" pitchFamily="18" charset="0"/>
-                <a:ea typeface="宋体" panose="02010600030101010101" pitchFamily="2" charset="-122"/>
-                <a:cs typeface="Times New Roman" panose="02020603050405020304" pitchFamily="18" charset="0"/>
-              </a:rPr>
-              <a:t>np.ndarray</a:t>
-            </a:r>
-            <a:r>
-              <a:rPr lang="en-US" altLang="zh-CN" sz="2400" dirty="0">
-                <a:solidFill>
-                  <a:srgbClr val="FF0000"/>
-                </a:solidFill>
-                <a:latin typeface="Times New Roman" panose="02020603050405020304" pitchFamily="18" charset="0"/>
-                <a:ea typeface="宋体" panose="02010600030101010101" pitchFamily="2" charset="-122"/>
-                <a:cs typeface="Times New Roman" panose="02020603050405020304" pitchFamily="18" charset="0"/>
-              </a:rPr>
-              <a:t>: return </a:t>
-            </a:r>
-            <a:r>
-              <a:rPr lang="en-US" altLang="zh-CN" sz="2400" dirty="0" err="1">
-                <a:solidFill>
-                  <a:srgbClr val="FF0000"/>
-                </a:solidFill>
-                <a:latin typeface="Times New Roman" panose="02020603050405020304" pitchFamily="18" charset="0"/>
-                <a:ea typeface="宋体" panose="02010600030101010101" pitchFamily="2" charset="-122"/>
-                <a:cs typeface="Times New Roman" panose="02020603050405020304" pitchFamily="18" charset="0"/>
-              </a:rPr>
-              <a:t>np.clip</a:t>
-            </a:r>
-            <a:r>
-              <a:rPr lang="en-US" altLang="zh-CN" sz="2400" dirty="0">
-                <a:solidFill>
-                  <a:srgbClr val="FF0000"/>
-                </a:solidFill>
-                <a:latin typeface="Times New Roman" panose="02020603050405020304" pitchFamily="18" charset="0"/>
-                <a:ea typeface="宋体" panose="02010600030101010101" pitchFamily="2" charset="-122"/>
-                <a:cs typeface="Times New Roman" panose="02020603050405020304" pitchFamily="18" charset="0"/>
-              </a:rPr>
-              <a:t>(x, a, b)</a:t>
+              <a:t>def constrain(x: float, a: float, b: float) -&gt; np.ndarray: return np.clip(x, a, b)</a:t>
             </a:r>
           </a:p>
           <a:p>
@@ -5269,19 +7090,92 @@
                 <a:ea typeface="宋体" panose="02010600030101010101" pitchFamily="2" charset="-122"/>
                 <a:cs typeface="Times New Roman" panose="02020603050405020304" pitchFamily="18" charset="0"/>
               </a:rPr>
-              <a:t>def </a:t>
-            </a:r>
-            <a:r>
-              <a:rPr lang="en-US" altLang="zh-CN" sz="2400" dirty="0" err="1">
-                <a:solidFill>
-                  <a:srgbClr val="FF0000"/>
-                </a:solidFill>
-                <a:latin typeface="Times New Roman" panose="02020603050405020304" pitchFamily="18" charset="0"/>
-                <a:ea typeface="宋体" panose="02010600030101010101" pitchFamily="2" charset="-122"/>
-                <a:cs typeface="Times New Roman" panose="02020603050405020304" pitchFamily="18" charset="0"/>
-              </a:rPr>
-              <a:t>not_zero</a:t>
-            </a:r>
+              <a:t>def not_zero(x: float, eps: float = 1e-2) -&gt; float:</a:t>
+            </a:r>
+          </a:p>
+          <a:p>
+            <a:r>
+              <a:rPr lang="zh-CN" altLang="en-US" sz="2400" dirty="0">
+                <a:latin typeface="Times New Roman" panose="02020603050405020304" pitchFamily="18" charset="0"/>
+                <a:ea typeface="宋体" panose="02010600030101010101" pitchFamily="2" charset="-122"/>
+                <a:cs typeface="Times New Roman" panose="02020603050405020304" pitchFamily="18" charset="0"/>
+              </a:rPr>
+              <a:t>如果</a:t>
+            </a:r>
+            <a:r>
+              <a:rPr lang="en-US" altLang="zh-CN" sz="2400" dirty="0">
+                <a:latin typeface="Times New Roman" panose="02020603050405020304" pitchFamily="18" charset="0"/>
+                <a:ea typeface="宋体" panose="02010600030101010101" pitchFamily="2" charset="-122"/>
+                <a:cs typeface="Times New Roman" panose="02020603050405020304" pitchFamily="18" charset="0"/>
+              </a:rPr>
+              <a:t>x</a:t>
+            </a:r>
+            <a:r>
+              <a:rPr lang="zh-CN" altLang="en-US" sz="2400" dirty="0">
+                <a:latin typeface="Times New Roman" panose="02020603050405020304" pitchFamily="18" charset="0"/>
+                <a:ea typeface="宋体" panose="02010600030101010101" pitchFamily="2" charset="-122"/>
+                <a:cs typeface="Times New Roman" panose="02020603050405020304" pitchFamily="18" charset="0"/>
+              </a:rPr>
+              <a:t>在</a:t>
+            </a:r>
+            <a:r>
+              <a:rPr lang="en-US" altLang="zh-CN" sz="2400" dirty="0">
+                <a:latin typeface="Times New Roman" panose="02020603050405020304" pitchFamily="18" charset="0"/>
+                <a:ea typeface="宋体" panose="02010600030101010101" pitchFamily="2" charset="-122"/>
+                <a:cs typeface="Times New Roman" panose="02020603050405020304" pitchFamily="18" charset="0"/>
+              </a:rPr>
+              <a:t>- eps</a:t>
+            </a:r>
+            <a:r>
+              <a:rPr lang="zh-CN" altLang="en-US" sz="2400" dirty="0">
+                <a:latin typeface="Times New Roman" panose="02020603050405020304" pitchFamily="18" charset="0"/>
+                <a:ea typeface="宋体" panose="02010600030101010101" pitchFamily="2" charset="-122"/>
+                <a:cs typeface="Times New Roman" panose="02020603050405020304" pitchFamily="18" charset="0"/>
+              </a:rPr>
+              <a:t>至</a:t>
+            </a:r>
+            <a:r>
+              <a:rPr lang="en-US" altLang="zh-CN" sz="2400" dirty="0">
+                <a:latin typeface="Times New Roman" panose="02020603050405020304" pitchFamily="18" charset="0"/>
+                <a:ea typeface="宋体" panose="02010600030101010101" pitchFamily="2" charset="-122"/>
+                <a:cs typeface="Times New Roman" panose="02020603050405020304" pitchFamily="18" charset="0"/>
+              </a:rPr>
+              <a:t>eps</a:t>
+            </a:r>
+            <a:r>
+              <a:rPr lang="zh-CN" altLang="en-US" sz="2400" dirty="0">
+                <a:latin typeface="Times New Roman" panose="02020603050405020304" pitchFamily="18" charset="0"/>
+                <a:ea typeface="宋体" panose="02010600030101010101" pitchFamily="2" charset="-122"/>
+                <a:cs typeface="Times New Roman" panose="02020603050405020304" pitchFamily="18" charset="0"/>
+              </a:rPr>
+              <a:t>之内，则取</a:t>
+            </a:r>
+            <a:r>
+              <a:rPr lang="en-US" altLang="zh-CN" sz="2400" dirty="0">
+                <a:latin typeface="Times New Roman" panose="02020603050405020304" pitchFamily="18" charset="0"/>
+                <a:ea typeface="宋体" panose="02010600030101010101" pitchFamily="2" charset="-122"/>
+                <a:cs typeface="Times New Roman" panose="02020603050405020304" pitchFamily="18" charset="0"/>
+              </a:rPr>
+              <a:t>eps</a:t>
+            </a:r>
+            <a:r>
+              <a:rPr lang="zh-CN" altLang="en-US" sz="2400" dirty="0">
+                <a:latin typeface="Times New Roman" panose="02020603050405020304" pitchFamily="18" charset="0"/>
+                <a:ea typeface="宋体" panose="02010600030101010101" pitchFamily="2" charset="-122"/>
+                <a:cs typeface="Times New Roman" panose="02020603050405020304" pitchFamily="18" charset="0"/>
+              </a:rPr>
+              <a:t>。否则返回</a:t>
+            </a:r>
+            <a:r>
+              <a:rPr lang="en-US" altLang="zh-CN" sz="2400" dirty="0">
+                <a:latin typeface="Times New Roman" panose="02020603050405020304" pitchFamily="18" charset="0"/>
+                <a:ea typeface="宋体" panose="02010600030101010101" pitchFamily="2" charset="-122"/>
+                <a:cs typeface="Times New Roman" panose="02020603050405020304" pitchFamily="18" charset="0"/>
+              </a:rPr>
+              <a:t>x</a:t>
+            </a:r>
+          </a:p>
+          <a:p>
             <a:r>
               <a:rPr lang="en-US" altLang="zh-CN" sz="2400" dirty="0">
                 <a:solidFill>
@@ -5291,124 +7185,7 @@
                 <a:ea typeface="宋体" panose="02010600030101010101" pitchFamily="2" charset="-122"/>
                 <a:cs typeface="Times New Roman" panose="02020603050405020304" pitchFamily="18" charset="0"/>
               </a:rPr>
-              <a:t>(x: float, eps: float = 1e-2) -&gt; float:</a:t>
-            </a:r>
-          </a:p>
-          <a:p>
-            <a:r>
-              <a:rPr lang="zh-CN" altLang="en-US" sz="2400" dirty="0">
-                <a:latin typeface="Times New Roman" panose="02020603050405020304" pitchFamily="18" charset="0"/>
-                <a:ea typeface="宋体" panose="02010600030101010101" pitchFamily="2" charset="-122"/>
-                <a:cs typeface="Times New Roman" panose="02020603050405020304" pitchFamily="18" charset="0"/>
-              </a:rPr>
-              <a:t>如果</a:t>
-            </a:r>
-            <a:r>
-              <a:rPr lang="en-US" altLang="zh-CN" sz="2400" dirty="0">
-                <a:latin typeface="Times New Roman" panose="02020603050405020304" pitchFamily="18" charset="0"/>
-                <a:ea typeface="宋体" panose="02010600030101010101" pitchFamily="2" charset="-122"/>
-                <a:cs typeface="Times New Roman" panose="02020603050405020304" pitchFamily="18" charset="0"/>
-              </a:rPr>
-              <a:t>x</a:t>
-            </a:r>
-            <a:r>
-              <a:rPr lang="zh-CN" altLang="en-US" sz="2400" dirty="0">
-                <a:latin typeface="Times New Roman" panose="02020603050405020304" pitchFamily="18" charset="0"/>
-                <a:ea typeface="宋体" panose="02010600030101010101" pitchFamily="2" charset="-122"/>
-                <a:cs typeface="Times New Roman" panose="02020603050405020304" pitchFamily="18" charset="0"/>
-              </a:rPr>
-              <a:t>在</a:t>
-            </a:r>
-            <a:r>
-              <a:rPr lang="en-US" altLang="zh-CN" sz="2400" dirty="0">
-                <a:latin typeface="Times New Roman" panose="02020603050405020304" pitchFamily="18" charset="0"/>
-                <a:ea typeface="宋体" panose="02010600030101010101" pitchFamily="2" charset="-122"/>
-                <a:cs typeface="Times New Roman" panose="02020603050405020304" pitchFamily="18" charset="0"/>
-              </a:rPr>
-              <a:t>- eps</a:t>
-            </a:r>
-            <a:r>
-              <a:rPr lang="zh-CN" altLang="en-US" sz="2400" dirty="0">
-                <a:latin typeface="Times New Roman" panose="02020603050405020304" pitchFamily="18" charset="0"/>
-                <a:ea typeface="宋体" panose="02010600030101010101" pitchFamily="2" charset="-122"/>
-                <a:cs typeface="Times New Roman" panose="02020603050405020304" pitchFamily="18" charset="0"/>
-              </a:rPr>
-              <a:t>至</a:t>
-            </a:r>
-            <a:r>
-              <a:rPr lang="en-US" altLang="zh-CN" sz="2400" dirty="0">
-                <a:latin typeface="Times New Roman" panose="02020603050405020304" pitchFamily="18" charset="0"/>
-                <a:ea typeface="宋体" panose="02010600030101010101" pitchFamily="2" charset="-122"/>
-                <a:cs typeface="Times New Roman" panose="02020603050405020304" pitchFamily="18" charset="0"/>
-              </a:rPr>
-              <a:t>eps</a:t>
-            </a:r>
-            <a:r>
-              <a:rPr lang="zh-CN" altLang="en-US" sz="2400" dirty="0">
-                <a:latin typeface="Times New Roman" panose="02020603050405020304" pitchFamily="18" charset="0"/>
-                <a:ea typeface="宋体" panose="02010600030101010101" pitchFamily="2" charset="-122"/>
-                <a:cs typeface="Times New Roman" panose="02020603050405020304" pitchFamily="18" charset="0"/>
-              </a:rPr>
-              <a:t>之内，则取</a:t>
-            </a:r>
-            <a:r>
-              <a:rPr lang="en-US" altLang="zh-CN" sz="2400" dirty="0">
-                <a:latin typeface="Times New Roman" panose="02020603050405020304" pitchFamily="18" charset="0"/>
-                <a:ea typeface="宋体" panose="02010600030101010101" pitchFamily="2" charset="-122"/>
-                <a:cs typeface="Times New Roman" panose="02020603050405020304" pitchFamily="18" charset="0"/>
-              </a:rPr>
-              <a:t>eps</a:t>
-            </a:r>
-            <a:r>
-              <a:rPr lang="zh-CN" altLang="en-US" sz="2400" dirty="0">
-                <a:latin typeface="Times New Roman" panose="02020603050405020304" pitchFamily="18" charset="0"/>
-                <a:ea typeface="宋体" panose="02010600030101010101" pitchFamily="2" charset="-122"/>
-                <a:cs typeface="Times New Roman" panose="02020603050405020304" pitchFamily="18" charset="0"/>
-              </a:rPr>
-              <a:t>。否则返回</a:t>
-            </a:r>
-            <a:r>
-              <a:rPr lang="en-US" altLang="zh-CN" sz="2400" dirty="0">
-                <a:latin typeface="Times New Roman" panose="02020603050405020304" pitchFamily="18" charset="0"/>
-                <a:ea typeface="宋体" panose="02010600030101010101" pitchFamily="2" charset="-122"/>
-                <a:cs typeface="Times New Roman" panose="02020603050405020304" pitchFamily="18" charset="0"/>
-              </a:rPr>
-              <a:t>x</a:t>
-            </a:r>
-          </a:p>
-          <a:p>
-            <a:r>
-              <a:rPr lang="en-US" altLang="zh-CN" sz="2400" dirty="0">
-                <a:solidFill>
-                  <a:srgbClr val="FF0000"/>
-                </a:solidFill>
-                <a:latin typeface="Times New Roman" panose="02020603050405020304" pitchFamily="18" charset="0"/>
-                <a:ea typeface="宋体" panose="02010600030101010101" pitchFamily="2" charset="-122"/>
-                <a:cs typeface="Times New Roman" panose="02020603050405020304" pitchFamily="18" charset="0"/>
-              </a:rPr>
-              <a:t>def </a:t>
-            </a:r>
-            <a:r>
-              <a:rPr lang="en-US" altLang="zh-CN" sz="2400" dirty="0" err="1">
-                <a:solidFill>
-                  <a:srgbClr val="FF0000"/>
-                </a:solidFill>
-                <a:latin typeface="Times New Roman" panose="02020603050405020304" pitchFamily="18" charset="0"/>
-                <a:ea typeface="宋体" panose="02010600030101010101" pitchFamily="2" charset="-122"/>
-                <a:cs typeface="Times New Roman" panose="02020603050405020304" pitchFamily="18" charset="0"/>
-              </a:rPr>
-              <a:t>wrap_to_pi</a:t>
-            </a:r>
-            <a:r>
-              <a:rPr lang="en-US" altLang="zh-CN" sz="2400" dirty="0">
-                <a:solidFill>
-                  <a:srgbClr val="FF0000"/>
-                </a:solidFill>
-                <a:latin typeface="Times New Roman" panose="02020603050405020304" pitchFamily="18" charset="0"/>
-                <a:ea typeface="宋体" panose="02010600030101010101" pitchFamily="2" charset="-122"/>
-                <a:cs typeface="Times New Roman" panose="02020603050405020304" pitchFamily="18" charset="0"/>
-              </a:rPr>
-              <a:t>(x: float) -&gt; float:</a:t>
+              <a:t>def wrap_to_pi(x: float) -&gt; float:</a:t>
             </a:r>
           </a:p>
           <a:p>
@@ -5468,19 +7245,10 @@
                 <a:ea typeface="宋体" panose="02010600030101010101" pitchFamily="2" charset="-122"/>
                 <a:cs typeface="Times New Roman" panose="02020603050405020304" pitchFamily="18" charset="0"/>
               </a:rPr>
-              <a:t>def </a:t>
-            </a:r>
-            <a:r>
-              <a:rPr lang="en-US" altLang="zh-CN" sz="2400" dirty="0" err="1">
-                <a:solidFill>
-                  <a:srgbClr val="FF0000"/>
-                </a:solidFill>
-                <a:latin typeface="Times New Roman" panose="02020603050405020304" pitchFamily="18" charset="0"/>
-                <a:ea typeface="宋体" panose="02010600030101010101" pitchFamily="2" charset="-122"/>
-                <a:cs typeface="Times New Roman" panose="02020603050405020304" pitchFamily="18" charset="0"/>
-              </a:rPr>
-              <a:t>point_in_rectangle</a:t>
-            </a:r>
+              <a:t>def point_in_rectangle(point: Vector, rect_min: Vector, rect_max: Vector) -&gt; bool:</a:t>
+            </a:r>
+          </a:p>
+          <a:p>
             <a:r>
               <a:rPr lang="en-US" altLang="zh-CN" sz="2400" dirty="0">
                 <a:solidFill>
@@ -5490,86 +7258,7 @@
                 <a:ea typeface="宋体" panose="02010600030101010101" pitchFamily="2" charset="-122"/>
                 <a:cs typeface="Times New Roman" panose="02020603050405020304" pitchFamily="18" charset="0"/>
               </a:rPr>
-              <a:t>(point: Vector, </a:t>
-            </a:r>
-            <a:r>
-              <a:rPr lang="en-US" altLang="zh-CN" sz="2400" dirty="0" err="1">
-                <a:solidFill>
-                  <a:srgbClr val="FF0000"/>
-                </a:solidFill>
-                <a:latin typeface="Times New Roman" panose="02020603050405020304" pitchFamily="18" charset="0"/>
-                <a:ea typeface="宋体" panose="02010600030101010101" pitchFamily="2" charset="-122"/>
-                <a:cs typeface="Times New Roman" panose="02020603050405020304" pitchFamily="18" charset="0"/>
-              </a:rPr>
-              <a:t>rect_min</a:t>
-            </a:r>
-            <a:r>
-              <a:rPr lang="en-US" altLang="zh-CN" sz="2400" dirty="0">
-                <a:solidFill>
-                  <a:srgbClr val="FF0000"/>
-                </a:solidFill>
-                <a:latin typeface="Times New Roman" panose="02020603050405020304" pitchFamily="18" charset="0"/>
-                <a:ea typeface="宋体" panose="02010600030101010101" pitchFamily="2" charset="-122"/>
-                <a:cs typeface="Times New Roman" panose="02020603050405020304" pitchFamily="18" charset="0"/>
-              </a:rPr>
-              <a:t>: Vector, </a:t>
-            </a:r>
-            <a:r>
-              <a:rPr lang="en-US" altLang="zh-CN" sz="2400" dirty="0" err="1">
-                <a:solidFill>
-                  <a:srgbClr val="FF0000"/>
-                </a:solidFill>
-                <a:latin typeface="Times New Roman" panose="02020603050405020304" pitchFamily="18" charset="0"/>
-                <a:ea typeface="宋体" panose="02010600030101010101" pitchFamily="2" charset="-122"/>
-                <a:cs typeface="Times New Roman" panose="02020603050405020304" pitchFamily="18" charset="0"/>
-              </a:rPr>
-              <a:t>rect_max</a:t>
-            </a:r>
-            <a:r>
-              <a:rPr lang="en-US" altLang="zh-CN" sz="2400" dirty="0">
-                <a:solidFill>
-                  <a:srgbClr val="FF0000"/>
-                </a:solidFill>
-                <a:latin typeface="Times New Roman" panose="02020603050405020304" pitchFamily="18" charset="0"/>
-                <a:ea typeface="宋体" panose="02010600030101010101" pitchFamily="2" charset="-122"/>
-                <a:cs typeface="Times New Roman" panose="02020603050405020304" pitchFamily="18" charset="0"/>
-              </a:rPr>
-              <a:t>: Vector) -&gt; bool:</a:t>
-            </a:r>
-          </a:p>
-          <a:p>
-            <a:r>
-              <a:rPr lang="en-US" altLang="zh-CN" sz="2400" dirty="0">
-                <a:solidFill>
-                  <a:srgbClr val="FF0000"/>
-                </a:solidFill>
-                <a:latin typeface="Times New Roman" panose="02020603050405020304" pitchFamily="18" charset="0"/>
-                <a:ea typeface="宋体" panose="02010600030101010101" pitchFamily="2" charset="-122"/>
-                <a:cs typeface="Times New Roman" panose="02020603050405020304" pitchFamily="18" charset="0"/>
-              </a:rPr>
-              <a:t>def </a:t>
-            </a:r>
-            <a:r>
-              <a:rPr lang="en-US" altLang="zh-CN" sz="2400" dirty="0" err="1">
-                <a:solidFill>
-                  <a:srgbClr val="FF0000"/>
-                </a:solidFill>
-                <a:latin typeface="Times New Roman" panose="02020603050405020304" pitchFamily="18" charset="0"/>
-                <a:ea typeface="宋体" panose="02010600030101010101" pitchFamily="2" charset="-122"/>
-                <a:cs typeface="Times New Roman" panose="02020603050405020304" pitchFamily="18" charset="0"/>
-              </a:rPr>
-              <a:t>point_in_rotated_rectangle</a:t>
-            </a:r>
-            <a:r>
-              <a:rPr lang="en-US" altLang="zh-CN" sz="2400" dirty="0">
-                <a:solidFill>
-                  <a:srgbClr val="FF0000"/>
-                </a:solidFill>
-                <a:latin typeface="Times New Roman" panose="02020603050405020304" pitchFamily="18" charset="0"/>
-                <a:ea typeface="宋体" panose="02010600030101010101" pitchFamily="2" charset="-122"/>
-                <a:cs typeface="Times New Roman" panose="02020603050405020304" pitchFamily="18" charset="0"/>
-              </a:rPr>
-              <a:t>(…) -&gt; bool:</a:t>
+              <a:t>def point_in_rotated_rectangle(…) -&gt; bool:</a:t>
             </a:r>
           </a:p>
           <a:p>
@@ -5629,29 +7318,7 @@
                 <a:ea typeface="宋体" panose="02010600030101010101" pitchFamily="2" charset="-122"/>
                 <a:cs typeface="Times New Roman" panose="02020603050405020304" pitchFamily="18" charset="0"/>
               </a:rPr>
-              <a:t>def </a:t>
-            </a:r>
-            <a:r>
-              <a:rPr lang="en-US" altLang="zh-CN" sz="2400" dirty="0" err="1">
-                <a:solidFill>
-                  <a:srgbClr val="FF0000"/>
-                </a:solidFill>
-                <a:latin typeface="Times New Roman" panose="02020603050405020304" pitchFamily="18" charset="0"/>
-                <a:ea typeface="宋体" panose="02010600030101010101" pitchFamily="2" charset="-122"/>
-                <a:cs typeface="Times New Roman" panose="02020603050405020304" pitchFamily="18" charset="0"/>
-              </a:rPr>
-              <a:t>point_in_ellipse</a:t>
-            </a:r>
-            <a:r>
-              <a:rPr lang="en-US" altLang="zh-CN" sz="2400" dirty="0">
-                <a:solidFill>
-                  <a:srgbClr val="FF0000"/>
-                </a:solidFill>
-                <a:latin typeface="Times New Roman" panose="02020603050405020304" pitchFamily="18" charset="0"/>
-                <a:ea typeface="宋体" panose="02010600030101010101" pitchFamily="2" charset="-122"/>
-                <a:cs typeface="Times New Roman" panose="02020603050405020304" pitchFamily="18" charset="0"/>
-              </a:rPr>
-              <a:t>(…) -&gt; bool:</a:t>
+              <a:t>def point_in_ellipse(…) -&gt; bool:</a:t>
             </a:r>
           </a:p>
           <a:p>
@@ -5695,51 +7362,7 @@
                 <a:ea typeface="宋体" panose="02010600030101010101" pitchFamily="2" charset="-122"/>
                 <a:cs typeface="Times New Roman" panose="02020603050405020304" pitchFamily="18" charset="0"/>
               </a:rPr>
-              <a:t>def </a:t>
-            </a:r>
-            <a:r>
-              <a:rPr lang="en-US" altLang="zh-CN" sz="2400" dirty="0" err="1">
-                <a:solidFill>
-                  <a:srgbClr val="FF0000"/>
-                </a:solidFill>
-                <a:latin typeface="Times New Roman" panose="02020603050405020304" pitchFamily="18" charset="0"/>
-                <a:ea typeface="宋体" panose="02010600030101010101" pitchFamily="2" charset="-122"/>
-                <a:cs typeface="Times New Roman" panose="02020603050405020304" pitchFamily="18" charset="0"/>
-              </a:rPr>
-              <a:t>rect_corners</a:t>
-            </a:r>
-            <a:r>
-              <a:rPr lang="en-US" altLang="zh-CN" sz="2400" dirty="0">
-                <a:solidFill>
-                  <a:srgbClr val="FF0000"/>
-                </a:solidFill>
-                <a:latin typeface="Times New Roman" panose="02020603050405020304" pitchFamily="18" charset="0"/>
-                <a:ea typeface="宋体" panose="02010600030101010101" pitchFamily="2" charset="-122"/>
-                <a:cs typeface="Times New Roman" panose="02020603050405020304" pitchFamily="18" charset="0"/>
-              </a:rPr>
-              <a:t>(…) -&gt; list[</a:t>
-            </a:r>
-            <a:r>
-              <a:rPr lang="en-US" altLang="zh-CN" sz="2400" dirty="0" err="1">
-                <a:solidFill>
-                  <a:srgbClr val="FF0000"/>
-                </a:solidFill>
-                <a:latin typeface="Times New Roman" panose="02020603050405020304" pitchFamily="18" charset="0"/>
-                <a:ea typeface="宋体" panose="02010600030101010101" pitchFamily="2" charset="-122"/>
-                <a:cs typeface="Times New Roman" panose="02020603050405020304" pitchFamily="18" charset="0"/>
-              </a:rPr>
-              <a:t>np.ndarray</a:t>
-            </a:r>
-            <a:r>
-              <a:rPr lang="en-US" altLang="zh-CN" sz="2400" dirty="0">
-                <a:solidFill>
-                  <a:srgbClr val="FF0000"/>
-                </a:solidFill>
-                <a:latin typeface="Times New Roman" panose="02020603050405020304" pitchFamily="18" charset="0"/>
-                <a:ea typeface="宋体" panose="02010600030101010101" pitchFamily="2" charset="-122"/>
-                <a:cs typeface="Times New Roman" panose="02020603050405020304" pitchFamily="18" charset="0"/>
-              </a:rPr>
-              <a:t>]:</a:t>
+              <a:t>def rect_corners(…) -&gt; list[np.ndarray]:</a:t>
             </a:r>
           </a:p>
           <a:p>
@@ -5876,29 +7499,7 @@
                 <a:ea typeface="宋体" panose="02010600030101010101" pitchFamily="2" charset="-122"/>
                 <a:cs typeface="Times New Roman" panose="02020603050405020304" pitchFamily="18" charset="0"/>
               </a:rPr>
-              <a:t>def </a:t>
-            </a:r>
-            <a:r>
-              <a:rPr lang="en-US" altLang="zh-CN" sz="2400" dirty="0" err="1">
-                <a:solidFill>
-                  <a:srgbClr val="FF0000"/>
-                </a:solidFill>
-                <a:latin typeface="Times New Roman" panose="02020603050405020304" pitchFamily="18" charset="0"/>
-                <a:ea typeface="宋体" panose="02010600030101010101" pitchFamily="2" charset="-122"/>
-                <a:cs typeface="Times New Roman" panose="02020603050405020304" pitchFamily="18" charset="0"/>
-              </a:rPr>
-              <a:t>has_corner_inside</a:t>
-            </a:r>
-            <a:r>
-              <a:rPr lang="en-US" altLang="zh-CN" sz="2400" dirty="0">
-                <a:solidFill>
-                  <a:srgbClr val="FF0000"/>
-                </a:solidFill>
-                <a:latin typeface="Times New Roman" panose="02020603050405020304" pitchFamily="18" charset="0"/>
-                <a:ea typeface="宋体" panose="02010600030101010101" pitchFamily="2" charset="-122"/>
-                <a:cs typeface="Times New Roman" panose="02020603050405020304" pitchFamily="18" charset="0"/>
-              </a:rPr>
-              <a:t>(…) -&gt; bool:</a:t>
+              <a:t>def has_corner_inside(…) -&gt; bool:</a:t>
             </a:r>
           </a:p>
           <a:p>
@@ -5958,29 +7559,7 @@
                 <a:ea typeface="宋体" panose="02010600030101010101" pitchFamily="2" charset="-122"/>
                 <a:cs typeface="Times New Roman" panose="02020603050405020304" pitchFamily="18" charset="0"/>
               </a:rPr>
-              <a:t>def </a:t>
-            </a:r>
-            <a:r>
-              <a:rPr lang="en-US" altLang="zh-CN" sz="2400" dirty="0" err="1">
-                <a:solidFill>
-                  <a:srgbClr val="FF0000"/>
-                </a:solidFill>
-                <a:latin typeface="Times New Roman" panose="02020603050405020304" pitchFamily="18" charset="0"/>
-                <a:ea typeface="宋体" panose="02010600030101010101" pitchFamily="2" charset="-122"/>
-                <a:cs typeface="Times New Roman" panose="02020603050405020304" pitchFamily="18" charset="0"/>
-              </a:rPr>
-              <a:t>rotated_rectangles_intersect</a:t>
-            </a:r>
-            <a:r>
-              <a:rPr lang="en-US" altLang="zh-CN" sz="2400" dirty="0">
-                <a:solidFill>
-                  <a:srgbClr val="FF0000"/>
-                </a:solidFill>
-                <a:latin typeface="Times New Roman" panose="02020603050405020304" pitchFamily="18" charset="0"/>
-                <a:ea typeface="宋体" panose="02010600030101010101" pitchFamily="2" charset="-122"/>
-                <a:cs typeface="Times New Roman" panose="02020603050405020304" pitchFamily="18" charset="0"/>
-              </a:rPr>
-              <a:t>(…) -&gt; bool:</a:t>
+              <a:t>def rotated_rectangles_intersect(…) -&gt; bool:</a:t>
             </a:r>
           </a:p>
           <a:p>
@@ -6111,29 +7690,7 @@
                 <a:ea typeface="宋体" panose="02010600030101010101" pitchFamily="2" charset="-122"/>
                 <a:cs typeface="Times New Roman" panose="02020603050405020304" pitchFamily="18" charset="0"/>
               </a:rPr>
-              <a:t>def </a:t>
-            </a:r>
-            <a:r>
-              <a:rPr lang="en-US" altLang="zh-CN" sz="2400" dirty="0" err="1">
-                <a:solidFill>
-                  <a:srgbClr val="FF0000"/>
-                </a:solidFill>
-                <a:latin typeface="Times New Roman" panose="02020603050405020304" pitchFamily="18" charset="0"/>
-                <a:ea typeface="宋体" panose="02010600030101010101" pitchFamily="2" charset="-122"/>
-                <a:cs typeface="Times New Roman" panose="02020603050405020304" pitchFamily="18" charset="0"/>
-              </a:rPr>
-              <a:t>project_polygon</a:t>
-            </a:r>
-            <a:r>
-              <a:rPr lang="en-US" altLang="zh-CN" sz="2400" dirty="0">
-                <a:solidFill>
-                  <a:srgbClr val="FF0000"/>
-                </a:solidFill>
-                <a:latin typeface="Times New Roman" panose="02020603050405020304" pitchFamily="18" charset="0"/>
-                <a:ea typeface="宋体" panose="02010600030101010101" pitchFamily="2" charset="-122"/>
-                <a:cs typeface="Times New Roman" panose="02020603050405020304" pitchFamily="18" charset="0"/>
-              </a:rPr>
-              <a:t>(polygon: Vector, axis: Vector) -&gt; tuple[float, float]:</a:t>
+              <a:t>def project_polygon(polygon: Vector, axis: Vector) -&gt; tuple[float, float]:</a:t>
             </a:r>
           </a:p>
           <a:p>
@@ -6193,19 +7750,44 @@
                 <a:ea typeface="宋体" panose="02010600030101010101" pitchFamily="2" charset="-122"/>
                 <a:cs typeface="Times New Roman" panose="02020603050405020304" pitchFamily="18" charset="0"/>
               </a:rPr>
-              <a:t>def </a:t>
-            </a:r>
-            <a:r>
-              <a:rPr lang="en-US" altLang="zh-CN" sz="2400" dirty="0" err="1">
-                <a:solidFill>
-                  <a:srgbClr val="FF0000"/>
-                </a:solidFill>
-                <a:latin typeface="Times New Roman" panose="02020603050405020304" pitchFamily="18" charset="0"/>
-                <a:ea typeface="宋体" panose="02010600030101010101" pitchFamily="2" charset="-122"/>
-                <a:cs typeface="Times New Roman" panose="02020603050405020304" pitchFamily="18" charset="0"/>
-              </a:rPr>
-              <a:t>interval_distance</a:t>
-            </a:r>
+              <a:t>def interval_distance(min_a: float, max_a: float, min_b: float, max_b: float):</a:t>
+            </a:r>
+          </a:p>
+          <a:p>
+            <a:r>
+              <a:rPr lang="zh-CN" altLang="en-US" sz="2400" dirty="0">
+                <a:latin typeface="Times New Roman" panose="02020603050405020304" pitchFamily="18" charset="0"/>
+                <a:ea typeface="宋体" panose="02010600030101010101" pitchFamily="2" charset="-122"/>
+                <a:cs typeface="Times New Roman" panose="02020603050405020304" pitchFamily="18" charset="0"/>
+              </a:rPr>
+              <a:t>判断区间是否有重叠，有返回值</a:t>
+            </a:r>
+            <a:r>
+              <a:rPr lang="en-US" altLang="zh-CN" sz="2400" dirty="0">
+                <a:latin typeface="Times New Roman" panose="02020603050405020304" pitchFamily="18" charset="0"/>
+                <a:ea typeface="宋体" panose="02010600030101010101" pitchFamily="2" charset="-122"/>
+                <a:cs typeface="Times New Roman" panose="02020603050405020304" pitchFamily="18" charset="0"/>
+              </a:rPr>
+              <a:t>&lt;0,</a:t>
+            </a:r>
+            <a:r>
+              <a:rPr lang="zh-CN" altLang="en-US" sz="2400" dirty="0">
+                <a:latin typeface="Times New Roman" panose="02020603050405020304" pitchFamily="18" charset="0"/>
+                <a:ea typeface="宋体" panose="02010600030101010101" pitchFamily="2" charset="-122"/>
+                <a:cs typeface="Times New Roman" panose="02020603050405020304" pitchFamily="18" charset="0"/>
+              </a:rPr>
+              <a:t>无返回值</a:t>
+            </a:r>
+            <a:r>
+              <a:rPr lang="en-US" altLang="zh-CN" sz="2400" dirty="0">
+                <a:latin typeface="Times New Roman" panose="02020603050405020304" pitchFamily="18" charset="0"/>
+                <a:ea typeface="宋体" panose="02010600030101010101" pitchFamily="2" charset="-122"/>
+                <a:cs typeface="Times New Roman" panose="02020603050405020304" pitchFamily="18" charset="0"/>
+              </a:rPr>
+              <a:t>&gt;0</a:t>
+            </a:r>
+          </a:p>
+          <a:p>
             <a:r>
               <a:rPr lang="en-US" altLang="zh-CN" sz="2400" dirty="0">
                 <a:solidFill>
@@ -6215,186 +7797,7 @@
                 <a:ea typeface="宋体" panose="02010600030101010101" pitchFamily="2" charset="-122"/>
                 <a:cs typeface="Times New Roman" panose="02020603050405020304" pitchFamily="18" charset="0"/>
               </a:rPr>
-              <a:t>(</a:t>
-            </a:r>
-            <a:r>
-              <a:rPr lang="en-US" altLang="zh-CN" sz="2400" dirty="0" err="1">
-                <a:solidFill>
-                  <a:srgbClr val="FF0000"/>
-                </a:solidFill>
-                <a:latin typeface="Times New Roman" panose="02020603050405020304" pitchFamily="18" charset="0"/>
-                <a:ea typeface="宋体" panose="02010600030101010101" pitchFamily="2" charset="-122"/>
-                <a:cs typeface="Times New Roman" panose="02020603050405020304" pitchFamily="18" charset="0"/>
-              </a:rPr>
-              <a:t>min_a</a:t>
-            </a:r>
-            <a:r>
-              <a:rPr lang="en-US" altLang="zh-CN" sz="2400" dirty="0">
-                <a:solidFill>
-                  <a:srgbClr val="FF0000"/>
-                </a:solidFill>
-                <a:latin typeface="Times New Roman" panose="02020603050405020304" pitchFamily="18" charset="0"/>
-                <a:ea typeface="宋体" panose="02010600030101010101" pitchFamily="2" charset="-122"/>
-                <a:cs typeface="Times New Roman" panose="02020603050405020304" pitchFamily="18" charset="0"/>
-              </a:rPr>
-              <a:t>: float, </a:t>
-            </a:r>
-            <a:r>
-              <a:rPr lang="en-US" altLang="zh-CN" sz="2400" dirty="0" err="1">
-                <a:solidFill>
-                  <a:srgbClr val="FF0000"/>
-                </a:solidFill>
-                <a:latin typeface="Times New Roman" panose="02020603050405020304" pitchFamily="18" charset="0"/>
-                <a:ea typeface="宋体" panose="02010600030101010101" pitchFamily="2" charset="-122"/>
-                <a:cs typeface="Times New Roman" panose="02020603050405020304" pitchFamily="18" charset="0"/>
-              </a:rPr>
-              <a:t>max_a</a:t>
-            </a:r>
-            <a:r>
-              <a:rPr lang="en-US" altLang="zh-CN" sz="2400" dirty="0">
-                <a:solidFill>
-                  <a:srgbClr val="FF0000"/>
-                </a:solidFill>
-                <a:latin typeface="Times New Roman" panose="02020603050405020304" pitchFamily="18" charset="0"/>
-                <a:ea typeface="宋体" panose="02010600030101010101" pitchFamily="2" charset="-122"/>
-                <a:cs typeface="Times New Roman" panose="02020603050405020304" pitchFamily="18" charset="0"/>
-              </a:rPr>
-              <a:t>: float, </a:t>
-            </a:r>
-            <a:r>
-              <a:rPr lang="en-US" altLang="zh-CN" sz="2400" dirty="0" err="1">
-                <a:solidFill>
-                  <a:srgbClr val="FF0000"/>
-                </a:solidFill>
-                <a:latin typeface="Times New Roman" panose="02020603050405020304" pitchFamily="18" charset="0"/>
-                <a:ea typeface="宋体" panose="02010600030101010101" pitchFamily="2" charset="-122"/>
-                <a:cs typeface="Times New Roman" panose="02020603050405020304" pitchFamily="18" charset="0"/>
-              </a:rPr>
-              <a:t>min_b</a:t>
-            </a:r>
-            <a:r>
-              <a:rPr lang="en-US" altLang="zh-CN" sz="2400" dirty="0">
-                <a:solidFill>
-                  <a:srgbClr val="FF0000"/>
-                </a:solidFill>
-                <a:latin typeface="Times New Roman" panose="02020603050405020304" pitchFamily="18" charset="0"/>
-                <a:ea typeface="宋体" panose="02010600030101010101" pitchFamily="2" charset="-122"/>
-                <a:cs typeface="Times New Roman" panose="02020603050405020304" pitchFamily="18" charset="0"/>
-              </a:rPr>
-              <a:t>: float, </a:t>
-            </a:r>
-            <a:r>
-              <a:rPr lang="en-US" altLang="zh-CN" sz="2400" dirty="0" err="1">
-                <a:solidFill>
-                  <a:srgbClr val="FF0000"/>
-                </a:solidFill>
-                <a:latin typeface="Times New Roman" panose="02020603050405020304" pitchFamily="18" charset="0"/>
-                <a:ea typeface="宋体" panose="02010600030101010101" pitchFamily="2" charset="-122"/>
-                <a:cs typeface="Times New Roman" panose="02020603050405020304" pitchFamily="18" charset="0"/>
-              </a:rPr>
-              <a:t>max_b</a:t>
-            </a:r>
-            <a:r>
-              <a:rPr lang="en-US" altLang="zh-CN" sz="2400" dirty="0">
-                <a:solidFill>
-                  <a:srgbClr val="FF0000"/>
-                </a:solidFill>
-                <a:latin typeface="Times New Roman" panose="02020603050405020304" pitchFamily="18" charset="0"/>
-                <a:ea typeface="宋体" panose="02010600030101010101" pitchFamily="2" charset="-122"/>
-                <a:cs typeface="Times New Roman" panose="02020603050405020304" pitchFamily="18" charset="0"/>
-              </a:rPr>
-              <a:t>: float):</a:t>
-            </a:r>
-          </a:p>
-          <a:p>
-            <a:r>
-              <a:rPr lang="zh-CN" altLang="en-US" sz="2400" dirty="0">
-                <a:latin typeface="Times New Roman" panose="02020603050405020304" pitchFamily="18" charset="0"/>
-                <a:ea typeface="宋体" panose="02010600030101010101" pitchFamily="2" charset="-122"/>
-                <a:cs typeface="Times New Roman" panose="02020603050405020304" pitchFamily="18" charset="0"/>
-              </a:rPr>
-              <a:t>判断区间是否有重叠，有返回值</a:t>
-            </a:r>
-            <a:r>
-              <a:rPr lang="en-US" altLang="zh-CN" sz="2400" dirty="0">
-                <a:latin typeface="Times New Roman" panose="02020603050405020304" pitchFamily="18" charset="0"/>
-                <a:ea typeface="宋体" panose="02010600030101010101" pitchFamily="2" charset="-122"/>
-                <a:cs typeface="Times New Roman" panose="02020603050405020304" pitchFamily="18" charset="0"/>
-              </a:rPr>
-              <a:t>&lt;0,</a:t>
-            </a:r>
-            <a:r>
-              <a:rPr lang="zh-CN" altLang="en-US" sz="2400" dirty="0">
-                <a:latin typeface="Times New Roman" panose="02020603050405020304" pitchFamily="18" charset="0"/>
-                <a:ea typeface="宋体" panose="02010600030101010101" pitchFamily="2" charset="-122"/>
-                <a:cs typeface="Times New Roman" panose="02020603050405020304" pitchFamily="18" charset="0"/>
-              </a:rPr>
-              <a:t>无返回值</a:t>
-            </a:r>
-            <a:r>
-              <a:rPr lang="en-US" altLang="zh-CN" sz="2400" dirty="0">
-                <a:latin typeface="Times New Roman" panose="02020603050405020304" pitchFamily="18" charset="0"/>
-                <a:ea typeface="宋体" panose="02010600030101010101" pitchFamily="2" charset="-122"/>
-                <a:cs typeface="Times New Roman" panose="02020603050405020304" pitchFamily="18" charset="0"/>
-              </a:rPr>
-              <a:t>&gt;0</a:t>
-            </a:r>
-          </a:p>
-          <a:p>
-            <a:r>
-              <a:rPr lang="en-US" altLang="zh-CN" sz="2400" dirty="0">
-                <a:solidFill>
-                  <a:srgbClr val="FF0000"/>
-                </a:solidFill>
-                <a:latin typeface="Times New Roman" panose="02020603050405020304" pitchFamily="18" charset="0"/>
-                <a:ea typeface="宋体" panose="02010600030101010101" pitchFamily="2" charset="-122"/>
-                <a:cs typeface="Times New Roman" panose="02020603050405020304" pitchFamily="18" charset="0"/>
-              </a:rPr>
-              <a:t>def </a:t>
-            </a:r>
-            <a:r>
-              <a:rPr lang="en-US" altLang="zh-CN" sz="2400" dirty="0" err="1">
-                <a:solidFill>
-                  <a:srgbClr val="FF0000"/>
-                </a:solidFill>
-                <a:latin typeface="Times New Roman" panose="02020603050405020304" pitchFamily="18" charset="0"/>
-                <a:ea typeface="宋体" panose="02010600030101010101" pitchFamily="2" charset="-122"/>
-                <a:cs typeface="Times New Roman" panose="02020603050405020304" pitchFamily="18" charset="0"/>
-              </a:rPr>
-              <a:t>are_polygons_intersecting</a:t>
-            </a:r>
-            <a:r>
-              <a:rPr lang="en-US" altLang="zh-CN" sz="2400" dirty="0">
-                <a:solidFill>
-                  <a:srgbClr val="FF0000"/>
-                </a:solidFill>
-                <a:latin typeface="Times New Roman" panose="02020603050405020304" pitchFamily="18" charset="0"/>
-                <a:ea typeface="宋体" panose="02010600030101010101" pitchFamily="2" charset="-122"/>
-                <a:cs typeface="Times New Roman" panose="02020603050405020304" pitchFamily="18" charset="0"/>
-              </a:rPr>
-              <a:t>(…) -&gt; tuple[bool, bool, </a:t>
-            </a:r>
-            <a:r>
-              <a:rPr lang="en-US" altLang="zh-CN" sz="2400" dirty="0" err="1">
-                <a:solidFill>
-                  <a:srgbClr val="FF0000"/>
-                </a:solidFill>
-                <a:latin typeface="Times New Roman" panose="02020603050405020304" pitchFamily="18" charset="0"/>
-                <a:ea typeface="宋体" panose="02010600030101010101" pitchFamily="2" charset="-122"/>
-                <a:cs typeface="Times New Roman" panose="02020603050405020304" pitchFamily="18" charset="0"/>
-              </a:rPr>
-              <a:t>np.ndarray</a:t>
-            </a:r>
-            <a:r>
-              <a:rPr lang="en-US" altLang="zh-CN" sz="2400" dirty="0">
-                <a:solidFill>
-                  <a:srgbClr val="FF0000"/>
-                </a:solidFill>
-                <a:latin typeface="Times New Roman" panose="02020603050405020304" pitchFamily="18" charset="0"/>
-                <a:ea typeface="宋体" panose="02010600030101010101" pitchFamily="2" charset="-122"/>
-                <a:cs typeface="Times New Roman" panose="02020603050405020304" pitchFamily="18" charset="0"/>
-              </a:rPr>
-              <a:t> | None]:</a:t>
+              <a:t>def are_polygons_intersecting(…) -&gt; tuple[bool, bool, np.ndarray | None]:</a:t>
             </a:r>
           </a:p>
           <a:p>
@@ -6640,15 +8043,7 @@
                 <a:ea typeface="宋体" panose="02010600030101010101" pitchFamily="2" charset="-122"/>
                 <a:cs typeface="Times New Roman" panose="02020603050405020304" pitchFamily="18" charset="0"/>
               </a:rPr>
-              <a:t>Class </a:t>
-            </a:r>
-            <a:r>
-              <a:rPr lang="en-US" altLang="zh-CN" sz="2800" dirty="0" err="1">
-                <a:latin typeface="Times New Roman" panose="02020603050405020304" pitchFamily="18" charset="0"/>
-                <a:ea typeface="宋体" panose="02010600030101010101" pitchFamily="2" charset="-122"/>
-                <a:cs typeface="Times New Roman" panose="02020603050405020304" pitchFamily="18" charset="0"/>
-              </a:rPr>
-              <a:t>CurvePose</a:t>
+              <a:t>Class CurvePose</a:t>
             </a:r>
             <a:r>
               <a:rPr lang="zh-CN" altLang="en-US" sz="2800" dirty="0">
@@ -6674,51 +8069,7 @@
                 <a:ea typeface="宋体" panose="02010600030101010101" pitchFamily="2" charset="-122"/>
                 <a:cs typeface="Times New Roman" panose="02020603050405020304" pitchFamily="18" charset="0"/>
               </a:rPr>
-              <a:t>def __</a:t>
-            </a:r>
-            <a:r>
-              <a:rPr lang="en-US" altLang="zh-CN" sz="2400" dirty="0" err="1">
-                <a:solidFill>
-                  <a:srgbClr val="FF0000"/>
-                </a:solidFill>
-                <a:latin typeface="Times New Roman" panose="02020603050405020304" pitchFamily="18" charset="0"/>
-                <a:ea typeface="宋体" panose="02010600030101010101" pitchFamily="2" charset="-122"/>
-                <a:cs typeface="Times New Roman" panose="02020603050405020304" pitchFamily="18" charset="0"/>
-              </a:rPr>
-              <a:t>init</a:t>
-            </a:r>
-            <a:r>
-              <a:rPr lang="en-US" altLang="zh-CN" sz="2400" dirty="0">
-                <a:solidFill>
-                  <a:srgbClr val="FF0000"/>
-                </a:solidFill>
-                <a:latin typeface="Times New Roman" panose="02020603050405020304" pitchFamily="18" charset="0"/>
-                <a:ea typeface="宋体" panose="02010600030101010101" pitchFamily="2" charset="-122"/>
-                <a:cs typeface="Times New Roman" panose="02020603050405020304" pitchFamily="18" charset="0"/>
-              </a:rPr>
-              <a:t>__(self, x: float, y: float, dx: float, </a:t>
-            </a:r>
-            <a:r>
-              <a:rPr lang="en-US" altLang="zh-CN" sz="2400" dirty="0" err="1">
-                <a:solidFill>
-                  <a:srgbClr val="FF0000"/>
-                </a:solidFill>
-                <a:latin typeface="Times New Roman" panose="02020603050405020304" pitchFamily="18" charset="0"/>
-                <a:ea typeface="宋体" panose="02010600030101010101" pitchFamily="2" charset="-122"/>
-                <a:cs typeface="Times New Roman" panose="02020603050405020304" pitchFamily="18" charset="0"/>
-              </a:rPr>
-              <a:t>dy</a:t>
-            </a:r>
-            <a:r>
-              <a:rPr lang="en-US" altLang="zh-CN" sz="2400" dirty="0">
-                <a:solidFill>
-                  <a:srgbClr val="FF0000"/>
-                </a:solidFill>
-                <a:latin typeface="Times New Roman" panose="02020603050405020304" pitchFamily="18" charset="0"/>
-                <a:ea typeface="宋体" panose="02010600030101010101" pitchFamily="2" charset="-122"/>
-                <a:cs typeface="Times New Roman" panose="02020603050405020304" pitchFamily="18" charset="0"/>
-              </a:rPr>
-              <a:t>: float):</a:t>
+              <a:t>def __init__(self, x: float, y: float, dx: float, dy: float):</a:t>
             </a:r>
           </a:p>
           <a:p>
@@ -6738,20 +8089,12 @@
           </a:p>
           <a:p>
             <a:r>
-              <a:rPr lang="en-US" altLang="zh-CN" sz="2400" dirty="0" err="1">
-                <a:latin typeface="Times New Roman" panose="02020603050405020304" pitchFamily="18" charset="0"/>
-                <a:ea typeface="宋体" panose="02010600030101010101" pitchFamily="2" charset="-122"/>
-                <a:cs typeface="Times New Roman" panose="02020603050405020304" pitchFamily="18" charset="0"/>
-              </a:rPr>
-              <a:t>self.position</a:t>
-            </a:r>
-            <a:r>
               <a:rPr lang="en-US" altLang="zh-CN" sz="2400" dirty="0">
                 <a:latin typeface="Times New Roman" panose="02020603050405020304" pitchFamily="18" charset="0"/>
                 <a:ea typeface="宋体" panose="02010600030101010101" pitchFamily="2" charset="-122"/>
                 <a:cs typeface="Times New Roman" panose="02020603050405020304" pitchFamily="18" charset="0"/>
               </a:rPr>
-              <a:t>          </a:t>
+              <a:t>self.position          </a:t>
             </a:r>
             <a:r>
               <a:rPr lang="zh-CN" altLang="en-US" sz="2400" dirty="0">
@@ -6769,20 +8112,12 @@
           </a:p>
           <a:p>
             <a:r>
-              <a:rPr lang="en-US" altLang="zh-CN" sz="2400" dirty="0" err="1">
-                <a:latin typeface="Times New Roman" panose="02020603050405020304" pitchFamily="18" charset="0"/>
-                <a:ea typeface="宋体" panose="02010600030101010101" pitchFamily="2" charset="-122"/>
-                <a:cs typeface="Times New Roman" panose="02020603050405020304" pitchFamily="18" charset="0"/>
-              </a:rPr>
-              <a:t>self.normal</a:t>
-            </a:r>
-            <a:r>
               <a:rPr lang="en-US" altLang="zh-CN" sz="2400" dirty="0">
                 <a:latin typeface="Times New Roman" panose="02020603050405020304" pitchFamily="18" charset="0"/>
                 <a:ea typeface="宋体" panose="02010600030101010101" pitchFamily="2" charset="-122"/>
                 <a:cs typeface="Times New Roman" panose="02020603050405020304" pitchFamily="18" charset="0"/>
               </a:rPr>
-              <a:t>           </a:t>
+              <a:t>self.normal           </a:t>
             </a:r>
             <a:r>
               <a:rPr lang="zh-CN" altLang="en-US" sz="2400" dirty="0">
@@ -6800,20 +8135,12 @@
           </a:p>
           <a:p>
             <a:r>
-              <a:rPr lang="en-US" altLang="zh-CN" sz="2400" dirty="0" err="1">
-                <a:latin typeface="Times New Roman" panose="02020603050405020304" pitchFamily="18" charset="0"/>
-                <a:ea typeface="宋体" panose="02010600030101010101" pitchFamily="2" charset="-122"/>
-                <a:cs typeface="Times New Roman" panose="02020603050405020304" pitchFamily="18" charset="0"/>
-              </a:rPr>
-              <a:t>self.orthonormal</a:t>
-            </a:r>
-            <a:r>
               <a:rPr lang="en-US" altLang="zh-CN" sz="2400" dirty="0">
                 <a:latin typeface="Times New Roman" panose="02020603050405020304" pitchFamily="18" charset="0"/>
                 <a:ea typeface="宋体" panose="02010600030101010101" pitchFamily="2" charset="-122"/>
                 <a:cs typeface="Times New Roman" panose="02020603050405020304" pitchFamily="18" charset="0"/>
               </a:rPr>
-              <a:t>   </a:t>
+              <a:t>self.orthonormal   </a:t>
             </a:r>
             <a:r>
               <a:rPr lang="zh-CN" altLang="en-US" sz="2400" dirty="0">
@@ -6839,29 +8166,7 @@
                 <a:ea typeface="宋体" panose="02010600030101010101" pitchFamily="2" charset="-122"/>
                 <a:cs typeface="Times New Roman" panose="02020603050405020304" pitchFamily="18" charset="0"/>
               </a:rPr>
-              <a:t>def </a:t>
-            </a:r>
-            <a:r>
-              <a:rPr lang="en-US" altLang="zh-CN" sz="2400" dirty="0" err="1">
-                <a:solidFill>
-                  <a:srgbClr val="FF0000"/>
-                </a:solidFill>
-                <a:latin typeface="Times New Roman" panose="02020603050405020304" pitchFamily="18" charset="0"/>
-                <a:ea typeface="宋体" panose="02010600030101010101" pitchFamily="2" charset="-122"/>
-                <a:cs typeface="Times New Roman" panose="02020603050405020304" pitchFamily="18" charset="0"/>
-              </a:rPr>
-              <a:t>distance_to_origin</a:t>
-            </a:r>
-            <a:r>
-              <a:rPr lang="en-US" altLang="zh-CN" sz="2400" dirty="0">
-                <a:solidFill>
-                  <a:srgbClr val="FF0000"/>
-                </a:solidFill>
-                <a:latin typeface="Times New Roman" panose="02020603050405020304" pitchFamily="18" charset="0"/>
-                <a:ea typeface="宋体" panose="02010600030101010101" pitchFamily="2" charset="-122"/>
-                <a:cs typeface="Times New Roman" panose="02020603050405020304" pitchFamily="18" charset="0"/>
-              </a:rPr>
-              <a:t>(self, point: tuple[float, float]) -&gt; float:</a:t>
+              <a:t>def distance_to_origin(self, point: tuple[float, float]) -&gt; float:</a:t>
             </a:r>
           </a:p>
           <a:p>
@@ -6889,51 +8194,7 @@
                 <a:ea typeface="宋体" panose="02010600030101010101" pitchFamily="2" charset="-122"/>
                 <a:cs typeface="Times New Roman" panose="02020603050405020304" pitchFamily="18" charset="0"/>
               </a:rPr>
-              <a:t>def </a:t>
-            </a:r>
-            <a:r>
-              <a:rPr lang="en-US" altLang="zh-CN" sz="2400" dirty="0" err="1">
-                <a:solidFill>
-                  <a:srgbClr val="FF0000"/>
-                </a:solidFill>
-                <a:latin typeface="Times New Roman" panose="02020603050405020304" pitchFamily="18" charset="0"/>
-                <a:ea typeface="宋体" panose="02010600030101010101" pitchFamily="2" charset="-122"/>
-                <a:cs typeface="Times New Roman" panose="02020603050405020304" pitchFamily="18" charset="0"/>
-              </a:rPr>
-              <a:t>get_dx_dy</a:t>
-            </a:r>
-            <a:r>
-              <a:rPr lang="en-US" altLang="zh-CN" sz="2400" dirty="0">
-                <a:solidFill>
-                  <a:srgbClr val="FF0000"/>
-                </a:solidFill>
-                <a:latin typeface="Times New Roman" panose="02020603050405020304" pitchFamily="18" charset="0"/>
-                <a:ea typeface="宋体" panose="02010600030101010101" pitchFamily="2" charset="-122"/>
-                <a:cs typeface="Times New Roman" panose="02020603050405020304" pitchFamily="18" charset="0"/>
-              </a:rPr>
-              <a:t>(self, </a:t>
-            </a:r>
-            <a:r>
-              <a:rPr lang="en-US" altLang="zh-CN" sz="2400" dirty="0" err="1">
-                <a:solidFill>
-                  <a:srgbClr val="FF0000"/>
-                </a:solidFill>
-                <a:latin typeface="Times New Roman" panose="02020603050405020304" pitchFamily="18" charset="0"/>
-                <a:ea typeface="宋体" panose="02010600030101010101" pitchFamily="2" charset="-122"/>
-                <a:cs typeface="Times New Roman" panose="02020603050405020304" pitchFamily="18" charset="0"/>
-              </a:rPr>
-              <a:t>lon</a:t>
-            </a:r>
-            <a:r>
-              <a:rPr lang="en-US" altLang="zh-CN" sz="2400" dirty="0">
-                <a:solidFill>
-                  <a:srgbClr val="FF0000"/>
-                </a:solidFill>
-                <a:latin typeface="Times New Roman" panose="02020603050405020304" pitchFamily="18" charset="0"/>
-                <a:ea typeface="宋体" panose="02010600030101010101" pitchFamily="2" charset="-122"/>
-                <a:cs typeface="Times New Roman" panose="02020603050405020304" pitchFamily="18" charset="0"/>
-              </a:rPr>
-              <a:t>: float) -&gt; tuple[float, float]:</a:t>
+              <a:t>def get_dx_dy(self, lon: float) -&gt; tuple[float, float]:</a:t>
             </a:r>
           </a:p>
           <a:p>
@@ -6961,29 +8222,7 @@
                 <a:ea typeface="宋体" panose="02010600030101010101" pitchFamily="2" charset="-122"/>
                 <a:cs typeface="Times New Roman" panose="02020603050405020304" pitchFamily="18" charset="0"/>
               </a:rPr>
-              <a:t>def </a:t>
-            </a:r>
-            <a:r>
-              <a:rPr lang="en-US" altLang="zh-CN" sz="2400" dirty="0" err="1">
-                <a:solidFill>
-                  <a:srgbClr val="FF0000"/>
-                </a:solidFill>
-                <a:latin typeface="Times New Roman" panose="02020603050405020304" pitchFamily="18" charset="0"/>
-                <a:ea typeface="宋体" panose="02010600030101010101" pitchFamily="2" charset="-122"/>
-                <a:cs typeface="Times New Roman" panose="02020603050405020304" pitchFamily="18" charset="0"/>
-              </a:rPr>
-              <a:t>project_onto_normal</a:t>
-            </a:r>
-            <a:r>
-              <a:rPr lang="en-US" altLang="zh-CN" sz="2400" dirty="0">
-                <a:solidFill>
-                  <a:srgbClr val="FF0000"/>
-                </a:solidFill>
-                <a:latin typeface="Times New Roman" panose="02020603050405020304" pitchFamily="18" charset="0"/>
-                <a:ea typeface="宋体" panose="02010600030101010101" pitchFamily="2" charset="-122"/>
-                <a:cs typeface="Times New Roman" panose="02020603050405020304" pitchFamily="18" charset="0"/>
-              </a:rPr>
-              <a:t>(self, point: tuple[float, float]) -&gt; float:</a:t>
+              <a:t>def project_onto_normal(self, point: tuple[float, float]) -&gt; float:</a:t>
             </a:r>
           </a:p>
           <a:p>
@@ -7011,29 +8250,7 @@
                 <a:ea typeface="宋体" panose="02010600030101010101" pitchFamily="2" charset="-122"/>
                 <a:cs typeface="Times New Roman" panose="02020603050405020304" pitchFamily="18" charset="0"/>
               </a:rPr>
-              <a:t>def </a:t>
-            </a:r>
-            <a:r>
-              <a:rPr lang="en-US" altLang="zh-CN" sz="2400" dirty="0" err="1">
-                <a:solidFill>
-                  <a:srgbClr val="FF0000"/>
-                </a:solidFill>
-                <a:latin typeface="Times New Roman" panose="02020603050405020304" pitchFamily="18" charset="0"/>
-                <a:ea typeface="宋体" panose="02010600030101010101" pitchFamily="2" charset="-122"/>
-                <a:cs typeface="Times New Roman" panose="02020603050405020304" pitchFamily="18" charset="0"/>
-              </a:rPr>
-              <a:t>project_onto_orthonormal</a:t>
-            </a:r>
-            <a:r>
-              <a:rPr lang="en-US" altLang="zh-CN" sz="2400" dirty="0">
-                <a:solidFill>
-                  <a:srgbClr val="FF0000"/>
-                </a:solidFill>
-                <a:latin typeface="Times New Roman" panose="02020603050405020304" pitchFamily="18" charset="0"/>
-                <a:ea typeface="宋体" panose="02010600030101010101" pitchFamily="2" charset="-122"/>
-                <a:cs typeface="Times New Roman" panose="02020603050405020304" pitchFamily="18" charset="0"/>
-              </a:rPr>
-              <a:t>(self, point: tuple[float, float]) -&gt; float:</a:t>
+              <a:t>def project_onto_orthonormal(self, point: tuple[float, float]) -&gt; float:</a:t>
             </a:r>
           </a:p>
           <a:p>
@@ -7188,29 +8405,7 @@
                 <a:ea typeface="宋体" panose="02010600030101010101" pitchFamily="2" charset="-122"/>
                 <a:cs typeface="Times New Roman" panose="02020603050405020304" pitchFamily="18" charset="0"/>
               </a:rPr>
-              <a:t>def __</a:t>
-            </a:r>
-            <a:r>
-              <a:rPr lang="en-US" altLang="zh-CN" sz="2400" dirty="0" err="1">
-                <a:solidFill>
-                  <a:srgbClr val="FF0000"/>
-                </a:solidFill>
-                <a:latin typeface="Times New Roman" panose="02020603050405020304" pitchFamily="18" charset="0"/>
-                <a:ea typeface="宋体" panose="02010600030101010101" pitchFamily="2" charset="-122"/>
-                <a:cs typeface="Times New Roman" panose="02020603050405020304" pitchFamily="18" charset="0"/>
-              </a:rPr>
-              <a:t>init</a:t>
-            </a:r>
-            <a:r>
-              <a:rPr lang="en-US" altLang="zh-CN" sz="2400" dirty="0">
-                <a:solidFill>
-                  <a:srgbClr val="FF0000"/>
-                </a:solidFill>
-                <a:latin typeface="Times New Roman" panose="02020603050405020304" pitchFamily="18" charset="0"/>
-                <a:ea typeface="宋体" panose="02010600030101010101" pitchFamily="2" charset="-122"/>
-                <a:cs typeface="Times New Roman" panose="02020603050405020304" pitchFamily="18" charset="0"/>
-              </a:rPr>
-              <a:t>__(self, points: list[tuple[float, float]]):</a:t>
+              <a:t>def __init__(self, points: list[tuple[float, float]]):</a:t>
             </a:r>
           </a:p>
           <a:p>
@@ -7238,29 +8433,7 @@
                 <a:ea typeface="宋体" panose="02010600030101010101" pitchFamily="2" charset="-122"/>
                 <a:cs typeface="Times New Roman" panose="02020603050405020304" pitchFamily="18" charset="0"/>
               </a:rPr>
-              <a:t>def __call__(self, </a:t>
-            </a:r>
-            <a:r>
-              <a:rPr lang="en-US" altLang="zh-CN" sz="2400" dirty="0" err="1">
-                <a:solidFill>
-                  <a:srgbClr val="FF0000"/>
-                </a:solidFill>
-                <a:latin typeface="Times New Roman" panose="02020603050405020304" pitchFamily="18" charset="0"/>
-                <a:ea typeface="宋体" panose="02010600030101010101" pitchFamily="2" charset="-122"/>
-                <a:cs typeface="Times New Roman" panose="02020603050405020304" pitchFamily="18" charset="0"/>
-              </a:rPr>
-              <a:t>lon</a:t>
-            </a:r>
-            <a:r>
-              <a:rPr lang="en-US" altLang="zh-CN" sz="2400" dirty="0">
-                <a:solidFill>
-                  <a:srgbClr val="FF0000"/>
-                </a:solidFill>
-                <a:latin typeface="Times New Roman" panose="02020603050405020304" pitchFamily="18" charset="0"/>
-                <a:ea typeface="宋体" panose="02010600030101010101" pitchFamily="2" charset="-122"/>
-                <a:cs typeface="Times New Roman" panose="02020603050405020304" pitchFamily="18" charset="0"/>
-              </a:rPr>
-              <a:t>: float) -&gt; tuple[float, float]:</a:t>
+              <a:t>def __call__(self, lon: float) -&gt; tuple[float, float]:</a:t>
             </a:r>
           </a:p>
           <a:p>
@@ -7320,51 +8493,7 @@
                 <a:ea typeface="宋体" panose="02010600030101010101" pitchFamily="2" charset="-122"/>
                 <a:cs typeface="Times New Roman" panose="02020603050405020304" pitchFamily="18" charset="0"/>
               </a:rPr>
-              <a:t>def </a:t>
-            </a:r>
-            <a:r>
-              <a:rPr lang="en-US" altLang="zh-CN" sz="2400" dirty="0" err="1">
-                <a:solidFill>
-                  <a:srgbClr val="FF0000"/>
-                </a:solidFill>
-                <a:latin typeface="Times New Roman" panose="02020603050405020304" pitchFamily="18" charset="0"/>
-                <a:ea typeface="宋体" panose="02010600030101010101" pitchFamily="2" charset="-122"/>
-                <a:cs typeface="Times New Roman" panose="02020603050405020304" pitchFamily="18" charset="0"/>
-              </a:rPr>
-              <a:t>get_dx_dy</a:t>
-            </a:r>
-            <a:r>
-              <a:rPr lang="en-US" altLang="zh-CN" sz="2400" dirty="0">
-                <a:solidFill>
-                  <a:srgbClr val="FF0000"/>
-                </a:solidFill>
-                <a:latin typeface="Times New Roman" panose="02020603050405020304" pitchFamily="18" charset="0"/>
-                <a:ea typeface="宋体" panose="02010600030101010101" pitchFamily="2" charset="-122"/>
-                <a:cs typeface="Times New Roman" panose="02020603050405020304" pitchFamily="18" charset="0"/>
-              </a:rPr>
-              <a:t>(self, </a:t>
-            </a:r>
-            <a:r>
-              <a:rPr lang="en-US" altLang="zh-CN" sz="2400" dirty="0" err="1">
-                <a:solidFill>
-                  <a:srgbClr val="FF0000"/>
-                </a:solidFill>
-                <a:latin typeface="Times New Roman" panose="02020603050405020304" pitchFamily="18" charset="0"/>
-                <a:ea typeface="宋体" panose="02010600030101010101" pitchFamily="2" charset="-122"/>
-                <a:cs typeface="Times New Roman" panose="02020603050405020304" pitchFamily="18" charset="0"/>
-              </a:rPr>
-              <a:t>lon</a:t>
-            </a:r>
-            <a:r>
-              <a:rPr lang="en-US" altLang="zh-CN" sz="2400" dirty="0">
-                <a:solidFill>
-                  <a:srgbClr val="FF0000"/>
-                </a:solidFill>
-                <a:latin typeface="Times New Roman" panose="02020603050405020304" pitchFamily="18" charset="0"/>
-                <a:ea typeface="宋体" panose="02010600030101010101" pitchFamily="2" charset="-122"/>
-                <a:cs typeface="Times New Roman" panose="02020603050405020304" pitchFamily="18" charset="0"/>
-              </a:rPr>
-              <a:t>: float) -&gt; tuple[float, float]:</a:t>
+              <a:t>def get_dx_dy(self, lon: float) -&gt; tuple[float, float]:</a:t>
             </a:r>
           </a:p>
           <a:p>
@@ -7392,42 +8521,20 @@
                 <a:ea typeface="宋体" panose="02010600030101010101" pitchFamily="2" charset="-122"/>
                 <a:cs typeface="Times New Roman" panose="02020603050405020304" pitchFamily="18" charset="0"/>
               </a:rPr>
-              <a:t>def </a:t>
-            </a:r>
-            <a:r>
-              <a:rPr lang="en-US" altLang="zh-CN" sz="2400" dirty="0" err="1">
-                <a:solidFill>
-                  <a:srgbClr val="FF0000"/>
-                </a:solidFill>
-                <a:latin typeface="Times New Roman" panose="02020603050405020304" pitchFamily="18" charset="0"/>
-                <a:ea typeface="宋体" panose="02010600030101010101" pitchFamily="2" charset="-122"/>
-                <a:cs typeface="Times New Roman" panose="02020603050405020304" pitchFamily="18" charset="0"/>
-              </a:rPr>
-              <a:t>cartesian_to_frenet</a:t>
+              <a:t>def cartesian_to_frenet(self, position: tuple[float, float]) -&gt; tuple[float, float]:</a:t>
+            </a:r>
+          </a:p>
+          <a:p>
+            <a:r>
+              <a:rPr lang="zh-CN" altLang="en-US" sz="2400" dirty="0">
+                <a:latin typeface="Times New Roman" panose="02020603050405020304" pitchFamily="18" charset="0"/>
+                <a:ea typeface="宋体" panose="02010600030101010101" pitchFamily="2" charset="-122"/>
+                <a:cs typeface="Times New Roman" panose="02020603050405020304" pitchFamily="18" charset="0"/>
+              </a:rPr>
+              <a:t>？笛卡尔坐标系到</a:t>
             </a:r>
             <a:r>
               <a:rPr lang="en-US" altLang="zh-CN" sz="2400" dirty="0">
-                <a:solidFill>
-                  <a:srgbClr val="FF0000"/>
-                </a:solidFill>
-                <a:latin typeface="Times New Roman" panose="02020603050405020304" pitchFamily="18" charset="0"/>
-                <a:ea typeface="宋体" panose="02010600030101010101" pitchFamily="2" charset="-122"/>
-                <a:cs typeface="Times New Roman" panose="02020603050405020304" pitchFamily="18" charset="0"/>
-              </a:rPr>
-              <a:t>(self, position: tuple[float, float]) -&gt; tuple[float, float]:</a:t>
-            </a:r>
-          </a:p>
-          <a:p>
-            <a:r>
-              <a:rPr lang="zh-CN" altLang="en-US" sz="2400" dirty="0">
-                <a:latin typeface="Times New Roman" panose="02020603050405020304" pitchFamily="18" charset="0"/>
-                <a:ea typeface="宋体" panose="02010600030101010101" pitchFamily="2" charset="-122"/>
-                <a:cs typeface="Times New Roman" panose="02020603050405020304" pitchFamily="18" charset="0"/>
-              </a:rPr>
-              <a:t>？笛卡尔坐标系到</a:t>
-            </a:r>
-            <a:r>
-              <a:rPr lang="en-US" altLang="zh-CN" sz="2400" dirty="0" err="1">
                 <a:latin typeface="Times New Roman" panose="02020603050405020304" pitchFamily="18" charset="0"/>
                 <a:ea typeface="宋体" panose="02010600030101010101" pitchFamily="2" charset="-122"/>
                 <a:cs typeface="Times New Roman" panose="02020603050405020304" pitchFamily="18" charset="0"/>
@@ -7458,86 +8565,20 @@
                 <a:ea typeface="宋体" panose="02010600030101010101" pitchFamily="2" charset="-122"/>
                 <a:cs typeface="Times New Roman" panose="02020603050405020304" pitchFamily="18" charset="0"/>
               </a:rPr>
-              <a:t>def </a:t>
-            </a:r>
-            <a:r>
-              <a:rPr lang="en-US" altLang="zh-CN" sz="2400" dirty="0" err="1">
-                <a:solidFill>
-                  <a:srgbClr val="FF0000"/>
-                </a:solidFill>
-                <a:latin typeface="Times New Roman" panose="02020603050405020304" pitchFamily="18" charset="0"/>
-                <a:ea typeface="宋体" panose="02010600030101010101" pitchFamily="2" charset="-122"/>
-                <a:cs typeface="Times New Roman" panose="02020603050405020304" pitchFamily="18" charset="0"/>
-              </a:rPr>
-              <a:t>frenet_to_cartesian</a:t>
+              <a:t>def frenet_to_cartesian(self, lon: float, lat: float) -&gt; tuple[float, float]:</a:t>
+            </a:r>
+          </a:p>
+          <a:p>
+            <a:r>
+              <a:rPr lang="zh-CN" altLang="en-US" sz="2400" dirty="0">
+                <a:latin typeface="Times New Roman" panose="02020603050405020304" pitchFamily="18" charset="0"/>
+                <a:ea typeface="宋体" panose="02010600030101010101" pitchFamily="2" charset="-122"/>
+                <a:cs typeface="Times New Roman" panose="02020603050405020304" pitchFamily="18" charset="0"/>
+              </a:rPr>
+              <a:t>？</a:t>
             </a:r>
             <a:r>
               <a:rPr lang="en-US" altLang="zh-CN" sz="2400" dirty="0">
-                <a:solidFill>
-                  <a:srgbClr val="FF0000"/>
-                </a:solidFill>
-                <a:latin typeface="Times New Roman" panose="02020603050405020304" pitchFamily="18" charset="0"/>
-                <a:ea typeface="宋体" panose="02010600030101010101" pitchFamily="2" charset="-122"/>
-                <a:cs typeface="Times New Roman" panose="02020603050405020304" pitchFamily="18" charset="0"/>
-              </a:rPr>
-              <a:t>(self, </a:t>
-            </a:r>
-            <a:r>
-              <a:rPr lang="en-US" altLang="zh-CN" sz="2400" dirty="0" err="1">
-                <a:solidFill>
-                  <a:srgbClr val="FF0000"/>
-                </a:solidFill>
-                <a:latin typeface="Times New Roman" panose="02020603050405020304" pitchFamily="18" charset="0"/>
-                <a:ea typeface="宋体" panose="02010600030101010101" pitchFamily="2" charset="-122"/>
-                <a:cs typeface="Times New Roman" panose="02020603050405020304" pitchFamily="18" charset="0"/>
-              </a:rPr>
-              <a:t>lon</a:t>
-            </a:r>
-            <a:r>
-              <a:rPr lang="en-US" altLang="zh-CN" sz="2400" dirty="0">
-                <a:solidFill>
-                  <a:srgbClr val="FF0000"/>
-                </a:solidFill>
-                <a:latin typeface="Times New Roman" panose="02020603050405020304" pitchFamily="18" charset="0"/>
-                <a:ea typeface="宋体" panose="02010600030101010101" pitchFamily="2" charset="-122"/>
-                <a:cs typeface="Times New Roman" panose="02020603050405020304" pitchFamily="18" charset="0"/>
-              </a:rPr>
-              <a:t>: float, </a:t>
-            </a:r>
-            <a:r>
-              <a:rPr lang="en-US" altLang="zh-CN" sz="2400" dirty="0" err="1">
-                <a:solidFill>
-                  <a:srgbClr val="FF0000"/>
-                </a:solidFill>
-                <a:latin typeface="Times New Roman" panose="02020603050405020304" pitchFamily="18" charset="0"/>
-                <a:ea typeface="宋体" panose="02010600030101010101" pitchFamily="2" charset="-122"/>
-                <a:cs typeface="Times New Roman" panose="02020603050405020304" pitchFamily="18" charset="0"/>
-              </a:rPr>
-              <a:t>lat</a:t>
-            </a:r>
-            <a:r>
-              <a:rPr lang="en-US" altLang="zh-CN" sz="2400" dirty="0">
-                <a:solidFill>
-                  <a:srgbClr val="FF0000"/>
-                </a:solidFill>
-                <a:latin typeface="Times New Roman" panose="02020603050405020304" pitchFamily="18" charset="0"/>
-                <a:ea typeface="宋体" panose="02010600030101010101" pitchFamily="2" charset="-122"/>
-                <a:cs typeface="Times New Roman" panose="02020603050405020304" pitchFamily="18" charset="0"/>
-              </a:rPr>
-              <a:t>: float) -&gt; tuple[float, float]:</a:t>
-            </a:r>
-          </a:p>
-          <a:p>
-            <a:r>
-              <a:rPr lang="zh-CN" altLang="en-US" sz="2400" dirty="0">
-                <a:latin typeface="Times New Roman" panose="02020603050405020304" pitchFamily="18" charset="0"/>
-                <a:ea typeface="宋体" panose="02010600030101010101" pitchFamily="2" charset="-122"/>
-                <a:cs typeface="Times New Roman" panose="02020603050405020304" pitchFamily="18" charset="0"/>
-              </a:rPr>
-              <a:t>？</a:t>
-            </a:r>
-            <a:r>
-              <a:rPr lang="en-US" altLang="zh-CN" sz="2400" dirty="0" err="1">
                 <a:latin typeface="Times New Roman" panose="02020603050405020304" pitchFamily="18" charset="0"/>
                 <a:ea typeface="宋体" panose="02010600030101010101" pitchFamily="2" charset="-122"/>
                 <a:cs typeface="Times New Roman" panose="02020603050405020304" pitchFamily="18" charset="0"/>
@@ -7568,35 +8609,20 @@
                 <a:ea typeface="宋体" panose="02010600030101010101" pitchFamily="2" charset="-122"/>
                 <a:cs typeface="Times New Roman" panose="02020603050405020304" pitchFamily="18" charset="0"/>
               </a:rPr>
-              <a:t>def _</a:t>
-            </a:r>
-            <a:r>
-              <a:rPr lang="en-US" altLang="zh-CN" sz="2400" dirty="0" err="1">
-                <a:solidFill>
-                  <a:srgbClr val="FF0000"/>
-                </a:solidFill>
-                <a:latin typeface="Times New Roman" panose="02020603050405020304" pitchFamily="18" charset="0"/>
-                <a:ea typeface="宋体" panose="02010600030101010101" pitchFamily="2" charset="-122"/>
-                <a:cs typeface="Times New Roman" panose="02020603050405020304" pitchFamily="18" charset="0"/>
-              </a:rPr>
-              <a:t>get_idx_segment_for_lon</a:t>
+              <a:t>def _get_idx_segment_for_lon(self, lon: float) -&gt; int:</a:t>
+            </a:r>
+          </a:p>
+          <a:p>
+            <a:r>
+              <a:rPr lang="zh-CN" altLang="en-US" sz="2400" dirty="0">
+                <a:latin typeface="Times New Roman" panose="02020603050405020304" pitchFamily="18" charset="0"/>
+                <a:ea typeface="宋体" panose="02010600030101010101" pitchFamily="2" charset="-122"/>
+                <a:cs typeface="Times New Roman" panose="02020603050405020304" pitchFamily="18" charset="0"/>
+              </a:rPr>
+              <a:t>返回</a:t>
             </a:r>
             <a:r>
               <a:rPr lang="en-US" altLang="zh-CN" sz="2400" dirty="0">
-                <a:solidFill>
-                  <a:srgbClr val="FF0000"/>
-                </a:solidFill>
-                <a:latin typeface="Times New Roman" panose="02020603050405020304" pitchFamily="18" charset="0"/>
-                <a:ea typeface="宋体" panose="02010600030101010101" pitchFamily="2" charset="-122"/>
-                <a:cs typeface="Times New Roman" panose="02020603050405020304" pitchFamily="18" charset="0"/>
-              </a:rPr>
-              <a:t>(self, </a:t>
-            </a:r>
-            <a:r>
-              <a:rPr lang="en-US" altLang="zh-CN" sz="2400" dirty="0" err="1">
-                <a:solidFill>
-                  <a:srgbClr val="FF0000"/>
-                </a:solidFill>
                 <a:latin typeface="Times New Roman" panose="02020603050405020304" pitchFamily="18" charset="0"/>
                 <a:ea typeface="宋体" panose="02010600030101010101" pitchFamily="2" charset="-122"/>
                 <a:cs typeface="Times New Roman" panose="02020603050405020304" pitchFamily="18" charset="0"/>
@@ -7604,44 +8630,15 @@
               <a:t>lon</a:t>
             </a:r>
             <a:r>
+              <a:rPr lang="zh-CN" altLang="en-US" sz="2400" dirty="0">
+                <a:latin typeface="Times New Roman" panose="02020603050405020304" pitchFamily="18" charset="0"/>
+                <a:ea typeface="宋体" panose="02010600030101010101" pitchFamily="2" charset="-122"/>
+                <a:cs typeface="Times New Roman" panose="02020603050405020304" pitchFamily="18" charset="0"/>
+              </a:rPr>
+              <a:t>下取整对应采样点在</a:t>
+            </a:r>
+            <a:r>
               <a:rPr lang="en-US" altLang="zh-CN" sz="2400" dirty="0">
-                <a:solidFill>
-                  <a:srgbClr val="FF0000"/>
-                </a:solidFill>
-                <a:latin typeface="Times New Roman" panose="02020603050405020304" pitchFamily="18" charset="0"/>
-                <a:ea typeface="宋体" panose="02010600030101010101" pitchFamily="2" charset="-122"/>
-                <a:cs typeface="Times New Roman" panose="02020603050405020304" pitchFamily="18" charset="0"/>
-              </a:rPr>
-              <a:t>: float) -&gt; int:</a:t>
-            </a:r>
-          </a:p>
-          <a:p>
-            <a:r>
-              <a:rPr lang="zh-CN" altLang="en-US" sz="2400" dirty="0">
-                <a:latin typeface="Times New Roman" panose="02020603050405020304" pitchFamily="18" charset="0"/>
-                <a:ea typeface="宋体" panose="02010600030101010101" pitchFamily="2" charset="-122"/>
-                <a:cs typeface="Times New Roman" panose="02020603050405020304" pitchFamily="18" charset="0"/>
-              </a:rPr>
-              <a:t>返回</a:t>
-            </a:r>
-            <a:r>
-              <a:rPr lang="en-US" altLang="zh-CN" sz="2400" dirty="0" err="1">
-                <a:latin typeface="Times New Roman" panose="02020603050405020304" pitchFamily="18" charset="0"/>
-                <a:ea typeface="宋体" panose="02010600030101010101" pitchFamily="2" charset="-122"/>
-                <a:cs typeface="Times New Roman" panose="02020603050405020304" pitchFamily="18" charset="0"/>
-              </a:rPr>
-              <a:t>lon</a:t>
-            </a:r>
-            <a:r>
-              <a:rPr lang="zh-CN" altLang="en-US" sz="2400" dirty="0">
-                <a:latin typeface="Times New Roman" panose="02020603050405020304" pitchFamily="18" charset="0"/>
-                <a:ea typeface="宋体" panose="02010600030101010101" pitchFamily="2" charset="-122"/>
-                <a:cs typeface="Times New Roman" panose="02020603050405020304" pitchFamily="18" charset="0"/>
-              </a:rPr>
-              <a:t>下取整对应采样点在</a:t>
-            </a:r>
-            <a:r>
-              <a:rPr lang="en-US" altLang="zh-CN" sz="2400" dirty="0" err="1">
                 <a:latin typeface="Times New Roman" panose="02020603050405020304" pitchFamily="18" charset="0"/>
                 <a:ea typeface="宋体" panose="02010600030101010101" pitchFamily="2" charset="-122"/>
                 <a:cs typeface="Times New Roman" panose="02020603050405020304" pitchFamily="18" charset="0"/>
@@ -7672,102 +8669,36 @@
                 <a:ea typeface="宋体" panose="02010600030101010101" pitchFamily="2" charset="-122"/>
                 <a:cs typeface="Times New Roman" panose="02020603050405020304" pitchFamily="18" charset="0"/>
               </a:rPr>
-              <a:t>def </a:t>
-            </a:r>
-            <a:r>
-              <a:rPr lang="en-US" altLang="zh-CN" sz="2400" dirty="0" err="1">
-                <a:solidFill>
-                  <a:srgbClr val="FF0000"/>
-                </a:solidFill>
-                <a:latin typeface="Times New Roman" panose="02020603050405020304" pitchFamily="18" charset="0"/>
-                <a:ea typeface="宋体" panose="02010600030101010101" pitchFamily="2" charset="-122"/>
-                <a:cs typeface="Times New Roman" panose="02020603050405020304" pitchFamily="18" charset="0"/>
-              </a:rPr>
-              <a:t>sample_curve</a:t>
+              <a:t>def sample_curve(x_curve, y_curve, length: float, CURVE_SAMPLE_DISTANCE=1):</a:t>
+            </a:r>
+          </a:p>
+          <a:p>
+            <a:r>
+              <a:rPr lang="zh-CN" altLang="en-US" sz="2400" dirty="0">
+                <a:latin typeface="Times New Roman" panose="02020603050405020304" pitchFamily="18" charset="0"/>
+                <a:ea typeface="宋体" panose="02010600030101010101" pitchFamily="2" charset="-122"/>
+                <a:cs typeface="Times New Roman" panose="02020603050405020304" pitchFamily="18" charset="0"/>
+              </a:rPr>
+              <a:t>根据指定的样本点间距，从长度</a:t>
             </a:r>
             <a:r>
               <a:rPr lang="en-US" altLang="zh-CN" sz="2400" dirty="0">
-                <a:solidFill>
-                  <a:srgbClr val="FF0000"/>
-                </a:solidFill>
-                <a:latin typeface="Times New Roman" panose="02020603050405020304" pitchFamily="18" charset="0"/>
-                <a:ea typeface="宋体" panose="02010600030101010101" pitchFamily="2" charset="-122"/>
-                <a:cs typeface="Times New Roman" panose="02020603050405020304" pitchFamily="18" charset="0"/>
-              </a:rPr>
-              <a:t>(</a:t>
-            </a:r>
-            <a:r>
-              <a:rPr lang="en-US" altLang="zh-CN" sz="2400" dirty="0" err="1">
-                <a:solidFill>
-                  <a:srgbClr val="FF0000"/>
-                </a:solidFill>
-                <a:latin typeface="Times New Roman" panose="02020603050405020304" pitchFamily="18" charset="0"/>
-                <a:ea typeface="宋体" panose="02010600030101010101" pitchFamily="2" charset="-122"/>
-                <a:cs typeface="Times New Roman" panose="02020603050405020304" pitchFamily="18" charset="0"/>
-              </a:rPr>
-              <a:t>x_curve</a:t>
+                <a:latin typeface="Times New Roman" panose="02020603050405020304" pitchFamily="18" charset="0"/>
+                <a:ea typeface="宋体" panose="02010600030101010101" pitchFamily="2" charset="-122"/>
+                <a:cs typeface="Times New Roman" panose="02020603050405020304" pitchFamily="18" charset="0"/>
+              </a:rPr>
+              <a:t>0</a:t>
+            </a:r>
+            <a:r>
+              <a:rPr lang="zh-CN" altLang="en-US" sz="2400" dirty="0">
+                <a:latin typeface="Times New Roman" panose="02020603050405020304" pitchFamily="18" charset="0"/>
+                <a:ea typeface="宋体" panose="02010600030101010101" pitchFamily="2" charset="-122"/>
+                <a:cs typeface="Times New Roman" panose="02020603050405020304" pitchFamily="18" charset="0"/>
+              </a:rPr>
+              <a:t>开始沿曲线生成等间距的弧长坐标，并计算每个样本点的具体位置和方向。返回采样点距起点的距离</a:t>
             </a:r>
             <a:r>
               <a:rPr lang="en-US" altLang="zh-CN" sz="2400" dirty="0">
-                <a:solidFill>
-                  <a:srgbClr val="FF0000"/>
-                </a:solidFill>
-                <a:latin typeface="Times New Roman" panose="02020603050405020304" pitchFamily="18" charset="0"/>
-                <a:ea typeface="宋体" panose="02010600030101010101" pitchFamily="2" charset="-122"/>
-                <a:cs typeface="Times New Roman" panose="02020603050405020304" pitchFamily="18" charset="0"/>
-              </a:rPr>
-              <a:t>, </a:t>
-            </a:r>
-            <a:r>
-              <a:rPr lang="en-US" altLang="zh-CN" sz="2400" dirty="0" err="1">
-                <a:solidFill>
-                  <a:srgbClr val="FF0000"/>
-                </a:solidFill>
-                <a:latin typeface="Times New Roman" panose="02020603050405020304" pitchFamily="18" charset="0"/>
-                <a:ea typeface="宋体" panose="02010600030101010101" pitchFamily="2" charset="-122"/>
-                <a:cs typeface="Times New Roman" panose="02020603050405020304" pitchFamily="18" charset="0"/>
-              </a:rPr>
-              <a:t>y_curve</a:t>
-            </a:r>
-            <a:r>
-              <a:rPr lang="en-US" altLang="zh-CN" sz="2400" dirty="0">
-                <a:solidFill>
-                  <a:srgbClr val="FF0000"/>
-                </a:solidFill>
-                <a:latin typeface="Times New Roman" panose="02020603050405020304" pitchFamily="18" charset="0"/>
-                <a:ea typeface="宋体" panose="02010600030101010101" pitchFamily="2" charset="-122"/>
-                <a:cs typeface="Times New Roman" panose="02020603050405020304" pitchFamily="18" charset="0"/>
-              </a:rPr>
-              <a:t>, length: float, CURVE_SAMPLE_DISTANCE=1):</a:t>
-            </a:r>
-          </a:p>
-          <a:p>
-            <a:r>
-              <a:rPr lang="zh-CN" altLang="en-US" sz="2400" dirty="0">
-                <a:latin typeface="Times New Roman" panose="02020603050405020304" pitchFamily="18" charset="0"/>
-                <a:ea typeface="宋体" panose="02010600030101010101" pitchFamily="2" charset="-122"/>
-                <a:cs typeface="Times New Roman" panose="02020603050405020304" pitchFamily="18" charset="0"/>
-              </a:rPr>
-              <a:t>根据指定的样本点间距，从长度</a:t>
-            </a:r>
-            <a:r>
-              <a:rPr lang="en-US" altLang="zh-CN" sz="2400" dirty="0">
-                <a:latin typeface="Times New Roman" panose="02020603050405020304" pitchFamily="18" charset="0"/>
-                <a:ea typeface="宋体" panose="02010600030101010101" pitchFamily="2" charset="-122"/>
-                <a:cs typeface="Times New Roman" panose="02020603050405020304" pitchFamily="18" charset="0"/>
-              </a:rPr>
-              <a:t>0</a:t>
-            </a:r>
-            <a:r>
-              <a:rPr lang="zh-CN" altLang="en-US" sz="2400" dirty="0">
-                <a:latin typeface="Times New Roman" panose="02020603050405020304" pitchFamily="18" charset="0"/>
-                <a:ea typeface="宋体" panose="02010600030101010101" pitchFamily="2" charset="-122"/>
-                <a:cs typeface="Times New Roman" panose="02020603050405020304" pitchFamily="18" charset="0"/>
-              </a:rPr>
-              <a:t>开始沿曲线生成等间距的弧长坐标，并计算每个样本点的具体位置和方向。返回采样点距起点的距离</a:t>
-            </a:r>
-            <a:r>
-              <a:rPr lang="en-US" altLang="zh-CN" sz="2400" dirty="0" err="1">
                 <a:latin typeface="Times New Roman" panose="02020603050405020304" pitchFamily="18" charset="0"/>
                 <a:ea typeface="宋体" panose="02010600030101010101" pitchFamily="2" charset="-122"/>
                 <a:cs typeface="Times New Roman" panose="02020603050405020304" pitchFamily="18" charset="0"/>

--- a/Highway_env代码学习.pptx
+++ b/Highway_env代码学习.pptx
@@ -12,11 +12,17 @@
     <p:sldId id="263" r:id="rId6"/>
     <p:sldId id="264" r:id="rId7"/>
     <p:sldId id="257" r:id="rId8"/>
-    <p:sldId id="260" r:id="rId9"/>
-    <p:sldId id="258" r:id="rId10"/>
-    <p:sldId id="265" r:id="rId11"/>
-    <p:sldId id="267" r:id="rId12"/>
-    <p:sldId id="259" r:id="rId13"/>
+    <p:sldId id="270" r:id="rId9"/>
+    <p:sldId id="271" r:id="rId10"/>
+    <p:sldId id="260" r:id="rId11"/>
+    <p:sldId id="258" r:id="rId12"/>
+    <p:sldId id="265" r:id="rId13"/>
+    <p:sldId id="267" r:id="rId14"/>
+    <p:sldId id="269" r:id="rId15"/>
+    <p:sldId id="273" r:id="rId16"/>
+    <p:sldId id="268" r:id="rId17"/>
+    <p:sldId id="272" r:id="rId18"/>
+    <p:sldId id="259" r:id="rId19"/>
   </p:sldIdLst>
   <p:sldSz cx="12192000" cy="6858000"/>
   <p:notesSz cx="6858000" cy="9144000"/>
@@ -3405,6 +3411,816 @@
         <p:cNvPr id="1" name="">
           <a:extLst>
             <a:ext uri="{FF2B5EF4-FFF2-40B4-BE49-F238E27FC236}">
+              <a16:creationId xmlns:a16="http://schemas.microsoft.com/office/drawing/2014/main" id="{E1D27323-1026-47D8-D832-06688FC69A4B}"/>
+            </a:ext>
+          </a:extLst>
+        </p:cNvPr>
+        <p:cNvGrpSpPr/>
+        <p:nvPr/>
+      </p:nvGrpSpPr>
+      <p:grpSpPr>
+        <a:xfrm>
+          <a:off x="0" y="0"/>
+          <a:ext cx="0" cy="0"/>
+          <a:chOff x="0" y="0"/>
+          <a:chExt cx="0" cy="0"/>
+        </a:xfrm>
+      </p:grpSpPr>
+      <p:sp>
+        <p:nvSpPr>
+          <p:cNvPr id="4" name="文本框 3">
+            <a:extLst>
+              <a:ext uri="{FF2B5EF4-FFF2-40B4-BE49-F238E27FC236}">
+                <a16:creationId xmlns:a16="http://schemas.microsoft.com/office/drawing/2014/main" id="{BB137848-9649-F8A9-92BB-0EC5781D0775}"/>
+              </a:ext>
+            </a:extLst>
+          </p:cNvPr>
+          <p:cNvSpPr txBox="1"/>
+          <p:nvPr/>
+        </p:nvSpPr>
+        <p:spPr>
+          <a:xfrm>
+            <a:off x="231530" y="181707"/>
+            <a:ext cx="3760177" cy="523220"/>
+          </a:xfrm>
+          <a:prstGeom prst="rect">
+            <a:avLst/>
+          </a:prstGeom>
+          <a:noFill/>
+        </p:spPr>
+        <p:txBody>
+          <a:bodyPr wrap="square" rtlCol="0">
+            <a:spAutoFit/>
+          </a:bodyPr>
+          <a:lstStyle/>
+          <a:p>
+            <a:r>
+              <a:rPr lang="en-US" altLang="zh-CN" sz="2800" dirty="0">
+                <a:latin typeface="Times New Roman" panose="02020603050405020304" pitchFamily="18" charset="0"/>
+                <a:ea typeface="宋体" panose="02010600030101010101" pitchFamily="2" charset="-122"/>
+                <a:cs typeface="Times New Roman" panose="02020603050405020304" pitchFamily="18" charset="0"/>
+              </a:rPr>
+              <a:t>road—spline.py</a:t>
+            </a:r>
+          </a:p>
+        </p:txBody>
+      </p:sp>
+      <p:sp>
+        <p:nvSpPr>
+          <p:cNvPr id="2" name="文本框 1">
+            <a:extLst>
+              <a:ext uri="{FF2B5EF4-FFF2-40B4-BE49-F238E27FC236}">
+                <a16:creationId xmlns:a16="http://schemas.microsoft.com/office/drawing/2014/main" id="{D924F5A5-FDDF-7B96-27FF-0374C0315C93}"/>
+              </a:ext>
+            </a:extLst>
+          </p:cNvPr>
+          <p:cNvSpPr txBox="1"/>
+          <p:nvPr/>
+        </p:nvSpPr>
+        <p:spPr>
+          <a:xfrm>
+            <a:off x="231529" y="838200"/>
+            <a:ext cx="11884271" cy="5324535"/>
+          </a:xfrm>
+          <a:prstGeom prst="rect">
+            <a:avLst/>
+          </a:prstGeom>
+          <a:noFill/>
+        </p:spPr>
+        <p:txBody>
+          <a:bodyPr wrap="square" rtlCol="0">
+            <a:spAutoFit/>
+          </a:bodyPr>
+          <a:lstStyle/>
+          <a:p>
+            <a:r>
+              <a:rPr lang="en-US" altLang="zh-CN" sz="2800" dirty="0">
+                <a:latin typeface="Times New Roman" panose="02020603050405020304" pitchFamily="18" charset="0"/>
+                <a:ea typeface="宋体" panose="02010600030101010101" pitchFamily="2" charset="-122"/>
+                <a:cs typeface="Times New Roman" panose="02020603050405020304" pitchFamily="18" charset="0"/>
+              </a:rPr>
+              <a:t>Class CurvePose</a:t>
+            </a:r>
+            <a:r>
+              <a:rPr lang="zh-CN" altLang="en-US" sz="2800" dirty="0">
+                <a:latin typeface="Times New Roman" panose="02020603050405020304" pitchFamily="18" charset="0"/>
+                <a:ea typeface="宋体" panose="02010600030101010101" pitchFamily="2" charset="-122"/>
+                <a:cs typeface="Times New Roman" panose="02020603050405020304" pitchFamily="18" charset="0"/>
+              </a:rPr>
+              <a:t>：</a:t>
+            </a:r>
+            <a:endParaRPr lang="en-US" altLang="zh-CN" sz="2800" dirty="0">
+              <a:latin typeface="Times New Roman" panose="02020603050405020304" pitchFamily="18" charset="0"/>
+              <a:ea typeface="宋体" panose="02010600030101010101" pitchFamily="2" charset="-122"/>
+              <a:cs typeface="Times New Roman" panose="02020603050405020304" pitchFamily="18" charset="0"/>
+            </a:endParaRPr>
+          </a:p>
+          <a:p>
+            <a:r>
+              <a:rPr lang="en-US" altLang="zh-CN" sz="2400" dirty="0">
+                <a:solidFill>
+                  <a:srgbClr val="FF0000"/>
+                </a:solidFill>
+                <a:latin typeface="Times New Roman" panose="02020603050405020304" pitchFamily="18" charset="0"/>
+                <a:ea typeface="宋体" panose="02010600030101010101" pitchFamily="2" charset="-122"/>
+                <a:cs typeface="Times New Roman" panose="02020603050405020304" pitchFamily="18" charset="0"/>
+              </a:rPr>
+              <a:t>def __init__(self, x: float, y: float, dx: float, dy: float):</a:t>
+            </a:r>
+          </a:p>
+          <a:p>
+            <a:r>
+              <a:rPr lang="zh-CN" altLang="en-US" sz="2400" dirty="0">
+                <a:latin typeface="Times New Roman" panose="02020603050405020304" pitchFamily="18" charset="0"/>
+                <a:ea typeface="宋体" panose="02010600030101010101" pitchFamily="2" charset="-122"/>
+                <a:cs typeface="Times New Roman" panose="02020603050405020304" pitchFamily="18" charset="0"/>
+              </a:rPr>
+              <a:t>初始化一系列的变量。</a:t>
+            </a:r>
+            <a:endParaRPr lang="en-US" altLang="zh-CN" sz="2400" dirty="0">
+              <a:latin typeface="Times New Roman" panose="02020603050405020304" pitchFamily="18" charset="0"/>
+              <a:ea typeface="宋体" panose="02010600030101010101" pitchFamily="2" charset="-122"/>
+              <a:cs typeface="Times New Roman" panose="02020603050405020304" pitchFamily="18" charset="0"/>
+            </a:endParaRPr>
+          </a:p>
+          <a:p>
+            <a:r>
+              <a:rPr lang="en-US" altLang="zh-CN" sz="2400" dirty="0">
+                <a:latin typeface="Times New Roman" panose="02020603050405020304" pitchFamily="18" charset="0"/>
+                <a:ea typeface="宋体" panose="02010600030101010101" pitchFamily="2" charset="-122"/>
+                <a:cs typeface="Times New Roman" panose="02020603050405020304" pitchFamily="18" charset="0"/>
+              </a:rPr>
+              <a:t>self.position          </a:t>
+            </a:r>
+            <a:r>
+              <a:rPr lang="zh-CN" altLang="en-US" sz="2400" dirty="0">
+                <a:latin typeface="Times New Roman" panose="02020603050405020304" pitchFamily="18" charset="0"/>
+                <a:ea typeface="宋体" panose="02010600030101010101" pitchFamily="2" charset="-122"/>
+                <a:cs typeface="Times New Roman" panose="02020603050405020304" pitchFamily="18" charset="0"/>
+              </a:rPr>
+              <a:t>位置</a:t>
+            </a:r>
+            <a:endParaRPr lang="en-US" altLang="zh-CN" sz="2400" dirty="0">
+              <a:latin typeface="Times New Roman" panose="02020603050405020304" pitchFamily="18" charset="0"/>
+              <a:ea typeface="宋体" panose="02010600030101010101" pitchFamily="2" charset="-122"/>
+              <a:cs typeface="Times New Roman" panose="02020603050405020304" pitchFamily="18" charset="0"/>
+            </a:endParaRPr>
+          </a:p>
+          <a:p>
+            <a:r>
+              <a:rPr lang="en-US" altLang="zh-CN" sz="2400" dirty="0">
+                <a:latin typeface="Times New Roman" panose="02020603050405020304" pitchFamily="18" charset="0"/>
+                <a:ea typeface="宋体" panose="02010600030101010101" pitchFamily="2" charset="-122"/>
+                <a:cs typeface="Times New Roman" panose="02020603050405020304" pitchFamily="18" charset="0"/>
+              </a:rPr>
+              <a:t>self.normal           </a:t>
+            </a:r>
+            <a:r>
+              <a:rPr lang="zh-CN" altLang="en-US" sz="2400" dirty="0">
+                <a:latin typeface="Times New Roman" panose="02020603050405020304" pitchFamily="18" charset="0"/>
+                <a:ea typeface="宋体" panose="02010600030101010101" pitchFamily="2" charset="-122"/>
+                <a:cs typeface="Times New Roman" panose="02020603050405020304" pitchFamily="18" charset="0"/>
+              </a:rPr>
+              <a:t>切线方向的单位向量</a:t>
+            </a:r>
+            <a:endParaRPr lang="en-US" altLang="zh-CN" sz="2400" dirty="0">
+              <a:latin typeface="Times New Roman" panose="02020603050405020304" pitchFamily="18" charset="0"/>
+              <a:ea typeface="宋体" panose="02010600030101010101" pitchFamily="2" charset="-122"/>
+              <a:cs typeface="Times New Roman" panose="02020603050405020304" pitchFamily="18" charset="0"/>
+            </a:endParaRPr>
+          </a:p>
+          <a:p>
+            <a:r>
+              <a:rPr lang="en-US" altLang="zh-CN" sz="2400" dirty="0">
+                <a:latin typeface="Times New Roman" panose="02020603050405020304" pitchFamily="18" charset="0"/>
+                <a:ea typeface="宋体" panose="02010600030101010101" pitchFamily="2" charset="-122"/>
+                <a:cs typeface="Times New Roman" panose="02020603050405020304" pitchFamily="18" charset="0"/>
+              </a:rPr>
+              <a:t>self.orthonormal   </a:t>
+            </a:r>
+            <a:r>
+              <a:rPr lang="zh-CN" altLang="en-US" sz="2400" dirty="0">
+                <a:latin typeface="Times New Roman" panose="02020603050405020304" pitchFamily="18" charset="0"/>
+                <a:ea typeface="宋体" panose="02010600030101010101" pitchFamily="2" charset="-122"/>
+                <a:cs typeface="Times New Roman" panose="02020603050405020304" pitchFamily="18" charset="0"/>
+              </a:rPr>
+              <a:t>法线方向的单位向量</a:t>
+            </a:r>
+            <a:endParaRPr lang="en-US" altLang="zh-CN" sz="2400" dirty="0">
+              <a:latin typeface="Times New Roman" panose="02020603050405020304" pitchFamily="18" charset="0"/>
+              <a:ea typeface="宋体" panose="02010600030101010101" pitchFamily="2" charset="-122"/>
+              <a:cs typeface="Times New Roman" panose="02020603050405020304" pitchFamily="18" charset="0"/>
+            </a:endParaRPr>
+          </a:p>
+          <a:p>
+            <a:r>
+              <a:rPr lang="en-US" altLang="zh-CN" sz="2400" dirty="0">
+                <a:solidFill>
+                  <a:srgbClr val="FF0000"/>
+                </a:solidFill>
+                <a:latin typeface="Times New Roman" panose="02020603050405020304" pitchFamily="18" charset="0"/>
+                <a:ea typeface="宋体" panose="02010600030101010101" pitchFamily="2" charset="-122"/>
+                <a:cs typeface="Times New Roman" panose="02020603050405020304" pitchFamily="18" charset="0"/>
+              </a:rPr>
+              <a:t>def distance_to_origin(self, point: tuple[float, float]) -&gt; float:</a:t>
+            </a:r>
+          </a:p>
+          <a:p>
+            <a:r>
+              <a:rPr lang="zh-CN" altLang="en-US" sz="2400" dirty="0">
+                <a:latin typeface="Times New Roman" panose="02020603050405020304" pitchFamily="18" charset="0"/>
+                <a:ea typeface="宋体" panose="02010600030101010101" pitchFamily="2" charset="-122"/>
+                <a:cs typeface="Times New Roman" panose="02020603050405020304" pitchFamily="18" charset="0"/>
+              </a:rPr>
+              <a:t>计算实例化点与传入参数点之间的直线距离</a:t>
+            </a:r>
+            <a:endParaRPr lang="en-US" altLang="zh-CN" sz="2400" dirty="0">
+              <a:latin typeface="Times New Roman" panose="02020603050405020304" pitchFamily="18" charset="0"/>
+              <a:ea typeface="宋体" panose="02010600030101010101" pitchFamily="2" charset="-122"/>
+              <a:cs typeface="Times New Roman" panose="02020603050405020304" pitchFamily="18" charset="0"/>
+            </a:endParaRPr>
+          </a:p>
+          <a:p>
+            <a:r>
+              <a:rPr lang="en-US" altLang="zh-CN" sz="2400" dirty="0">
+                <a:solidFill>
+                  <a:srgbClr val="FF0000"/>
+                </a:solidFill>
+                <a:latin typeface="Times New Roman" panose="02020603050405020304" pitchFamily="18" charset="0"/>
+                <a:ea typeface="宋体" panose="02010600030101010101" pitchFamily="2" charset="-122"/>
+                <a:cs typeface="Times New Roman" panose="02020603050405020304" pitchFamily="18" charset="0"/>
+              </a:rPr>
+              <a:t>def get_dx_dy(self, lon: float) -&gt; tuple[float, float]:</a:t>
+            </a:r>
+          </a:p>
+          <a:p>
+            <a:r>
+              <a:rPr lang="zh-CN" altLang="en-US" sz="2400" dirty="0">
+                <a:latin typeface="Times New Roman" panose="02020603050405020304" pitchFamily="18" charset="0"/>
+                <a:ea typeface="宋体" panose="02010600030101010101" pitchFamily="2" charset="-122"/>
+                <a:cs typeface="Times New Roman" panose="02020603050405020304" pitchFamily="18" charset="0"/>
+              </a:rPr>
+              <a:t>返回对应长度下取整对应点的法向量</a:t>
+            </a:r>
+            <a:endParaRPr lang="en-US" altLang="zh-CN" sz="2400" dirty="0">
+              <a:latin typeface="Times New Roman" panose="02020603050405020304" pitchFamily="18" charset="0"/>
+              <a:ea typeface="宋体" panose="02010600030101010101" pitchFamily="2" charset="-122"/>
+              <a:cs typeface="Times New Roman" panose="02020603050405020304" pitchFamily="18" charset="0"/>
+            </a:endParaRPr>
+          </a:p>
+          <a:p>
+            <a:r>
+              <a:rPr lang="en-US" altLang="zh-CN" sz="2400" dirty="0">
+                <a:solidFill>
+                  <a:srgbClr val="FF0000"/>
+                </a:solidFill>
+                <a:latin typeface="Times New Roman" panose="02020603050405020304" pitchFamily="18" charset="0"/>
+                <a:ea typeface="宋体" panose="02010600030101010101" pitchFamily="2" charset="-122"/>
+                <a:cs typeface="Times New Roman" panose="02020603050405020304" pitchFamily="18" charset="0"/>
+              </a:rPr>
+              <a:t>def project_onto_normal(self, point: tuple[float, float]) -&gt; float:</a:t>
+            </a:r>
+          </a:p>
+          <a:p>
+            <a:r>
+              <a:rPr lang="zh-CN" altLang="en-US" sz="2400" dirty="0">
+                <a:latin typeface="Times New Roman" panose="02020603050405020304" pitchFamily="18" charset="0"/>
+                <a:ea typeface="宋体" panose="02010600030101010101" pitchFamily="2" charset="-122"/>
+                <a:cs typeface="Times New Roman" panose="02020603050405020304" pitchFamily="18" charset="0"/>
+              </a:rPr>
+              <a:t>计算法向量 与 从姿势原点到点 之间的点积</a:t>
+            </a:r>
+            <a:endParaRPr lang="en-US" altLang="zh-CN" sz="2400" dirty="0">
+              <a:latin typeface="Times New Roman" panose="02020603050405020304" pitchFamily="18" charset="0"/>
+              <a:ea typeface="宋体" panose="02010600030101010101" pitchFamily="2" charset="-122"/>
+              <a:cs typeface="Times New Roman" panose="02020603050405020304" pitchFamily="18" charset="0"/>
+            </a:endParaRPr>
+          </a:p>
+          <a:p>
+            <a:r>
+              <a:rPr lang="en-US" altLang="zh-CN" sz="2400" dirty="0">
+                <a:solidFill>
+                  <a:srgbClr val="FF0000"/>
+                </a:solidFill>
+                <a:latin typeface="Times New Roman" panose="02020603050405020304" pitchFamily="18" charset="0"/>
+                <a:ea typeface="宋体" panose="02010600030101010101" pitchFamily="2" charset="-122"/>
+                <a:cs typeface="Times New Roman" panose="02020603050405020304" pitchFamily="18" charset="0"/>
+              </a:rPr>
+              <a:t>def project_onto_orthonormal(self, point: tuple[float, float]) -&gt; float:</a:t>
+            </a:r>
+          </a:p>
+          <a:p>
+            <a:r>
+              <a:rPr lang="zh-CN" altLang="en-US" sz="2400" dirty="0">
+                <a:latin typeface="Times New Roman" panose="02020603050405020304" pitchFamily="18" charset="0"/>
+                <a:ea typeface="宋体" panose="02010600030101010101" pitchFamily="2" charset="-122"/>
+                <a:cs typeface="Times New Roman" panose="02020603050405020304" pitchFamily="18" charset="0"/>
+              </a:rPr>
+              <a:t>计算方向向量 与 从姿势原点到点 之间的点积</a:t>
+            </a:r>
+            <a:endParaRPr lang="en-US" altLang="zh-CN" sz="2400" dirty="0">
+              <a:latin typeface="Times New Roman" panose="02020603050405020304" pitchFamily="18" charset="0"/>
+              <a:ea typeface="宋体" panose="02010600030101010101" pitchFamily="2" charset="-122"/>
+              <a:cs typeface="Times New Roman" panose="02020603050405020304" pitchFamily="18" charset="0"/>
+            </a:endParaRPr>
+          </a:p>
+        </p:txBody>
+      </p:sp>
+    </p:spTree>
+    <p:extLst>
+      <p:ext uri="{BB962C8B-B14F-4D97-AF65-F5344CB8AC3E}">
+        <p14:creationId xmlns:p14="http://schemas.microsoft.com/office/powerpoint/2010/main" val="748064735"/>
+      </p:ext>
+    </p:extLst>
+  </p:cSld>
+  <p:clrMapOvr>
+    <a:masterClrMapping/>
+  </p:clrMapOvr>
+</p:sld>
+</file>
+
+<file path=ppt/slides/slide11.xml><?xml version="1.0" encoding="utf-8"?>
+<p:sld xmlns:a="http://schemas.openxmlformats.org/drawingml/2006/main" xmlns:r="http://schemas.openxmlformats.org/officeDocument/2006/relationships" xmlns:p="http://schemas.openxmlformats.org/presentationml/2006/main">
+  <p:cSld>
+    <p:spTree>
+      <p:nvGrpSpPr>
+        <p:cNvPr id="1" name="">
+          <a:extLst>
+            <a:ext uri="{FF2B5EF4-FFF2-40B4-BE49-F238E27FC236}">
+              <a16:creationId xmlns:a16="http://schemas.microsoft.com/office/drawing/2014/main" id="{E9B72BA9-8C97-DBBB-D732-5C9EFDA425D1}"/>
+            </a:ext>
+          </a:extLst>
+        </p:cNvPr>
+        <p:cNvGrpSpPr/>
+        <p:nvPr/>
+      </p:nvGrpSpPr>
+      <p:grpSpPr>
+        <a:xfrm>
+          <a:off x="0" y="0"/>
+          <a:ext cx="0" cy="0"/>
+          <a:chOff x="0" y="0"/>
+          <a:chExt cx="0" cy="0"/>
+        </a:xfrm>
+      </p:grpSpPr>
+      <p:sp>
+        <p:nvSpPr>
+          <p:cNvPr id="4" name="文本框 3">
+            <a:extLst>
+              <a:ext uri="{FF2B5EF4-FFF2-40B4-BE49-F238E27FC236}">
+                <a16:creationId xmlns:a16="http://schemas.microsoft.com/office/drawing/2014/main" id="{247D21AE-C87F-9F00-90E7-4F582733E344}"/>
+              </a:ext>
+            </a:extLst>
+          </p:cNvPr>
+          <p:cNvSpPr txBox="1"/>
+          <p:nvPr/>
+        </p:nvSpPr>
+        <p:spPr>
+          <a:xfrm>
+            <a:off x="231530" y="181707"/>
+            <a:ext cx="3760177" cy="523220"/>
+          </a:xfrm>
+          <a:prstGeom prst="rect">
+            <a:avLst/>
+          </a:prstGeom>
+          <a:noFill/>
+        </p:spPr>
+        <p:txBody>
+          <a:bodyPr wrap="square" rtlCol="0">
+            <a:spAutoFit/>
+          </a:bodyPr>
+          <a:lstStyle/>
+          <a:p>
+            <a:r>
+              <a:rPr lang="en-US" altLang="zh-CN" sz="2800" dirty="0">
+                <a:latin typeface="Times New Roman" panose="02020603050405020304" pitchFamily="18" charset="0"/>
+                <a:ea typeface="宋体" panose="02010600030101010101" pitchFamily="2" charset="-122"/>
+                <a:cs typeface="Times New Roman" panose="02020603050405020304" pitchFamily="18" charset="0"/>
+              </a:rPr>
+              <a:t>road—spline.py</a:t>
+            </a:r>
+          </a:p>
+        </p:txBody>
+      </p:sp>
+      <p:sp>
+        <p:nvSpPr>
+          <p:cNvPr id="2" name="文本框 1">
+            <a:extLst>
+              <a:ext uri="{FF2B5EF4-FFF2-40B4-BE49-F238E27FC236}">
+                <a16:creationId xmlns:a16="http://schemas.microsoft.com/office/drawing/2014/main" id="{E5BF14C1-E428-7B1F-2219-34B3764DDCFD}"/>
+              </a:ext>
+            </a:extLst>
+          </p:cNvPr>
+          <p:cNvSpPr txBox="1"/>
+          <p:nvPr/>
+        </p:nvSpPr>
+        <p:spPr>
+          <a:xfrm>
+            <a:off x="231529" y="838200"/>
+            <a:ext cx="11884271" cy="6432530"/>
+          </a:xfrm>
+          <a:prstGeom prst="rect">
+            <a:avLst/>
+          </a:prstGeom>
+          <a:noFill/>
+        </p:spPr>
+        <p:txBody>
+          <a:bodyPr wrap="square" rtlCol="0">
+            <a:spAutoFit/>
+          </a:bodyPr>
+          <a:lstStyle/>
+          <a:p>
+            <a:r>
+              <a:rPr lang="en-US" altLang="zh-CN" sz="2800" dirty="0">
+                <a:latin typeface="Times New Roman" panose="02020603050405020304" pitchFamily="18" charset="0"/>
+                <a:ea typeface="宋体" panose="02010600030101010101" pitchFamily="2" charset="-122"/>
+                <a:cs typeface="Times New Roman" panose="02020603050405020304" pitchFamily="18" charset="0"/>
+              </a:rPr>
+              <a:t>Class LinearSpline2D</a:t>
+            </a:r>
+            <a:r>
+              <a:rPr lang="zh-CN" altLang="en-US" sz="2800" dirty="0">
+                <a:latin typeface="Times New Roman" panose="02020603050405020304" pitchFamily="18" charset="0"/>
+                <a:ea typeface="宋体" panose="02010600030101010101" pitchFamily="2" charset="-122"/>
+                <a:cs typeface="Times New Roman" panose="02020603050405020304" pitchFamily="18" charset="0"/>
+              </a:rPr>
+              <a:t>：</a:t>
+            </a:r>
+            <a:endParaRPr lang="en-US" altLang="zh-CN" sz="2800" dirty="0">
+              <a:latin typeface="Times New Roman" panose="02020603050405020304" pitchFamily="18" charset="0"/>
+              <a:ea typeface="宋体" panose="02010600030101010101" pitchFamily="2" charset="-122"/>
+              <a:cs typeface="Times New Roman" panose="02020603050405020304" pitchFamily="18" charset="0"/>
+            </a:endParaRPr>
+          </a:p>
+          <a:p>
+            <a:r>
+              <a:rPr lang="en-US" altLang="zh-CN" sz="2400" dirty="0">
+                <a:solidFill>
+                  <a:srgbClr val="FF0000"/>
+                </a:solidFill>
+                <a:latin typeface="Times New Roman" panose="02020603050405020304" pitchFamily="18" charset="0"/>
+                <a:ea typeface="宋体" panose="02010600030101010101" pitchFamily="2" charset="-122"/>
+                <a:cs typeface="Times New Roman" panose="02020603050405020304" pitchFamily="18" charset="0"/>
+              </a:rPr>
+              <a:t>def __init__(self, points: list[tuple[float, float]]):</a:t>
+            </a:r>
+          </a:p>
+          <a:p>
+            <a:r>
+              <a:rPr lang="zh-CN" altLang="en-US" sz="2400" dirty="0">
+                <a:latin typeface="Times New Roman" panose="02020603050405020304" pitchFamily="18" charset="0"/>
+                <a:ea typeface="宋体" panose="02010600030101010101" pitchFamily="2" charset="-122"/>
+                <a:cs typeface="Times New Roman" panose="02020603050405020304" pitchFamily="18" charset="0"/>
+              </a:rPr>
+              <a:t>初始化一系列的变量。</a:t>
+            </a:r>
+            <a:endParaRPr lang="en-US" altLang="zh-CN" sz="2400" dirty="0">
+              <a:latin typeface="Times New Roman" panose="02020603050405020304" pitchFamily="18" charset="0"/>
+              <a:ea typeface="宋体" panose="02010600030101010101" pitchFamily="2" charset="-122"/>
+              <a:cs typeface="Times New Roman" panose="02020603050405020304" pitchFamily="18" charset="0"/>
+            </a:endParaRPr>
+          </a:p>
+          <a:p>
+            <a:r>
+              <a:rPr lang="en-US" altLang="zh-CN" sz="2400" dirty="0">
+                <a:solidFill>
+                  <a:srgbClr val="FF0000"/>
+                </a:solidFill>
+                <a:latin typeface="Times New Roman" panose="02020603050405020304" pitchFamily="18" charset="0"/>
+                <a:ea typeface="宋体" panose="02010600030101010101" pitchFamily="2" charset="-122"/>
+                <a:cs typeface="Times New Roman" panose="02020603050405020304" pitchFamily="18" charset="0"/>
+              </a:rPr>
+              <a:t>def __call__(self, lon: float) -&gt; tuple[float, float]:</a:t>
+            </a:r>
+          </a:p>
+          <a:p>
+            <a:r>
+              <a:rPr lang="zh-CN" altLang="en-US" sz="2400" dirty="0">
+                <a:latin typeface="Times New Roman" panose="02020603050405020304" pitchFamily="18" charset="0"/>
+                <a:ea typeface="宋体" panose="02010600030101010101" pitchFamily="2" charset="-122"/>
+                <a:cs typeface="Times New Roman" panose="02020603050405020304" pitchFamily="18" charset="0"/>
+              </a:rPr>
+              <a:t>通过类的实例调用，返回对应长度的</a:t>
+            </a:r>
+            <a:r>
+              <a:rPr lang="en-US" altLang="zh-CN" sz="2400" dirty="0">
+                <a:latin typeface="Times New Roman" panose="02020603050405020304" pitchFamily="18" charset="0"/>
+                <a:ea typeface="宋体" panose="02010600030101010101" pitchFamily="2" charset="-122"/>
+                <a:cs typeface="Times New Roman" panose="02020603050405020304" pitchFamily="18" charset="0"/>
+              </a:rPr>
+              <a:t>x</a:t>
+            </a:r>
+            <a:r>
+              <a:rPr lang="zh-CN" altLang="en-US" sz="2400" dirty="0">
+                <a:latin typeface="Times New Roman" panose="02020603050405020304" pitchFamily="18" charset="0"/>
+                <a:ea typeface="宋体" panose="02010600030101010101" pitchFamily="2" charset="-122"/>
+                <a:cs typeface="Times New Roman" panose="02020603050405020304" pitchFamily="18" charset="0"/>
+              </a:rPr>
+              <a:t>和</a:t>
+            </a:r>
+            <a:r>
+              <a:rPr lang="en-US" altLang="zh-CN" sz="2400" dirty="0">
+                <a:latin typeface="Times New Roman" panose="02020603050405020304" pitchFamily="18" charset="0"/>
+                <a:ea typeface="宋体" panose="02010600030101010101" pitchFamily="2" charset="-122"/>
+                <a:cs typeface="Times New Roman" panose="02020603050405020304" pitchFamily="18" charset="0"/>
+              </a:rPr>
+              <a:t>y</a:t>
+            </a:r>
+            <a:r>
+              <a:rPr lang="zh-CN" altLang="en-US" sz="2400" dirty="0">
+                <a:latin typeface="Times New Roman" panose="02020603050405020304" pitchFamily="18" charset="0"/>
+                <a:ea typeface="宋体" panose="02010600030101010101" pitchFamily="2" charset="-122"/>
+                <a:cs typeface="Times New Roman" panose="02020603050405020304" pitchFamily="18" charset="0"/>
+              </a:rPr>
+              <a:t>坐标。</a:t>
+            </a:r>
+            <a:endParaRPr lang="en-US" altLang="zh-CN" sz="2400" dirty="0">
+              <a:latin typeface="Times New Roman" panose="02020603050405020304" pitchFamily="18" charset="0"/>
+              <a:ea typeface="宋体" panose="02010600030101010101" pitchFamily="2" charset="-122"/>
+              <a:cs typeface="Times New Roman" panose="02020603050405020304" pitchFamily="18" charset="0"/>
+            </a:endParaRPr>
+          </a:p>
+          <a:p>
+            <a:r>
+              <a:rPr lang="en-US" altLang="zh-CN" sz="2400" dirty="0">
+                <a:solidFill>
+                  <a:srgbClr val="FF0000"/>
+                </a:solidFill>
+                <a:latin typeface="Times New Roman" panose="02020603050405020304" pitchFamily="18" charset="0"/>
+                <a:ea typeface="宋体" panose="02010600030101010101" pitchFamily="2" charset="-122"/>
+                <a:cs typeface="Times New Roman" panose="02020603050405020304" pitchFamily="18" charset="0"/>
+              </a:rPr>
+              <a:t>def get_dx_dy(self, lon: float) -&gt; tuple[float, float]:</a:t>
+            </a:r>
+          </a:p>
+          <a:p>
+            <a:r>
+              <a:rPr lang="zh-CN" altLang="en-US" sz="2400" dirty="0">
+                <a:latin typeface="Times New Roman" panose="02020603050405020304" pitchFamily="18" charset="0"/>
+                <a:ea typeface="宋体" panose="02010600030101010101" pitchFamily="2" charset="-122"/>
+                <a:cs typeface="Times New Roman" panose="02020603050405020304" pitchFamily="18" charset="0"/>
+              </a:rPr>
+              <a:t>返回对应长度下取整对应点的法向量</a:t>
+            </a:r>
+            <a:endParaRPr lang="en-US" altLang="zh-CN" sz="2400" dirty="0">
+              <a:latin typeface="Times New Roman" panose="02020603050405020304" pitchFamily="18" charset="0"/>
+              <a:ea typeface="宋体" panose="02010600030101010101" pitchFamily="2" charset="-122"/>
+              <a:cs typeface="Times New Roman" panose="02020603050405020304" pitchFamily="18" charset="0"/>
+            </a:endParaRPr>
+          </a:p>
+          <a:p>
+            <a:r>
+              <a:rPr lang="en-US" altLang="zh-CN" sz="2400" dirty="0">
+                <a:solidFill>
+                  <a:srgbClr val="FF0000"/>
+                </a:solidFill>
+                <a:latin typeface="Times New Roman" panose="02020603050405020304" pitchFamily="18" charset="0"/>
+                <a:ea typeface="宋体" panose="02010600030101010101" pitchFamily="2" charset="-122"/>
+                <a:cs typeface="Times New Roman" panose="02020603050405020304" pitchFamily="18" charset="0"/>
+              </a:rPr>
+              <a:t>def cartesian_to_frenet(self, position: tuple[float, float]) -&gt; tuple[float, float]:</a:t>
+            </a:r>
+          </a:p>
+          <a:p>
+            <a:r>
+              <a:rPr lang="zh-CN" altLang="en-US" sz="2400" dirty="0">
+                <a:latin typeface="Times New Roman" panose="02020603050405020304" pitchFamily="18" charset="0"/>
+                <a:ea typeface="宋体" panose="02010600030101010101" pitchFamily="2" charset="-122"/>
+                <a:cs typeface="Times New Roman" panose="02020603050405020304" pitchFamily="18" charset="0"/>
+              </a:rPr>
+              <a:t>？笛卡尔坐标系到</a:t>
+            </a:r>
+            <a:r>
+              <a:rPr lang="en-US" altLang="zh-CN" sz="2400" dirty="0">
+                <a:latin typeface="Times New Roman" panose="02020603050405020304" pitchFamily="18" charset="0"/>
+                <a:ea typeface="宋体" panose="02010600030101010101" pitchFamily="2" charset="-122"/>
+                <a:cs typeface="Times New Roman" panose="02020603050405020304" pitchFamily="18" charset="0"/>
+              </a:rPr>
+              <a:t>Frenet</a:t>
+            </a:r>
+            <a:r>
+              <a:rPr lang="zh-CN" altLang="en-US" sz="2400" dirty="0">
+                <a:latin typeface="Times New Roman" panose="02020603050405020304" pitchFamily="18" charset="0"/>
+                <a:ea typeface="宋体" panose="02010600030101010101" pitchFamily="2" charset="-122"/>
+                <a:cs typeface="Times New Roman" panose="02020603050405020304" pitchFamily="18" charset="0"/>
+              </a:rPr>
+              <a:t>坐标系的转换到</a:t>
+            </a:r>
+            <a:endParaRPr lang="en-US" altLang="zh-CN" sz="2400" dirty="0">
+              <a:latin typeface="Times New Roman" panose="02020603050405020304" pitchFamily="18" charset="0"/>
+              <a:ea typeface="宋体" panose="02010600030101010101" pitchFamily="2" charset="-122"/>
+              <a:cs typeface="Times New Roman" panose="02020603050405020304" pitchFamily="18" charset="0"/>
+            </a:endParaRPr>
+          </a:p>
+          <a:p>
+            <a:r>
+              <a:rPr lang="en-US" altLang="zh-CN" sz="2400" dirty="0">
+                <a:solidFill>
+                  <a:srgbClr val="FF0000"/>
+                </a:solidFill>
+                <a:latin typeface="Times New Roman" panose="02020603050405020304" pitchFamily="18" charset="0"/>
+                <a:ea typeface="宋体" panose="02010600030101010101" pitchFamily="2" charset="-122"/>
+                <a:cs typeface="Times New Roman" panose="02020603050405020304" pitchFamily="18" charset="0"/>
+              </a:rPr>
+              <a:t>def frenet_to_cartesian(self, lon: float, lat: float) -&gt; tuple[float, float]:</a:t>
+            </a:r>
+          </a:p>
+          <a:p>
+            <a:r>
+              <a:rPr lang="zh-CN" altLang="en-US" sz="2400" dirty="0">
+                <a:latin typeface="Times New Roman" panose="02020603050405020304" pitchFamily="18" charset="0"/>
+                <a:ea typeface="宋体" panose="02010600030101010101" pitchFamily="2" charset="-122"/>
+                <a:cs typeface="Times New Roman" panose="02020603050405020304" pitchFamily="18" charset="0"/>
+              </a:rPr>
+              <a:t>？</a:t>
+            </a:r>
+            <a:r>
+              <a:rPr lang="en-US" altLang="zh-CN" sz="2400" dirty="0">
+                <a:latin typeface="Times New Roman" panose="02020603050405020304" pitchFamily="18" charset="0"/>
+                <a:ea typeface="宋体" panose="02010600030101010101" pitchFamily="2" charset="-122"/>
+                <a:cs typeface="Times New Roman" panose="02020603050405020304" pitchFamily="18" charset="0"/>
+              </a:rPr>
+              <a:t>Frenet</a:t>
+            </a:r>
+            <a:r>
+              <a:rPr lang="zh-CN" altLang="en-US" sz="2400" dirty="0">
+                <a:latin typeface="Times New Roman" panose="02020603050405020304" pitchFamily="18" charset="0"/>
+                <a:ea typeface="宋体" panose="02010600030101010101" pitchFamily="2" charset="-122"/>
+                <a:cs typeface="Times New Roman" panose="02020603050405020304" pitchFamily="18" charset="0"/>
+              </a:rPr>
+              <a:t>坐标系到笛卡尔坐标系 的转换</a:t>
+            </a:r>
+            <a:endParaRPr lang="en-US" altLang="zh-CN" sz="2400" dirty="0">
+              <a:latin typeface="Times New Roman" panose="02020603050405020304" pitchFamily="18" charset="0"/>
+              <a:ea typeface="宋体" panose="02010600030101010101" pitchFamily="2" charset="-122"/>
+              <a:cs typeface="Times New Roman" panose="02020603050405020304" pitchFamily="18" charset="0"/>
+            </a:endParaRPr>
+          </a:p>
+          <a:p>
+            <a:r>
+              <a:rPr lang="en-US" altLang="zh-CN" sz="2400" dirty="0">
+                <a:solidFill>
+                  <a:srgbClr val="FF0000"/>
+                </a:solidFill>
+                <a:latin typeface="Times New Roman" panose="02020603050405020304" pitchFamily="18" charset="0"/>
+                <a:ea typeface="宋体" panose="02010600030101010101" pitchFamily="2" charset="-122"/>
+                <a:cs typeface="Times New Roman" panose="02020603050405020304" pitchFamily="18" charset="0"/>
+              </a:rPr>
+              <a:t>def _get_idx_segment_for_lon(self, lon: float) -&gt; int:</a:t>
+            </a:r>
+          </a:p>
+          <a:p>
+            <a:r>
+              <a:rPr lang="zh-CN" altLang="en-US" sz="2400" dirty="0">
+                <a:latin typeface="Times New Roman" panose="02020603050405020304" pitchFamily="18" charset="0"/>
+                <a:ea typeface="宋体" panose="02010600030101010101" pitchFamily="2" charset="-122"/>
+                <a:cs typeface="Times New Roman" panose="02020603050405020304" pitchFamily="18" charset="0"/>
+              </a:rPr>
+              <a:t>返回</a:t>
+            </a:r>
+            <a:r>
+              <a:rPr lang="en-US" altLang="zh-CN" sz="2400" dirty="0">
+                <a:latin typeface="Times New Roman" panose="02020603050405020304" pitchFamily="18" charset="0"/>
+                <a:ea typeface="宋体" panose="02010600030101010101" pitchFamily="2" charset="-122"/>
+                <a:cs typeface="Times New Roman" panose="02020603050405020304" pitchFamily="18" charset="0"/>
+              </a:rPr>
+              <a:t>lon</a:t>
+            </a:r>
+            <a:r>
+              <a:rPr lang="zh-CN" altLang="en-US" sz="2400" dirty="0">
+                <a:latin typeface="Times New Roman" panose="02020603050405020304" pitchFamily="18" charset="0"/>
+                <a:ea typeface="宋体" panose="02010600030101010101" pitchFamily="2" charset="-122"/>
+                <a:cs typeface="Times New Roman" panose="02020603050405020304" pitchFamily="18" charset="0"/>
+              </a:rPr>
+              <a:t>下取整对应采样点在</a:t>
+            </a:r>
+            <a:r>
+              <a:rPr lang="en-US" altLang="zh-CN" sz="2400" dirty="0">
+                <a:latin typeface="Times New Roman" panose="02020603050405020304" pitchFamily="18" charset="0"/>
+                <a:ea typeface="宋体" panose="02010600030101010101" pitchFamily="2" charset="-122"/>
+                <a:cs typeface="Times New Roman" panose="02020603050405020304" pitchFamily="18" charset="0"/>
+              </a:rPr>
+              <a:t>s_sample</a:t>
+            </a:r>
+            <a:r>
+              <a:rPr lang="zh-CN" altLang="en-US" sz="2400" dirty="0">
+                <a:latin typeface="Times New Roman" panose="02020603050405020304" pitchFamily="18" charset="0"/>
+                <a:ea typeface="宋体" panose="02010600030101010101" pitchFamily="2" charset="-122"/>
+                <a:cs typeface="Times New Roman" panose="02020603050405020304" pitchFamily="18" charset="0"/>
+              </a:rPr>
+              <a:t>中的索引</a:t>
+            </a:r>
+            <a:endParaRPr lang="en-US" altLang="zh-CN" sz="2400" dirty="0">
+              <a:latin typeface="Times New Roman" panose="02020603050405020304" pitchFamily="18" charset="0"/>
+              <a:ea typeface="宋体" panose="02010600030101010101" pitchFamily="2" charset="-122"/>
+              <a:cs typeface="Times New Roman" panose="02020603050405020304" pitchFamily="18" charset="0"/>
+            </a:endParaRPr>
+          </a:p>
+          <a:p>
+            <a:r>
+              <a:rPr lang="en-US" altLang="zh-CN" sz="2400" dirty="0">
+                <a:solidFill>
+                  <a:srgbClr val="FF0000"/>
+                </a:solidFill>
+                <a:latin typeface="Times New Roman" panose="02020603050405020304" pitchFamily="18" charset="0"/>
+                <a:ea typeface="宋体" panose="02010600030101010101" pitchFamily="2" charset="-122"/>
+                <a:cs typeface="Times New Roman" panose="02020603050405020304" pitchFamily="18" charset="0"/>
+              </a:rPr>
+              <a:t>def sample_curve(x_curve, y_curve, length: float, CURVE_SAMPLE_DISTANCE=1):</a:t>
+            </a:r>
+          </a:p>
+          <a:p>
+            <a:r>
+              <a:rPr lang="zh-CN" altLang="en-US" sz="2400" dirty="0">
+                <a:latin typeface="Times New Roman" panose="02020603050405020304" pitchFamily="18" charset="0"/>
+                <a:ea typeface="宋体" panose="02010600030101010101" pitchFamily="2" charset="-122"/>
+                <a:cs typeface="Times New Roman" panose="02020603050405020304" pitchFamily="18" charset="0"/>
+              </a:rPr>
+              <a:t>根据指定的样本点间距，从长度</a:t>
+            </a:r>
+            <a:r>
+              <a:rPr lang="en-US" altLang="zh-CN" sz="2400" dirty="0">
+                <a:latin typeface="Times New Roman" panose="02020603050405020304" pitchFamily="18" charset="0"/>
+                <a:ea typeface="宋体" panose="02010600030101010101" pitchFamily="2" charset="-122"/>
+                <a:cs typeface="Times New Roman" panose="02020603050405020304" pitchFamily="18" charset="0"/>
+              </a:rPr>
+              <a:t>0</a:t>
+            </a:r>
+            <a:r>
+              <a:rPr lang="zh-CN" altLang="en-US" sz="2400" dirty="0">
+                <a:latin typeface="Times New Roman" panose="02020603050405020304" pitchFamily="18" charset="0"/>
+                <a:ea typeface="宋体" panose="02010600030101010101" pitchFamily="2" charset="-122"/>
+                <a:cs typeface="Times New Roman" panose="02020603050405020304" pitchFamily="18" charset="0"/>
+              </a:rPr>
+              <a:t>开始沿曲线生成等间距的弧长坐标，并计算每个样本点的具体位置和方向。返回采样点距起点的距离</a:t>
+            </a:r>
+            <a:r>
+              <a:rPr lang="en-US" altLang="zh-CN" sz="2400" dirty="0">
+                <a:latin typeface="Times New Roman" panose="02020603050405020304" pitchFamily="18" charset="0"/>
+                <a:ea typeface="宋体" panose="02010600030101010101" pitchFamily="2" charset="-122"/>
+                <a:cs typeface="Times New Roman" panose="02020603050405020304" pitchFamily="18" charset="0"/>
+              </a:rPr>
+              <a:t>s_values</a:t>
+            </a:r>
+            <a:r>
+              <a:rPr lang="zh-CN" altLang="en-US" sz="2400" dirty="0">
+                <a:latin typeface="Times New Roman" panose="02020603050405020304" pitchFamily="18" charset="0"/>
+                <a:ea typeface="宋体" panose="02010600030101010101" pitchFamily="2" charset="-122"/>
+                <a:cs typeface="Times New Roman" panose="02020603050405020304" pitchFamily="18" charset="0"/>
+              </a:rPr>
+              <a:t>和该采样点的位姿</a:t>
+            </a:r>
+            <a:r>
+              <a:rPr lang="en-US" altLang="zh-CN" sz="2400" dirty="0">
+                <a:latin typeface="Times New Roman" panose="02020603050405020304" pitchFamily="18" charset="0"/>
+                <a:ea typeface="宋体" panose="02010600030101010101" pitchFamily="2" charset="-122"/>
+                <a:cs typeface="Times New Roman" panose="02020603050405020304" pitchFamily="18" charset="0"/>
+              </a:rPr>
+              <a:t>poses</a:t>
+            </a:r>
+            <a:r>
+              <a:rPr lang="zh-CN" altLang="en-US" sz="2400" dirty="0">
+                <a:latin typeface="Times New Roman" panose="02020603050405020304" pitchFamily="18" charset="0"/>
+                <a:ea typeface="宋体" panose="02010600030101010101" pitchFamily="2" charset="-122"/>
+                <a:cs typeface="Times New Roman" panose="02020603050405020304" pitchFamily="18" charset="0"/>
+              </a:rPr>
+              <a:t>。</a:t>
+            </a:r>
+            <a:endParaRPr lang="en-US" altLang="zh-CN" sz="2400" dirty="0">
+              <a:latin typeface="Times New Roman" panose="02020603050405020304" pitchFamily="18" charset="0"/>
+              <a:ea typeface="宋体" panose="02010600030101010101" pitchFamily="2" charset="-122"/>
+              <a:cs typeface="Times New Roman" panose="02020603050405020304" pitchFamily="18" charset="0"/>
+            </a:endParaRPr>
+          </a:p>
+          <a:p>
+            <a:endParaRPr lang="en-US" altLang="zh-CN" sz="2400" dirty="0">
+              <a:latin typeface="Times New Roman" panose="02020603050405020304" pitchFamily="18" charset="0"/>
+              <a:ea typeface="宋体" panose="02010600030101010101" pitchFamily="2" charset="-122"/>
+              <a:cs typeface="Times New Roman" panose="02020603050405020304" pitchFamily="18" charset="0"/>
+            </a:endParaRPr>
+          </a:p>
+        </p:txBody>
+      </p:sp>
+    </p:spTree>
+    <p:extLst>
+      <p:ext uri="{BB962C8B-B14F-4D97-AF65-F5344CB8AC3E}">
+        <p14:creationId xmlns:p14="http://schemas.microsoft.com/office/powerpoint/2010/main" val="3138742476"/>
+      </p:ext>
+    </p:extLst>
+  </p:cSld>
+  <p:clrMapOvr>
+    <a:masterClrMapping/>
+  </p:clrMapOvr>
+</p:sld>
+</file>
+
+<file path=ppt/slides/slide12.xml><?xml version="1.0" encoding="utf-8"?>
+<p:sld xmlns:a="http://schemas.openxmlformats.org/drawingml/2006/main" xmlns:r="http://schemas.openxmlformats.org/officeDocument/2006/relationships" xmlns:p="http://schemas.openxmlformats.org/presentationml/2006/main">
+  <p:cSld>
+    <p:spTree>
+      <p:nvGrpSpPr>
+        <p:cNvPr id="1" name="">
+          <a:extLst>
+            <a:ext uri="{FF2B5EF4-FFF2-40B4-BE49-F238E27FC236}">
               <a16:creationId xmlns:a16="http://schemas.microsoft.com/office/drawing/2014/main" id="{4B2CC4CC-3ED1-610A-AA59-F1AFFBB5566C}"/>
             </a:ext>
           </a:extLst>
@@ -4002,7 +4818,7 @@
 </p:sld>
 </file>
 
-<file path=ppt/slides/slide11.xml><?xml version="1.0" encoding="utf-8"?>
+<file path=ppt/slides/slide13.xml><?xml version="1.0" encoding="utf-8"?>
 <p:sld xmlns:a="http://schemas.openxmlformats.org/drawingml/2006/main" xmlns:r="http://schemas.openxmlformats.org/officeDocument/2006/relationships" xmlns:p="http://schemas.openxmlformats.org/presentationml/2006/main">
   <p:cSld>
     <p:spTree>
@@ -4039,8 +4855,8 @@
         </p:nvSpPr>
         <p:spPr>
           <a:xfrm>
-            <a:off x="231530" y="181707"/>
-            <a:ext cx="3760177" cy="523220"/>
+            <a:off x="846992" y="5730618"/>
+            <a:ext cx="5275384" cy="523220"/>
           </a:xfrm>
           <a:prstGeom prst="rect">
             <a:avLst/>
@@ -4054,13 +4870,18 @@
           <a:lstStyle/>
           <a:p>
             <a:r>
-              <a:rPr lang="en-US" altLang="zh-CN" sz="2800" dirty="0">
-                <a:latin typeface="Times New Roman" panose="02020603050405020304" pitchFamily="18" charset="0"/>
-                <a:ea typeface="宋体" panose="02010600030101010101" pitchFamily="2" charset="-122"/>
-                <a:cs typeface="Times New Roman" panose="02020603050405020304" pitchFamily="18" charset="0"/>
-              </a:rPr>
-              <a:t>road—lane.py</a:t>
-            </a:r>
+              <a:rPr lang="zh-CN" altLang="en-US" sz="2800" dirty="0">
+                <a:latin typeface="Times New Roman" panose="02020603050405020304" pitchFamily="18" charset="0"/>
+                <a:ea typeface="宋体" panose="02010600030101010101" pitchFamily="2" charset="-122"/>
+                <a:cs typeface="Times New Roman" panose="02020603050405020304" pitchFamily="18" charset="0"/>
+              </a:rPr>
+              <a:t>红色部分的函数需要子类实现</a:t>
+            </a:r>
+            <a:endParaRPr lang="en-US" altLang="zh-CN" sz="2800" dirty="0">
+              <a:latin typeface="Times New Roman" panose="02020603050405020304" pitchFamily="18" charset="0"/>
+              <a:ea typeface="宋体" panose="02010600030101010101" pitchFamily="2" charset="-122"/>
+              <a:cs typeface="Times New Roman" panose="02020603050405020304" pitchFamily="18" charset="0"/>
+            </a:endParaRPr>
           </a:p>
         </p:txBody>
       </p:sp>
@@ -4079,13 +4900,13 @@
           <p:nvPr>
             <p:extLst>
               <p:ext uri="{D42A27DB-BD31-4B8C-83A1-F6EECF244321}">
-                <p14:modId xmlns:p14="http://schemas.microsoft.com/office/powerpoint/2010/main" val="2404983253"/>
+                <p14:modId xmlns:p14="http://schemas.microsoft.com/office/powerpoint/2010/main" val="4031786525"/>
               </p:ext>
             </p:extLst>
           </p:nvPr>
         </p:nvGraphicFramePr>
         <p:xfrm>
-          <a:off x="134816" y="1528559"/>
+          <a:off x="206982" y="1066392"/>
           <a:ext cx="6506308" cy="4455160"/>
         </p:xfrm>
         <a:graphic>
@@ -4109,18 +4930,34 @@
                     <a:p>
                       <a:pPr algn="ctr"/>
                       <a:r>
-                        <a:rPr lang="en-US" altLang="zh-CN" dirty="0"/>
+                        <a:rPr lang="en-US" altLang="zh-CN" dirty="0">
+                          <a:latin typeface="Times New Roman" panose="02020603050405020304" pitchFamily="18" charset="0"/>
+                          <a:ea typeface="宋体" panose="02010600030101010101" pitchFamily="2" charset="-122"/>
+                          <a:cs typeface="Times New Roman" panose="02020603050405020304" pitchFamily="18" charset="0"/>
+                        </a:rPr>
                         <a:t>AbstractLane (</a:t>
                       </a:r>
                       <a:r>
-                        <a:rPr lang="zh-CN" altLang="en-US" dirty="0"/>
+                        <a:rPr lang="zh-CN" altLang="en-US" dirty="0">
+                          <a:latin typeface="Times New Roman" panose="02020603050405020304" pitchFamily="18" charset="0"/>
+                          <a:ea typeface="宋体" panose="02010600030101010101" pitchFamily="2" charset="-122"/>
+                          <a:cs typeface="Times New Roman" panose="02020603050405020304" pitchFamily="18" charset="0"/>
+                        </a:rPr>
                         <a:t>抽象类</a:t>
                       </a:r>
                       <a:r>
-                        <a:rPr lang="en-US" altLang="zh-CN" dirty="0"/>
+                        <a:rPr lang="en-US" altLang="zh-CN" dirty="0">
+                          <a:latin typeface="Times New Roman" panose="02020603050405020304" pitchFamily="18" charset="0"/>
+                          <a:ea typeface="宋体" panose="02010600030101010101" pitchFamily="2" charset="-122"/>
+                          <a:cs typeface="Times New Roman" panose="02020603050405020304" pitchFamily="18" charset="0"/>
+                        </a:rPr>
                         <a:t>)</a:t>
                       </a:r>
-                      <a:endParaRPr lang="zh-CN" altLang="en-US" dirty="0"/>
+                      <a:endParaRPr lang="zh-CN" altLang="en-US" dirty="0">
+                        <a:latin typeface="Times New Roman" panose="02020603050405020304" pitchFamily="18" charset="0"/>
+                        <a:ea typeface="宋体" panose="02010600030101010101" pitchFamily="2" charset="-122"/>
+                        <a:cs typeface="Times New Roman" panose="02020603050405020304" pitchFamily="18" charset="0"/>
+                      </a:endParaRPr>
                     </a:p>
                   </a:txBody>
                   <a:tcPr anchor="ctr"/>
@@ -4148,7 +4985,19 @@
                           <a:ea typeface="+mn-ea"/>
                           <a:cs typeface="+mn-cs"/>
                         </a:rPr>
-                        <a:t>  DEFAULT_WIDTH: float = 4</a:t>
+                        <a:t>  </a:t>
+                      </a:r>
+                      <a:r>
+                        <a:rPr lang="en-US" altLang="zh-CN" sz="1600" b="0" kern="1200" dirty="0">
+                          <a:solidFill>
+                            <a:schemeClr val="tx1"/>
+                          </a:solidFill>
+                          <a:effectLst/>
+                          <a:latin typeface="Times New Roman" panose="02020603050405020304" pitchFamily="18" charset="0"/>
+                          <a:ea typeface="+mn-ea"/>
+                          <a:cs typeface="Times New Roman" panose="02020603050405020304" pitchFamily="18" charset="0"/>
+                        </a:rPr>
+                        <a:t>DEFAULT_WIDTH: float = 4</a:t>
                       </a:r>
                     </a:p>
                     <a:p>
@@ -4159,9 +5008,9 @@
                             <a:schemeClr val="tx1"/>
                           </a:solidFill>
                           <a:effectLst/>
-                          <a:latin typeface="+mn-lt"/>
+                          <a:latin typeface="Times New Roman" panose="02020603050405020304" pitchFamily="18" charset="0"/>
                           <a:ea typeface="+mn-ea"/>
-                          <a:cs typeface="+mn-cs"/>
+                          <a:cs typeface="Times New Roman" panose="02020603050405020304" pitchFamily="18" charset="0"/>
                         </a:rPr>
                         <a:t>  VEHICLE_LENGTH: float = 5</a:t>
                       </a:r>
@@ -4174,9 +5023,9 @@
                             <a:schemeClr val="tx1"/>
                           </a:solidFill>
                           <a:effectLst/>
-                          <a:latin typeface="+mn-lt"/>
+                          <a:latin typeface="Times New Roman" panose="02020603050405020304" pitchFamily="18" charset="0"/>
                           <a:ea typeface="+mn-ea"/>
-                          <a:cs typeface="+mn-cs"/>
+                          <a:cs typeface="Times New Roman" panose="02020603050405020304" pitchFamily="18" charset="0"/>
                         </a:rPr>
                         <a:t>  length: float = 0</a:t>
                       </a:r>
@@ -4189,9 +5038,9 @@
                             <a:schemeClr val="tx1"/>
                           </a:solidFill>
                           <a:effectLst/>
-                          <a:latin typeface="+mn-lt"/>
+                          <a:latin typeface="Times New Roman" panose="02020603050405020304" pitchFamily="18" charset="0"/>
                           <a:ea typeface="+mn-ea"/>
-                          <a:cs typeface="+mn-cs"/>
+                          <a:cs typeface="Times New Roman" panose="02020603050405020304" pitchFamily="18" charset="0"/>
                         </a:rPr>
                         <a:t>  line_types: list[LineType]</a:t>
                       </a:r>
@@ -4200,9 +5049,9 @@
                           <a:schemeClr val="tx1"/>
                         </a:solidFill>
                         <a:effectLst/>
-                        <a:latin typeface="+mn-lt"/>
+                        <a:latin typeface="Times New Roman" panose="02020603050405020304" pitchFamily="18" charset="0"/>
                         <a:ea typeface="+mn-ea"/>
-                        <a:cs typeface="+mn-cs"/>
+                        <a:cs typeface="Times New Roman" panose="02020603050405020304" pitchFamily="18" charset="0"/>
                       </a:endParaRPr>
                     </a:p>
                   </a:txBody>
@@ -4238,24 +5087,16 @@
                         <a:defRPr/>
                       </a:pPr>
                       <a:r>
-                        <a:rPr lang="en-US" altLang="zh-CN" sz="1600" dirty="0">
+                        <a:rPr lang="en-US" altLang="zh-CN" sz="1600" b="0" kern="1200" dirty="0">
                           <a:solidFill>
                             <a:srgbClr val="FF0000"/>
                           </a:solidFill>
-                        </a:rPr>
-                        <a:t>+ </a:t>
-                      </a:r>
-                      <a:r>
-                        <a:rPr lang="en-US" altLang="zh-CN" sz="1600" b="0" kern="1200" dirty="0">
-                          <a:solidFill>
-                            <a:srgbClr val="FF0000"/>
-                          </a:solidFill>
-                          <a:effectLst/>
-                          <a:latin typeface="+mn-lt"/>
+                          <a:effectLst/>
+                          <a:latin typeface="Times New Roman" panose="02020603050405020304" pitchFamily="18" charset="0"/>
                           <a:ea typeface="+mn-ea"/>
-                          <a:cs typeface="+mn-cs"/>
-                        </a:rPr>
-                        <a:t>position(self, longitudinal: float, lateral: float) -&gt; np.ndarray</a:t>
+                          <a:cs typeface="Times New Roman" panose="02020603050405020304" pitchFamily="18" charset="0"/>
+                        </a:rPr>
+                        <a:t>+ position(self, longitudinal: float, lateral: float) -&gt; np.ndarray</a:t>
                       </a:r>
                     </a:p>
                     <a:p>
@@ -4282,9 +5123,9 @@
                             <a:srgbClr val="FF0000"/>
                           </a:solidFill>
                           <a:effectLst/>
-                          <a:latin typeface="+mn-lt"/>
+                          <a:latin typeface="Times New Roman" panose="02020603050405020304" pitchFamily="18" charset="0"/>
                           <a:ea typeface="+mn-ea"/>
-                          <a:cs typeface="+mn-cs"/>
+                          <a:cs typeface="Times New Roman" panose="02020603050405020304" pitchFamily="18" charset="0"/>
                         </a:rPr>
                         <a:t>+ local_coordinates(self, position: np.ndarray) -&gt; tuple[float, float]</a:t>
                       </a:r>
@@ -4313,9 +5154,9 @@
                             <a:srgbClr val="FF0000"/>
                           </a:solidFill>
                           <a:effectLst/>
-                          <a:latin typeface="+mn-lt"/>
+                          <a:latin typeface="Times New Roman" panose="02020603050405020304" pitchFamily="18" charset="0"/>
                           <a:ea typeface="+mn-ea"/>
-                          <a:cs typeface="+mn-cs"/>
+                          <a:cs typeface="Times New Roman" panose="02020603050405020304" pitchFamily="18" charset="0"/>
                         </a:rPr>
                         <a:t>+ heading_at(self, longitudinal: float) -&gt; float</a:t>
                       </a:r>
@@ -4344,9 +5185,9 @@
                             <a:srgbClr val="FF0000"/>
                           </a:solidFill>
                           <a:effectLst/>
-                          <a:latin typeface="+mn-lt"/>
+                          <a:latin typeface="Times New Roman" panose="02020603050405020304" pitchFamily="18" charset="0"/>
                           <a:ea typeface="+mn-ea"/>
-                          <a:cs typeface="+mn-cs"/>
+                          <a:cs typeface="Times New Roman" panose="02020603050405020304" pitchFamily="18" charset="0"/>
                         </a:rPr>
                         <a:t>+ width_at(self, longitudinal: float) -&gt; float</a:t>
                       </a:r>
@@ -4375,9 +5216,9 @@
                             <a:srgbClr val="FF0000"/>
                           </a:solidFill>
                           <a:effectLst/>
-                          <a:latin typeface="+mn-lt"/>
+                          <a:latin typeface="Times New Roman" panose="02020603050405020304" pitchFamily="18" charset="0"/>
                           <a:ea typeface="+mn-ea"/>
-                          <a:cs typeface="+mn-cs"/>
+                          <a:cs typeface="Times New Roman" panose="02020603050405020304" pitchFamily="18" charset="0"/>
                         </a:rPr>
                         <a:t>+ from_config(cls, config: dict)</a:t>
                       </a:r>
@@ -4406,9 +5247,9 @@
                             <a:srgbClr val="FF0000"/>
                           </a:solidFill>
                           <a:effectLst/>
-                          <a:latin typeface="+mn-lt"/>
+                          <a:latin typeface="Times New Roman" panose="02020603050405020304" pitchFamily="18" charset="0"/>
                           <a:ea typeface="+mn-ea"/>
-                          <a:cs typeface="+mn-cs"/>
+                          <a:cs typeface="Times New Roman" panose="02020603050405020304" pitchFamily="18" charset="0"/>
                         </a:rPr>
                         <a:t>+ to_config(self) -&gt; dict</a:t>
                       </a:r>
@@ -4437,9 +5278,9 @@
                             <a:schemeClr val="tx1"/>
                           </a:solidFill>
                           <a:effectLst/>
-                          <a:latin typeface="+mn-lt"/>
+                          <a:latin typeface="Times New Roman" panose="02020603050405020304" pitchFamily="18" charset="0"/>
                           <a:ea typeface="+mn-ea"/>
-                          <a:cs typeface="+mn-cs"/>
+                          <a:cs typeface="Times New Roman" panose="02020603050405020304" pitchFamily="18" charset="0"/>
                         </a:rPr>
                         <a:t>+ on_lane(…)-&gt; bool:</a:t>
                       </a:r>
@@ -4468,35 +5309,11 @@
                             <a:schemeClr val="tx1"/>
                           </a:solidFill>
                           <a:effectLst/>
-                          <a:latin typeface="+mn-lt"/>
+                          <a:latin typeface="Times New Roman" panose="02020603050405020304" pitchFamily="18" charset="0"/>
                           <a:ea typeface="+mn-ea"/>
-                          <a:cs typeface="+mn-cs"/>
-                        </a:rPr>
-                        <a:t>+ </a:t>
-                      </a:r>
-                      <a:r>
-                        <a:rPr lang="en-US" altLang="zh-CN" sz="1600" b="0" kern="1200" dirty="0" err="1">
-                          <a:solidFill>
-                            <a:schemeClr val="tx1"/>
-                          </a:solidFill>
-                          <a:effectLst/>
-                          <a:latin typeface="+mn-lt"/>
-                          <a:ea typeface="+mn-ea"/>
-                          <a:cs typeface="+mn-cs"/>
-                        </a:rPr>
-                        <a:t>is_reachable_from</a:t>
-                      </a:r>
-                      <a:r>
-                        <a:rPr lang="en-US" altLang="zh-CN" sz="1600" b="0" kern="1200" dirty="0">
-                          <a:solidFill>
-                            <a:schemeClr val="tx1"/>
-                          </a:solidFill>
-                          <a:effectLst/>
-                          <a:latin typeface="+mn-lt"/>
-                          <a:ea typeface="+mn-ea"/>
-                          <a:cs typeface="+mn-cs"/>
-                        </a:rPr>
-                        <a:t>(self, position: np.ndarray) -&gt; bool</a:t>
+                          <a:cs typeface="Times New Roman" panose="02020603050405020304" pitchFamily="18" charset="0"/>
+                        </a:rPr>
+                        <a:t>+ is_reachable_from(self, position: np.ndarray) -&gt; bool</a:t>
                       </a:r>
                     </a:p>
                     <a:p>
@@ -4523,35 +5340,11 @@
                             <a:schemeClr val="tx1"/>
                           </a:solidFill>
                           <a:effectLst/>
-                          <a:latin typeface="+mn-lt"/>
+                          <a:latin typeface="Times New Roman" panose="02020603050405020304" pitchFamily="18" charset="0"/>
                           <a:ea typeface="+mn-ea"/>
-                          <a:cs typeface="+mn-cs"/>
-                        </a:rPr>
-                        <a:t>+ </a:t>
-                      </a:r>
-                      <a:r>
-                        <a:rPr lang="en-US" altLang="zh-CN" sz="1600" b="0" kern="1200" dirty="0" err="1">
-                          <a:solidFill>
-                            <a:schemeClr val="tx1"/>
-                          </a:solidFill>
-                          <a:effectLst/>
-                          <a:latin typeface="+mn-lt"/>
-                          <a:ea typeface="+mn-ea"/>
-                          <a:cs typeface="+mn-cs"/>
-                        </a:rPr>
-                        <a:t>after_end</a:t>
-                      </a:r>
-                      <a:r>
-                        <a:rPr lang="en-US" altLang="zh-CN" sz="1600" b="0" kern="1200" dirty="0">
-                          <a:solidFill>
-                            <a:schemeClr val="tx1"/>
-                          </a:solidFill>
-                          <a:effectLst/>
-                          <a:latin typeface="+mn-lt"/>
-                          <a:ea typeface="+mn-ea"/>
-                          <a:cs typeface="+mn-cs"/>
-                        </a:rPr>
-                        <a:t>(…) -&gt; bool:</a:t>
+                          <a:cs typeface="Times New Roman" panose="02020603050405020304" pitchFamily="18" charset="0"/>
+                        </a:rPr>
+                        <a:t>+ after_end(…) -&gt; bool:</a:t>
                       </a:r>
                     </a:p>
                     <a:p>
@@ -4578,9 +5371,9 @@
                             <a:schemeClr val="tx1"/>
                           </a:solidFill>
                           <a:effectLst/>
-                          <a:latin typeface="+mn-lt"/>
+                          <a:latin typeface="Times New Roman" panose="02020603050405020304" pitchFamily="18" charset="0"/>
                           <a:ea typeface="+mn-ea"/>
-                          <a:cs typeface="+mn-cs"/>
+                          <a:cs typeface="Times New Roman" panose="02020603050405020304" pitchFamily="18" charset="0"/>
                         </a:rPr>
                         <a:t>+ distance(self, position: np.ndarray)</a:t>
                       </a:r>
@@ -4609,33 +5402,12 @@
                             <a:schemeClr val="tx1"/>
                           </a:solidFill>
                           <a:effectLst/>
-                          <a:latin typeface="+mn-lt"/>
+                          <a:latin typeface="Times New Roman" panose="02020603050405020304" pitchFamily="18" charset="0"/>
                           <a:ea typeface="+mn-ea"/>
-                          <a:cs typeface="+mn-cs"/>
-                        </a:rPr>
-                        <a:t>+ </a:t>
-                      </a:r>
-                      <a:r>
-                        <a:rPr lang="en-US" altLang="zh-CN" sz="1600" b="0" kern="1200" dirty="0" err="1">
-                          <a:solidFill>
-                            <a:schemeClr val="tx1"/>
-                          </a:solidFill>
-                          <a:effectLst/>
-                          <a:latin typeface="+mn-lt"/>
-                          <a:ea typeface="+mn-ea"/>
-                          <a:cs typeface="+mn-cs"/>
-                        </a:rPr>
-                        <a:t>distance_with_heading</a:t>
-                      </a:r>
-                      <a:endParaRPr lang="en-US" altLang="zh-CN" sz="1600" b="0" kern="1200" dirty="0">
-                        <a:solidFill>
-                          <a:schemeClr val="tx1"/>
-                        </a:solidFill>
-                        <a:effectLst/>
-                        <a:latin typeface="+mn-lt"/>
-                        <a:ea typeface="+mn-ea"/>
-                        <a:cs typeface="+mn-cs"/>
-                      </a:endParaRPr>
+                          <a:cs typeface="Times New Roman" panose="02020603050405020304" pitchFamily="18" charset="0"/>
+                        </a:rPr>
+                        <a:t>+ distance_with_heading()</a:t>
+                      </a:r>
                     </a:p>
                     <a:p>
                       <a:pPr marL="0" marR="0" lvl="0" indent="0" algn="l" defTabSz="914400" rtl="0" eaLnBrk="1" fontAlgn="auto" latinLnBrk="0" hangingPunct="1">
@@ -4661,59 +5433,11 @@
                             <a:schemeClr val="tx1"/>
                           </a:solidFill>
                           <a:effectLst/>
-                          <a:latin typeface="+mn-lt"/>
+                          <a:latin typeface="Times New Roman" panose="02020603050405020304" pitchFamily="18" charset="0"/>
                           <a:ea typeface="+mn-ea"/>
-                          <a:cs typeface="+mn-cs"/>
-                        </a:rPr>
-                        <a:t>+ </a:t>
-                      </a:r>
-                      <a:r>
-                        <a:rPr lang="en-US" altLang="zh-CN" sz="1600" b="0" kern="1200" dirty="0" err="1">
-                          <a:solidFill>
-                            <a:schemeClr val="tx1"/>
-                          </a:solidFill>
-                          <a:effectLst/>
-                          <a:latin typeface="+mn-lt"/>
-                          <a:ea typeface="+mn-ea"/>
-                          <a:cs typeface="+mn-cs"/>
-                        </a:rPr>
-                        <a:t>local_angle</a:t>
-                      </a:r>
-                      <a:r>
-                        <a:rPr lang="en-US" altLang="zh-CN" sz="1600" b="0" kern="1200" dirty="0">
-                          <a:solidFill>
-                            <a:schemeClr val="tx1"/>
-                          </a:solidFill>
-                          <a:effectLst/>
-                          <a:latin typeface="+mn-lt"/>
-                          <a:ea typeface="+mn-ea"/>
-                          <a:cs typeface="+mn-cs"/>
-                        </a:rPr>
-                        <a:t>(self, heading: float, </a:t>
-                      </a:r>
-                      <a:r>
-                        <a:rPr lang="en-US" altLang="zh-CN" sz="1600" b="0" kern="1200" dirty="0" err="1">
-                          <a:solidFill>
-                            <a:schemeClr val="tx1"/>
-                          </a:solidFill>
-                          <a:effectLst/>
-                          <a:latin typeface="+mn-lt"/>
-                          <a:ea typeface="+mn-ea"/>
-                          <a:cs typeface="+mn-cs"/>
-                        </a:rPr>
-                        <a:t>long_offset</a:t>
-                      </a:r>
-                      <a:r>
-                        <a:rPr lang="en-US" altLang="zh-CN" sz="1600" b="0" kern="1200" dirty="0">
-                          <a:solidFill>
-                            <a:schemeClr val="tx1"/>
-                          </a:solidFill>
-                          <a:effectLst/>
-                          <a:latin typeface="+mn-lt"/>
-                          <a:ea typeface="+mn-ea"/>
-                          <a:cs typeface="+mn-cs"/>
-                        </a:rPr>
-                        <a:t>: float)</a:t>
+                          <a:cs typeface="Times New Roman" panose="02020603050405020304" pitchFamily="18" charset="0"/>
+                        </a:rPr>
+                        <a:t>+ local_angle(self, heading: float, long_offset: float)</a:t>
                       </a:r>
                     </a:p>
                   </a:txBody>
@@ -4744,13 +5468,13 @@
           <p:nvPr>
             <p:extLst>
               <p:ext uri="{D42A27DB-BD31-4B8C-83A1-F6EECF244321}">
-                <p14:modId xmlns:p14="http://schemas.microsoft.com/office/powerpoint/2010/main" val="1528753947"/>
+                <p14:modId xmlns:p14="http://schemas.microsoft.com/office/powerpoint/2010/main" val="301846880"/>
               </p:ext>
             </p:extLst>
           </p:nvPr>
         </p:nvGraphicFramePr>
         <p:xfrm>
-          <a:off x="6641124" y="1528559"/>
+          <a:off x="6713290" y="1066392"/>
           <a:ext cx="5275384" cy="4455160"/>
         </p:xfrm>
         <a:graphic>
@@ -4774,18 +5498,12 @@
                     <a:p>
                       <a:pPr algn="ctr"/>
                       <a:r>
-                        <a:rPr lang="en-US" altLang="zh-CN" dirty="0"/>
-                        <a:t>AbstractLane (</a:t>
-                      </a:r>
-                      <a:r>
-                        <a:rPr lang="zh-CN" altLang="en-US" dirty="0"/>
-                        <a:t>抽象类</a:t>
-                      </a:r>
-                      <a:r>
-                        <a:rPr lang="en-US" altLang="zh-CN" dirty="0"/>
-                        <a:t>)</a:t>
-                      </a:r>
-                      <a:endParaRPr lang="zh-CN" altLang="en-US" dirty="0"/>
+                        <a:rPr lang="zh-CN" altLang="en-US" dirty="0">
+                          <a:latin typeface="宋体" panose="02010600030101010101" pitchFamily="2" charset="-122"/>
+                          <a:ea typeface="宋体" panose="02010600030101010101" pitchFamily="2" charset="-122"/>
+                        </a:rPr>
+                        <a:t>解释</a:t>
+                      </a:r>
                     </a:p>
                   </a:txBody>
                   <a:tcPr anchor="ctr"/>
@@ -5614,6 +6332,45 @@
           </a:graphicData>
         </a:graphic>
       </p:graphicFrame>
+      <p:sp>
+        <p:nvSpPr>
+          <p:cNvPr id="2" name="文本框 1">
+            <a:extLst>
+              <a:ext uri="{FF2B5EF4-FFF2-40B4-BE49-F238E27FC236}">
+                <a16:creationId xmlns:a16="http://schemas.microsoft.com/office/drawing/2014/main" id="{C8508ABF-BD10-34C7-C257-BA9513C9BDBD}"/>
+              </a:ext>
+            </a:extLst>
+          </p:cNvPr>
+          <p:cNvSpPr txBox="1"/>
+          <p:nvPr/>
+        </p:nvSpPr>
+        <p:spPr>
+          <a:xfrm>
+            <a:off x="383930" y="334107"/>
+            <a:ext cx="3760177" cy="523220"/>
+          </a:xfrm>
+          <a:prstGeom prst="rect">
+            <a:avLst/>
+          </a:prstGeom>
+          <a:noFill/>
+        </p:spPr>
+        <p:txBody>
+          <a:bodyPr wrap="square" rtlCol="0">
+            <a:spAutoFit/>
+          </a:bodyPr>
+          <a:lstStyle/>
+          <a:p>
+            <a:r>
+              <a:rPr lang="en-US" altLang="zh-CN" sz="2800" dirty="0">
+                <a:latin typeface="Times New Roman" panose="02020603050405020304" pitchFamily="18" charset="0"/>
+                <a:ea typeface="宋体" panose="02010600030101010101" pitchFamily="2" charset="-122"/>
+                <a:cs typeface="Times New Roman" panose="02020603050405020304" pitchFamily="18" charset="0"/>
+              </a:rPr>
+              <a:t>road—lane.py</a:t>
+            </a:r>
+          </a:p>
+        </p:txBody>
+      </p:sp>
     </p:spTree>
     <p:extLst>
       <p:ext uri="{BB962C8B-B14F-4D97-AF65-F5344CB8AC3E}">
@@ -5627,7 +6384,3461 @@
 </p:sld>
 </file>
 
-<file path=ppt/slides/slide12.xml><?xml version="1.0" encoding="utf-8"?>
+<file path=ppt/slides/slide14.xml><?xml version="1.0" encoding="utf-8"?>
+<p:sld xmlns:a="http://schemas.openxmlformats.org/drawingml/2006/main" xmlns:r="http://schemas.openxmlformats.org/officeDocument/2006/relationships" xmlns:p="http://schemas.openxmlformats.org/presentationml/2006/main">
+  <p:cSld>
+    <p:spTree>
+      <p:nvGrpSpPr>
+        <p:cNvPr id="1" name="">
+          <a:extLst>
+            <a:ext uri="{FF2B5EF4-FFF2-40B4-BE49-F238E27FC236}">
+              <a16:creationId xmlns:a16="http://schemas.microsoft.com/office/drawing/2014/main" id="{D5FDB9A6-0BDE-5946-9BC4-8DC4EA35EB26}"/>
+            </a:ext>
+          </a:extLst>
+        </p:cNvPr>
+        <p:cNvGrpSpPr/>
+        <p:nvPr/>
+      </p:nvGrpSpPr>
+      <p:grpSpPr>
+        <a:xfrm>
+          <a:off x="0" y="0"/>
+          <a:ext cx="0" cy="0"/>
+          <a:chOff x="0" y="0"/>
+          <a:chExt cx="0" cy="0"/>
+        </a:xfrm>
+      </p:grpSpPr>
+      <p:sp>
+        <p:nvSpPr>
+          <p:cNvPr id="4" name="文本框 3">
+            <a:extLst>
+              <a:ext uri="{FF2B5EF4-FFF2-40B4-BE49-F238E27FC236}">
+                <a16:creationId xmlns:a16="http://schemas.microsoft.com/office/drawing/2014/main" id="{DA622AF7-9265-D212-65B5-37ACA87A993A}"/>
+              </a:ext>
+            </a:extLst>
+          </p:cNvPr>
+          <p:cNvSpPr txBox="1"/>
+          <p:nvPr/>
+        </p:nvSpPr>
+        <p:spPr>
+          <a:xfrm>
+            <a:off x="231530" y="181707"/>
+            <a:ext cx="3760177" cy="523220"/>
+          </a:xfrm>
+          <a:prstGeom prst="rect">
+            <a:avLst/>
+          </a:prstGeom>
+          <a:noFill/>
+        </p:spPr>
+        <p:txBody>
+          <a:bodyPr wrap="square" rtlCol="0">
+            <a:spAutoFit/>
+          </a:bodyPr>
+          <a:lstStyle/>
+          <a:p>
+            <a:r>
+              <a:rPr lang="en-US" altLang="zh-CN" sz="2800" dirty="0">
+                <a:latin typeface="Times New Roman" panose="02020603050405020304" pitchFamily="18" charset="0"/>
+                <a:ea typeface="宋体" panose="02010600030101010101" pitchFamily="2" charset="-122"/>
+                <a:cs typeface="Times New Roman" panose="02020603050405020304" pitchFamily="18" charset="0"/>
+              </a:rPr>
+              <a:t>road—road.py</a:t>
+            </a:r>
+          </a:p>
+        </p:txBody>
+      </p:sp>
+      <p:graphicFrame>
+        <p:nvGraphicFramePr>
+          <p:cNvPr id="2" name="表格 1">
+            <a:extLst>
+              <a:ext uri="{FF2B5EF4-FFF2-40B4-BE49-F238E27FC236}">
+                <a16:creationId xmlns:a16="http://schemas.microsoft.com/office/drawing/2014/main" id="{09607587-8E8D-6229-1846-78B0030B8D4D}"/>
+              </a:ext>
+            </a:extLst>
+          </p:cNvPr>
+          <p:cNvGraphicFramePr>
+            <a:graphicFrameLocks noGrp="1"/>
+          </p:cNvGraphicFramePr>
+          <p:nvPr>
+            <p:extLst>
+              <p:ext uri="{D42A27DB-BD31-4B8C-83A1-F6EECF244321}">
+                <p14:modId xmlns:p14="http://schemas.microsoft.com/office/powerpoint/2010/main" val="3910686599"/>
+              </p:ext>
+            </p:extLst>
+          </p:nvPr>
+        </p:nvGraphicFramePr>
+        <p:xfrm>
+          <a:off x="206982" y="1066392"/>
+          <a:ext cx="5801056" cy="5674360"/>
+        </p:xfrm>
+        <a:graphic>
+          <a:graphicData uri="http://schemas.openxmlformats.org/drawingml/2006/table">
+            <a:tbl>
+              <a:tblPr firstRow="1" bandRow="1"/>
+              <a:tblGrid>
+                <a:gridCol w="5801056">
+                  <a:extLst>
+                    <a:ext uri="{9D8B030D-6E8A-4147-A177-3AD203B41FA5}">
+                      <a16:colId xmlns:a16="http://schemas.microsoft.com/office/drawing/2014/main" val="3867985458"/>
+                    </a:ext>
+                  </a:extLst>
+                </a:gridCol>
+              </a:tblGrid>
+              <a:tr h="370840">
+                <a:tc>
+                  <a:txBody>
+                    <a:bodyPr/>
+                    <a:lstStyle/>
+                    <a:p>
+                      <a:pPr algn="ctr"/>
+                      <a:r>
+                        <a:rPr lang="en-US" altLang="zh-CN" dirty="0">
+                          <a:latin typeface="Times New Roman" panose="02020603050405020304" pitchFamily="18" charset="0"/>
+                          <a:ea typeface="宋体" panose="02010600030101010101" pitchFamily="2" charset="-122"/>
+                          <a:cs typeface="Times New Roman" panose="02020603050405020304" pitchFamily="18" charset="0"/>
+                        </a:rPr>
+                        <a:t>RoadNetwork</a:t>
+                      </a:r>
+                      <a:endParaRPr lang="zh-CN" altLang="en-US" dirty="0">
+                        <a:latin typeface="Times New Roman" panose="02020603050405020304" pitchFamily="18" charset="0"/>
+                        <a:ea typeface="宋体" panose="02010600030101010101" pitchFamily="2" charset="-122"/>
+                        <a:cs typeface="Times New Roman" panose="02020603050405020304" pitchFamily="18" charset="0"/>
+                      </a:endParaRPr>
+                    </a:p>
+                  </a:txBody>
+                  <a:tcPr anchor="ctr"/>
+                </a:tc>
+                <a:extLst>
+                  <a:ext uri="{0D108BD9-81ED-4DB2-BD59-A6C34878D82A}">
+                    <a16:rowId xmlns:a16="http://schemas.microsoft.com/office/drawing/2014/main" val="1048727978"/>
+                  </a:ext>
+                </a:extLst>
+              </a:tr>
+              <a:tr h="370840">
+                <a:tc>
+                  <a:txBody>
+                    <a:bodyPr/>
+                    <a:lstStyle/>
+                    <a:p>
+                      <a:pPr algn="l"/>
+                      <a:r>
+                        <a:rPr lang="en-US" altLang="zh-CN" sz="1600" b="0" kern="1200" dirty="0">
+                          <a:solidFill>
+                            <a:schemeClr val="tx1"/>
+                          </a:solidFill>
+                          <a:effectLst/>
+                          <a:latin typeface="+mn-lt"/>
+                          <a:ea typeface="+mn-ea"/>
+                          <a:cs typeface="+mn-cs"/>
+                        </a:rPr>
+                        <a:t>  </a:t>
+                      </a:r>
+                      <a:r>
+                        <a:rPr lang="en-US" altLang="zh-CN" sz="1600" b="0" kern="1200" dirty="0">
+                          <a:solidFill>
+                            <a:schemeClr val="tx1"/>
+                          </a:solidFill>
+                          <a:effectLst/>
+                          <a:latin typeface="Times New Roman" panose="02020603050405020304" pitchFamily="18" charset="0"/>
+                          <a:ea typeface="+mn-ea"/>
+                          <a:cs typeface="Times New Roman" panose="02020603050405020304" pitchFamily="18" charset="0"/>
+                        </a:rPr>
+                        <a:t>graph: dict[str, dict[str, list[AbstractLane]]]</a:t>
+                      </a:r>
+                    </a:p>
+                    <a:p>
+                      <a:pPr algn="l"/>
+                      <a:endParaRPr lang="zh-CN" altLang="en-US" sz="1600" b="0" kern="1200" dirty="0">
+                        <a:solidFill>
+                          <a:schemeClr val="tx1"/>
+                        </a:solidFill>
+                        <a:effectLst/>
+                        <a:latin typeface="Times New Roman" panose="02020603050405020304" pitchFamily="18" charset="0"/>
+                        <a:ea typeface="+mn-ea"/>
+                        <a:cs typeface="Times New Roman" panose="02020603050405020304" pitchFamily="18" charset="0"/>
+                      </a:endParaRPr>
+                    </a:p>
+                  </a:txBody>
+                  <a:tcPr anchor="ctr"/>
+                </a:tc>
+                <a:extLst>
+                  <a:ext uri="{0D108BD9-81ED-4DB2-BD59-A6C34878D82A}">
+                    <a16:rowId xmlns:a16="http://schemas.microsoft.com/office/drawing/2014/main" val="2213804325"/>
+                  </a:ext>
+                </a:extLst>
+              </a:tr>
+              <a:tr h="370840">
+                <a:tc>
+                  <a:txBody>
+                    <a:bodyPr/>
+                    <a:lstStyle/>
+                    <a:p>
+                      <a:pPr marL="0" marR="0" lvl="0" indent="0" algn="l" defTabSz="914400" rtl="0" eaLnBrk="1" fontAlgn="auto" latinLnBrk="0" hangingPunct="1">
+                        <a:lnSpc>
+                          <a:spcPct val="100000"/>
+                        </a:lnSpc>
+                        <a:spcBef>
+                          <a:spcPts val="0"/>
+                        </a:spcBef>
+                        <a:spcAft>
+                          <a:spcPts val="0"/>
+                        </a:spcAft>
+                        <a:buClrTx/>
+                        <a:buSzTx/>
+                        <a:buFontTx/>
+                        <a:buNone/>
+                        <a:tabLst/>
+                        <a:defRPr/>
+                      </a:pPr>
+                      <a:r>
+                        <a:rPr lang="en-US" altLang="zh-CN" sz="1600" b="0" kern="1200" dirty="0">
+                          <a:solidFill>
+                            <a:schemeClr val="tx1"/>
+                          </a:solidFill>
+                          <a:effectLst/>
+                          <a:latin typeface="Times New Roman" panose="02020603050405020304" pitchFamily="18" charset="0"/>
+                          <a:ea typeface="+mn-ea"/>
+                          <a:cs typeface="Times New Roman" panose="02020603050405020304" pitchFamily="18" charset="0"/>
+                        </a:rPr>
+                        <a:t>+ add_lane(self, _from: str, _to: str, lane: AbstractLane) -&gt; None:</a:t>
+                      </a:r>
+                    </a:p>
+                    <a:p>
+                      <a:pPr marL="0" marR="0" lvl="0" indent="0" algn="l" defTabSz="914400" rtl="0" eaLnBrk="1" fontAlgn="auto" latinLnBrk="0" hangingPunct="1">
+                        <a:lnSpc>
+                          <a:spcPct val="100000"/>
+                        </a:lnSpc>
+                        <a:spcBef>
+                          <a:spcPts val="0"/>
+                        </a:spcBef>
+                        <a:spcAft>
+                          <a:spcPts val="0"/>
+                        </a:spcAft>
+                        <a:buClrTx/>
+                        <a:buSzTx/>
+                        <a:buFontTx/>
+                        <a:buNone/>
+                        <a:tabLst/>
+                        <a:defRPr/>
+                      </a:pPr>
+                      <a:r>
+                        <a:rPr lang="en-US" altLang="zh-CN" sz="1600" b="0" kern="1200" dirty="0">
+                          <a:solidFill>
+                            <a:schemeClr val="tx1"/>
+                          </a:solidFill>
+                          <a:effectLst/>
+                          <a:latin typeface="Times New Roman" panose="02020603050405020304" pitchFamily="18" charset="0"/>
+                          <a:ea typeface="+mn-ea"/>
+                          <a:cs typeface="Times New Roman" panose="02020603050405020304" pitchFamily="18" charset="0"/>
+                        </a:rPr>
+                        <a:t>+ </a:t>
+                      </a:r>
+                      <a:r>
+                        <a:rPr lang="en-US" altLang="zh-CN" sz="1600" b="0" kern="1200" dirty="0" err="1">
+                          <a:solidFill>
+                            <a:schemeClr val="tx1"/>
+                          </a:solidFill>
+                          <a:effectLst/>
+                          <a:latin typeface="Times New Roman" panose="02020603050405020304" pitchFamily="18" charset="0"/>
+                          <a:ea typeface="+mn-ea"/>
+                          <a:cs typeface="Times New Roman" panose="02020603050405020304" pitchFamily="18" charset="0"/>
+                        </a:rPr>
+                        <a:t>get_lane</a:t>
+                      </a:r>
+                      <a:r>
+                        <a:rPr lang="en-US" altLang="zh-CN" sz="1600" b="0" kern="1200" dirty="0">
+                          <a:solidFill>
+                            <a:schemeClr val="tx1"/>
+                          </a:solidFill>
+                          <a:effectLst/>
+                          <a:latin typeface="Times New Roman" panose="02020603050405020304" pitchFamily="18" charset="0"/>
+                          <a:ea typeface="+mn-ea"/>
+                          <a:cs typeface="Times New Roman" panose="02020603050405020304" pitchFamily="18" charset="0"/>
+                        </a:rPr>
+                        <a:t>(self, index: </a:t>
+                      </a:r>
+                      <a:r>
+                        <a:rPr lang="en-US" altLang="zh-CN" sz="1600" b="0" kern="1200" dirty="0" err="1">
+                          <a:solidFill>
+                            <a:schemeClr val="tx1"/>
+                          </a:solidFill>
+                          <a:effectLst/>
+                          <a:latin typeface="Times New Roman" panose="02020603050405020304" pitchFamily="18" charset="0"/>
+                          <a:ea typeface="+mn-ea"/>
+                          <a:cs typeface="Times New Roman" panose="02020603050405020304" pitchFamily="18" charset="0"/>
+                        </a:rPr>
+                        <a:t>LaneIndex</a:t>
+                      </a:r>
+                      <a:r>
+                        <a:rPr lang="en-US" altLang="zh-CN" sz="1600" b="0" kern="1200" dirty="0">
+                          <a:solidFill>
+                            <a:schemeClr val="tx1"/>
+                          </a:solidFill>
+                          <a:effectLst/>
+                          <a:latin typeface="Times New Roman" panose="02020603050405020304" pitchFamily="18" charset="0"/>
+                          <a:ea typeface="+mn-ea"/>
+                          <a:cs typeface="Times New Roman" panose="02020603050405020304" pitchFamily="18" charset="0"/>
+                        </a:rPr>
+                        <a:t>) -&gt; AbstractLane</a:t>
+                      </a:r>
+                    </a:p>
+                    <a:p>
+                      <a:pPr marL="0" marR="0" lvl="0" indent="0" algn="l" defTabSz="914400" rtl="0" eaLnBrk="1" fontAlgn="auto" latinLnBrk="0" hangingPunct="1">
+                        <a:lnSpc>
+                          <a:spcPct val="100000"/>
+                        </a:lnSpc>
+                        <a:spcBef>
+                          <a:spcPts val="0"/>
+                        </a:spcBef>
+                        <a:spcAft>
+                          <a:spcPts val="0"/>
+                        </a:spcAft>
+                        <a:buClrTx/>
+                        <a:buSzTx/>
+                        <a:buFontTx/>
+                        <a:buNone/>
+                        <a:tabLst/>
+                        <a:defRPr/>
+                      </a:pPr>
+                      <a:r>
+                        <a:rPr lang="en-US" altLang="zh-CN" sz="1600" b="0" kern="1200" dirty="0">
+                          <a:solidFill>
+                            <a:schemeClr val="tx1"/>
+                          </a:solidFill>
+                          <a:effectLst/>
+                          <a:latin typeface="Times New Roman" panose="02020603050405020304" pitchFamily="18" charset="0"/>
+                          <a:ea typeface="+mn-ea"/>
+                          <a:cs typeface="Times New Roman" panose="02020603050405020304" pitchFamily="18" charset="0"/>
+                        </a:rPr>
+                        <a:t>+ </a:t>
+                      </a:r>
+                      <a:r>
+                        <a:rPr lang="en-US" altLang="zh-CN" sz="1600" b="0" kern="1200" dirty="0" err="1">
+                          <a:solidFill>
+                            <a:schemeClr val="tx1"/>
+                          </a:solidFill>
+                          <a:effectLst/>
+                          <a:latin typeface="Times New Roman" panose="02020603050405020304" pitchFamily="18" charset="0"/>
+                          <a:ea typeface="+mn-ea"/>
+                          <a:cs typeface="Times New Roman" panose="02020603050405020304" pitchFamily="18" charset="0"/>
+                        </a:rPr>
+                        <a:t>get_closest_lane_index</a:t>
+                      </a:r>
+                      <a:r>
+                        <a:rPr lang="en-US" altLang="zh-CN" sz="1600" b="0" kern="1200" dirty="0">
+                          <a:solidFill>
+                            <a:schemeClr val="tx1"/>
+                          </a:solidFill>
+                          <a:effectLst/>
+                          <a:latin typeface="Times New Roman" panose="02020603050405020304" pitchFamily="18" charset="0"/>
+                          <a:ea typeface="+mn-ea"/>
+                          <a:cs typeface="Times New Roman" panose="02020603050405020304" pitchFamily="18" charset="0"/>
+                        </a:rPr>
+                        <a:t>(…) -&gt; </a:t>
+                      </a:r>
+                      <a:r>
+                        <a:rPr lang="en-US" altLang="zh-CN" sz="1600" b="0" kern="1200" dirty="0" err="1">
+                          <a:solidFill>
+                            <a:schemeClr val="tx1"/>
+                          </a:solidFill>
+                          <a:effectLst/>
+                          <a:latin typeface="Times New Roman" panose="02020603050405020304" pitchFamily="18" charset="0"/>
+                          <a:ea typeface="+mn-ea"/>
+                          <a:cs typeface="Times New Roman" panose="02020603050405020304" pitchFamily="18" charset="0"/>
+                        </a:rPr>
+                        <a:t>LaneIndex</a:t>
+                      </a:r>
+                      <a:endParaRPr lang="en-US" altLang="zh-CN" sz="1600" b="0" kern="1200" dirty="0">
+                        <a:solidFill>
+                          <a:schemeClr val="tx1"/>
+                        </a:solidFill>
+                        <a:effectLst/>
+                        <a:latin typeface="Times New Roman" panose="02020603050405020304" pitchFamily="18" charset="0"/>
+                        <a:ea typeface="+mn-ea"/>
+                        <a:cs typeface="Times New Roman" panose="02020603050405020304" pitchFamily="18" charset="0"/>
+                      </a:endParaRPr>
+                    </a:p>
+                    <a:p>
+                      <a:pPr marL="0" marR="0" lvl="0" indent="0" algn="l" defTabSz="914400" rtl="0" eaLnBrk="1" fontAlgn="auto" latinLnBrk="0" hangingPunct="1">
+                        <a:lnSpc>
+                          <a:spcPct val="100000"/>
+                        </a:lnSpc>
+                        <a:spcBef>
+                          <a:spcPts val="0"/>
+                        </a:spcBef>
+                        <a:spcAft>
+                          <a:spcPts val="0"/>
+                        </a:spcAft>
+                        <a:buClrTx/>
+                        <a:buSzTx/>
+                        <a:buFontTx/>
+                        <a:buNone/>
+                        <a:tabLst/>
+                        <a:defRPr/>
+                      </a:pPr>
+                      <a:r>
+                        <a:rPr lang="en-US" altLang="zh-CN" sz="1600" b="0" kern="1200" dirty="0">
+                          <a:solidFill>
+                            <a:schemeClr val="tx1"/>
+                          </a:solidFill>
+                          <a:effectLst/>
+                          <a:latin typeface="Times New Roman" panose="02020603050405020304" pitchFamily="18" charset="0"/>
+                          <a:ea typeface="+mn-ea"/>
+                          <a:cs typeface="Times New Roman" panose="02020603050405020304" pitchFamily="18" charset="0"/>
+                        </a:rPr>
+                        <a:t>+ </a:t>
+                      </a:r>
+                      <a:r>
+                        <a:rPr lang="en-US" altLang="zh-CN" sz="1600" b="0" kern="1200" dirty="0" err="1">
+                          <a:solidFill>
+                            <a:schemeClr val="tx1"/>
+                          </a:solidFill>
+                          <a:effectLst/>
+                          <a:latin typeface="Times New Roman" panose="02020603050405020304" pitchFamily="18" charset="0"/>
+                          <a:ea typeface="+mn-ea"/>
+                          <a:cs typeface="Times New Roman" panose="02020603050405020304" pitchFamily="18" charset="0"/>
+                        </a:rPr>
+                        <a:t>next_lane</a:t>
+                      </a:r>
+                      <a:r>
+                        <a:rPr lang="en-US" altLang="zh-CN" sz="1600" b="0" kern="1200" dirty="0">
+                          <a:solidFill>
+                            <a:schemeClr val="tx1"/>
+                          </a:solidFill>
+                          <a:effectLst/>
+                          <a:latin typeface="Times New Roman" panose="02020603050405020304" pitchFamily="18" charset="0"/>
+                          <a:ea typeface="+mn-ea"/>
+                          <a:cs typeface="Times New Roman" panose="02020603050405020304" pitchFamily="18" charset="0"/>
+                        </a:rPr>
+                        <a:t>(…) -&gt; </a:t>
+                      </a:r>
+                      <a:r>
+                        <a:rPr lang="en-US" altLang="zh-CN" sz="1600" b="0" kern="1200" dirty="0" err="1">
+                          <a:solidFill>
+                            <a:schemeClr val="tx1"/>
+                          </a:solidFill>
+                          <a:effectLst/>
+                          <a:latin typeface="Times New Roman" panose="02020603050405020304" pitchFamily="18" charset="0"/>
+                          <a:ea typeface="+mn-ea"/>
+                          <a:cs typeface="Times New Roman" panose="02020603050405020304" pitchFamily="18" charset="0"/>
+                        </a:rPr>
+                        <a:t>LaneIndex</a:t>
+                      </a:r>
+                      <a:endParaRPr lang="en-US" altLang="zh-CN" sz="1600" b="0" kern="1200" dirty="0">
+                        <a:solidFill>
+                          <a:schemeClr val="tx1"/>
+                        </a:solidFill>
+                        <a:effectLst/>
+                        <a:latin typeface="Times New Roman" panose="02020603050405020304" pitchFamily="18" charset="0"/>
+                        <a:ea typeface="+mn-ea"/>
+                        <a:cs typeface="Times New Roman" panose="02020603050405020304" pitchFamily="18" charset="0"/>
+                      </a:endParaRPr>
+                    </a:p>
+                    <a:p>
+                      <a:pPr marL="0" marR="0" lvl="0" indent="0" algn="l" defTabSz="914400" rtl="0" eaLnBrk="1" fontAlgn="auto" latinLnBrk="0" hangingPunct="1">
+                        <a:lnSpc>
+                          <a:spcPct val="100000"/>
+                        </a:lnSpc>
+                        <a:spcBef>
+                          <a:spcPts val="0"/>
+                        </a:spcBef>
+                        <a:spcAft>
+                          <a:spcPts val="0"/>
+                        </a:spcAft>
+                        <a:buClrTx/>
+                        <a:buSzTx/>
+                        <a:buFontTx/>
+                        <a:buNone/>
+                        <a:tabLst/>
+                        <a:defRPr/>
+                      </a:pPr>
+                      <a:r>
+                        <a:rPr lang="en-US" altLang="zh-CN" sz="1600" b="0" kern="1200" dirty="0">
+                          <a:solidFill>
+                            <a:schemeClr val="tx1"/>
+                          </a:solidFill>
+                          <a:effectLst/>
+                          <a:latin typeface="Times New Roman" panose="02020603050405020304" pitchFamily="18" charset="0"/>
+                          <a:ea typeface="+mn-ea"/>
+                          <a:cs typeface="Times New Roman" panose="02020603050405020304" pitchFamily="18" charset="0"/>
+                        </a:rPr>
+                        <a:t>+ </a:t>
+                      </a:r>
+                      <a:r>
+                        <a:rPr lang="en-US" altLang="zh-CN" sz="1600" b="0" kern="1200" dirty="0" err="1">
+                          <a:solidFill>
+                            <a:schemeClr val="tx1"/>
+                          </a:solidFill>
+                          <a:effectLst/>
+                          <a:latin typeface="Times New Roman" panose="02020603050405020304" pitchFamily="18" charset="0"/>
+                          <a:ea typeface="+mn-ea"/>
+                          <a:cs typeface="Times New Roman" panose="02020603050405020304" pitchFamily="18" charset="0"/>
+                        </a:rPr>
+                        <a:t>next_lane_given_next_road</a:t>
+                      </a:r>
+                      <a:r>
+                        <a:rPr lang="en-US" altLang="zh-CN" sz="1600" b="0" kern="1200" dirty="0">
+                          <a:solidFill>
+                            <a:schemeClr val="tx1"/>
+                          </a:solidFill>
+                          <a:effectLst/>
+                          <a:latin typeface="Times New Roman" panose="02020603050405020304" pitchFamily="18" charset="0"/>
+                          <a:ea typeface="+mn-ea"/>
+                          <a:cs typeface="Times New Roman" panose="02020603050405020304" pitchFamily="18" charset="0"/>
+                        </a:rPr>
+                        <a:t> -&gt; tuple[int, float]</a:t>
+                      </a:r>
+                    </a:p>
+                    <a:p>
+                      <a:pPr marL="0" marR="0" lvl="0" indent="0" algn="l" defTabSz="914400" rtl="0" eaLnBrk="1" fontAlgn="auto" latinLnBrk="0" hangingPunct="1">
+                        <a:lnSpc>
+                          <a:spcPct val="100000"/>
+                        </a:lnSpc>
+                        <a:spcBef>
+                          <a:spcPts val="0"/>
+                        </a:spcBef>
+                        <a:spcAft>
+                          <a:spcPts val="0"/>
+                        </a:spcAft>
+                        <a:buClrTx/>
+                        <a:buSzTx/>
+                        <a:buFontTx/>
+                        <a:buNone/>
+                        <a:tabLst/>
+                        <a:defRPr/>
+                      </a:pPr>
+                      <a:r>
+                        <a:rPr lang="en-US" altLang="zh-CN" sz="1600" b="0" kern="1200" dirty="0">
+                          <a:solidFill>
+                            <a:schemeClr val="tx1"/>
+                          </a:solidFill>
+                          <a:effectLst/>
+                          <a:latin typeface="Times New Roman" panose="02020603050405020304" pitchFamily="18" charset="0"/>
+                          <a:ea typeface="+mn-ea"/>
+                          <a:cs typeface="Times New Roman" panose="02020603050405020304" pitchFamily="18" charset="0"/>
+                        </a:rPr>
+                        <a:t>+ </a:t>
+                      </a:r>
+                      <a:r>
+                        <a:rPr lang="en-US" altLang="zh-CN" sz="1600" b="0" kern="1200" dirty="0" err="1">
+                          <a:solidFill>
+                            <a:schemeClr val="tx1"/>
+                          </a:solidFill>
+                          <a:effectLst/>
+                          <a:latin typeface="Times New Roman" panose="02020603050405020304" pitchFamily="18" charset="0"/>
+                          <a:ea typeface="+mn-ea"/>
+                          <a:cs typeface="Times New Roman" panose="02020603050405020304" pitchFamily="18" charset="0"/>
+                        </a:rPr>
+                        <a:t>bfs_paths</a:t>
+                      </a:r>
+                      <a:r>
+                        <a:rPr lang="en-US" altLang="zh-CN" sz="1600" b="0" kern="1200" dirty="0">
+                          <a:solidFill>
+                            <a:schemeClr val="tx1"/>
+                          </a:solidFill>
+                          <a:effectLst/>
+                          <a:latin typeface="Times New Roman" panose="02020603050405020304" pitchFamily="18" charset="0"/>
+                          <a:ea typeface="+mn-ea"/>
+                          <a:cs typeface="Times New Roman" panose="02020603050405020304" pitchFamily="18" charset="0"/>
+                        </a:rPr>
+                        <a:t>(self, start: str, goal: str) -&gt; list[list[str]]</a:t>
+                      </a:r>
+                    </a:p>
+                    <a:p>
+                      <a:pPr marL="0" marR="0" lvl="0" indent="0" algn="l" defTabSz="914400" rtl="0" eaLnBrk="1" fontAlgn="auto" latinLnBrk="0" hangingPunct="1">
+                        <a:lnSpc>
+                          <a:spcPct val="100000"/>
+                        </a:lnSpc>
+                        <a:spcBef>
+                          <a:spcPts val="0"/>
+                        </a:spcBef>
+                        <a:spcAft>
+                          <a:spcPts val="0"/>
+                        </a:spcAft>
+                        <a:buClrTx/>
+                        <a:buSzTx/>
+                        <a:buFontTx/>
+                        <a:buNone/>
+                        <a:tabLst/>
+                        <a:defRPr/>
+                      </a:pPr>
+                      <a:r>
+                        <a:rPr lang="en-US" altLang="zh-CN" sz="1600" b="0" kern="1200" dirty="0">
+                          <a:solidFill>
+                            <a:schemeClr val="tx1"/>
+                          </a:solidFill>
+                          <a:effectLst/>
+                          <a:latin typeface="Times New Roman" panose="02020603050405020304" pitchFamily="18" charset="0"/>
+                          <a:ea typeface="+mn-ea"/>
+                          <a:cs typeface="Times New Roman" panose="02020603050405020304" pitchFamily="18" charset="0"/>
+                        </a:rPr>
+                        <a:t>+ </a:t>
+                      </a:r>
+                      <a:r>
+                        <a:rPr lang="en-US" altLang="zh-CN" sz="1600" b="0" kern="1200" dirty="0" err="1">
+                          <a:solidFill>
+                            <a:schemeClr val="tx1"/>
+                          </a:solidFill>
+                          <a:effectLst/>
+                          <a:latin typeface="Times New Roman" panose="02020603050405020304" pitchFamily="18" charset="0"/>
+                          <a:ea typeface="+mn-ea"/>
+                          <a:cs typeface="Times New Roman" panose="02020603050405020304" pitchFamily="18" charset="0"/>
+                        </a:rPr>
+                        <a:t>shortest_path</a:t>
+                      </a:r>
+                      <a:r>
+                        <a:rPr lang="en-US" altLang="zh-CN" sz="1600" b="0" kern="1200" dirty="0">
+                          <a:solidFill>
+                            <a:schemeClr val="tx1"/>
+                          </a:solidFill>
+                          <a:effectLst/>
+                          <a:latin typeface="Times New Roman" panose="02020603050405020304" pitchFamily="18" charset="0"/>
+                          <a:ea typeface="+mn-ea"/>
+                          <a:cs typeface="Times New Roman" panose="02020603050405020304" pitchFamily="18" charset="0"/>
+                        </a:rPr>
+                        <a:t>(self, start: str, goal: str) -&gt; list[str]</a:t>
+                      </a:r>
+                    </a:p>
+                    <a:p>
+                      <a:pPr marL="0" marR="0" lvl="0" indent="0" algn="l" defTabSz="914400" rtl="0" eaLnBrk="1" fontAlgn="auto" latinLnBrk="0" hangingPunct="1">
+                        <a:lnSpc>
+                          <a:spcPct val="100000"/>
+                        </a:lnSpc>
+                        <a:spcBef>
+                          <a:spcPts val="0"/>
+                        </a:spcBef>
+                        <a:spcAft>
+                          <a:spcPts val="0"/>
+                        </a:spcAft>
+                        <a:buClrTx/>
+                        <a:buSzTx/>
+                        <a:buFontTx/>
+                        <a:buNone/>
+                        <a:tabLst/>
+                        <a:defRPr/>
+                      </a:pPr>
+                      <a:r>
+                        <a:rPr lang="en-US" altLang="zh-CN" sz="1600" b="0" kern="1200" dirty="0">
+                          <a:solidFill>
+                            <a:schemeClr val="tx1"/>
+                          </a:solidFill>
+                          <a:effectLst/>
+                          <a:latin typeface="Times New Roman" panose="02020603050405020304" pitchFamily="18" charset="0"/>
+                          <a:ea typeface="+mn-ea"/>
+                          <a:cs typeface="Times New Roman" panose="02020603050405020304" pitchFamily="18" charset="0"/>
+                        </a:rPr>
+                        <a:t>+ </a:t>
+                      </a:r>
+                      <a:r>
+                        <a:rPr lang="en-US" altLang="zh-CN" sz="1600" b="0" kern="1200" dirty="0" err="1">
+                          <a:solidFill>
+                            <a:schemeClr val="tx1"/>
+                          </a:solidFill>
+                          <a:effectLst/>
+                          <a:latin typeface="Times New Roman" panose="02020603050405020304" pitchFamily="18" charset="0"/>
+                          <a:ea typeface="+mn-ea"/>
+                          <a:cs typeface="Times New Roman" panose="02020603050405020304" pitchFamily="18" charset="0"/>
+                        </a:rPr>
+                        <a:t>all_side_lanes</a:t>
+                      </a:r>
+                      <a:r>
+                        <a:rPr lang="en-US" altLang="zh-CN" sz="1600" b="0" kern="1200" dirty="0">
+                          <a:solidFill>
+                            <a:schemeClr val="tx1"/>
+                          </a:solidFill>
+                          <a:effectLst/>
+                          <a:latin typeface="Times New Roman" panose="02020603050405020304" pitchFamily="18" charset="0"/>
+                          <a:ea typeface="+mn-ea"/>
+                          <a:cs typeface="Times New Roman" panose="02020603050405020304" pitchFamily="18" charset="0"/>
+                        </a:rPr>
+                        <a:t>(self, </a:t>
+                      </a:r>
+                      <a:r>
+                        <a:rPr lang="en-US" altLang="zh-CN" sz="1600" b="0" kern="1200" dirty="0" err="1">
+                          <a:solidFill>
+                            <a:schemeClr val="tx1"/>
+                          </a:solidFill>
+                          <a:effectLst/>
+                          <a:latin typeface="Times New Roman" panose="02020603050405020304" pitchFamily="18" charset="0"/>
+                          <a:ea typeface="+mn-ea"/>
+                          <a:cs typeface="Times New Roman" panose="02020603050405020304" pitchFamily="18" charset="0"/>
+                        </a:rPr>
+                        <a:t>lane_index</a:t>
+                      </a:r>
+                      <a:r>
+                        <a:rPr lang="en-US" altLang="zh-CN" sz="1600" b="0" kern="1200" dirty="0">
+                          <a:solidFill>
+                            <a:schemeClr val="tx1"/>
+                          </a:solidFill>
+                          <a:effectLst/>
+                          <a:latin typeface="Times New Roman" panose="02020603050405020304" pitchFamily="18" charset="0"/>
+                          <a:ea typeface="+mn-ea"/>
+                          <a:cs typeface="Times New Roman" panose="02020603050405020304" pitchFamily="18" charset="0"/>
+                        </a:rPr>
+                        <a:t>: </a:t>
+                      </a:r>
+                      <a:r>
+                        <a:rPr lang="en-US" altLang="zh-CN" sz="1600" b="0" kern="1200" dirty="0" err="1">
+                          <a:solidFill>
+                            <a:schemeClr val="tx1"/>
+                          </a:solidFill>
+                          <a:effectLst/>
+                          <a:latin typeface="Times New Roman" panose="02020603050405020304" pitchFamily="18" charset="0"/>
+                          <a:ea typeface="+mn-ea"/>
+                          <a:cs typeface="Times New Roman" panose="02020603050405020304" pitchFamily="18" charset="0"/>
+                        </a:rPr>
+                        <a:t>LaneIndex</a:t>
+                      </a:r>
+                      <a:r>
+                        <a:rPr lang="en-US" altLang="zh-CN" sz="1600" b="0" kern="1200" dirty="0">
+                          <a:solidFill>
+                            <a:schemeClr val="tx1"/>
+                          </a:solidFill>
+                          <a:effectLst/>
+                          <a:latin typeface="Times New Roman" panose="02020603050405020304" pitchFamily="18" charset="0"/>
+                          <a:ea typeface="+mn-ea"/>
+                          <a:cs typeface="Times New Roman" panose="02020603050405020304" pitchFamily="18" charset="0"/>
+                        </a:rPr>
+                        <a:t>) -&gt; list[</a:t>
+                      </a:r>
+                      <a:r>
+                        <a:rPr lang="en-US" altLang="zh-CN" sz="1600" b="0" kern="1200" dirty="0" err="1">
+                          <a:solidFill>
+                            <a:schemeClr val="tx1"/>
+                          </a:solidFill>
+                          <a:effectLst/>
+                          <a:latin typeface="Times New Roman" panose="02020603050405020304" pitchFamily="18" charset="0"/>
+                          <a:ea typeface="+mn-ea"/>
+                          <a:cs typeface="Times New Roman" panose="02020603050405020304" pitchFamily="18" charset="0"/>
+                        </a:rPr>
+                        <a:t>LaneIndex</a:t>
+                      </a:r>
+                      <a:r>
+                        <a:rPr lang="en-US" altLang="zh-CN" sz="1600" b="0" kern="1200" dirty="0">
+                          <a:solidFill>
+                            <a:schemeClr val="tx1"/>
+                          </a:solidFill>
+                          <a:effectLst/>
+                          <a:latin typeface="Times New Roman" panose="02020603050405020304" pitchFamily="18" charset="0"/>
+                          <a:ea typeface="+mn-ea"/>
+                          <a:cs typeface="Times New Roman" panose="02020603050405020304" pitchFamily="18" charset="0"/>
+                        </a:rPr>
+                        <a:t>]</a:t>
+                      </a:r>
+                      <a:br>
+                        <a:rPr lang="en-US" altLang="zh-CN" sz="1600" b="0" kern="1200" dirty="0">
+                          <a:solidFill>
+                            <a:schemeClr val="tx1"/>
+                          </a:solidFill>
+                          <a:effectLst/>
+                          <a:latin typeface="Times New Roman" panose="02020603050405020304" pitchFamily="18" charset="0"/>
+                          <a:ea typeface="+mn-ea"/>
+                          <a:cs typeface="Times New Roman" panose="02020603050405020304" pitchFamily="18" charset="0"/>
+                        </a:rPr>
+                      </a:br>
+                      <a:r>
+                        <a:rPr lang="en-US" altLang="zh-CN" sz="1600" b="0" kern="1200" dirty="0">
+                          <a:solidFill>
+                            <a:schemeClr val="tx1"/>
+                          </a:solidFill>
+                          <a:effectLst/>
+                          <a:latin typeface="Times New Roman" panose="02020603050405020304" pitchFamily="18" charset="0"/>
+                          <a:ea typeface="+mn-ea"/>
+                          <a:cs typeface="Times New Roman" panose="02020603050405020304" pitchFamily="18" charset="0"/>
+                        </a:rPr>
+                        <a:t>+ </a:t>
+                      </a:r>
+                      <a:r>
+                        <a:rPr lang="en-US" altLang="zh-CN" sz="1600" b="0" kern="1200" dirty="0" err="1">
+                          <a:solidFill>
+                            <a:schemeClr val="tx1"/>
+                          </a:solidFill>
+                          <a:effectLst/>
+                          <a:latin typeface="Times New Roman" panose="02020603050405020304" pitchFamily="18" charset="0"/>
+                          <a:ea typeface="+mn-ea"/>
+                          <a:cs typeface="Times New Roman" panose="02020603050405020304" pitchFamily="18" charset="0"/>
+                        </a:rPr>
+                        <a:t>side_lanes</a:t>
+                      </a:r>
+                      <a:r>
+                        <a:rPr lang="en-US" altLang="zh-CN" sz="1600" b="0" kern="1200" dirty="0">
+                          <a:solidFill>
+                            <a:schemeClr val="tx1"/>
+                          </a:solidFill>
+                          <a:effectLst/>
+                          <a:latin typeface="Times New Roman" panose="02020603050405020304" pitchFamily="18" charset="0"/>
+                          <a:ea typeface="+mn-ea"/>
+                          <a:cs typeface="Times New Roman" panose="02020603050405020304" pitchFamily="18" charset="0"/>
+                        </a:rPr>
+                        <a:t>(self, </a:t>
+                      </a:r>
+                      <a:r>
+                        <a:rPr lang="en-US" altLang="zh-CN" sz="1600" b="0" kern="1200" dirty="0" err="1">
+                          <a:solidFill>
+                            <a:schemeClr val="tx1"/>
+                          </a:solidFill>
+                          <a:effectLst/>
+                          <a:latin typeface="Times New Roman" panose="02020603050405020304" pitchFamily="18" charset="0"/>
+                          <a:ea typeface="+mn-ea"/>
+                          <a:cs typeface="Times New Roman" panose="02020603050405020304" pitchFamily="18" charset="0"/>
+                        </a:rPr>
+                        <a:t>lane_index</a:t>
+                      </a:r>
+                      <a:r>
+                        <a:rPr lang="en-US" altLang="zh-CN" sz="1600" b="0" kern="1200" dirty="0">
+                          <a:solidFill>
+                            <a:schemeClr val="tx1"/>
+                          </a:solidFill>
+                          <a:effectLst/>
+                          <a:latin typeface="Times New Roman" panose="02020603050405020304" pitchFamily="18" charset="0"/>
+                          <a:ea typeface="+mn-ea"/>
+                          <a:cs typeface="Times New Roman" panose="02020603050405020304" pitchFamily="18" charset="0"/>
+                        </a:rPr>
+                        <a:t>: </a:t>
+                      </a:r>
+                      <a:r>
+                        <a:rPr lang="en-US" altLang="zh-CN" sz="1600" b="0" kern="1200" dirty="0" err="1">
+                          <a:solidFill>
+                            <a:schemeClr val="tx1"/>
+                          </a:solidFill>
+                          <a:effectLst/>
+                          <a:latin typeface="Times New Roman" panose="02020603050405020304" pitchFamily="18" charset="0"/>
+                          <a:ea typeface="+mn-ea"/>
+                          <a:cs typeface="Times New Roman" panose="02020603050405020304" pitchFamily="18" charset="0"/>
+                        </a:rPr>
+                        <a:t>LaneIndex</a:t>
+                      </a:r>
+                      <a:r>
+                        <a:rPr lang="en-US" altLang="zh-CN" sz="1600" b="0" kern="1200" dirty="0">
+                          <a:solidFill>
+                            <a:schemeClr val="tx1"/>
+                          </a:solidFill>
+                          <a:effectLst/>
+                          <a:latin typeface="Times New Roman" panose="02020603050405020304" pitchFamily="18" charset="0"/>
+                          <a:ea typeface="+mn-ea"/>
+                          <a:cs typeface="Times New Roman" panose="02020603050405020304" pitchFamily="18" charset="0"/>
+                        </a:rPr>
+                        <a:t>) -&gt; list[</a:t>
+                      </a:r>
+                      <a:r>
+                        <a:rPr lang="en-US" altLang="zh-CN" sz="1600" b="0" kern="1200" dirty="0" err="1">
+                          <a:solidFill>
+                            <a:schemeClr val="tx1"/>
+                          </a:solidFill>
+                          <a:effectLst/>
+                          <a:latin typeface="Times New Roman" panose="02020603050405020304" pitchFamily="18" charset="0"/>
+                          <a:ea typeface="+mn-ea"/>
+                          <a:cs typeface="Times New Roman" panose="02020603050405020304" pitchFamily="18" charset="0"/>
+                        </a:rPr>
+                        <a:t>LaneIndex</a:t>
+                      </a:r>
+                      <a:r>
+                        <a:rPr lang="en-US" altLang="zh-CN" sz="1600" b="0" kern="1200" dirty="0">
+                          <a:solidFill>
+                            <a:schemeClr val="tx1"/>
+                          </a:solidFill>
+                          <a:effectLst/>
+                          <a:latin typeface="Times New Roman" panose="02020603050405020304" pitchFamily="18" charset="0"/>
+                          <a:ea typeface="+mn-ea"/>
+                          <a:cs typeface="Times New Roman" panose="02020603050405020304" pitchFamily="18" charset="0"/>
+                        </a:rPr>
+                        <a:t>]</a:t>
+                      </a:r>
+                      <a:br>
+                        <a:rPr lang="en-US" altLang="zh-CN" sz="1600" b="0" kern="1200" dirty="0">
+                          <a:solidFill>
+                            <a:schemeClr val="tx1"/>
+                          </a:solidFill>
+                          <a:effectLst/>
+                          <a:latin typeface="Times New Roman" panose="02020603050405020304" pitchFamily="18" charset="0"/>
+                          <a:ea typeface="+mn-ea"/>
+                          <a:cs typeface="Times New Roman" panose="02020603050405020304" pitchFamily="18" charset="0"/>
+                        </a:rPr>
+                      </a:br>
+                      <a:r>
+                        <a:rPr lang="en-US" altLang="zh-CN" sz="1600" b="0" kern="1200" dirty="0">
+                          <a:solidFill>
+                            <a:schemeClr val="tx1"/>
+                          </a:solidFill>
+                          <a:effectLst/>
+                          <a:latin typeface="Times New Roman" panose="02020603050405020304" pitchFamily="18" charset="0"/>
+                          <a:ea typeface="+mn-ea"/>
+                          <a:cs typeface="Times New Roman" panose="02020603050405020304" pitchFamily="18" charset="0"/>
+                        </a:rPr>
+                        <a:t>+ </a:t>
+                      </a:r>
+                      <a:r>
+                        <a:rPr lang="en-US" altLang="zh-CN" sz="1600" b="0" kern="1200" dirty="0" err="1">
+                          <a:solidFill>
+                            <a:schemeClr val="tx1"/>
+                          </a:solidFill>
+                          <a:effectLst/>
+                          <a:latin typeface="Times New Roman" panose="02020603050405020304" pitchFamily="18" charset="0"/>
+                          <a:ea typeface="+mn-ea"/>
+                          <a:cs typeface="Times New Roman" panose="02020603050405020304" pitchFamily="18" charset="0"/>
+                        </a:rPr>
+                        <a:t>is_same_road</a:t>
+                      </a:r>
+                      <a:r>
+                        <a:rPr lang="en-US" altLang="zh-CN" sz="1600" b="0" kern="1200" dirty="0">
+                          <a:solidFill>
+                            <a:schemeClr val="tx1"/>
+                          </a:solidFill>
+                          <a:effectLst/>
+                          <a:latin typeface="Times New Roman" panose="02020603050405020304" pitchFamily="18" charset="0"/>
+                          <a:ea typeface="+mn-ea"/>
+                          <a:cs typeface="Times New Roman" panose="02020603050405020304" pitchFamily="18" charset="0"/>
+                        </a:rPr>
+                        <a:t>(…) -&gt; bool</a:t>
+                      </a:r>
+                      <a:br>
+                        <a:rPr lang="en-US" altLang="zh-CN" sz="1600" b="0" kern="1200" dirty="0">
+                          <a:solidFill>
+                            <a:schemeClr val="tx1"/>
+                          </a:solidFill>
+                          <a:effectLst/>
+                          <a:latin typeface="Times New Roman" panose="02020603050405020304" pitchFamily="18" charset="0"/>
+                          <a:ea typeface="+mn-ea"/>
+                          <a:cs typeface="Times New Roman" panose="02020603050405020304" pitchFamily="18" charset="0"/>
+                        </a:rPr>
+                      </a:br>
+                      <a:r>
+                        <a:rPr lang="en-US" altLang="zh-CN" sz="1600" b="0" kern="1200" dirty="0">
+                          <a:solidFill>
+                            <a:schemeClr val="tx1"/>
+                          </a:solidFill>
+                          <a:effectLst/>
+                          <a:latin typeface="Times New Roman" panose="02020603050405020304" pitchFamily="18" charset="0"/>
+                          <a:ea typeface="+mn-ea"/>
+                          <a:cs typeface="Times New Roman" panose="02020603050405020304" pitchFamily="18" charset="0"/>
+                        </a:rPr>
+                        <a:t>+ </a:t>
+                      </a:r>
+                      <a:r>
+                        <a:rPr lang="en-US" altLang="zh-CN" sz="1600" b="0" kern="1200" dirty="0" err="1">
+                          <a:solidFill>
+                            <a:schemeClr val="tx1"/>
+                          </a:solidFill>
+                          <a:effectLst/>
+                          <a:latin typeface="Times New Roman" panose="02020603050405020304" pitchFamily="18" charset="0"/>
+                          <a:ea typeface="+mn-ea"/>
+                          <a:cs typeface="Times New Roman" panose="02020603050405020304" pitchFamily="18" charset="0"/>
+                        </a:rPr>
+                        <a:t>is_leading_to_road</a:t>
+                      </a:r>
+                      <a:r>
+                        <a:rPr lang="en-US" altLang="zh-CN" sz="1600" b="0" kern="1200" dirty="0">
+                          <a:solidFill>
+                            <a:schemeClr val="tx1"/>
+                          </a:solidFill>
+                          <a:effectLst/>
+                          <a:latin typeface="Times New Roman" panose="02020603050405020304" pitchFamily="18" charset="0"/>
+                          <a:ea typeface="+mn-ea"/>
+                          <a:cs typeface="Times New Roman" panose="02020603050405020304" pitchFamily="18" charset="0"/>
+                        </a:rPr>
+                        <a:t>(…) -&gt; bool</a:t>
+                      </a:r>
+                      <a:br>
+                        <a:rPr lang="en-US" altLang="zh-CN" sz="1600" b="0" kern="1200" dirty="0">
+                          <a:solidFill>
+                            <a:schemeClr val="tx1"/>
+                          </a:solidFill>
+                          <a:effectLst/>
+                          <a:latin typeface="Times New Roman" panose="02020603050405020304" pitchFamily="18" charset="0"/>
+                          <a:ea typeface="+mn-ea"/>
+                          <a:cs typeface="Times New Roman" panose="02020603050405020304" pitchFamily="18" charset="0"/>
+                        </a:rPr>
+                      </a:br>
+                      <a:r>
+                        <a:rPr lang="en-US" altLang="zh-CN" sz="1600" b="0" kern="1200" dirty="0">
+                          <a:solidFill>
+                            <a:schemeClr val="tx1"/>
+                          </a:solidFill>
+                          <a:effectLst/>
+                          <a:latin typeface="Times New Roman" panose="02020603050405020304" pitchFamily="18" charset="0"/>
+                          <a:ea typeface="+mn-ea"/>
+                          <a:cs typeface="Times New Roman" panose="02020603050405020304" pitchFamily="18" charset="0"/>
+                        </a:rPr>
+                        <a:t>+ </a:t>
+                      </a:r>
+                      <a:r>
+                        <a:rPr lang="en-US" altLang="zh-CN" sz="1600" b="0" kern="1200" dirty="0" err="1">
+                          <a:solidFill>
+                            <a:schemeClr val="tx1"/>
+                          </a:solidFill>
+                          <a:effectLst/>
+                          <a:latin typeface="Times New Roman" panose="02020603050405020304" pitchFamily="18" charset="0"/>
+                          <a:ea typeface="+mn-ea"/>
+                          <a:cs typeface="Times New Roman" panose="02020603050405020304" pitchFamily="18" charset="0"/>
+                        </a:rPr>
+                        <a:t>is_connected_road</a:t>
+                      </a:r>
+                      <a:r>
+                        <a:rPr lang="en-US" altLang="zh-CN" sz="1600" b="0" kern="1200" dirty="0">
+                          <a:solidFill>
+                            <a:schemeClr val="tx1"/>
+                          </a:solidFill>
+                          <a:effectLst/>
+                          <a:latin typeface="Times New Roman" panose="02020603050405020304" pitchFamily="18" charset="0"/>
+                          <a:ea typeface="+mn-ea"/>
+                          <a:cs typeface="Times New Roman" panose="02020603050405020304" pitchFamily="18" charset="0"/>
+                        </a:rPr>
+                        <a:t>(…) -&gt; bool</a:t>
+                      </a:r>
+                      <a:br>
+                        <a:rPr lang="en-US" altLang="zh-CN" sz="1600" b="0" kern="1200" dirty="0">
+                          <a:solidFill>
+                            <a:schemeClr val="tx1"/>
+                          </a:solidFill>
+                          <a:effectLst/>
+                          <a:latin typeface="Times New Roman" panose="02020603050405020304" pitchFamily="18" charset="0"/>
+                          <a:ea typeface="+mn-ea"/>
+                          <a:cs typeface="Times New Roman" panose="02020603050405020304" pitchFamily="18" charset="0"/>
+                        </a:rPr>
+                      </a:br>
+                      <a:r>
+                        <a:rPr lang="en-US" altLang="zh-CN" sz="1600" b="0" kern="1200" dirty="0">
+                          <a:solidFill>
+                            <a:schemeClr val="tx1"/>
+                          </a:solidFill>
+                          <a:effectLst/>
+                          <a:latin typeface="Times New Roman" panose="02020603050405020304" pitchFamily="18" charset="0"/>
+                          <a:ea typeface="+mn-ea"/>
+                          <a:cs typeface="Times New Roman" panose="02020603050405020304" pitchFamily="18" charset="0"/>
+                        </a:rPr>
+                        <a:t>+ </a:t>
+                      </a:r>
+                      <a:r>
+                        <a:rPr lang="en-US" altLang="zh-CN" sz="1600" b="0" kern="1200" dirty="0" err="1">
+                          <a:solidFill>
+                            <a:schemeClr val="tx1"/>
+                          </a:solidFill>
+                          <a:effectLst/>
+                          <a:latin typeface="Times New Roman" panose="02020603050405020304" pitchFamily="18" charset="0"/>
+                          <a:ea typeface="+mn-ea"/>
+                          <a:cs typeface="Times New Roman" panose="02020603050405020304" pitchFamily="18" charset="0"/>
+                        </a:rPr>
+                        <a:t>lanes_list</a:t>
+                      </a:r>
+                      <a:r>
+                        <a:rPr lang="en-US" altLang="zh-CN" sz="1600" b="0" kern="1200" dirty="0">
+                          <a:solidFill>
+                            <a:schemeClr val="tx1"/>
+                          </a:solidFill>
+                          <a:effectLst/>
+                          <a:latin typeface="Times New Roman" panose="02020603050405020304" pitchFamily="18" charset="0"/>
+                          <a:ea typeface="+mn-ea"/>
+                          <a:cs typeface="Times New Roman" panose="02020603050405020304" pitchFamily="18" charset="0"/>
+                        </a:rPr>
+                        <a:t>(self) -&gt; list[AbstractLane]</a:t>
+                      </a:r>
+                    </a:p>
+                    <a:p>
+                      <a:pPr marL="0" marR="0" lvl="0" indent="0" algn="l" defTabSz="914400" rtl="0" eaLnBrk="1" fontAlgn="auto" latinLnBrk="0" hangingPunct="1">
+                        <a:lnSpc>
+                          <a:spcPct val="100000"/>
+                        </a:lnSpc>
+                        <a:spcBef>
+                          <a:spcPts val="0"/>
+                        </a:spcBef>
+                        <a:spcAft>
+                          <a:spcPts val="0"/>
+                        </a:spcAft>
+                        <a:buClrTx/>
+                        <a:buSzTx/>
+                        <a:buFontTx/>
+                        <a:buNone/>
+                        <a:tabLst/>
+                        <a:defRPr/>
+                      </a:pPr>
+                      <a:r>
+                        <a:rPr lang="en-US" altLang="zh-CN" sz="1600" b="0" kern="1200" dirty="0">
+                          <a:solidFill>
+                            <a:schemeClr val="tx1"/>
+                          </a:solidFill>
+                          <a:effectLst/>
+                          <a:latin typeface="Times New Roman" panose="02020603050405020304" pitchFamily="18" charset="0"/>
+                          <a:ea typeface="+mn-ea"/>
+                          <a:cs typeface="Times New Roman" panose="02020603050405020304" pitchFamily="18" charset="0"/>
+                        </a:rPr>
+                        <a:t>+ </a:t>
+                      </a:r>
+                      <a:r>
+                        <a:rPr lang="en-US" altLang="zh-CN" sz="1600" b="0" kern="1200" dirty="0" err="1">
+                          <a:solidFill>
+                            <a:schemeClr val="tx1"/>
+                          </a:solidFill>
+                          <a:effectLst/>
+                          <a:latin typeface="Times New Roman" panose="02020603050405020304" pitchFamily="18" charset="0"/>
+                          <a:ea typeface="+mn-ea"/>
+                          <a:cs typeface="Times New Roman" panose="02020603050405020304" pitchFamily="18" charset="0"/>
+                        </a:rPr>
+                        <a:t>lanes_dict</a:t>
+                      </a:r>
+                      <a:r>
+                        <a:rPr lang="en-US" altLang="zh-CN" sz="1600" b="0" kern="1200" dirty="0">
+                          <a:solidFill>
+                            <a:schemeClr val="tx1"/>
+                          </a:solidFill>
+                          <a:effectLst/>
+                          <a:latin typeface="Times New Roman" panose="02020603050405020304" pitchFamily="18" charset="0"/>
+                          <a:ea typeface="+mn-ea"/>
+                          <a:cs typeface="Times New Roman" panose="02020603050405020304" pitchFamily="18" charset="0"/>
+                        </a:rPr>
+                        <a:t>(self) -&gt; dict[str, AbstractLane]</a:t>
+                      </a:r>
+                    </a:p>
+                    <a:p>
+                      <a:pPr marL="0" marR="0" lvl="0" indent="0" algn="l" defTabSz="914400" rtl="0" eaLnBrk="1" fontAlgn="auto" latinLnBrk="0" hangingPunct="1">
+                        <a:lnSpc>
+                          <a:spcPct val="100000"/>
+                        </a:lnSpc>
+                        <a:spcBef>
+                          <a:spcPts val="0"/>
+                        </a:spcBef>
+                        <a:spcAft>
+                          <a:spcPts val="0"/>
+                        </a:spcAft>
+                        <a:buClrTx/>
+                        <a:buSzTx/>
+                        <a:buFontTx/>
+                        <a:buNone/>
+                        <a:tabLst/>
+                        <a:defRPr/>
+                      </a:pPr>
+                      <a:r>
+                        <a:rPr lang="en-US" altLang="zh-CN" sz="1600" b="0" kern="1200" dirty="0">
+                          <a:solidFill>
+                            <a:srgbClr val="FF0000"/>
+                          </a:solidFill>
+                          <a:effectLst/>
+                          <a:latin typeface="Times New Roman" panose="02020603050405020304" pitchFamily="18" charset="0"/>
+                          <a:ea typeface="+mn-ea"/>
+                          <a:cs typeface="Times New Roman" panose="02020603050405020304" pitchFamily="18" charset="0"/>
+                        </a:rPr>
+                        <a:t>+ </a:t>
+                      </a:r>
+                      <a:r>
+                        <a:rPr lang="en-US" altLang="zh-CN" sz="1600" b="0" kern="1200" dirty="0" err="1">
+                          <a:solidFill>
+                            <a:srgbClr val="FF0000"/>
+                          </a:solidFill>
+                          <a:effectLst/>
+                          <a:latin typeface="Times New Roman" panose="02020603050405020304" pitchFamily="18" charset="0"/>
+                          <a:ea typeface="+mn-ea"/>
+                          <a:cs typeface="Times New Roman" panose="02020603050405020304" pitchFamily="18" charset="0"/>
+                        </a:rPr>
+                        <a:t>straight_road_network</a:t>
+                      </a:r>
+                      <a:r>
+                        <a:rPr lang="en-US" altLang="zh-CN" sz="1600" b="0" kern="1200" dirty="0">
+                          <a:solidFill>
+                            <a:srgbClr val="FF0000"/>
+                          </a:solidFill>
+                          <a:effectLst/>
+                          <a:latin typeface="Times New Roman" panose="02020603050405020304" pitchFamily="18" charset="0"/>
+                          <a:ea typeface="+mn-ea"/>
+                          <a:cs typeface="Times New Roman" panose="02020603050405020304" pitchFamily="18" charset="0"/>
+                        </a:rPr>
+                        <a:t>(…) -&gt; RoadNetwork</a:t>
+                      </a:r>
+                    </a:p>
+                    <a:p>
+                      <a:pPr marL="0" marR="0" lvl="0" indent="0" algn="l" defTabSz="914400" rtl="0" eaLnBrk="1" fontAlgn="auto" latinLnBrk="0" hangingPunct="1">
+                        <a:lnSpc>
+                          <a:spcPct val="100000"/>
+                        </a:lnSpc>
+                        <a:spcBef>
+                          <a:spcPts val="0"/>
+                        </a:spcBef>
+                        <a:spcAft>
+                          <a:spcPts val="0"/>
+                        </a:spcAft>
+                        <a:buClrTx/>
+                        <a:buSzTx/>
+                        <a:buFontTx/>
+                        <a:buNone/>
+                        <a:tabLst/>
+                        <a:defRPr/>
+                      </a:pPr>
+                      <a:r>
+                        <a:rPr lang="en-US" altLang="zh-CN" sz="1600" b="0" kern="1200" dirty="0">
+                          <a:solidFill>
+                            <a:schemeClr val="tx1"/>
+                          </a:solidFill>
+                          <a:effectLst/>
+                          <a:latin typeface="Times New Roman" panose="02020603050405020304" pitchFamily="18" charset="0"/>
+                          <a:ea typeface="+mn-ea"/>
+                          <a:cs typeface="Times New Roman" panose="02020603050405020304" pitchFamily="18" charset="0"/>
+                        </a:rPr>
+                        <a:t>+ </a:t>
+                      </a:r>
+                      <a:r>
+                        <a:rPr lang="en-US" altLang="zh-CN" sz="1600" b="0" kern="1200" dirty="0" err="1">
+                          <a:solidFill>
+                            <a:schemeClr val="tx1"/>
+                          </a:solidFill>
+                          <a:effectLst/>
+                          <a:latin typeface="Times New Roman" panose="02020603050405020304" pitchFamily="18" charset="0"/>
+                          <a:ea typeface="+mn-ea"/>
+                          <a:cs typeface="Times New Roman" panose="02020603050405020304" pitchFamily="18" charset="0"/>
+                        </a:rPr>
+                        <a:t>position_heading_along_route</a:t>
+                      </a:r>
+                      <a:r>
+                        <a:rPr lang="en-US" altLang="zh-CN" sz="1600" b="0" kern="1200" dirty="0">
+                          <a:solidFill>
+                            <a:schemeClr val="tx1"/>
+                          </a:solidFill>
+                          <a:effectLst/>
+                          <a:latin typeface="Times New Roman" panose="02020603050405020304" pitchFamily="18" charset="0"/>
+                          <a:ea typeface="+mn-ea"/>
+                          <a:cs typeface="Times New Roman" panose="02020603050405020304" pitchFamily="18" charset="0"/>
+                        </a:rPr>
+                        <a:t>(…) -&gt; tuple[</a:t>
+                      </a:r>
+                      <a:r>
+                        <a:rPr lang="en-US" altLang="zh-CN" sz="1600" b="0" kern="1200" dirty="0" err="1">
+                          <a:solidFill>
+                            <a:schemeClr val="tx1"/>
+                          </a:solidFill>
+                          <a:effectLst/>
+                          <a:latin typeface="Times New Roman" panose="02020603050405020304" pitchFamily="18" charset="0"/>
+                          <a:ea typeface="+mn-ea"/>
+                          <a:cs typeface="Times New Roman" panose="02020603050405020304" pitchFamily="18" charset="0"/>
+                        </a:rPr>
+                        <a:t>np.ndarray</a:t>
+                      </a:r>
+                      <a:r>
+                        <a:rPr lang="en-US" altLang="zh-CN" sz="1600" b="0" kern="1200" dirty="0">
+                          <a:solidFill>
+                            <a:schemeClr val="tx1"/>
+                          </a:solidFill>
+                          <a:effectLst/>
+                          <a:latin typeface="Times New Roman" panose="02020603050405020304" pitchFamily="18" charset="0"/>
+                          <a:ea typeface="+mn-ea"/>
+                          <a:cs typeface="Times New Roman" panose="02020603050405020304" pitchFamily="18" charset="0"/>
+                        </a:rPr>
+                        <a:t>, float]</a:t>
+                      </a:r>
+                      <a:br>
+                        <a:rPr lang="en-US" altLang="zh-CN" sz="1600" b="0" kern="1200" dirty="0">
+                          <a:solidFill>
+                            <a:schemeClr val="tx1"/>
+                          </a:solidFill>
+                          <a:effectLst/>
+                          <a:latin typeface="Times New Roman" panose="02020603050405020304" pitchFamily="18" charset="0"/>
+                          <a:ea typeface="+mn-ea"/>
+                          <a:cs typeface="Times New Roman" panose="02020603050405020304" pitchFamily="18" charset="0"/>
+                        </a:rPr>
+                      </a:br>
+                      <a:r>
+                        <a:rPr lang="en-US" altLang="zh-CN" sz="1600" b="0" kern="1200" dirty="0">
+                          <a:solidFill>
+                            <a:schemeClr val="tx1"/>
+                          </a:solidFill>
+                          <a:effectLst/>
+                          <a:latin typeface="Times New Roman" panose="02020603050405020304" pitchFamily="18" charset="0"/>
+                          <a:ea typeface="+mn-ea"/>
+                          <a:cs typeface="Times New Roman" panose="02020603050405020304" pitchFamily="18" charset="0"/>
+                        </a:rPr>
+                        <a:t>+ </a:t>
+                      </a:r>
+                      <a:r>
+                        <a:rPr lang="en-US" altLang="zh-CN" sz="1600" b="0" kern="1200" dirty="0" err="1">
+                          <a:solidFill>
+                            <a:schemeClr val="tx1"/>
+                          </a:solidFill>
+                          <a:effectLst/>
+                          <a:latin typeface="Times New Roman" panose="02020603050405020304" pitchFamily="18" charset="0"/>
+                          <a:ea typeface="+mn-ea"/>
+                          <a:cs typeface="Times New Roman" panose="02020603050405020304" pitchFamily="18" charset="0"/>
+                        </a:rPr>
+                        <a:t>random_lane_index</a:t>
+                      </a:r>
+                      <a:r>
+                        <a:rPr lang="en-US" altLang="zh-CN" sz="1600" b="0" kern="1200" dirty="0">
+                          <a:solidFill>
+                            <a:schemeClr val="tx1"/>
+                          </a:solidFill>
+                          <a:effectLst/>
+                          <a:latin typeface="Times New Roman" panose="02020603050405020304" pitchFamily="18" charset="0"/>
+                          <a:ea typeface="+mn-ea"/>
+                          <a:cs typeface="Times New Roman" panose="02020603050405020304" pitchFamily="18" charset="0"/>
+                        </a:rPr>
+                        <a:t>(…) -&gt; </a:t>
+                      </a:r>
+                      <a:r>
+                        <a:rPr lang="en-US" altLang="zh-CN" sz="1600" b="0" kern="1200" dirty="0" err="1">
+                          <a:solidFill>
+                            <a:schemeClr val="tx1"/>
+                          </a:solidFill>
+                          <a:effectLst/>
+                          <a:latin typeface="Times New Roman" panose="02020603050405020304" pitchFamily="18" charset="0"/>
+                          <a:ea typeface="+mn-ea"/>
+                          <a:cs typeface="Times New Roman" panose="02020603050405020304" pitchFamily="18" charset="0"/>
+                        </a:rPr>
+                        <a:t>LaneIndex</a:t>
+                      </a:r>
+                      <a:endParaRPr lang="en-US" altLang="zh-CN" sz="1600" b="0" kern="1200" dirty="0">
+                        <a:solidFill>
+                          <a:schemeClr val="tx1"/>
+                        </a:solidFill>
+                        <a:effectLst/>
+                        <a:latin typeface="Times New Roman" panose="02020603050405020304" pitchFamily="18" charset="0"/>
+                        <a:ea typeface="+mn-ea"/>
+                        <a:cs typeface="Times New Roman" panose="02020603050405020304" pitchFamily="18" charset="0"/>
+                      </a:endParaRPr>
+                    </a:p>
+                    <a:p>
+                      <a:pPr marL="0" marR="0" lvl="0" indent="0" algn="l" defTabSz="914400" rtl="0" eaLnBrk="1" fontAlgn="auto" latinLnBrk="0" hangingPunct="1">
+                        <a:lnSpc>
+                          <a:spcPct val="100000"/>
+                        </a:lnSpc>
+                        <a:spcBef>
+                          <a:spcPts val="0"/>
+                        </a:spcBef>
+                        <a:spcAft>
+                          <a:spcPts val="0"/>
+                        </a:spcAft>
+                        <a:buClrTx/>
+                        <a:buSzTx/>
+                        <a:buFontTx/>
+                        <a:buNone/>
+                        <a:tabLst/>
+                        <a:defRPr/>
+                      </a:pPr>
+                      <a:r>
+                        <a:rPr lang="en-US" altLang="zh-CN" sz="1600" b="0" kern="1200" dirty="0">
+                          <a:solidFill>
+                            <a:schemeClr val="tx1"/>
+                          </a:solidFill>
+                          <a:effectLst/>
+                          <a:latin typeface="Times New Roman" panose="02020603050405020304" pitchFamily="18" charset="0"/>
+                          <a:ea typeface="+mn-ea"/>
+                          <a:cs typeface="Times New Roman" panose="02020603050405020304" pitchFamily="18" charset="0"/>
+                        </a:rPr>
+                        <a:t>+ </a:t>
+                      </a:r>
+                      <a:r>
+                        <a:rPr lang="en-US" altLang="zh-CN" sz="1600" b="0" kern="1200" dirty="0" err="1">
+                          <a:solidFill>
+                            <a:schemeClr val="tx1"/>
+                          </a:solidFill>
+                          <a:effectLst/>
+                          <a:latin typeface="Times New Roman" panose="02020603050405020304" pitchFamily="18" charset="0"/>
+                          <a:ea typeface="+mn-ea"/>
+                          <a:cs typeface="Times New Roman" panose="02020603050405020304" pitchFamily="18" charset="0"/>
+                        </a:rPr>
+                        <a:t>from_config</a:t>
+                      </a:r>
+                      <a:r>
+                        <a:rPr lang="en-US" altLang="zh-CN" sz="1600" b="0" kern="1200" dirty="0">
+                          <a:solidFill>
+                            <a:schemeClr val="tx1"/>
+                          </a:solidFill>
+                          <a:effectLst/>
+                          <a:latin typeface="Times New Roman" panose="02020603050405020304" pitchFamily="18" charset="0"/>
+                          <a:ea typeface="+mn-ea"/>
+                          <a:cs typeface="Times New Roman" panose="02020603050405020304" pitchFamily="18" charset="0"/>
+                        </a:rPr>
+                        <a:t>(</a:t>
+                      </a:r>
+                      <a:r>
+                        <a:rPr lang="en-US" altLang="zh-CN" sz="1600" b="0" kern="1200" dirty="0" err="1">
+                          <a:solidFill>
+                            <a:schemeClr val="tx1"/>
+                          </a:solidFill>
+                          <a:effectLst/>
+                          <a:latin typeface="Times New Roman" panose="02020603050405020304" pitchFamily="18" charset="0"/>
+                          <a:ea typeface="+mn-ea"/>
+                          <a:cs typeface="Times New Roman" panose="02020603050405020304" pitchFamily="18" charset="0"/>
+                        </a:rPr>
+                        <a:t>cls</a:t>
+                      </a:r>
+                      <a:r>
+                        <a:rPr lang="en-US" altLang="zh-CN" sz="1600" b="0" kern="1200" dirty="0">
+                          <a:solidFill>
+                            <a:schemeClr val="tx1"/>
+                          </a:solidFill>
+                          <a:effectLst/>
+                          <a:latin typeface="Times New Roman" panose="02020603050405020304" pitchFamily="18" charset="0"/>
+                          <a:ea typeface="+mn-ea"/>
+                          <a:cs typeface="Times New Roman" panose="02020603050405020304" pitchFamily="18" charset="0"/>
+                        </a:rPr>
+                        <a:t>, config: dict) -&gt; None</a:t>
+                      </a:r>
+                    </a:p>
+                    <a:p>
+                      <a:pPr marL="0" marR="0" lvl="0" indent="0" algn="l" defTabSz="914400" rtl="0" eaLnBrk="1" fontAlgn="auto" latinLnBrk="0" hangingPunct="1">
+                        <a:lnSpc>
+                          <a:spcPct val="100000"/>
+                        </a:lnSpc>
+                        <a:spcBef>
+                          <a:spcPts val="0"/>
+                        </a:spcBef>
+                        <a:spcAft>
+                          <a:spcPts val="0"/>
+                        </a:spcAft>
+                        <a:buClrTx/>
+                        <a:buSzTx/>
+                        <a:buFontTx/>
+                        <a:buNone/>
+                        <a:tabLst/>
+                        <a:defRPr/>
+                      </a:pPr>
+                      <a:r>
+                        <a:rPr lang="en-US" altLang="zh-CN" sz="1600" b="0" kern="1200" dirty="0">
+                          <a:solidFill>
+                            <a:schemeClr val="tx1"/>
+                          </a:solidFill>
+                          <a:effectLst/>
+                          <a:latin typeface="Times New Roman" panose="02020603050405020304" pitchFamily="18" charset="0"/>
+                          <a:ea typeface="+mn-ea"/>
+                          <a:cs typeface="Times New Roman" panose="02020603050405020304" pitchFamily="18" charset="0"/>
+                        </a:rPr>
+                        <a:t>+ </a:t>
+                      </a:r>
+                      <a:r>
+                        <a:rPr lang="en-US" altLang="zh-CN" sz="1600" b="0" kern="1200" dirty="0" err="1">
+                          <a:solidFill>
+                            <a:schemeClr val="tx1"/>
+                          </a:solidFill>
+                          <a:effectLst/>
+                          <a:latin typeface="Times New Roman" panose="02020603050405020304" pitchFamily="18" charset="0"/>
+                          <a:ea typeface="+mn-ea"/>
+                          <a:cs typeface="Times New Roman" panose="02020603050405020304" pitchFamily="18" charset="0"/>
+                        </a:rPr>
+                        <a:t>to_config</a:t>
+                      </a:r>
+                      <a:r>
+                        <a:rPr lang="en-US" altLang="zh-CN" sz="1600" b="0" kern="1200" dirty="0">
+                          <a:solidFill>
+                            <a:schemeClr val="tx1"/>
+                          </a:solidFill>
+                          <a:effectLst/>
+                          <a:latin typeface="Times New Roman" panose="02020603050405020304" pitchFamily="18" charset="0"/>
+                          <a:ea typeface="+mn-ea"/>
+                          <a:cs typeface="Times New Roman" panose="02020603050405020304" pitchFamily="18" charset="0"/>
+                        </a:rPr>
+                        <a:t>(self) -&gt; dict</a:t>
+                      </a:r>
+                    </a:p>
+                  </a:txBody>
+                  <a:tcPr anchor="ctr"/>
+                </a:tc>
+                <a:extLst>
+                  <a:ext uri="{0D108BD9-81ED-4DB2-BD59-A6C34878D82A}">
+                    <a16:rowId xmlns:a16="http://schemas.microsoft.com/office/drawing/2014/main" val="2743093702"/>
+                  </a:ext>
+                </a:extLst>
+              </a:tr>
+            </a:tbl>
+          </a:graphicData>
+        </a:graphic>
+      </p:graphicFrame>
+      <p:graphicFrame>
+        <p:nvGraphicFramePr>
+          <p:cNvPr id="3" name="表格 2">
+            <a:extLst>
+              <a:ext uri="{FF2B5EF4-FFF2-40B4-BE49-F238E27FC236}">
+                <a16:creationId xmlns:a16="http://schemas.microsoft.com/office/drawing/2014/main" id="{5A73FC67-1027-8569-EC11-4B66DEAC6761}"/>
+              </a:ext>
+            </a:extLst>
+          </p:cNvPr>
+          <p:cNvGraphicFramePr>
+            <a:graphicFrameLocks noGrp="1"/>
+          </p:cNvGraphicFramePr>
+          <p:nvPr>
+            <p:extLst>
+              <p:ext uri="{D42A27DB-BD31-4B8C-83A1-F6EECF244321}">
+                <p14:modId xmlns:p14="http://schemas.microsoft.com/office/powerpoint/2010/main" val="2502101224"/>
+              </p:ext>
+            </p:extLst>
+          </p:nvPr>
+        </p:nvGraphicFramePr>
+        <p:xfrm>
+          <a:off x="6008038" y="1066392"/>
+          <a:ext cx="5980637" cy="5674360"/>
+        </p:xfrm>
+        <a:graphic>
+          <a:graphicData uri="http://schemas.openxmlformats.org/drawingml/2006/table">
+            <a:tbl>
+              <a:tblPr firstRow="1" bandRow="1"/>
+              <a:tblGrid>
+                <a:gridCol w="5980637">
+                  <a:extLst>
+                    <a:ext uri="{9D8B030D-6E8A-4147-A177-3AD203B41FA5}">
+                      <a16:colId xmlns:a16="http://schemas.microsoft.com/office/drawing/2014/main" val="3867985458"/>
+                    </a:ext>
+                  </a:extLst>
+                </a:gridCol>
+              </a:tblGrid>
+              <a:tr h="370840">
+                <a:tc>
+                  <a:txBody>
+                    <a:bodyPr/>
+                    <a:lstStyle/>
+                    <a:p>
+                      <a:pPr algn="ctr"/>
+                      <a:r>
+                        <a:rPr lang="zh-CN" altLang="en-US" dirty="0">
+                          <a:latin typeface="宋体" panose="02010600030101010101" pitchFamily="2" charset="-122"/>
+                          <a:ea typeface="宋体" panose="02010600030101010101" pitchFamily="2" charset="-122"/>
+                        </a:rPr>
+                        <a:t>解释</a:t>
+                      </a:r>
+                    </a:p>
+                  </a:txBody>
+                  <a:tcPr anchor="ctr"/>
+                </a:tc>
+                <a:extLst>
+                  <a:ext uri="{0D108BD9-81ED-4DB2-BD59-A6C34878D82A}">
+                    <a16:rowId xmlns:a16="http://schemas.microsoft.com/office/drawing/2014/main" val="1048727978"/>
+                  </a:ext>
+                </a:extLst>
+              </a:tr>
+              <a:tr h="370840">
+                <a:tc>
+                  <a:txBody>
+                    <a:bodyPr/>
+                    <a:lstStyle/>
+                    <a:p>
+                      <a:pPr algn="l"/>
+                      <a:r>
+                        <a:rPr lang="zh-CN" altLang="en-US" sz="1600" b="0" kern="1200" dirty="0">
+                          <a:solidFill>
+                            <a:schemeClr val="tx1"/>
+                          </a:solidFill>
+                          <a:effectLst/>
+                          <a:latin typeface="宋体" panose="02010600030101010101" pitchFamily="2" charset="-122"/>
+                          <a:ea typeface="宋体" panose="02010600030101010101" pitchFamily="2" charset="-122"/>
+                          <a:cs typeface="+mn-cs"/>
+                        </a:rPr>
+                        <a:t>使</a:t>
+                      </a:r>
+                      <a:r>
+                        <a:rPr lang="zh-CN" altLang="en-US" sz="1600" b="0" kern="1200" dirty="0">
+                          <a:solidFill>
+                            <a:schemeClr val="tx1"/>
+                          </a:solidFill>
+                          <a:effectLst/>
+                          <a:latin typeface="Times New Roman" panose="02020603050405020304" pitchFamily="18" charset="0"/>
+                          <a:ea typeface="宋体" panose="02010600030101010101" pitchFamily="2" charset="-122"/>
+                          <a:cs typeface="Times New Roman" panose="02020603050405020304" pitchFamily="18" charset="0"/>
+                        </a:rPr>
+                        <a:t>用</a:t>
+                      </a:r>
+                      <a:r>
+                        <a:rPr lang="en-US" altLang="zh-CN" sz="1600" b="0" kern="1200" dirty="0">
+                          <a:solidFill>
+                            <a:schemeClr val="tx1"/>
+                          </a:solidFill>
+                          <a:effectLst/>
+                          <a:latin typeface="Times New Roman" panose="02020603050405020304" pitchFamily="18" charset="0"/>
+                          <a:ea typeface="宋体" panose="02010600030101010101" pitchFamily="2" charset="-122"/>
+                          <a:cs typeface="Times New Roman" panose="02020603050405020304" pitchFamily="18" charset="0"/>
+                        </a:rPr>
+                        <a:t>graph</a:t>
+                      </a:r>
+                      <a:r>
+                        <a:rPr lang="zh-CN" altLang="en-US" sz="1600" b="0" kern="1200" dirty="0">
+                          <a:solidFill>
+                            <a:schemeClr val="tx1"/>
+                          </a:solidFill>
+                          <a:effectLst/>
+                          <a:latin typeface="宋体" panose="02010600030101010101" pitchFamily="2" charset="-122"/>
+                          <a:ea typeface="宋体" panose="02010600030101010101" pitchFamily="2" charset="-122"/>
+                          <a:cs typeface="+mn-cs"/>
+                        </a:rPr>
+                        <a:t>来表示道路网络，表示道路的起点、终点、两点之间的车道。</a:t>
+                      </a:r>
+                    </a:p>
+                  </a:txBody>
+                  <a:tcPr anchor="ctr"/>
+                </a:tc>
+                <a:extLst>
+                  <a:ext uri="{0D108BD9-81ED-4DB2-BD59-A6C34878D82A}">
+                    <a16:rowId xmlns:a16="http://schemas.microsoft.com/office/drawing/2014/main" val="2213804325"/>
+                  </a:ext>
+                </a:extLst>
+              </a:tr>
+              <a:tr h="370840">
+                <a:tc>
+                  <a:txBody>
+                    <a:bodyPr/>
+                    <a:lstStyle/>
+                    <a:p>
+                      <a:pPr marL="0" marR="0" lvl="0" indent="0" algn="l" defTabSz="914400" rtl="0" eaLnBrk="1" fontAlgn="auto" latinLnBrk="0" hangingPunct="1">
+                        <a:lnSpc>
+                          <a:spcPct val="100000"/>
+                        </a:lnSpc>
+                        <a:spcBef>
+                          <a:spcPts val="0"/>
+                        </a:spcBef>
+                        <a:spcAft>
+                          <a:spcPts val="0"/>
+                        </a:spcAft>
+                        <a:buClrTx/>
+                        <a:buSzTx/>
+                        <a:buFontTx/>
+                        <a:buNone/>
+                        <a:tabLst/>
+                        <a:defRPr/>
+                      </a:pPr>
+                      <a:r>
+                        <a:rPr lang="zh-CN" altLang="en-US" sz="1600" b="0" kern="1200" dirty="0">
+                          <a:solidFill>
+                            <a:schemeClr val="tx1"/>
+                          </a:solidFill>
+                          <a:effectLst/>
+                          <a:latin typeface="宋体" panose="02010600030101010101" pitchFamily="2" charset="-122"/>
+                          <a:ea typeface="宋体" panose="02010600030101010101" pitchFamily="2" charset="-122"/>
+                          <a:cs typeface="+mn-cs"/>
+                        </a:rPr>
+                        <a:t>添加道路。</a:t>
+                      </a:r>
+                      <a:endParaRPr lang="en-US" altLang="zh-CN" sz="1600" b="0" kern="1200" dirty="0">
+                        <a:solidFill>
+                          <a:schemeClr val="tx1"/>
+                        </a:solidFill>
+                        <a:effectLst/>
+                        <a:latin typeface="宋体" panose="02010600030101010101" pitchFamily="2" charset="-122"/>
+                        <a:ea typeface="宋体" panose="02010600030101010101" pitchFamily="2" charset="-122"/>
+                        <a:cs typeface="+mn-cs"/>
+                      </a:endParaRPr>
+                    </a:p>
+                    <a:p>
+                      <a:pPr marL="0" marR="0" lvl="0" indent="0" algn="l" defTabSz="914400" rtl="0" eaLnBrk="1" fontAlgn="auto" latinLnBrk="0" hangingPunct="1">
+                        <a:lnSpc>
+                          <a:spcPct val="100000"/>
+                        </a:lnSpc>
+                        <a:spcBef>
+                          <a:spcPts val="0"/>
+                        </a:spcBef>
+                        <a:spcAft>
+                          <a:spcPts val="0"/>
+                        </a:spcAft>
+                        <a:buClrTx/>
+                        <a:buSzTx/>
+                        <a:buFontTx/>
+                        <a:buNone/>
+                        <a:tabLst/>
+                        <a:defRPr/>
+                      </a:pPr>
+                      <a:r>
+                        <a:rPr lang="zh-CN" altLang="en-US" sz="1600" b="0" kern="1200" dirty="0">
+                          <a:solidFill>
+                            <a:schemeClr val="tx1"/>
+                          </a:solidFill>
+                          <a:effectLst/>
+                          <a:latin typeface="宋体" panose="02010600030101010101" pitchFamily="2" charset="-122"/>
+                          <a:ea typeface="宋体" panose="02010600030101010101" pitchFamily="2" charset="-122"/>
+                          <a:cs typeface="+mn-cs"/>
+                        </a:rPr>
+                        <a:t>依据道路网络中给定索引获得车道几何形状。</a:t>
+                      </a:r>
+                      <a:endParaRPr lang="en-US" altLang="zh-CN" sz="1600" b="0" kern="1200" dirty="0">
+                        <a:solidFill>
+                          <a:schemeClr val="tx1"/>
+                        </a:solidFill>
+                        <a:effectLst/>
+                        <a:latin typeface="宋体" panose="02010600030101010101" pitchFamily="2" charset="-122"/>
+                        <a:ea typeface="宋体" panose="02010600030101010101" pitchFamily="2" charset="-122"/>
+                        <a:cs typeface="+mn-cs"/>
+                      </a:endParaRPr>
+                    </a:p>
+                    <a:p>
+                      <a:pPr marL="0" marR="0" lvl="0" indent="0" algn="l" defTabSz="914400" rtl="0" eaLnBrk="1" fontAlgn="auto" latinLnBrk="0" hangingPunct="1">
+                        <a:lnSpc>
+                          <a:spcPct val="100000"/>
+                        </a:lnSpc>
+                        <a:spcBef>
+                          <a:spcPts val="0"/>
+                        </a:spcBef>
+                        <a:spcAft>
+                          <a:spcPts val="0"/>
+                        </a:spcAft>
+                        <a:buClrTx/>
+                        <a:buSzTx/>
+                        <a:buFontTx/>
+                        <a:buNone/>
+                        <a:tabLst/>
+                        <a:defRPr/>
+                      </a:pPr>
+                      <a:r>
+                        <a:rPr lang="zh-CN" altLang="en-US" sz="1600" b="0" kern="1200" dirty="0">
+                          <a:solidFill>
+                            <a:schemeClr val="tx1"/>
+                          </a:solidFill>
+                          <a:effectLst/>
+                          <a:latin typeface="宋体" panose="02010600030101010101" pitchFamily="2" charset="-122"/>
+                          <a:ea typeface="宋体" panose="02010600030101010101" pitchFamily="2" charset="-122"/>
+                          <a:cs typeface="+mn-cs"/>
+                        </a:rPr>
+                        <a:t>在道路网络中找到离某个世界坐标最近的车道的索引。</a:t>
+                      </a:r>
+                      <a:endParaRPr lang="en-US" altLang="zh-CN" sz="1600" b="0" kern="1200" dirty="0">
+                        <a:solidFill>
+                          <a:schemeClr val="tx1"/>
+                        </a:solidFill>
+                        <a:effectLst/>
+                        <a:latin typeface="宋体" panose="02010600030101010101" pitchFamily="2" charset="-122"/>
+                        <a:ea typeface="宋体" panose="02010600030101010101" pitchFamily="2" charset="-122"/>
+                        <a:cs typeface="+mn-cs"/>
+                      </a:endParaRPr>
+                    </a:p>
+                    <a:p>
+                      <a:pPr marL="0" marR="0" lvl="0" indent="0" algn="l" defTabSz="914400" rtl="0" eaLnBrk="1" fontAlgn="auto" latinLnBrk="0" hangingPunct="1">
+                        <a:lnSpc>
+                          <a:spcPct val="100000"/>
+                        </a:lnSpc>
+                        <a:spcBef>
+                          <a:spcPts val="0"/>
+                        </a:spcBef>
+                        <a:spcAft>
+                          <a:spcPts val="0"/>
+                        </a:spcAft>
+                        <a:buClrTx/>
+                        <a:buSzTx/>
+                        <a:buFontTx/>
+                        <a:buNone/>
+                        <a:tabLst/>
+                        <a:defRPr/>
+                      </a:pPr>
+                      <a:r>
+                        <a:rPr lang="zh-CN" altLang="en-US" sz="1600" b="0" kern="1200" dirty="0">
+                          <a:solidFill>
+                            <a:schemeClr val="tx1"/>
+                          </a:solidFill>
+                          <a:effectLst/>
+                          <a:latin typeface="宋体" panose="02010600030101010101" pitchFamily="2" charset="-122"/>
+                          <a:ea typeface="宋体" panose="02010600030101010101" pitchFamily="2" charset="-122"/>
+                          <a:cs typeface="+mn-cs"/>
+                        </a:rPr>
+                        <a:t>获取完成当前车道后的下一个车道的索引</a:t>
+                      </a:r>
+                      <a:r>
+                        <a:rPr lang="en-US" altLang="zh-CN" sz="1600" b="0" kern="1200" dirty="0">
+                          <a:solidFill>
+                            <a:schemeClr val="tx1"/>
+                          </a:solidFill>
+                          <a:effectLst/>
+                          <a:latin typeface="宋体" panose="02010600030101010101" pitchFamily="2" charset="-122"/>
+                          <a:ea typeface="宋体" panose="02010600030101010101" pitchFamily="2" charset="-122"/>
+                          <a:cs typeface="+mn-cs"/>
+                        </a:rPr>
+                        <a:t>.</a:t>
+                      </a:r>
+                    </a:p>
+                    <a:p>
+                      <a:pPr marL="0" marR="0" lvl="0" indent="0" algn="l" defTabSz="914400" rtl="0" eaLnBrk="1" fontAlgn="auto" latinLnBrk="0" hangingPunct="1">
+                        <a:lnSpc>
+                          <a:spcPct val="100000"/>
+                        </a:lnSpc>
+                        <a:spcBef>
+                          <a:spcPts val="0"/>
+                        </a:spcBef>
+                        <a:spcAft>
+                          <a:spcPts val="0"/>
+                        </a:spcAft>
+                        <a:buClrTx/>
+                        <a:buSzTx/>
+                        <a:buFontTx/>
+                        <a:buNone/>
+                        <a:tabLst/>
+                        <a:defRPr/>
+                      </a:pPr>
+                      <a:r>
+                        <a:rPr lang="zh-CN" altLang="en-US" sz="1600" b="0" kern="1200" dirty="0">
+                          <a:solidFill>
+                            <a:schemeClr val="tx1"/>
+                          </a:solidFill>
+                          <a:effectLst/>
+                          <a:latin typeface="宋体" panose="02010600030101010101" pitchFamily="2" charset="-122"/>
+                          <a:ea typeface="宋体" panose="02010600030101010101" pitchFamily="2" charset="-122"/>
+                          <a:cs typeface="+mn-cs"/>
+                        </a:rPr>
+                        <a:t>在当前车道切换到下一段道路时选择下一段道路上的最佳车道。</a:t>
+                      </a:r>
+                      <a:endParaRPr lang="en-US" altLang="zh-CN" sz="1600" b="0" kern="1200" dirty="0">
+                        <a:solidFill>
+                          <a:schemeClr val="tx1"/>
+                        </a:solidFill>
+                        <a:effectLst/>
+                        <a:latin typeface="宋体" panose="02010600030101010101" pitchFamily="2" charset="-122"/>
+                        <a:ea typeface="宋体" panose="02010600030101010101" pitchFamily="2" charset="-122"/>
+                        <a:cs typeface="+mn-cs"/>
+                      </a:endParaRPr>
+                    </a:p>
+                    <a:p>
+                      <a:pPr marL="0" marR="0" lvl="0" indent="0" algn="l" defTabSz="914400" rtl="0" eaLnBrk="1" fontAlgn="auto" latinLnBrk="0" hangingPunct="1">
+                        <a:lnSpc>
+                          <a:spcPct val="100000"/>
+                        </a:lnSpc>
+                        <a:spcBef>
+                          <a:spcPts val="0"/>
+                        </a:spcBef>
+                        <a:spcAft>
+                          <a:spcPts val="0"/>
+                        </a:spcAft>
+                        <a:buClrTx/>
+                        <a:buSzTx/>
+                        <a:buFontTx/>
+                        <a:buNone/>
+                        <a:tabLst/>
+                        <a:defRPr/>
+                      </a:pPr>
+                      <a:r>
+                        <a:rPr lang="zh-CN" altLang="en-US" sz="1600" b="0" kern="1200" dirty="0">
+                          <a:solidFill>
+                            <a:schemeClr val="tx1"/>
+                          </a:solidFill>
+                          <a:effectLst/>
+                          <a:latin typeface="宋体" panose="02010600030101010101" pitchFamily="2" charset="-122"/>
+                          <a:ea typeface="宋体" panose="02010600030101010101" pitchFamily="2" charset="-122"/>
+                          <a:cs typeface="+mn-cs"/>
+                        </a:rPr>
+                        <a:t>广度优先搜索从起点到目标的所有路线。</a:t>
+                      </a:r>
+                      <a:endParaRPr lang="en-US" altLang="zh-CN" sz="1600" b="0" kern="1200" dirty="0">
+                        <a:solidFill>
+                          <a:schemeClr val="tx1"/>
+                        </a:solidFill>
+                        <a:effectLst/>
+                        <a:latin typeface="宋体" panose="02010600030101010101" pitchFamily="2" charset="-122"/>
+                        <a:ea typeface="宋体" panose="02010600030101010101" pitchFamily="2" charset="-122"/>
+                        <a:cs typeface="+mn-cs"/>
+                      </a:endParaRPr>
+                    </a:p>
+                    <a:p>
+                      <a:pPr marL="0" marR="0" lvl="0" indent="0" algn="l" defTabSz="914400" rtl="0" eaLnBrk="1" fontAlgn="auto" latinLnBrk="0" hangingPunct="1">
+                        <a:lnSpc>
+                          <a:spcPct val="100000"/>
+                        </a:lnSpc>
+                        <a:spcBef>
+                          <a:spcPts val="0"/>
+                        </a:spcBef>
+                        <a:spcAft>
+                          <a:spcPts val="0"/>
+                        </a:spcAft>
+                        <a:buClrTx/>
+                        <a:buSzTx/>
+                        <a:buFontTx/>
+                        <a:buNone/>
+                        <a:tabLst/>
+                        <a:defRPr/>
+                      </a:pPr>
+                      <a:r>
+                        <a:rPr lang="zh-CN" altLang="en-US" sz="1600" b="0" kern="1200" dirty="0">
+                          <a:solidFill>
+                            <a:schemeClr val="tx1"/>
+                          </a:solidFill>
+                          <a:effectLst/>
+                          <a:latin typeface="宋体" panose="02010600030101010101" pitchFamily="2" charset="-122"/>
+                          <a:ea typeface="宋体" panose="02010600030101010101" pitchFamily="2" charset="-122"/>
+                          <a:cs typeface="+mn-cs"/>
+                        </a:rPr>
+                        <a:t>广度优先搜索从起点到目标的最短路径。</a:t>
+                      </a:r>
+                      <a:endParaRPr lang="en-US" altLang="zh-CN" sz="1600" b="0" kern="1200" dirty="0">
+                        <a:solidFill>
+                          <a:schemeClr val="tx1"/>
+                        </a:solidFill>
+                        <a:effectLst/>
+                        <a:latin typeface="宋体" panose="02010600030101010101" pitchFamily="2" charset="-122"/>
+                        <a:ea typeface="宋体" panose="02010600030101010101" pitchFamily="2" charset="-122"/>
+                        <a:cs typeface="+mn-cs"/>
+                      </a:endParaRPr>
+                    </a:p>
+                    <a:p>
+                      <a:pPr marL="0" marR="0" lvl="0" indent="0" algn="l" defTabSz="914400" rtl="0" eaLnBrk="1" fontAlgn="auto" latinLnBrk="0" hangingPunct="1">
+                        <a:lnSpc>
+                          <a:spcPct val="100000"/>
+                        </a:lnSpc>
+                        <a:spcBef>
+                          <a:spcPts val="0"/>
+                        </a:spcBef>
+                        <a:spcAft>
+                          <a:spcPts val="0"/>
+                        </a:spcAft>
+                        <a:buClrTx/>
+                        <a:buSzTx/>
+                        <a:buFontTx/>
+                        <a:buNone/>
+                        <a:tabLst/>
+                        <a:defRPr/>
+                      </a:pPr>
+                      <a:r>
+                        <a:rPr lang="zh-CN" altLang="en-US" sz="1600" b="0" kern="1200" dirty="0">
+                          <a:solidFill>
+                            <a:schemeClr val="tx1"/>
+                          </a:solidFill>
+                          <a:effectLst/>
+                          <a:latin typeface="宋体" panose="02010600030101010101" pitchFamily="2" charset="-122"/>
+                          <a:ea typeface="宋体" panose="02010600030101010101" pitchFamily="2" charset="-122"/>
+                          <a:cs typeface="+mn-cs"/>
+                        </a:rPr>
+                        <a:t>获取与指定车道属于同一段道路的所有车道的索引列表。</a:t>
+                      </a:r>
+                      <a:endParaRPr lang="en-US" altLang="zh-CN" sz="1600" b="0" kern="1200" dirty="0">
+                        <a:solidFill>
+                          <a:schemeClr val="tx1"/>
+                        </a:solidFill>
+                        <a:effectLst/>
+                        <a:latin typeface="宋体" panose="02010600030101010101" pitchFamily="2" charset="-122"/>
+                        <a:ea typeface="宋体" panose="02010600030101010101" pitchFamily="2" charset="-122"/>
+                        <a:cs typeface="+mn-cs"/>
+                      </a:endParaRPr>
+                    </a:p>
+                    <a:p>
+                      <a:pPr marL="0" marR="0" lvl="0" indent="0" algn="l" defTabSz="914400" rtl="0" eaLnBrk="1" fontAlgn="auto" latinLnBrk="0" hangingPunct="1">
+                        <a:lnSpc>
+                          <a:spcPct val="100000"/>
+                        </a:lnSpc>
+                        <a:spcBef>
+                          <a:spcPts val="0"/>
+                        </a:spcBef>
+                        <a:spcAft>
+                          <a:spcPts val="0"/>
+                        </a:spcAft>
+                        <a:buClrTx/>
+                        <a:buSzTx/>
+                        <a:buFontTx/>
+                        <a:buNone/>
+                        <a:tabLst/>
+                        <a:defRPr/>
+                      </a:pPr>
+                      <a:r>
+                        <a:rPr lang="zh-CN" altLang="en-US" sz="1600" b="0" kern="1200" dirty="0">
+                          <a:solidFill>
+                            <a:schemeClr val="tx1"/>
+                          </a:solidFill>
+                          <a:effectLst/>
+                          <a:latin typeface="宋体" panose="02010600030101010101" pitchFamily="2" charset="-122"/>
+                          <a:ea typeface="宋体" panose="02010600030101010101" pitchFamily="2" charset="-122"/>
+                          <a:cs typeface="+mn-cs"/>
+                        </a:rPr>
+                        <a:t>获取一个车道两侧的相邻车道（左侧和右侧车道）的索引。</a:t>
+                      </a:r>
+                      <a:endParaRPr lang="en-US" altLang="zh-CN" sz="1600" b="0" kern="1200" dirty="0">
+                        <a:solidFill>
+                          <a:schemeClr val="tx1"/>
+                        </a:solidFill>
+                        <a:effectLst/>
+                        <a:latin typeface="宋体" panose="02010600030101010101" pitchFamily="2" charset="-122"/>
+                        <a:ea typeface="宋体" panose="02010600030101010101" pitchFamily="2" charset="-122"/>
+                        <a:cs typeface="+mn-cs"/>
+                      </a:endParaRPr>
+                    </a:p>
+                    <a:p>
+                      <a:pPr marL="0" marR="0" lvl="0" indent="0" algn="l" defTabSz="914400" rtl="0" eaLnBrk="1" fontAlgn="auto" latinLnBrk="0" hangingPunct="1">
+                        <a:lnSpc>
+                          <a:spcPct val="100000"/>
+                        </a:lnSpc>
+                        <a:spcBef>
+                          <a:spcPts val="0"/>
+                        </a:spcBef>
+                        <a:spcAft>
+                          <a:spcPts val="0"/>
+                        </a:spcAft>
+                        <a:buClrTx/>
+                        <a:buSzTx/>
+                        <a:buFontTx/>
+                        <a:buNone/>
+                        <a:tabLst/>
+                        <a:defRPr/>
+                      </a:pPr>
+                      <a:r>
+                        <a:rPr lang="zh-CN" altLang="en-US" sz="1600" b="0" kern="1200" dirty="0">
+                          <a:solidFill>
+                            <a:schemeClr val="tx1"/>
+                          </a:solidFill>
+                          <a:effectLst/>
+                          <a:latin typeface="宋体" panose="02010600030101010101" pitchFamily="2" charset="-122"/>
+                          <a:ea typeface="宋体" panose="02010600030101010101" pitchFamily="2" charset="-122"/>
+                          <a:cs typeface="+mn-cs"/>
+                        </a:rPr>
+                        <a:t>判断两个车道是否属于同一条道路。</a:t>
+                      </a:r>
+                      <a:endParaRPr lang="en-US" altLang="zh-CN" sz="1600" b="0" kern="1200" dirty="0">
+                        <a:solidFill>
+                          <a:schemeClr val="tx1"/>
+                        </a:solidFill>
+                        <a:effectLst/>
+                        <a:latin typeface="宋体" panose="02010600030101010101" pitchFamily="2" charset="-122"/>
+                        <a:ea typeface="宋体" panose="02010600030101010101" pitchFamily="2" charset="-122"/>
+                        <a:cs typeface="+mn-cs"/>
+                      </a:endParaRPr>
+                    </a:p>
+                    <a:p>
+                      <a:pPr marL="0" marR="0" lvl="0" indent="0" algn="l" defTabSz="914400" rtl="0" eaLnBrk="1" fontAlgn="auto" latinLnBrk="0" hangingPunct="1">
+                        <a:lnSpc>
+                          <a:spcPct val="100000"/>
+                        </a:lnSpc>
+                        <a:spcBef>
+                          <a:spcPts val="0"/>
+                        </a:spcBef>
+                        <a:spcAft>
+                          <a:spcPts val="0"/>
+                        </a:spcAft>
+                        <a:buClrTx/>
+                        <a:buSzTx/>
+                        <a:buFontTx/>
+                        <a:buNone/>
+                        <a:tabLst/>
+                        <a:defRPr/>
+                      </a:pPr>
+                      <a:r>
+                        <a:rPr lang="zh-CN" altLang="en-US" sz="1600" b="0" kern="1200" dirty="0">
+                          <a:solidFill>
+                            <a:schemeClr val="tx1"/>
+                          </a:solidFill>
+                          <a:effectLst/>
+                          <a:latin typeface="宋体" panose="02010600030101010101" pitchFamily="2" charset="-122"/>
+                          <a:ea typeface="宋体" panose="02010600030101010101" pitchFamily="2" charset="-122"/>
+                          <a:cs typeface="+mn-cs"/>
+                        </a:rPr>
+                        <a:t>用于判断</a:t>
+                      </a:r>
+                      <a:r>
+                        <a:rPr lang="zh-CN" altLang="en-US" sz="1600" b="0" kern="1200" dirty="0">
+                          <a:solidFill>
+                            <a:schemeClr val="tx1"/>
+                          </a:solidFill>
+                          <a:effectLst/>
+                          <a:latin typeface="Times New Roman" panose="02020603050405020304" pitchFamily="18" charset="0"/>
+                          <a:ea typeface="宋体" panose="02010600030101010101" pitchFamily="2" charset="-122"/>
+                          <a:cs typeface="Times New Roman" panose="02020603050405020304" pitchFamily="18" charset="0"/>
+                        </a:rPr>
+                        <a:t>车道 </a:t>
+                      </a:r>
+                      <a:r>
+                        <a:rPr lang="en-US" altLang="zh-CN" sz="1600" b="0" kern="1200" dirty="0">
+                          <a:solidFill>
+                            <a:schemeClr val="tx1"/>
+                          </a:solidFill>
+                          <a:effectLst/>
+                          <a:latin typeface="Times New Roman" panose="02020603050405020304" pitchFamily="18" charset="0"/>
+                          <a:ea typeface="宋体" panose="02010600030101010101" pitchFamily="2" charset="-122"/>
+                          <a:cs typeface="Times New Roman" panose="02020603050405020304" pitchFamily="18" charset="0"/>
+                        </a:rPr>
+                        <a:t>1 </a:t>
+                      </a:r>
+                      <a:r>
+                        <a:rPr lang="zh-CN" altLang="en-US" sz="1600" b="0" kern="1200" dirty="0">
+                          <a:solidFill>
+                            <a:schemeClr val="tx1"/>
+                          </a:solidFill>
+                          <a:effectLst/>
+                          <a:latin typeface="Times New Roman" panose="02020603050405020304" pitchFamily="18" charset="0"/>
+                          <a:ea typeface="宋体" panose="02010600030101010101" pitchFamily="2" charset="-122"/>
+                          <a:cs typeface="Times New Roman" panose="02020603050405020304" pitchFamily="18" charset="0"/>
+                        </a:rPr>
+                        <a:t>是否引导到车道 </a:t>
+                      </a:r>
+                      <a:r>
+                        <a:rPr lang="en-US" altLang="zh-CN" sz="1600" b="0" kern="1200" dirty="0">
+                          <a:solidFill>
+                            <a:schemeClr val="tx1"/>
+                          </a:solidFill>
+                          <a:effectLst/>
+                          <a:latin typeface="Times New Roman" panose="02020603050405020304" pitchFamily="18" charset="0"/>
+                          <a:ea typeface="宋体" panose="02010600030101010101" pitchFamily="2" charset="-122"/>
+                          <a:cs typeface="Times New Roman" panose="02020603050405020304" pitchFamily="18" charset="0"/>
+                        </a:rPr>
+                        <a:t>2 </a:t>
+                      </a:r>
+                      <a:r>
+                        <a:rPr lang="zh-CN" altLang="en-US" sz="1600" b="0" kern="1200" dirty="0">
+                          <a:solidFill>
+                            <a:schemeClr val="tx1"/>
+                          </a:solidFill>
+                          <a:effectLst/>
+                          <a:latin typeface="Times New Roman" panose="02020603050405020304" pitchFamily="18" charset="0"/>
+                          <a:ea typeface="宋体" panose="02010600030101010101" pitchFamily="2" charset="-122"/>
+                          <a:cs typeface="Times New Roman" panose="02020603050405020304" pitchFamily="18" charset="0"/>
+                        </a:rPr>
+                        <a:t>所在的道路</a:t>
+                      </a:r>
+                      <a:r>
+                        <a:rPr lang="en-US" altLang="zh-CN" sz="1600" b="0" kern="1200" dirty="0">
+                          <a:solidFill>
+                            <a:schemeClr val="tx1"/>
+                          </a:solidFill>
+                          <a:effectLst/>
+                          <a:latin typeface="Times New Roman" panose="02020603050405020304" pitchFamily="18" charset="0"/>
+                          <a:ea typeface="宋体" panose="02010600030101010101" pitchFamily="2" charset="-122"/>
+                          <a:cs typeface="Times New Roman" panose="02020603050405020304" pitchFamily="18" charset="0"/>
+                        </a:rPr>
+                        <a:t>.</a:t>
+                      </a:r>
+                    </a:p>
+                    <a:p>
+                      <a:pPr marL="0" marR="0" lvl="0" indent="0" algn="l" defTabSz="914400" rtl="0" eaLnBrk="1" fontAlgn="auto" latinLnBrk="0" hangingPunct="1">
+                        <a:lnSpc>
+                          <a:spcPct val="100000"/>
+                        </a:lnSpc>
+                        <a:spcBef>
+                          <a:spcPts val="0"/>
+                        </a:spcBef>
+                        <a:spcAft>
+                          <a:spcPts val="0"/>
+                        </a:spcAft>
+                        <a:buClrTx/>
+                        <a:buSzTx/>
+                        <a:buFontTx/>
+                        <a:buNone/>
+                        <a:tabLst/>
+                        <a:defRPr/>
+                      </a:pPr>
+                      <a:r>
+                        <a:rPr lang="zh-CN" altLang="en-US" sz="1600" b="0" kern="1200" dirty="0">
+                          <a:solidFill>
+                            <a:schemeClr val="tx1"/>
+                          </a:solidFill>
+                          <a:effectLst/>
+                          <a:latin typeface="Times New Roman" panose="02020603050405020304" pitchFamily="18" charset="0"/>
+                          <a:ea typeface="宋体" panose="02010600030101010101" pitchFamily="2" charset="-122"/>
+                          <a:cs typeface="Times New Roman" panose="02020603050405020304" pitchFamily="18" charset="0"/>
+                        </a:rPr>
+                        <a:t>判断车道 </a:t>
+                      </a:r>
+                      <a:r>
+                        <a:rPr lang="en-US" altLang="zh-CN" sz="1600" b="0" kern="1200" dirty="0">
+                          <a:solidFill>
+                            <a:schemeClr val="tx1"/>
+                          </a:solidFill>
+                          <a:effectLst/>
+                          <a:latin typeface="Times New Roman" panose="02020603050405020304" pitchFamily="18" charset="0"/>
+                          <a:ea typeface="宋体" panose="02010600030101010101" pitchFamily="2" charset="-122"/>
+                          <a:cs typeface="Times New Roman" panose="02020603050405020304" pitchFamily="18" charset="0"/>
+                        </a:rPr>
+                        <a:t>2 </a:t>
+                      </a:r>
+                      <a:r>
+                        <a:rPr lang="zh-CN" altLang="en-US" sz="1600" b="0" kern="1200" dirty="0">
+                          <a:solidFill>
+                            <a:schemeClr val="tx1"/>
+                          </a:solidFill>
+                          <a:effectLst/>
+                          <a:latin typeface="Times New Roman" panose="02020603050405020304" pitchFamily="18" charset="0"/>
+                          <a:ea typeface="宋体" panose="02010600030101010101" pitchFamily="2" charset="-122"/>
+                          <a:cs typeface="Times New Roman" panose="02020603050405020304" pitchFamily="18" charset="0"/>
+                        </a:rPr>
+                        <a:t>是否位于车道 </a:t>
+                      </a:r>
+                      <a:r>
+                        <a:rPr lang="en-US" altLang="zh-CN" sz="1600" b="0" kern="1200" dirty="0">
+                          <a:solidFill>
+                            <a:schemeClr val="tx1"/>
+                          </a:solidFill>
+                          <a:effectLst/>
+                          <a:latin typeface="Times New Roman" panose="02020603050405020304" pitchFamily="18" charset="0"/>
+                          <a:ea typeface="宋体" panose="02010600030101010101" pitchFamily="2" charset="-122"/>
+                          <a:cs typeface="Times New Roman" panose="02020603050405020304" pitchFamily="18" charset="0"/>
+                        </a:rPr>
+                        <a:t>1 </a:t>
+                      </a:r>
+                      <a:r>
+                        <a:rPr lang="zh-CN" altLang="en-US" sz="1600" b="0" kern="1200" dirty="0">
+                          <a:solidFill>
+                            <a:schemeClr val="tx1"/>
+                          </a:solidFill>
+                          <a:effectLst/>
+                          <a:latin typeface="Times New Roman" panose="02020603050405020304" pitchFamily="18" charset="0"/>
+                          <a:ea typeface="宋体" panose="02010600030101010101" pitchFamily="2" charset="-122"/>
+                          <a:cs typeface="Times New Roman" panose="02020603050405020304" pitchFamily="18" charset="0"/>
+                        </a:rPr>
+                        <a:t>的路径</a:t>
+                      </a:r>
+                      <a:r>
+                        <a:rPr lang="zh-CN" altLang="en-US" sz="1600" b="0" kern="1200" dirty="0">
+                          <a:solidFill>
+                            <a:schemeClr val="tx1"/>
+                          </a:solidFill>
+                          <a:effectLst/>
+                          <a:latin typeface="宋体" panose="02010600030101010101" pitchFamily="2" charset="-122"/>
+                          <a:ea typeface="宋体" panose="02010600030101010101" pitchFamily="2" charset="-122"/>
+                          <a:cs typeface="+mn-cs"/>
+                        </a:rPr>
+                        <a:t>上</a:t>
+                      </a:r>
+                      <a:endParaRPr lang="en-US" altLang="zh-CN" sz="1600" b="0" kern="1200" dirty="0">
+                        <a:solidFill>
+                          <a:schemeClr val="tx1"/>
+                        </a:solidFill>
+                        <a:effectLst/>
+                        <a:latin typeface="宋体" panose="02010600030101010101" pitchFamily="2" charset="-122"/>
+                        <a:ea typeface="宋体" panose="02010600030101010101" pitchFamily="2" charset="-122"/>
+                        <a:cs typeface="+mn-cs"/>
+                      </a:endParaRPr>
+                    </a:p>
+                    <a:p>
+                      <a:pPr marL="0" marR="0" lvl="0" indent="0" algn="l" defTabSz="914400" rtl="0" eaLnBrk="1" fontAlgn="auto" latinLnBrk="0" hangingPunct="1">
+                        <a:lnSpc>
+                          <a:spcPct val="100000"/>
+                        </a:lnSpc>
+                        <a:spcBef>
+                          <a:spcPts val="0"/>
+                        </a:spcBef>
+                        <a:spcAft>
+                          <a:spcPts val="0"/>
+                        </a:spcAft>
+                        <a:buClrTx/>
+                        <a:buSzTx/>
+                        <a:buFontTx/>
+                        <a:buNone/>
+                        <a:tabLst/>
+                        <a:defRPr/>
+                      </a:pPr>
+                      <a:r>
+                        <a:rPr lang="zh-CN" altLang="en-US" sz="1600" b="0" kern="1200" dirty="0">
+                          <a:solidFill>
+                            <a:schemeClr val="tx1"/>
+                          </a:solidFill>
+                          <a:effectLst/>
+                          <a:latin typeface="宋体" panose="02010600030101010101" pitchFamily="2" charset="-122"/>
+                          <a:ea typeface="宋体" panose="02010600030101010101" pitchFamily="2" charset="-122"/>
+                          <a:cs typeface="+mn-cs"/>
+                        </a:rPr>
+                        <a:t>返回一个包含所有车道的列表</a:t>
+                      </a:r>
+                      <a:r>
+                        <a:rPr lang="en-US" altLang="zh-CN" sz="1600" b="0" kern="1200" dirty="0">
+                          <a:solidFill>
+                            <a:schemeClr val="tx1"/>
+                          </a:solidFill>
+                          <a:effectLst/>
+                          <a:latin typeface="宋体" panose="02010600030101010101" pitchFamily="2" charset="-122"/>
+                          <a:ea typeface="宋体" panose="02010600030101010101" pitchFamily="2" charset="-122"/>
+                          <a:cs typeface="+mn-cs"/>
+                        </a:rPr>
+                        <a:t>.</a:t>
+                      </a:r>
+                    </a:p>
+                    <a:p>
+                      <a:pPr marL="0" marR="0" lvl="0" indent="0" algn="l" defTabSz="914400" rtl="0" eaLnBrk="1" fontAlgn="auto" latinLnBrk="0" hangingPunct="1">
+                        <a:lnSpc>
+                          <a:spcPct val="100000"/>
+                        </a:lnSpc>
+                        <a:spcBef>
+                          <a:spcPts val="0"/>
+                        </a:spcBef>
+                        <a:spcAft>
+                          <a:spcPts val="0"/>
+                        </a:spcAft>
+                        <a:buClrTx/>
+                        <a:buSzTx/>
+                        <a:buFontTx/>
+                        <a:buNone/>
+                        <a:tabLst/>
+                        <a:defRPr/>
+                      </a:pPr>
+                      <a:r>
+                        <a:rPr lang="zh-CN" altLang="en-US" sz="1600" b="0" kern="1200" dirty="0">
+                          <a:solidFill>
+                            <a:schemeClr val="tx1"/>
+                          </a:solidFill>
+                          <a:effectLst/>
+                          <a:latin typeface="宋体" panose="02010600030101010101" pitchFamily="2" charset="-122"/>
+                          <a:ea typeface="宋体" panose="02010600030101010101" pitchFamily="2" charset="-122"/>
+                          <a:cs typeface="+mn-cs"/>
+                        </a:rPr>
+                        <a:t>返回一个字典</a:t>
+                      </a:r>
+                      <a:r>
+                        <a:rPr lang="en-US" altLang="zh-CN" sz="1600" b="0" kern="1200" dirty="0">
+                          <a:solidFill>
+                            <a:schemeClr val="tx1"/>
+                          </a:solidFill>
+                          <a:effectLst/>
+                          <a:latin typeface="宋体" panose="02010600030101010101" pitchFamily="2" charset="-122"/>
+                          <a:ea typeface="宋体" panose="02010600030101010101" pitchFamily="2" charset="-122"/>
+                          <a:cs typeface="+mn-cs"/>
+                        </a:rPr>
+                        <a:t>,</a:t>
+                      </a:r>
+                      <a:r>
+                        <a:rPr lang="zh-CN" altLang="en-US" sz="1600" b="0" kern="1200" dirty="0">
+                          <a:solidFill>
+                            <a:schemeClr val="tx1"/>
+                          </a:solidFill>
+                          <a:effectLst/>
+                          <a:latin typeface="宋体" panose="02010600030101010101" pitchFamily="2" charset="-122"/>
+                          <a:ea typeface="宋体" panose="02010600030101010101" pitchFamily="2" charset="-122"/>
+                          <a:cs typeface="+mn-cs"/>
+                        </a:rPr>
+                        <a:t>键是</a:t>
+                      </a:r>
+                      <a:r>
+                        <a:rPr lang="en-US" altLang="zh-CN" sz="1600" b="0" kern="1200" dirty="0">
+                          <a:solidFill>
+                            <a:schemeClr val="tx1"/>
+                          </a:solidFill>
+                          <a:effectLst/>
+                          <a:latin typeface="宋体" panose="02010600030101010101" pitchFamily="2" charset="-122"/>
+                          <a:ea typeface="宋体" panose="02010600030101010101" pitchFamily="2" charset="-122"/>
+                          <a:cs typeface="+mn-cs"/>
+                        </a:rPr>
+                        <a:t>(</a:t>
+                      </a:r>
+                      <a:r>
+                        <a:rPr lang="zh-CN" altLang="en-US" sz="1600" b="0" kern="1200" dirty="0">
+                          <a:solidFill>
+                            <a:schemeClr val="tx1"/>
+                          </a:solidFill>
+                          <a:effectLst/>
+                          <a:latin typeface="宋体" panose="02010600030101010101" pitchFamily="2" charset="-122"/>
+                          <a:ea typeface="宋体" panose="02010600030101010101" pitchFamily="2" charset="-122"/>
+                          <a:cs typeface="+mn-cs"/>
+                        </a:rPr>
+                        <a:t>起点</a:t>
+                      </a:r>
+                      <a:r>
+                        <a:rPr lang="en-US" altLang="zh-CN" sz="1600" b="0" kern="1200" dirty="0">
+                          <a:solidFill>
+                            <a:schemeClr val="tx1"/>
+                          </a:solidFill>
+                          <a:effectLst/>
+                          <a:latin typeface="宋体" panose="02010600030101010101" pitchFamily="2" charset="-122"/>
+                          <a:ea typeface="宋体" panose="02010600030101010101" pitchFamily="2" charset="-122"/>
+                          <a:cs typeface="+mn-cs"/>
+                        </a:rPr>
+                        <a:t>,</a:t>
+                      </a:r>
+                      <a:r>
+                        <a:rPr lang="zh-CN" altLang="en-US" sz="1600" b="0" kern="1200" dirty="0">
+                          <a:solidFill>
+                            <a:schemeClr val="tx1"/>
+                          </a:solidFill>
+                          <a:effectLst/>
+                          <a:latin typeface="宋体" panose="02010600030101010101" pitchFamily="2" charset="-122"/>
+                          <a:ea typeface="宋体" panose="02010600030101010101" pitchFamily="2" charset="-122"/>
+                          <a:cs typeface="+mn-cs"/>
+                        </a:rPr>
+                        <a:t>终点</a:t>
+                      </a:r>
+                      <a:r>
+                        <a:rPr lang="en-US" altLang="zh-CN" sz="1600" b="0" kern="1200" dirty="0">
+                          <a:solidFill>
+                            <a:schemeClr val="tx1"/>
+                          </a:solidFill>
+                          <a:effectLst/>
+                          <a:latin typeface="宋体" panose="02010600030101010101" pitchFamily="2" charset="-122"/>
+                          <a:ea typeface="宋体" panose="02010600030101010101" pitchFamily="2" charset="-122"/>
+                          <a:cs typeface="+mn-cs"/>
+                        </a:rPr>
+                        <a:t>,</a:t>
+                      </a:r>
+                      <a:r>
+                        <a:rPr lang="zh-CN" altLang="en-US" sz="1600" b="0" kern="1200" dirty="0">
+                          <a:solidFill>
+                            <a:schemeClr val="tx1"/>
+                          </a:solidFill>
+                          <a:effectLst/>
+                          <a:latin typeface="宋体" panose="02010600030101010101" pitchFamily="2" charset="-122"/>
+                          <a:ea typeface="宋体" panose="02010600030101010101" pitchFamily="2" charset="-122"/>
+                          <a:cs typeface="+mn-cs"/>
+                        </a:rPr>
+                        <a:t>车道编号</a:t>
+                      </a:r>
+                      <a:r>
+                        <a:rPr lang="en-US" altLang="zh-CN" sz="1600" b="0" kern="1200" dirty="0">
+                          <a:solidFill>
+                            <a:schemeClr val="tx1"/>
+                          </a:solidFill>
+                          <a:effectLst/>
+                          <a:latin typeface="宋体" panose="02010600030101010101" pitchFamily="2" charset="-122"/>
+                          <a:ea typeface="宋体" panose="02010600030101010101" pitchFamily="2" charset="-122"/>
+                          <a:cs typeface="+mn-cs"/>
+                        </a:rPr>
+                        <a:t>),</a:t>
+                      </a:r>
+                      <a:r>
+                        <a:rPr lang="zh-CN" altLang="en-US" sz="1600" b="0" kern="1200" dirty="0">
+                          <a:solidFill>
+                            <a:schemeClr val="tx1"/>
+                          </a:solidFill>
+                          <a:effectLst/>
+                          <a:latin typeface="宋体" panose="02010600030101010101" pitchFamily="2" charset="-122"/>
+                          <a:ea typeface="宋体" panose="02010600030101010101" pitchFamily="2" charset="-122"/>
+                          <a:cs typeface="+mn-cs"/>
+                        </a:rPr>
+                        <a:t>值是对应的车道对象。</a:t>
+                      </a:r>
+                      <a:endParaRPr lang="en-US" altLang="zh-CN" sz="1600" b="0" kern="1200" dirty="0">
+                        <a:solidFill>
+                          <a:schemeClr val="tx1"/>
+                        </a:solidFill>
+                        <a:effectLst/>
+                        <a:latin typeface="宋体" panose="02010600030101010101" pitchFamily="2" charset="-122"/>
+                        <a:ea typeface="宋体" panose="02010600030101010101" pitchFamily="2" charset="-122"/>
+                        <a:cs typeface="+mn-cs"/>
+                      </a:endParaRPr>
+                    </a:p>
+                    <a:p>
+                      <a:pPr marL="0" marR="0" lvl="0" indent="0" algn="l" defTabSz="914400" rtl="0" eaLnBrk="1" fontAlgn="auto" latinLnBrk="0" hangingPunct="1">
+                        <a:lnSpc>
+                          <a:spcPct val="100000"/>
+                        </a:lnSpc>
+                        <a:spcBef>
+                          <a:spcPts val="0"/>
+                        </a:spcBef>
+                        <a:spcAft>
+                          <a:spcPts val="0"/>
+                        </a:spcAft>
+                        <a:buClrTx/>
+                        <a:buSzTx/>
+                        <a:buFontTx/>
+                        <a:buNone/>
+                        <a:tabLst/>
+                        <a:defRPr/>
+                      </a:pPr>
+                      <a:r>
+                        <a:rPr lang="zh-CN" altLang="en-US" sz="1600" b="0" kern="1200" dirty="0">
+                          <a:solidFill>
+                            <a:srgbClr val="FF0000"/>
+                          </a:solidFill>
+                          <a:effectLst/>
+                          <a:latin typeface="宋体" panose="02010600030101010101" pitchFamily="2" charset="-122"/>
+                          <a:ea typeface="宋体" panose="02010600030101010101" pitchFamily="2" charset="-122"/>
+                          <a:cs typeface="+mn-cs"/>
+                        </a:rPr>
+                        <a:t>创建一个直线型的道路网络。</a:t>
+                      </a:r>
+                      <a:endParaRPr lang="en-US" altLang="zh-CN" sz="1600" b="0" kern="1200" dirty="0">
+                        <a:solidFill>
+                          <a:srgbClr val="FF0000"/>
+                        </a:solidFill>
+                        <a:effectLst/>
+                        <a:latin typeface="宋体" panose="02010600030101010101" pitchFamily="2" charset="-122"/>
+                        <a:ea typeface="宋体" panose="02010600030101010101" pitchFamily="2" charset="-122"/>
+                        <a:cs typeface="+mn-cs"/>
+                      </a:endParaRPr>
+                    </a:p>
+                    <a:p>
+                      <a:pPr marL="0" marR="0" lvl="0" indent="0" algn="l" defTabSz="914400" rtl="0" eaLnBrk="1" fontAlgn="auto" latinLnBrk="0" hangingPunct="1">
+                        <a:lnSpc>
+                          <a:spcPct val="100000"/>
+                        </a:lnSpc>
+                        <a:spcBef>
+                          <a:spcPts val="0"/>
+                        </a:spcBef>
+                        <a:spcAft>
+                          <a:spcPts val="0"/>
+                        </a:spcAft>
+                        <a:buClrTx/>
+                        <a:buSzTx/>
+                        <a:buFontTx/>
+                        <a:buNone/>
+                        <a:tabLst/>
+                        <a:defRPr/>
+                      </a:pPr>
+                      <a:r>
+                        <a:rPr lang="zh-CN" altLang="en-US" sz="1600" b="0" kern="1200" dirty="0">
+                          <a:solidFill>
+                            <a:schemeClr val="tx1"/>
+                          </a:solidFill>
+                          <a:effectLst/>
+                          <a:latin typeface="宋体" panose="02010600030101010101" pitchFamily="2" charset="-122"/>
+                          <a:ea typeface="宋体" panose="02010600030101010101" pitchFamily="2" charset="-122"/>
+                          <a:cs typeface="+mn-cs"/>
+                        </a:rPr>
+                        <a:t>计算在某条路径上车辆的绝对位置和航向角。</a:t>
+                      </a:r>
+                      <a:endParaRPr lang="en-US" altLang="zh-CN" sz="1600" b="0" kern="1200" dirty="0">
+                        <a:solidFill>
+                          <a:schemeClr val="tx1"/>
+                        </a:solidFill>
+                        <a:effectLst/>
+                        <a:latin typeface="宋体" panose="02010600030101010101" pitchFamily="2" charset="-122"/>
+                        <a:ea typeface="宋体" panose="02010600030101010101" pitchFamily="2" charset="-122"/>
+                        <a:cs typeface="+mn-cs"/>
+                      </a:endParaRPr>
+                    </a:p>
+                    <a:p>
+                      <a:pPr marL="0" marR="0" lvl="0" indent="0" algn="l" defTabSz="914400" rtl="0" eaLnBrk="1" fontAlgn="auto" latinLnBrk="0" hangingPunct="1">
+                        <a:lnSpc>
+                          <a:spcPct val="100000"/>
+                        </a:lnSpc>
+                        <a:spcBef>
+                          <a:spcPts val="0"/>
+                        </a:spcBef>
+                        <a:spcAft>
+                          <a:spcPts val="0"/>
+                        </a:spcAft>
+                        <a:buClrTx/>
+                        <a:buSzTx/>
+                        <a:buFontTx/>
+                        <a:buNone/>
+                        <a:tabLst/>
+                        <a:defRPr/>
+                      </a:pPr>
+                      <a:r>
+                        <a:rPr lang="zh-CN" altLang="en-US" sz="1600" b="0" kern="1200" dirty="0">
+                          <a:solidFill>
+                            <a:schemeClr val="tx1"/>
+                          </a:solidFill>
+                          <a:effectLst/>
+                          <a:latin typeface="宋体" panose="02010600030101010101" pitchFamily="2" charset="-122"/>
+                          <a:ea typeface="宋体" panose="02010600030101010101" pitchFamily="2" charset="-122"/>
+                          <a:cs typeface="+mn-cs"/>
+                        </a:rPr>
+                        <a:t>从道路网络</a:t>
+                      </a:r>
+                      <a:r>
+                        <a:rPr lang="zh-CN" altLang="en-US" sz="1600" b="0" kern="1200" dirty="0">
+                          <a:solidFill>
+                            <a:schemeClr val="tx1"/>
+                          </a:solidFill>
+                          <a:effectLst/>
+                          <a:latin typeface="Times New Roman" panose="02020603050405020304" pitchFamily="18" charset="0"/>
+                          <a:ea typeface="宋体" panose="02010600030101010101" pitchFamily="2" charset="-122"/>
+                          <a:cs typeface="Times New Roman" panose="02020603050405020304" pitchFamily="18" charset="0"/>
+                        </a:rPr>
+                        <a:t>中随机选择一个车道的索引，并返回该车道的索引。</a:t>
+                      </a:r>
+                      <a:endParaRPr lang="en-US" altLang="zh-CN" sz="1600" b="0" kern="1200" dirty="0">
+                        <a:solidFill>
+                          <a:schemeClr val="tx1"/>
+                        </a:solidFill>
+                        <a:effectLst/>
+                        <a:latin typeface="Times New Roman" panose="02020603050405020304" pitchFamily="18" charset="0"/>
+                        <a:ea typeface="宋体" panose="02010600030101010101" pitchFamily="2" charset="-122"/>
+                        <a:cs typeface="Times New Roman" panose="02020603050405020304" pitchFamily="18" charset="0"/>
+                      </a:endParaRPr>
+                    </a:p>
+                    <a:p>
+                      <a:pPr marL="0" marR="0" lvl="0" indent="0" algn="l" defTabSz="914400" rtl="0" eaLnBrk="1" fontAlgn="auto" latinLnBrk="0" hangingPunct="1">
+                        <a:lnSpc>
+                          <a:spcPct val="100000"/>
+                        </a:lnSpc>
+                        <a:spcBef>
+                          <a:spcPts val="0"/>
+                        </a:spcBef>
+                        <a:spcAft>
+                          <a:spcPts val="0"/>
+                        </a:spcAft>
+                        <a:buClrTx/>
+                        <a:buSzTx/>
+                        <a:buFontTx/>
+                        <a:buNone/>
+                        <a:tabLst/>
+                        <a:defRPr/>
+                      </a:pPr>
+                      <a:r>
+                        <a:rPr lang="zh-CN" altLang="en-US" sz="1600" b="0" kern="1200" dirty="0">
+                          <a:solidFill>
+                            <a:schemeClr val="tx1"/>
+                          </a:solidFill>
+                          <a:effectLst/>
+                          <a:latin typeface="Times New Roman" panose="02020603050405020304" pitchFamily="18" charset="0"/>
+                          <a:ea typeface="宋体" panose="02010600030101010101" pitchFamily="2" charset="-122"/>
+                          <a:cs typeface="Times New Roman" panose="02020603050405020304" pitchFamily="18" charset="0"/>
+                        </a:rPr>
+                        <a:t>根据提供的配置字典（</a:t>
+                      </a:r>
+                      <a:r>
+                        <a:rPr lang="en-US" altLang="zh-CN" sz="1600" b="0" kern="1200" dirty="0">
+                          <a:solidFill>
+                            <a:schemeClr val="tx1"/>
+                          </a:solidFill>
+                          <a:effectLst/>
+                          <a:latin typeface="Times New Roman" panose="02020603050405020304" pitchFamily="18" charset="0"/>
+                          <a:ea typeface="宋体" panose="02010600030101010101" pitchFamily="2" charset="-122"/>
+                          <a:cs typeface="Times New Roman" panose="02020603050405020304" pitchFamily="18" charset="0"/>
+                        </a:rPr>
+                        <a:t>config</a:t>
+                      </a:r>
+                      <a:r>
+                        <a:rPr lang="zh-CN" altLang="en-US" sz="1600" b="0" kern="1200" dirty="0">
+                          <a:solidFill>
+                            <a:schemeClr val="tx1"/>
+                          </a:solidFill>
+                          <a:effectLst/>
+                          <a:latin typeface="Times New Roman" panose="02020603050405020304" pitchFamily="18" charset="0"/>
+                          <a:ea typeface="宋体" panose="02010600030101010101" pitchFamily="2" charset="-122"/>
+                          <a:cs typeface="Times New Roman" panose="02020603050405020304" pitchFamily="18" charset="0"/>
+                        </a:rPr>
+                        <a:t>）初始化一个 </a:t>
+                      </a:r>
+                      <a:r>
+                        <a:rPr lang="en-US" altLang="zh-CN" sz="1600" b="0" kern="1200" dirty="0">
+                          <a:solidFill>
+                            <a:schemeClr val="tx1"/>
+                          </a:solidFill>
+                          <a:effectLst/>
+                          <a:latin typeface="Times New Roman" panose="02020603050405020304" pitchFamily="18" charset="0"/>
+                          <a:ea typeface="宋体" panose="02010600030101010101" pitchFamily="2" charset="-122"/>
+                          <a:cs typeface="Times New Roman" panose="02020603050405020304" pitchFamily="18" charset="0"/>
+                        </a:rPr>
+                        <a:t>RoadNetwork </a:t>
+                      </a:r>
+                      <a:r>
+                        <a:rPr lang="zh-CN" altLang="en-US" sz="1600" b="0" kern="1200" dirty="0">
+                          <a:solidFill>
+                            <a:schemeClr val="tx1"/>
+                          </a:solidFill>
+                          <a:effectLst/>
+                          <a:latin typeface="Times New Roman" panose="02020603050405020304" pitchFamily="18" charset="0"/>
+                          <a:ea typeface="宋体" panose="02010600030101010101" pitchFamily="2" charset="-122"/>
+                          <a:cs typeface="Times New Roman" panose="02020603050405020304" pitchFamily="18" charset="0"/>
+                        </a:rPr>
+                        <a:t>对象</a:t>
+                      </a:r>
+                      <a:endParaRPr lang="en-US" altLang="zh-CN" sz="1600" b="0" kern="1200" dirty="0">
+                        <a:solidFill>
+                          <a:schemeClr val="tx1"/>
+                        </a:solidFill>
+                        <a:effectLst/>
+                        <a:latin typeface="Times New Roman" panose="02020603050405020304" pitchFamily="18" charset="0"/>
+                        <a:ea typeface="宋体" panose="02010600030101010101" pitchFamily="2" charset="-122"/>
+                        <a:cs typeface="Times New Roman" panose="02020603050405020304" pitchFamily="18" charset="0"/>
+                      </a:endParaRPr>
+                    </a:p>
+                    <a:p>
+                      <a:pPr marL="0" marR="0" lvl="0" indent="0" algn="l" defTabSz="914400" rtl="0" eaLnBrk="1" fontAlgn="auto" latinLnBrk="0" hangingPunct="1">
+                        <a:lnSpc>
+                          <a:spcPct val="100000"/>
+                        </a:lnSpc>
+                        <a:spcBef>
+                          <a:spcPts val="0"/>
+                        </a:spcBef>
+                        <a:spcAft>
+                          <a:spcPts val="0"/>
+                        </a:spcAft>
+                        <a:buClrTx/>
+                        <a:buSzTx/>
+                        <a:buFontTx/>
+                        <a:buNone/>
+                        <a:tabLst/>
+                        <a:defRPr/>
+                      </a:pPr>
+                      <a:r>
+                        <a:rPr lang="zh-CN" altLang="en-US" sz="1600" b="0" kern="1200" dirty="0">
+                          <a:solidFill>
+                            <a:schemeClr val="tx1"/>
+                          </a:solidFill>
+                          <a:effectLst/>
+                          <a:latin typeface="Times New Roman" panose="02020603050405020304" pitchFamily="18" charset="0"/>
+                          <a:ea typeface="宋体" panose="02010600030101010101" pitchFamily="2" charset="-122"/>
+                          <a:cs typeface="Times New Roman" panose="02020603050405020304" pitchFamily="18" charset="0"/>
+                        </a:rPr>
+                        <a:t>将当前的 </a:t>
+                      </a:r>
+                      <a:r>
+                        <a:rPr lang="en-US" altLang="zh-CN" sz="1600" b="0" kern="1200" dirty="0">
+                          <a:solidFill>
+                            <a:schemeClr val="tx1"/>
+                          </a:solidFill>
+                          <a:effectLst/>
+                          <a:latin typeface="Times New Roman" panose="02020603050405020304" pitchFamily="18" charset="0"/>
+                          <a:ea typeface="宋体" panose="02010600030101010101" pitchFamily="2" charset="-122"/>
+                          <a:cs typeface="Times New Roman" panose="02020603050405020304" pitchFamily="18" charset="0"/>
+                        </a:rPr>
+                        <a:t>RoadNetwork </a:t>
+                      </a:r>
+                      <a:r>
+                        <a:rPr lang="zh-CN" altLang="en-US" sz="1600" b="0" kern="1200" dirty="0">
+                          <a:solidFill>
+                            <a:schemeClr val="tx1"/>
+                          </a:solidFill>
+                          <a:effectLst/>
+                          <a:latin typeface="Times New Roman" panose="02020603050405020304" pitchFamily="18" charset="0"/>
+                          <a:ea typeface="宋体" panose="02010600030101010101" pitchFamily="2" charset="-122"/>
+                          <a:cs typeface="Times New Roman" panose="02020603050405020304" pitchFamily="18" charset="0"/>
+                        </a:rPr>
+                        <a:t>对象转换为配置</a:t>
+                      </a:r>
+                      <a:r>
+                        <a:rPr lang="zh-CN" altLang="en-US" sz="1600" b="0" kern="1200" dirty="0">
+                          <a:solidFill>
+                            <a:schemeClr val="tx1"/>
+                          </a:solidFill>
+                          <a:effectLst/>
+                          <a:latin typeface="宋体" panose="02010600030101010101" pitchFamily="2" charset="-122"/>
+                          <a:ea typeface="宋体" panose="02010600030101010101" pitchFamily="2" charset="-122"/>
+                          <a:cs typeface="+mn-cs"/>
+                        </a:rPr>
+                        <a:t>字典的形式</a:t>
+                      </a:r>
+                      <a:endParaRPr lang="en-US" altLang="zh-CN" sz="1600" b="0" kern="1200" dirty="0">
+                        <a:solidFill>
+                          <a:schemeClr val="tx1"/>
+                        </a:solidFill>
+                        <a:effectLst/>
+                        <a:latin typeface="宋体" panose="02010600030101010101" pitchFamily="2" charset="-122"/>
+                        <a:ea typeface="宋体" panose="02010600030101010101" pitchFamily="2" charset="-122"/>
+                        <a:cs typeface="+mn-cs"/>
+                      </a:endParaRPr>
+                    </a:p>
+                  </a:txBody>
+                  <a:tcPr anchor="ctr"/>
+                </a:tc>
+                <a:extLst>
+                  <a:ext uri="{0D108BD9-81ED-4DB2-BD59-A6C34878D82A}">
+                    <a16:rowId xmlns:a16="http://schemas.microsoft.com/office/drawing/2014/main" val="2743093702"/>
+                  </a:ext>
+                </a:extLst>
+              </a:tr>
+            </a:tbl>
+          </a:graphicData>
+        </a:graphic>
+      </p:graphicFrame>
+    </p:spTree>
+    <p:extLst>
+      <p:ext uri="{BB962C8B-B14F-4D97-AF65-F5344CB8AC3E}">
+        <p14:creationId xmlns:p14="http://schemas.microsoft.com/office/powerpoint/2010/main" val="2834754328"/>
+      </p:ext>
+    </p:extLst>
+  </p:cSld>
+  <p:clrMapOvr>
+    <a:masterClrMapping/>
+  </p:clrMapOvr>
+</p:sld>
+</file>
+
+<file path=ppt/slides/slide15.xml><?xml version="1.0" encoding="utf-8"?>
+<p:sld xmlns:a="http://schemas.openxmlformats.org/drawingml/2006/main" xmlns:r="http://schemas.openxmlformats.org/officeDocument/2006/relationships" xmlns:p="http://schemas.openxmlformats.org/presentationml/2006/main">
+  <p:cSld>
+    <p:spTree>
+      <p:nvGrpSpPr>
+        <p:cNvPr id="1" name="">
+          <a:extLst>
+            <a:ext uri="{FF2B5EF4-FFF2-40B4-BE49-F238E27FC236}">
+              <a16:creationId xmlns:a16="http://schemas.microsoft.com/office/drawing/2014/main" id="{B45D0E5D-984D-2855-AA41-43F39E7B9A5F}"/>
+            </a:ext>
+          </a:extLst>
+        </p:cNvPr>
+        <p:cNvGrpSpPr/>
+        <p:nvPr/>
+      </p:nvGrpSpPr>
+      <p:grpSpPr>
+        <a:xfrm>
+          <a:off x="0" y="0"/>
+          <a:ext cx="0" cy="0"/>
+          <a:chOff x="0" y="0"/>
+          <a:chExt cx="0" cy="0"/>
+        </a:xfrm>
+      </p:grpSpPr>
+      <p:sp>
+        <p:nvSpPr>
+          <p:cNvPr id="4" name="文本框 3">
+            <a:extLst>
+              <a:ext uri="{FF2B5EF4-FFF2-40B4-BE49-F238E27FC236}">
+                <a16:creationId xmlns:a16="http://schemas.microsoft.com/office/drawing/2014/main" id="{24032542-D8EB-8457-93A8-DE99DEA97FF0}"/>
+              </a:ext>
+            </a:extLst>
+          </p:cNvPr>
+          <p:cNvSpPr txBox="1"/>
+          <p:nvPr/>
+        </p:nvSpPr>
+        <p:spPr>
+          <a:xfrm>
+            <a:off x="231530" y="181707"/>
+            <a:ext cx="3760177" cy="523220"/>
+          </a:xfrm>
+          <a:prstGeom prst="rect">
+            <a:avLst/>
+          </a:prstGeom>
+          <a:noFill/>
+        </p:spPr>
+        <p:txBody>
+          <a:bodyPr wrap="square" rtlCol="0">
+            <a:spAutoFit/>
+          </a:bodyPr>
+          <a:lstStyle/>
+          <a:p>
+            <a:r>
+              <a:rPr lang="en-US" altLang="zh-CN" sz="2800" dirty="0">
+                <a:latin typeface="Times New Roman" panose="02020603050405020304" pitchFamily="18" charset="0"/>
+                <a:ea typeface="宋体" panose="02010600030101010101" pitchFamily="2" charset="-122"/>
+                <a:cs typeface="Times New Roman" panose="02020603050405020304" pitchFamily="18" charset="0"/>
+              </a:rPr>
+              <a:t>road—road.py</a:t>
+            </a:r>
+          </a:p>
+        </p:txBody>
+      </p:sp>
+      <p:graphicFrame>
+        <p:nvGraphicFramePr>
+          <p:cNvPr id="2" name="表格 1">
+            <a:extLst>
+              <a:ext uri="{FF2B5EF4-FFF2-40B4-BE49-F238E27FC236}">
+                <a16:creationId xmlns:a16="http://schemas.microsoft.com/office/drawing/2014/main" id="{A1E94D6E-C902-5D34-5C20-F637AD13FC86}"/>
+              </a:ext>
+            </a:extLst>
+          </p:cNvPr>
+          <p:cNvGraphicFramePr>
+            <a:graphicFrameLocks noGrp="1"/>
+          </p:cNvGraphicFramePr>
+          <p:nvPr>
+            <p:extLst>
+              <p:ext uri="{D42A27DB-BD31-4B8C-83A1-F6EECF244321}">
+                <p14:modId xmlns:p14="http://schemas.microsoft.com/office/powerpoint/2010/main" val="3476831662"/>
+              </p:ext>
+            </p:extLst>
+          </p:nvPr>
+        </p:nvGraphicFramePr>
+        <p:xfrm>
+          <a:off x="206982" y="1066392"/>
+          <a:ext cx="5801056" cy="2540000"/>
+        </p:xfrm>
+        <a:graphic>
+          <a:graphicData uri="http://schemas.openxmlformats.org/drawingml/2006/table">
+            <a:tbl>
+              <a:tblPr firstRow="1" bandRow="1"/>
+              <a:tblGrid>
+                <a:gridCol w="5801056">
+                  <a:extLst>
+                    <a:ext uri="{9D8B030D-6E8A-4147-A177-3AD203B41FA5}">
+                      <a16:colId xmlns:a16="http://schemas.microsoft.com/office/drawing/2014/main" val="3867985458"/>
+                    </a:ext>
+                  </a:extLst>
+                </a:gridCol>
+              </a:tblGrid>
+              <a:tr h="370840">
+                <a:tc>
+                  <a:txBody>
+                    <a:bodyPr/>
+                    <a:lstStyle/>
+                    <a:p>
+                      <a:pPr algn="ctr"/>
+                      <a:r>
+                        <a:rPr lang="en-US" altLang="zh-CN" dirty="0">
+                          <a:latin typeface="Times New Roman" panose="02020603050405020304" pitchFamily="18" charset="0"/>
+                          <a:ea typeface="宋体" panose="02010600030101010101" pitchFamily="2" charset="-122"/>
+                          <a:cs typeface="Times New Roman" panose="02020603050405020304" pitchFamily="18" charset="0"/>
+                        </a:rPr>
+                        <a:t>Road</a:t>
+                      </a:r>
+                      <a:endParaRPr lang="zh-CN" altLang="en-US" dirty="0">
+                        <a:latin typeface="Times New Roman" panose="02020603050405020304" pitchFamily="18" charset="0"/>
+                        <a:ea typeface="宋体" panose="02010600030101010101" pitchFamily="2" charset="-122"/>
+                        <a:cs typeface="Times New Roman" panose="02020603050405020304" pitchFamily="18" charset="0"/>
+                      </a:endParaRPr>
+                    </a:p>
+                  </a:txBody>
+                  <a:tcPr anchor="ctr"/>
+                </a:tc>
+                <a:extLst>
+                  <a:ext uri="{0D108BD9-81ED-4DB2-BD59-A6C34878D82A}">
+                    <a16:rowId xmlns:a16="http://schemas.microsoft.com/office/drawing/2014/main" val="1048727978"/>
+                  </a:ext>
+                </a:extLst>
+              </a:tr>
+              <a:tr h="370840">
+                <a:tc>
+                  <a:txBody>
+                    <a:bodyPr/>
+                    <a:lstStyle/>
+                    <a:p>
+                      <a:pPr algn="l"/>
+                      <a:endParaRPr lang="zh-CN" altLang="en-US" sz="1600" b="0" kern="1200" dirty="0">
+                        <a:solidFill>
+                          <a:schemeClr val="tx1"/>
+                        </a:solidFill>
+                        <a:effectLst/>
+                        <a:latin typeface="Times New Roman" panose="02020603050405020304" pitchFamily="18" charset="0"/>
+                        <a:ea typeface="+mn-ea"/>
+                        <a:cs typeface="Times New Roman" panose="02020603050405020304" pitchFamily="18" charset="0"/>
+                      </a:endParaRPr>
+                    </a:p>
+                  </a:txBody>
+                  <a:tcPr anchor="ctr"/>
+                </a:tc>
+                <a:extLst>
+                  <a:ext uri="{0D108BD9-81ED-4DB2-BD59-A6C34878D82A}">
+                    <a16:rowId xmlns:a16="http://schemas.microsoft.com/office/drawing/2014/main" val="2213804325"/>
+                  </a:ext>
+                </a:extLst>
+              </a:tr>
+              <a:tr h="370840">
+                <a:tc>
+                  <a:txBody>
+                    <a:bodyPr/>
+                    <a:lstStyle/>
+                    <a:p>
+                      <a:pPr marL="0" marR="0" lvl="0" indent="0" algn="l" defTabSz="914400" rtl="0" eaLnBrk="1" fontAlgn="auto" latinLnBrk="0" hangingPunct="1">
+                        <a:lnSpc>
+                          <a:spcPct val="100000"/>
+                        </a:lnSpc>
+                        <a:spcBef>
+                          <a:spcPts val="0"/>
+                        </a:spcBef>
+                        <a:spcAft>
+                          <a:spcPts val="0"/>
+                        </a:spcAft>
+                        <a:buClrTx/>
+                        <a:buSzTx/>
+                        <a:buFontTx/>
+                        <a:buNone/>
+                        <a:tabLst/>
+                        <a:defRPr/>
+                      </a:pPr>
+                      <a:r>
+                        <a:rPr lang="en-US" altLang="zh-CN" sz="1600" b="0" kern="1200" dirty="0">
+                          <a:solidFill>
+                            <a:schemeClr val="tx1"/>
+                          </a:solidFill>
+                          <a:effectLst/>
+                          <a:latin typeface="Times New Roman" panose="02020603050405020304" pitchFamily="18" charset="0"/>
+                          <a:ea typeface="+mn-ea"/>
+                          <a:cs typeface="Times New Roman" panose="02020603050405020304" pitchFamily="18" charset="0"/>
+                        </a:rPr>
+                        <a:t>+ </a:t>
+                      </a:r>
+                      <a:r>
+                        <a:rPr lang="en-US" altLang="zh-CN" sz="1600" b="0" kern="1200" dirty="0" err="1">
+                          <a:solidFill>
+                            <a:schemeClr val="tx1"/>
+                          </a:solidFill>
+                          <a:effectLst/>
+                          <a:latin typeface="Times New Roman" panose="02020603050405020304" pitchFamily="18" charset="0"/>
+                          <a:ea typeface="+mn-ea"/>
+                          <a:cs typeface="Times New Roman" panose="02020603050405020304" pitchFamily="18" charset="0"/>
+                        </a:rPr>
+                        <a:t>close_objects_to</a:t>
+                      </a:r>
+                      <a:r>
+                        <a:rPr lang="en-US" altLang="zh-CN" sz="1600" b="0" kern="1200" dirty="0">
+                          <a:solidFill>
+                            <a:schemeClr val="tx1"/>
+                          </a:solidFill>
+                          <a:effectLst/>
+                          <a:latin typeface="Times New Roman" panose="02020603050405020304" pitchFamily="18" charset="0"/>
+                          <a:ea typeface="+mn-ea"/>
+                          <a:cs typeface="Times New Roman" panose="02020603050405020304" pitchFamily="18" charset="0"/>
+                        </a:rPr>
+                        <a:t>(…) -&gt; object</a:t>
+                      </a:r>
+                    </a:p>
+                    <a:p>
+                      <a:pPr marL="0" marR="0" lvl="0" indent="0" algn="l" defTabSz="914400" rtl="0" eaLnBrk="1" fontAlgn="auto" latinLnBrk="0" hangingPunct="1">
+                        <a:lnSpc>
+                          <a:spcPct val="100000"/>
+                        </a:lnSpc>
+                        <a:spcBef>
+                          <a:spcPts val="0"/>
+                        </a:spcBef>
+                        <a:spcAft>
+                          <a:spcPts val="0"/>
+                        </a:spcAft>
+                        <a:buClrTx/>
+                        <a:buSzTx/>
+                        <a:buFontTx/>
+                        <a:buNone/>
+                        <a:tabLst/>
+                        <a:defRPr/>
+                      </a:pPr>
+                      <a:r>
+                        <a:rPr lang="en-US" altLang="zh-CN" sz="1600" b="0" kern="1200" dirty="0">
+                          <a:solidFill>
+                            <a:schemeClr val="tx1"/>
+                          </a:solidFill>
+                          <a:effectLst/>
+                          <a:latin typeface="Times New Roman" panose="02020603050405020304" pitchFamily="18" charset="0"/>
+                          <a:ea typeface="+mn-ea"/>
+                          <a:cs typeface="Times New Roman" panose="02020603050405020304" pitchFamily="18" charset="0"/>
+                        </a:rPr>
+                        <a:t>+ </a:t>
+                      </a:r>
+                      <a:r>
+                        <a:rPr lang="en-US" altLang="zh-CN" sz="1600" b="0" kern="1200" dirty="0" err="1">
+                          <a:solidFill>
+                            <a:schemeClr val="tx1"/>
+                          </a:solidFill>
+                          <a:effectLst/>
+                          <a:latin typeface="Times New Roman" panose="02020603050405020304" pitchFamily="18" charset="0"/>
+                          <a:ea typeface="+mn-ea"/>
+                          <a:cs typeface="Times New Roman" panose="02020603050405020304" pitchFamily="18" charset="0"/>
+                        </a:rPr>
+                        <a:t>close_vehicles_to</a:t>
+                      </a:r>
+                      <a:r>
+                        <a:rPr lang="en-US" altLang="zh-CN" sz="1600" b="0" kern="1200" dirty="0">
+                          <a:solidFill>
+                            <a:schemeClr val="tx1"/>
+                          </a:solidFill>
+                          <a:effectLst/>
+                          <a:latin typeface="Times New Roman" panose="02020603050405020304" pitchFamily="18" charset="0"/>
+                          <a:ea typeface="+mn-ea"/>
+                          <a:cs typeface="Times New Roman" panose="02020603050405020304" pitchFamily="18" charset="0"/>
+                        </a:rPr>
+                        <a:t>(…) -&gt; object</a:t>
+                      </a:r>
+                    </a:p>
+                    <a:p>
+                      <a:pPr marL="0" marR="0" lvl="0" indent="0" algn="l" defTabSz="914400" rtl="0" eaLnBrk="1" fontAlgn="auto" latinLnBrk="0" hangingPunct="1">
+                        <a:lnSpc>
+                          <a:spcPct val="100000"/>
+                        </a:lnSpc>
+                        <a:spcBef>
+                          <a:spcPts val="0"/>
+                        </a:spcBef>
+                        <a:spcAft>
+                          <a:spcPts val="0"/>
+                        </a:spcAft>
+                        <a:buClrTx/>
+                        <a:buSzTx/>
+                        <a:buFontTx/>
+                        <a:buNone/>
+                        <a:tabLst/>
+                        <a:defRPr/>
+                      </a:pPr>
+                      <a:r>
+                        <a:rPr lang="en-US" altLang="zh-CN" sz="1600" b="0" kern="1200" dirty="0">
+                          <a:solidFill>
+                            <a:schemeClr val="tx1"/>
+                          </a:solidFill>
+                          <a:effectLst/>
+                          <a:latin typeface="Times New Roman" panose="02020603050405020304" pitchFamily="18" charset="0"/>
+                          <a:ea typeface="+mn-ea"/>
+                          <a:cs typeface="Times New Roman" panose="02020603050405020304" pitchFamily="18" charset="0"/>
+                        </a:rPr>
+                        <a:t>+ act(self) -&gt; None</a:t>
+                      </a:r>
+                    </a:p>
+                    <a:p>
+                      <a:pPr marL="0" marR="0" lvl="0" indent="0" algn="l" defTabSz="914400" rtl="0" eaLnBrk="1" fontAlgn="auto" latinLnBrk="0" hangingPunct="1">
+                        <a:lnSpc>
+                          <a:spcPct val="100000"/>
+                        </a:lnSpc>
+                        <a:spcBef>
+                          <a:spcPts val="0"/>
+                        </a:spcBef>
+                        <a:spcAft>
+                          <a:spcPts val="0"/>
+                        </a:spcAft>
+                        <a:buClrTx/>
+                        <a:buSzTx/>
+                        <a:buFontTx/>
+                        <a:buNone/>
+                        <a:tabLst/>
+                        <a:defRPr/>
+                      </a:pPr>
+                      <a:r>
+                        <a:rPr lang="en-US" altLang="zh-CN" sz="1600" b="0" kern="1200" dirty="0">
+                          <a:solidFill>
+                            <a:schemeClr val="tx1"/>
+                          </a:solidFill>
+                          <a:effectLst/>
+                          <a:latin typeface="Times New Roman" panose="02020603050405020304" pitchFamily="18" charset="0"/>
+                          <a:ea typeface="+mn-ea"/>
+                          <a:cs typeface="Times New Roman" panose="02020603050405020304" pitchFamily="18" charset="0"/>
+                        </a:rPr>
+                        <a:t>+ step(self, dt: float) -&gt; None</a:t>
+                      </a:r>
+                    </a:p>
+                    <a:p>
+                      <a:pPr marL="0" marR="0" lvl="0" indent="0" algn="l" defTabSz="914400" rtl="0" eaLnBrk="1" fontAlgn="auto" latinLnBrk="0" hangingPunct="1">
+                        <a:lnSpc>
+                          <a:spcPct val="100000"/>
+                        </a:lnSpc>
+                        <a:spcBef>
+                          <a:spcPts val="0"/>
+                        </a:spcBef>
+                        <a:spcAft>
+                          <a:spcPts val="0"/>
+                        </a:spcAft>
+                        <a:buClrTx/>
+                        <a:buSzTx/>
+                        <a:buFontTx/>
+                        <a:buNone/>
+                        <a:tabLst/>
+                        <a:defRPr/>
+                      </a:pPr>
+                      <a:r>
+                        <a:rPr lang="en-US" altLang="zh-CN" sz="1600" b="0" kern="1200" dirty="0">
+                          <a:solidFill>
+                            <a:schemeClr val="tx1"/>
+                          </a:solidFill>
+                          <a:effectLst/>
+                          <a:latin typeface="Times New Roman" panose="02020603050405020304" pitchFamily="18" charset="0"/>
+                          <a:ea typeface="+mn-ea"/>
+                          <a:cs typeface="Times New Roman" panose="02020603050405020304" pitchFamily="18" charset="0"/>
+                        </a:rPr>
+                        <a:t>+ </a:t>
+                      </a:r>
+                      <a:r>
+                        <a:rPr lang="en-US" altLang="zh-CN" sz="1600" b="0" kern="1200" dirty="0" err="1">
+                          <a:solidFill>
+                            <a:schemeClr val="tx1"/>
+                          </a:solidFill>
+                          <a:effectLst/>
+                          <a:latin typeface="Times New Roman" panose="02020603050405020304" pitchFamily="18" charset="0"/>
+                          <a:ea typeface="+mn-ea"/>
+                          <a:cs typeface="Times New Roman" panose="02020603050405020304" pitchFamily="18" charset="0"/>
+                        </a:rPr>
+                        <a:t>neighbour_vehicles</a:t>
+                      </a:r>
+                      <a:r>
+                        <a:rPr lang="en-US" altLang="zh-CN" sz="1600" b="0" kern="1200" dirty="0">
+                          <a:solidFill>
+                            <a:schemeClr val="tx1"/>
+                          </a:solidFill>
+                          <a:effectLst/>
+                          <a:latin typeface="Times New Roman" panose="02020603050405020304" pitchFamily="18" charset="0"/>
+                          <a:ea typeface="+mn-ea"/>
+                          <a:cs typeface="Times New Roman" panose="02020603050405020304" pitchFamily="18" charset="0"/>
+                        </a:rPr>
+                        <a:t>(…) </a:t>
+                      </a:r>
+                    </a:p>
+                    <a:p>
+                      <a:pPr marL="0" marR="0" lvl="0" indent="0" algn="l" defTabSz="914400" rtl="0" eaLnBrk="1" fontAlgn="auto" latinLnBrk="0" hangingPunct="1">
+                        <a:lnSpc>
+                          <a:spcPct val="100000"/>
+                        </a:lnSpc>
+                        <a:spcBef>
+                          <a:spcPts val="0"/>
+                        </a:spcBef>
+                        <a:spcAft>
+                          <a:spcPts val="0"/>
+                        </a:spcAft>
+                        <a:buClrTx/>
+                        <a:buSzTx/>
+                        <a:buFontTx/>
+                        <a:buNone/>
+                        <a:tabLst/>
+                        <a:defRPr/>
+                      </a:pPr>
+                      <a:r>
+                        <a:rPr lang="en-US" altLang="zh-CN" sz="1600" b="0" kern="1200" dirty="0">
+                          <a:solidFill>
+                            <a:schemeClr val="tx1"/>
+                          </a:solidFill>
+                          <a:effectLst/>
+                          <a:latin typeface="Times New Roman" panose="02020603050405020304" pitchFamily="18" charset="0"/>
+                          <a:ea typeface="+mn-ea"/>
+                          <a:cs typeface="Times New Roman" panose="02020603050405020304" pitchFamily="18" charset="0"/>
+                        </a:rPr>
+                        <a:t>+ __</a:t>
+                      </a:r>
+                      <a:r>
+                        <a:rPr lang="en-US" altLang="zh-CN" sz="1600" b="0" kern="1200" dirty="0" err="1">
+                          <a:solidFill>
+                            <a:schemeClr val="tx1"/>
+                          </a:solidFill>
+                          <a:effectLst/>
+                          <a:latin typeface="Times New Roman" panose="02020603050405020304" pitchFamily="18" charset="0"/>
+                          <a:ea typeface="+mn-ea"/>
+                          <a:cs typeface="Times New Roman" panose="02020603050405020304" pitchFamily="18" charset="0"/>
+                        </a:rPr>
+                        <a:t>repr</a:t>
+                      </a:r>
+                      <a:r>
+                        <a:rPr lang="en-US" altLang="zh-CN" sz="1600" b="0" kern="1200" dirty="0">
+                          <a:solidFill>
+                            <a:schemeClr val="tx1"/>
+                          </a:solidFill>
+                          <a:effectLst/>
+                          <a:latin typeface="Times New Roman" panose="02020603050405020304" pitchFamily="18" charset="0"/>
+                          <a:ea typeface="+mn-ea"/>
+                          <a:cs typeface="Times New Roman" panose="02020603050405020304" pitchFamily="18" charset="0"/>
+                        </a:rPr>
+                        <a:t>__(self)</a:t>
+                      </a:r>
+                    </a:p>
+                    <a:p>
+                      <a:pPr marL="0" marR="0" lvl="0" indent="0" algn="l" defTabSz="914400" rtl="0" eaLnBrk="1" fontAlgn="auto" latinLnBrk="0" hangingPunct="1">
+                        <a:lnSpc>
+                          <a:spcPct val="100000"/>
+                        </a:lnSpc>
+                        <a:spcBef>
+                          <a:spcPts val="0"/>
+                        </a:spcBef>
+                        <a:spcAft>
+                          <a:spcPts val="0"/>
+                        </a:spcAft>
+                        <a:buClrTx/>
+                        <a:buSzTx/>
+                        <a:buFontTx/>
+                        <a:buNone/>
+                        <a:tabLst/>
+                        <a:defRPr/>
+                      </a:pPr>
+                      <a:endParaRPr lang="en-US" altLang="zh-CN" sz="1600" b="0" kern="1200" dirty="0">
+                        <a:solidFill>
+                          <a:schemeClr val="tx1"/>
+                        </a:solidFill>
+                        <a:effectLst/>
+                        <a:latin typeface="Times New Roman" panose="02020603050405020304" pitchFamily="18" charset="0"/>
+                        <a:ea typeface="+mn-ea"/>
+                        <a:cs typeface="Times New Roman" panose="02020603050405020304" pitchFamily="18" charset="0"/>
+                      </a:endParaRPr>
+                    </a:p>
+                  </a:txBody>
+                  <a:tcPr anchor="ctr"/>
+                </a:tc>
+                <a:extLst>
+                  <a:ext uri="{0D108BD9-81ED-4DB2-BD59-A6C34878D82A}">
+                    <a16:rowId xmlns:a16="http://schemas.microsoft.com/office/drawing/2014/main" val="2743093702"/>
+                  </a:ext>
+                </a:extLst>
+              </a:tr>
+            </a:tbl>
+          </a:graphicData>
+        </a:graphic>
+      </p:graphicFrame>
+      <p:graphicFrame>
+        <p:nvGraphicFramePr>
+          <p:cNvPr id="3" name="表格 2">
+            <a:extLst>
+              <a:ext uri="{FF2B5EF4-FFF2-40B4-BE49-F238E27FC236}">
+                <a16:creationId xmlns:a16="http://schemas.microsoft.com/office/drawing/2014/main" id="{DF08B1C5-5C22-6058-A208-FC5CFCD4D706}"/>
+              </a:ext>
+            </a:extLst>
+          </p:cNvPr>
+          <p:cNvGraphicFramePr>
+            <a:graphicFrameLocks noGrp="1"/>
+          </p:cNvGraphicFramePr>
+          <p:nvPr>
+            <p:extLst>
+              <p:ext uri="{D42A27DB-BD31-4B8C-83A1-F6EECF244321}">
+                <p14:modId xmlns:p14="http://schemas.microsoft.com/office/powerpoint/2010/main" val="1061594539"/>
+              </p:ext>
+            </p:extLst>
+          </p:nvPr>
+        </p:nvGraphicFramePr>
+        <p:xfrm>
+          <a:off x="6008038" y="1066392"/>
+          <a:ext cx="5980637" cy="1112520"/>
+        </p:xfrm>
+        <a:graphic>
+          <a:graphicData uri="http://schemas.openxmlformats.org/drawingml/2006/table">
+            <a:tbl>
+              <a:tblPr firstRow="1" bandRow="1"/>
+              <a:tblGrid>
+                <a:gridCol w="5980637">
+                  <a:extLst>
+                    <a:ext uri="{9D8B030D-6E8A-4147-A177-3AD203B41FA5}">
+                      <a16:colId xmlns:a16="http://schemas.microsoft.com/office/drawing/2014/main" val="3867985458"/>
+                    </a:ext>
+                  </a:extLst>
+                </a:gridCol>
+              </a:tblGrid>
+              <a:tr h="370840">
+                <a:tc>
+                  <a:txBody>
+                    <a:bodyPr/>
+                    <a:lstStyle/>
+                    <a:p>
+                      <a:pPr algn="ctr"/>
+                      <a:r>
+                        <a:rPr lang="zh-CN" altLang="en-US" dirty="0">
+                          <a:latin typeface="宋体" panose="02010600030101010101" pitchFamily="2" charset="-122"/>
+                          <a:ea typeface="宋体" panose="02010600030101010101" pitchFamily="2" charset="-122"/>
+                        </a:rPr>
+                        <a:t>解释</a:t>
+                      </a:r>
+                    </a:p>
+                  </a:txBody>
+                  <a:tcPr anchor="ctr"/>
+                </a:tc>
+                <a:extLst>
+                  <a:ext uri="{0D108BD9-81ED-4DB2-BD59-A6C34878D82A}">
+                    <a16:rowId xmlns:a16="http://schemas.microsoft.com/office/drawing/2014/main" val="1048727978"/>
+                  </a:ext>
+                </a:extLst>
+              </a:tr>
+              <a:tr h="370840">
+                <a:tc>
+                  <a:txBody>
+                    <a:bodyPr/>
+                    <a:lstStyle/>
+                    <a:p>
+                      <a:pPr algn="l"/>
+                      <a:endParaRPr lang="zh-CN" altLang="en-US" sz="1600" b="0" kern="1200" dirty="0">
+                        <a:solidFill>
+                          <a:schemeClr val="tx1"/>
+                        </a:solidFill>
+                        <a:effectLst/>
+                        <a:latin typeface="宋体" panose="02010600030101010101" pitchFamily="2" charset="-122"/>
+                        <a:ea typeface="宋体" panose="02010600030101010101" pitchFamily="2" charset="-122"/>
+                        <a:cs typeface="+mn-cs"/>
+                      </a:endParaRPr>
+                    </a:p>
+                  </a:txBody>
+                  <a:tcPr anchor="ctr"/>
+                </a:tc>
+                <a:extLst>
+                  <a:ext uri="{0D108BD9-81ED-4DB2-BD59-A6C34878D82A}">
+                    <a16:rowId xmlns:a16="http://schemas.microsoft.com/office/drawing/2014/main" val="2213804325"/>
+                  </a:ext>
+                </a:extLst>
+              </a:tr>
+              <a:tr h="370840">
+                <a:tc>
+                  <a:txBody>
+                    <a:bodyPr/>
+                    <a:lstStyle/>
+                    <a:p>
+                      <a:pPr marL="0" marR="0" lvl="0" indent="0" algn="l" defTabSz="914400" rtl="0" eaLnBrk="1" fontAlgn="auto" latinLnBrk="0" hangingPunct="1">
+                        <a:lnSpc>
+                          <a:spcPct val="100000"/>
+                        </a:lnSpc>
+                        <a:spcBef>
+                          <a:spcPts val="0"/>
+                        </a:spcBef>
+                        <a:spcAft>
+                          <a:spcPts val="0"/>
+                        </a:spcAft>
+                        <a:buClrTx/>
+                        <a:buSzTx/>
+                        <a:buFontTx/>
+                        <a:buNone/>
+                        <a:tabLst/>
+                        <a:defRPr/>
+                      </a:pPr>
+                      <a:endParaRPr lang="en-US" altLang="zh-CN" sz="1600" b="0" kern="1200" dirty="0">
+                        <a:solidFill>
+                          <a:schemeClr val="tx1"/>
+                        </a:solidFill>
+                        <a:effectLst/>
+                        <a:latin typeface="宋体" panose="02010600030101010101" pitchFamily="2" charset="-122"/>
+                        <a:ea typeface="宋体" panose="02010600030101010101" pitchFamily="2" charset="-122"/>
+                        <a:cs typeface="+mn-cs"/>
+                      </a:endParaRPr>
+                    </a:p>
+                  </a:txBody>
+                  <a:tcPr anchor="ctr"/>
+                </a:tc>
+                <a:extLst>
+                  <a:ext uri="{0D108BD9-81ED-4DB2-BD59-A6C34878D82A}">
+                    <a16:rowId xmlns:a16="http://schemas.microsoft.com/office/drawing/2014/main" val="2743093702"/>
+                  </a:ext>
+                </a:extLst>
+              </a:tr>
+            </a:tbl>
+          </a:graphicData>
+        </a:graphic>
+      </p:graphicFrame>
+    </p:spTree>
+    <p:extLst>
+      <p:ext uri="{BB962C8B-B14F-4D97-AF65-F5344CB8AC3E}">
+        <p14:creationId xmlns:p14="http://schemas.microsoft.com/office/powerpoint/2010/main" val="1246606433"/>
+      </p:ext>
+    </p:extLst>
+  </p:cSld>
+  <p:clrMapOvr>
+    <a:masterClrMapping/>
+  </p:clrMapOvr>
+</p:sld>
+</file>
+
+<file path=ppt/slides/slide16.xml><?xml version="1.0" encoding="utf-8"?>
+<p:sld xmlns:a="http://schemas.openxmlformats.org/drawingml/2006/main" xmlns:r="http://schemas.openxmlformats.org/officeDocument/2006/relationships" xmlns:p="http://schemas.openxmlformats.org/presentationml/2006/main">
+  <p:cSld>
+    <p:spTree>
+      <p:nvGrpSpPr>
+        <p:cNvPr id="1" name="">
+          <a:extLst>
+            <a:ext uri="{FF2B5EF4-FFF2-40B4-BE49-F238E27FC236}">
+              <a16:creationId xmlns:a16="http://schemas.microsoft.com/office/drawing/2014/main" id="{E746295B-2578-FF6F-657A-C2EC5BEBBA41}"/>
+            </a:ext>
+          </a:extLst>
+        </p:cNvPr>
+        <p:cNvGrpSpPr/>
+        <p:nvPr/>
+      </p:nvGrpSpPr>
+      <p:grpSpPr>
+        <a:xfrm>
+          <a:off x="0" y="0"/>
+          <a:ext cx="0" cy="0"/>
+          <a:chOff x="0" y="0"/>
+          <a:chExt cx="0" cy="0"/>
+        </a:xfrm>
+      </p:grpSpPr>
+      <p:sp>
+        <p:nvSpPr>
+          <p:cNvPr id="4" name="文本框 3">
+            <a:extLst>
+              <a:ext uri="{FF2B5EF4-FFF2-40B4-BE49-F238E27FC236}">
+                <a16:creationId xmlns:a16="http://schemas.microsoft.com/office/drawing/2014/main" id="{A883FB69-5696-9DFC-83F9-E354C7F0D799}"/>
+              </a:ext>
+            </a:extLst>
+          </p:cNvPr>
+          <p:cNvSpPr txBox="1"/>
+          <p:nvPr/>
+        </p:nvSpPr>
+        <p:spPr>
+          <a:xfrm>
+            <a:off x="231530" y="181707"/>
+            <a:ext cx="3760177" cy="523220"/>
+          </a:xfrm>
+          <a:prstGeom prst="rect">
+            <a:avLst/>
+          </a:prstGeom>
+          <a:noFill/>
+        </p:spPr>
+        <p:txBody>
+          <a:bodyPr wrap="square" rtlCol="0">
+            <a:spAutoFit/>
+          </a:bodyPr>
+          <a:lstStyle/>
+          <a:p>
+            <a:r>
+              <a:rPr lang="en-US" altLang="zh-CN" sz="2800" dirty="0">
+                <a:latin typeface="Times New Roman" panose="02020603050405020304" pitchFamily="18" charset="0"/>
+                <a:ea typeface="宋体" panose="02010600030101010101" pitchFamily="2" charset="-122"/>
+                <a:cs typeface="Times New Roman" panose="02020603050405020304" pitchFamily="18" charset="0"/>
+              </a:rPr>
+              <a:t>road—regulation.py</a:t>
+            </a:r>
+          </a:p>
+        </p:txBody>
+      </p:sp>
+    </p:spTree>
+    <p:extLst>
+      <p:ext uri="{BB962C8B-B14F-4D97-AF65-F5344CB8AC3E}">
+        <p14:creationId xmlns:p14="http://schemas.microsoft.com/office/powerpoint/2010/main" val="1511635841"/>
+      </p:ext>
+    </p:extLst>
+  </p:cSld>
+  <p:clrMapOvr>
+    <a:masterClrMapping/>
+  </p:clrMapOvr>
+</p:sld>
+</file>
+
+<file path=ppt/slides/slide17.xml><?xml version="1.0" encoding="utf-8"?>
+<p:sld xmlns:a="http://schemas.openxmlformats.org/drawingml/2006/main" xmlns:r="http://schemas.openxmlformats.org/officeDocument/2006/relationships" xmlns:p="http://schemas.openxmlformats.org/presentationml/2006/main">
+  <p:cSld>
+    <p:spTree>
+      <p:nvGrpSpPr>
+        <p:cNvPr id="1" name="">
+          <a:extLst>
+            <a:ext uri="{FF2B5EF4-FFF2-40B4-BE49-F238E27FC236}">
+              <a16:creationId xmlns:a16="http://schemas.microsoft.com/office/drawing/2014/main" id="{E006ADEC-BA8A-8267-BBFE-D18D924E16A9}"/>
+            </a:ext>
+          </a:extLst>
+        </p:cNvPr>
+        <p:cNvGrpSpPr/>
+        <p:nvPr/>
+      </p:nvGrpSpPr>
+      <p:grpSpPr>
+        <a:xfrm>
+          <a:off x="0" y="0"/>
+          <a:ext cx="0" cy="0"/>
+          <a:chOff x="0" y="0"/>
+          <a:chExt cx="0" cy="0"/>
+        </a:xfrm>
+      </p:grpSpPr>
+    </p:spTree>
+    <p:extLst>
+      <p:ext uri="{BB962C8B-B14F-4D97-AF65-F5344CB8AC3E}">
+        <p14:creationId xmlns:p14="http://schemas.microsoft.com/office/powerpoint/2010/main" val="2772923895"/>
+      </p:ext>
+    </p:extLst>
+  </p:cSld>
+  <p:clrMapOvr>
+    <a:masterClrMapping/>
+  </p:clrMapOvr>
+</p:sld>
+</file>
+
+<file path=ppt/slides/slide18.xml><?xml version="1.0" encoding="utf-8"?>
 <p:sld xmlns:a="http://schemas.openxmlformats.org/drawingml/2006/main" xmlns:r="http://schemas.openxmlformats.org/officeDocument/2006/relationships" xmlns:p="http://schemas.openxmlformats.org/presentationml/2006/main">
   <p:cSld>
     <p:spTree>
@@ -7890,12 +12101,48 @@
           <a:chExt cx="0" cy="0"/>
         </a:xfrm>
       </p:grpSpPr>
+    </p:spTree>
+    <p:extLst>
+      <p:ext uri="{BB962C8B-B14F-4D97-AF65-F5344CB8AC3E}">
+        <p14:creationId xmlns:p14="http://schemas.microsoft.com/office/powerpoint/2010/main" val="1272094591"/>
+      </p:ext>
+    </p:extLst>
+  </p:cSld>
+  <p:clrMapOvr>
+    <a:masterClrMapping/>
+  </p:clrMapOvr>
+</p:sld>
+</file>
+
+<file path=ppt/slides/slide8.xml><?xml version="1.0" encoding="utf-8"?>
+<p:sld xmlns:a="http://schemas.openxmlformats.org/drawingml/2006/main" xmlns:r="http://schemas.openxmlformats.org/officeDocument/2006/relationships" xmlns:p="http://schemas.openxmlformats.org/presentationml/2006/main">
+  <p:cSld>
+    <p:spTree>
+      <p:nvGrpSpPr>
+        <p:cNvPr id="1" name="">
+          <a:extLst>
+            <a:ext uri="{FF2B5EF4-FFF2-40B4-BE49-F238E27FC236}">
+              <a16:creationId xmlns:a16="http://schemas.microsoft.com/office/drawing/2014/main" id="{635FE576-1C08-C712-A8B2-9F4F9BF7EAC0}"/>
+            </a:ext>
+          </a:extLst>
+        </p:cNvPr>
+        <p:cNvGrpSpPr/>
+        <p:nvPr/>
+      </p:nvGrpSpPr>
+      <p:grpSpPr>
+        <a:xfrm>
+          <a:off x="0" y="0"/>
+          <a:ext cx="0" cy="0"/>
+          <a:chOff x="0" y="0"/>
+          <a:chExt cx="0" cy="0"/>
+        </a:xfrm>
+      </p:grpSpPr>
       <p:sp>
         <p:nvSpPr>
           <p:cNvPr id="4" name="文本框 3">
             <a:extLst>
               <a:ext uri="{FF2B5EF4-FFF2-40B4-BE49-F238E27FC236}">
-                <a16:creationId xmlns:a16="http://schemas.microsoft.com/office/drawing/2014/main" id="{9F64BEE2-702E-EC39-04E9-105DEE29A775}"/>
+                <a16:creationId xmlns:a16="http://schemas.microsoft.com/office/drawing/2014/main" id="{FC089713-9CF7-D6AC-5FBE-32E5B96D364A}"/>
               </a:ext>
             </a:extLst>
           </p:cNvPr>
@@ -7937,343 +12184,7 @@
     </p:spTree>
     <p:extLst>
       <p:ext uri="{BB962C8B-B14F-4D97-AF65-F5344CB8AC3E}">
-        <p14:creationId xmlns:p14="http://schemas.microsoft.com/office/powerpoint/2010/main" val="1272094591"/>
-      </p:ext>
-    </p:extLst>
-  </p:cSld>
-  <p:clrMapOvr>
-    <a:masterClrMapping/>
-  </p:clrMapOvr>
-</p:sld>
-</file>
-
-<file path=ppt/slides/slide8.xml><?xml version="1.0" encoding="utf-8"?>
-<p:sld xmlns:a="http://schemas.openxmlformats.org/drawingml/2006/main" xmlns:r="http://schemas.openxmlformats.org/officeDocument/2006/relationships" xmlns:p="http://schemas.openxmlformats.org/presentationml/2006/main">
-  <p:cSld>
-    <p:spTree>
-      <p:nvGrpSpPr>
-        <p:cNvPr id="1" name="">
-          <a:extLst>
-            <a:ext uri="{FF2B5EF4-FFF2-40B4-BE49-F238E27FC236}">
-              <a16:creationId xmlns:a16="http://schemas.microsoft.com/office/drawing/2014/main" id="{E1D27323-1026-47D8-D832-06688FC69A4B}"/>
-            </a:ext>
-          </a:extLst>
-        </p:cNvPr>
-        <p:cNvGrpSpPr/>
-        <p:nvPr/>
-      </p:nvGrpSpPr>
-      <p:grpSpPr>
-        <a:xfrm>
-          <a:off x="0" y="0"/>
-          <a:ext cx="0" cy="0"/>
-          <a:chOff x="0" y="0"/>
-          <a:chExt cx="0" cy="0"/>
-        </a:xfrm>
-      </p:grpSpPr>
-      <p:sp>
-        <p:nvSpPr>
-          <p:cNvPr id="4" name="文本框 3">
-            <a:extLst>
-              <a:ext uri="{FF2B5EF4-FFF2-40B4-BE49-F238E27FC236}">
-                <a16:creationId xmlns:a16="http://schemas.microsoft.com/office/drawing/2014/main" id="{BB137848-9649-F8A9-92BB-0EC5781D0775}"/>
-              </a:ext>
-            </a:extLst>
-          </p:cNvPr>
-          <p:cNvSpPr txBox="1"/>
-          <p:nvPr/>
-        </p:nvSpPr>
-        <p:spPr>
-          <a:xfrm>
-            <a:off x="231530" y="181707"/>
-            <a:ext cx="3760177" cy="523220"/>
-          </a:xfrm>
-          <a:prstGeom prst="rect">
-            <a:avLst/>
-          </a:prstGeom>
-          <a:noFill/>
-        </p:spPr>
-        <p:txBody>
-          <a:bodyPr wrap="square" rtlCol="0">
-            <a:spAutoFit/>
-          </a:bodyPr>
-          <a:lstStyle/>
-          <a:p>
-            <a:r>
-              <a:rPr lang="en-US" altLang="zh-CN" sz="2800" dirty="0">
-                <a:latin typeface="Times New Roman" panose="02020603050405020304" pitchFamily="18" charset="0"/>
-                <a:ea typeface="宋体" panose="02010600030101010101" pitchFamily="2" charset="-122"/>
-                <a:cs typeface="Times New Roman" panose="02020603050405020304" pitchFamily="18" charset="0"/>
-              </a:rPr>
-              <a:t>road—spline.py</a:t>
-            </a:r>
-          </a:p>
-        </p:txBody>
-      </p:sp>
-      <p:sp>
-        <p:nvSpPr>
-          <p:cNvPr id="2" name="文本框 1">
-            <a:extLst>
-              <a:ext uri="{FF2B5EF4-FFF2-40B4-BE49-F238E27FC236}">
-                <a16:creationId xmlns:a16="http://schemas.microsoft.com/office/drawing/2014/main" id="{D924F5A5-FDDF-7B96-27FF-0374C0315C93}"/>
-              </a:ext>
-            </a:extLst>
-          </p:cNvPr>
-          <p:cNvSpPr txBox="1"/>
-          <p:nvPr/>
-        </p:nvSpPr>
-        <p:spPr>
-          <a:xfrm>
-            <a:off x="231529" y="838200"/>
-            <a:ext cx="11884271" cy="5324535"/>
-          </a:xfrm>
-          <a:prstGeom prst="rect">
-            <a:avLst/>
-          </a:prstGeom>
-          <a:noFill/>
-        </p:spPr>
-        <p:txBody>
-          <a:bodyPr wrap="square" rtlCol="0">
-            <a:spAutoFit/>
-          </a:bodyPr>
-          <a:lstStyle/>
-          <a:p>
-            <a:r>
-              <a:rPr lang="en-US" altLang="zh-CN" sz="2800" dirty="0">
-                <a:latin typeface="Times New Roman" panose="02020603050405020304" pitchFamily="18" charset="0"/>
-                <a:ea typeface="宋体" panose="02010600030101010101" pitchFamily="2" charset="-122"/>
-                <a:cs typeface="Times New Roman" panose="02020603050405020304" pitchFamily="18" charset="0"/>
-              </a:rPr>
-              <a:t>Class CurvePose</a:t>
-            </a:r>
-            <a:r>
-              <a:rPr lang="zh-CN" altLang="en-US" sz="2800" dirty="0">
-                <a:latin typeface="Times New Roman" panose="02020603050405020304" pitchFamily="18" charset="0"/>
-                <a:ea typeface="宋体" panose="02010600030101010101" pitchFamily="2" charset="-122"/>
-                <a:cs typeface="Times New Roman" panose="02020603050405020304" pitchFamily="18" charset="0"/>
-              </a:rPr>
-              <a:t>：</a:t>
-            </a:r>
-            <a:endParaRPr lang="en-US" altLang="zh-CN" sz="2800" dirty="0">
-              <a:latin typeface="Times New Roman" panose="02020603050405020304" pitchFamily="18" charset="0"/>
-              <a:ea typeface="宋体" panose="02010600030101010101" pitchFamily="2" charset="-122"/>
-              <a:cs typeface="Times New Roman" panose="02020603050405020304" pitchFamily="18" charset="0"/>
-            </a:endParaRPr>
-          </a:p>
-          <a:p>
-            <a:r>
-              <a:rPr lang="en-US" altLang="zh-CN" sz="2400" dirty="0">
-                <a:solidFill>
-                  <a:srgbClr val="FF0000"/>
-                </a:solidFill>
-                <a:latin typeface="Times New Roman" panose="02020603050405020304" pitchFamily="18" charset="0"/>
-                <a:ea typeface="宋体" panose="02010600030101010101" pitchFamily="2" charset="-122"/>
-                <a:cs typeface="Times New Roman" panose="02020603050405020304" pitchFamily="18" charset="0"/>
-              </a:rPr>
-              <a:t>def __init__(self, x: float, y: float, dx: float, dy: float):</a:t>
-            </a:r>
-          </a:p>
-          <a:p>
-            <a:r>
-              <a:rPr lang="zh-CN" altLang="en-US" sz="2400" dirty="0">
-                <a:latin typeface="Times New Roman" panose="02020603050405020304" pitchFamily="18" charset="0"/>
-                <a:ea typeface="宋体" panose="02010600030101010101" pitchFamily="2" charset="-122"/>
-                <a:cs typeface="Times New Roman" panose="02020603050405020304" pitchFamily="18" charset="0"/>
-              </a:rPr>
-              <a:t>初始化一系列的变量。</a:t>
-            </a:r>
-            <a:endParaRPr lang="en-US" altLang="zh-CN" sz="2400" dirty="0">
-              <a:latin typeface="Times New Roman" panose="02020603050405020304" pitchFamily="18" charset="0"/>
-              <a:ea typeface="宋体" panose="02010600030101010101" pitchFamily="2" charset="-122"/>
-              <a:cs typeface="Times New Roman" panose="02020603050405020304" pitchFamily="18" charset="0"/>
-            </a:endParaRPr>
-          </a:p>
-          <a:p>
-            <a:r>
-              <a:rPr lang="en-US" altLang="zh-CN" sz="2400" dirty="0">
-                <a:latin typeface="Times New Roman" panose="02020603050405020304" pitchFamily="18" charset="0"/>
-                <a:ea typeface="宋体" panose="02010600030101010101" pitchFamily="2" charset="-122"/>
-                <a:cs typeface="Times New Roman" panose="02020603050405020304" pitchFamily="18" charset="0"/>
-              </a:rPr>
-              <a:t>self.position          </a:t>
-            </a:r>
-            <a:r>
-              <a:rPr lang="zh-CN" altLang="en-US" sz="2400" dirty="0">
-                <a:latin typeface="Times New Roman" panose="02020603050405020304" pitchFamily="18" charset="0"/>
-                <a:ea typeface="宋体" panose="02010600030101010101" pitchFamily="2" charset="-122"/>
-                <a:cs typeface="Times New Roman" panose="02020603050405020304" pitchFamily="18" charset="0"/>
-              </a:rPr>
-              <a:t>位置</a:t>
-            </a:r>
-            <a:endParaRPr lang="en-US" altLang="zh-CN" sz="2400" dirty="0">
-              <a:latin typeface="Times New Roman" panose="02020603050405020304" pitchFamily="18" charset="0"/>
-              <a:ea typeface="宋体" panose="02010600030101010101" pitchFamily="2" charset="-122"/>
-              <a:cs typeface="Times New Roman" panose="02020603050405020304" pitchFamily="18" charset="0"/>
-            </a:endParaRPr>
-          </a:p>
-          <a:p>
-            <a:r>
-              <a:rPr lang="en-US" altLang="zh-CN" sz="2400" dirty="0">
-                <a:latin typeface="Times New Roman" panose="02020603050405020304" pitchFamily="18" charset="0"/>
-                <a:ea typeface="宋体" panose="02010600030101010101" pitchFamily="2" charset="-122"/>
-                <a:cs typeface="Times New Roman" panose="02020603050405020304" pitchFamily="18" charset="0"/>
-              </a:rPr>
-              <a:t>self.normal           </a:t>
-            </a:r>
-            <a:r>
-              <a:rPr lang="zh-CN" altLang="en-US" sz="2400" dirty="0">
-                <a:latin typeface="Times New Roman" panose="02020603050405020304" pitchFamily="18" charset="0"/>
-                <a:ea typeface="宋体" panose="02010600030101010101" pitchFamily="2" charset="-122"/>
-                <a:cs typeface="Times New Roman" panose="02020603050405020304" pitchFamily="18" charset="0"/>
-              </a:rPr>
-              <a:t>切线方向的单位向量</a:t>
-            </a:r>
-            <a:endParaRPr lang="en-US" altLang="zh-CN" sz="2400" dirty="0">
-              <a:latin typeface="Times New Roman" panose="02020603050405020304" pitchFamily="18" charset="0"/>
-              <a:ea typeface="宋体" panose="02010600030101010101" pitchFamily="2" charset="-122"/>
-              <a:cs typeface="Times New Roman" panose="02020603050405020304" pitchFamily="18" charset="0"/>
-            </a:endParaRPr>
-          </a:p>
-          <a:p>
-            <a:r>
-              <a:rPr lang="en-US" altLang="zh-CN" sz="2400" dirty="0">
-                <a:latin typeface="Times New Roman" panose="02020603050405020304" pitchFamily="18" charset="0"/>
-                <a:ea typeface="宋体" panose="02010600030101010101" pitchFamily="2" charset="-122"/>
-                <a:cs typeface="Times New Roman" panose="02020603050405020304" pitchFamily="18" charset="0"/>
-              </a:rPr>
-              <a:t>self.orthonormal   </a:t>
-            </a:r>
-            <a:r>
-              <a:rPr lang="zh-CN" altLang="en-US" sz="2400" dirty="0">
-                <a:latin typeface="Times New Roman" panose="02020603050405020304" pitchFamily="18" charset="0"/>
-                <a:ea typeface="宋体" panose="02010600030101010101" pitchFamily="2" charset="-122"/>
-                <a:cs typeface="Times New Roman" panose="02020603050405020304" pitchFamily="18" charset="0"/>
-              </a:rPr>
-              <a:t>法线方向的单位向量</a:t>
-            </a:r>
-            <a:endParaRPr lang="en-US" altLang="zh-CN" sz="2400" dirty="0">
-              <a:latin typeface="Times New Roman" panose="02020603050405020304" pitchFamily="18" charset="0"/>
-              <a:ea typeface="宋体" panose="02010600030101010101" pitchFamily="2" charset="-122"/>
-              <a:cs typeface="Times New Roman" panose="02020603050405020304" pitchFamily="18" charset="0"/>
-            </a:endParaRPr>
-          </a:p>
-          <a:p>
-            <a:r>
-              <a:rPr lang="en-US" altLang="zh-CN" sz="2400" dirty="0">
-                <a:solidFill>
-                  <a:srgbClr val="FF0000"/>
-                </a:solidFill>
-                <a:latin typeface="Times New Roman" panose="02020603050405020304" pitchFamily="18" charset="0"/>
-                <a:ea typeface="宋体" panose="02010600030101010101" pitchFamily="2" charset="-122"/>
-                <a:cs typeface="Times New Roman" panose="02020603050405020304" pitchFamily="18" charset="0"/>
-              </a:rPr>
-              <a:t>def distance_to_origin(self, point: tuple[float, float]) -&gt; float:</a:t>
-            </a:r>
-          </a:p>
-          <a:p>
-            <a:r>
-              <a:rPr lang="zh-CN" altLang="en-US" sz="2400" dirty="0">
-                <a:latin typeface="Times New Roman" panose="02020603050405020304" pitchFamily="18" charset="0"/>
-                <a:ea typeface="宋体" panose="02010600030101010101" pitchFamily="2" charset="-122"/>
-                <a:cs typeface="Times New Roman" panose="02020603050405020304" pitchFamily="18" charset="0"/>
-              </a:rPr>
-              <a:t>计算实例化点与传入参数点之间的直线距离</a:t>
-            </a:r>
-            <a:endParaRPr lang="en-US" altLang="zh-CN" sz="2400" dirty="0">
-              <a:latin typeface="Times New Roman" panose="02020603050405020304" pitchFamily="18" charset="0"/>
-              <a:ea typeface="宋体" panose="02010600030101010101" pitchFamily="2" charset="-122"/>
-              <a:cs typeface="Times New Roman" panose="02020603050405020304" pitchFamily="18" charset="0"/>
-            </a:endParaRPr>
-          </a:p>
-          <a:p>
-            <a:r>
-              <a:rPr lang="en-US" altLang="zh-CN" sz="2400" dirty="0">
-                <a:solidFill>
-                  <a:srgbClr val="FF0000"/>
-                </a:solidFill>
-                <a:latin typeface="Times New Roman" panose="02020603050405020304" pitchFamily="18" charset="0"/>
-                <a:ea typeface="宋体" panose="02010600030101010101" pitchFamily="2" charset="-122"/>
-                <a:cs typeface="Times New Roman" panose="02020603050405020304" pitchFamily="18" charset="0"/>
-              </a:rPr>
-              <a:t>def get_dx_dy(self, lon: float) -&gt; tuple[float, float]:</a:t>
-            </a:r>
-          </a:p>
-          <a:p>
-            <a:r>
-              <a:rPr lang="zh-CN" altLang="en-US" sz="2400" dirty="0">
-                <a:latin typeface="Times New Roman" panose="02020603050405020304" pitchFamily="18" charset="0"/>
-                <a:ea typeface="宋体" panose="02010600030101010101" pitchFamily="2" charset="-122"/>
-                <a:cs typeface="Times New Roman" panose="02020603050405020304" pitchFamily="18" charset="0"/>
-              </a:rPr>
-              <a:t>返回对应长度下取整对应点的法向量</a:t>
-            </a:r>
-            <a:endParaRPr lang="en-US" altLang="zh-CN" sz="2400" dirty="0">
-              <a:latin typeface="Times New Roman" panose="02020603050405020304" pitchFamily="18" charset="0"/>
-              <a:ea typeface="宋体" panose="02010600030101010101" pitchFamily="2" charset="-122"/>
-              <a:cs typeface="Times New Roman" panose="02020603050405020304" pitchFamily="18" charset="0"/>
-            </a:endParaRPr>
-          </a:p>
-          <a:p>
-            <a:r>
-              <a:rPr lang="en-US" altLang="zh-CN" sz="2400" dirty="0">
-                <a:solidFill>
-                  <a:srgbClr val="FF0000"/>
-                </a:solidFill>
-                <a:latin typeface="Times New Roman" panose="02020603050405020304" pitchFamily="18" charset="0"/>
-                <a:ea typeface="宋体" panose="02010600030101010101" pitchFamily="2" charset="-122"/>
-                <a:cs typeface="Times New Roman" panose="02020603050405020304" pitchFamily="18" charset="0"/>
-              </a:rPr>
-              <a:t>def project_onto_normal(self, point: tuple[float, float]) -&gt; float:</a:t>
-            </a:r>
-          </a:p>
-          <a:p>
-            <a:r>
-              <a:rPr lang="zh-CN" altLang="en-US" sz="2400" dirty="0">
-                <a:latin typeface="Times New Roman" panose="02020603050405020304" pitchFamily="18" charset="0"/>
-                <a:ea typeface="宋体" panose="02010600030101010101" pitchFamily="2" charset="-122"/>
-                <a:cs typeface="Times New Roman" panose="02020603050405020304" pitchFamily="18" charset="0"/>
-              </a:rPr>
-              <a:t>计算法向量 与 从姿势原点到点 之间的点积</a:t>
-            </a:r>
-            <a:endParaRPr lang="en-US" altLang="zh-CN" sz="2400" dirty="0">
-              <a:latin typeface="Times New Roman" panose="02020603050405020304" pitchFamily="18" charset="0"/>
-              <a:ea typeface="宋体" panose="02010600030101010101" pitchFamily="2" charset="-122"/>
-              <a:cs typeface="Times New Roman" panose="02020603050405020304" pitchFamily="18" charset="0"/>
-            </a:endParaRPr>
-          </a:p>
-          <a:p>
-            <a:r>
-              <a:rPr lang="en-US" altLang="zh-CN" sz="2400" dirty="0">
-                <a:solidFill>
-                  <a:srgbClr val="FF0000"/>
-                </a:solidFill>
-                <a:latin typeface="Times New Roman" panose="02020603050405020304" pitchFamily="18" charset="0"/>
-                <a:ea typeface="宋体" panose="02010600030101010101" pitchFamily="2" charset="-122"/>
-                <a:cs typeface="Times New Roman" panose="02020603050405020304" pitchFamily="18" charset="0"/>
-              </a:rPr>
-              <a:t>def project_onto_orthonormal(self, point: tuple[float, float]) -&gt; float:</a:t>
-            </a:r>
-          </a:p>
-          <a:p>
-            <a:r>
-              <a:rPr lang="zh-CN" altLang="en-US" sz="2400" dirty="0">
-                <a:latin typeface="Times New Roman" panose="02020603050405020304" pitchFamily="18" charset="0"/>
-                <a:ea typeface="宋体" panose="02010600030101010101" pitchFamily="2" charset="-122"/>
-                <a:cs typeface="Times New Roman" panose="02020603050405020304" pitchFamily="18" charset="0"/>
-              </a:rPr>
-              <a:t>计算方向向量 与 从姿势原点到点 之间的点积</a:t>
-            </a:r>
-            <a:endParaRPr lang="en-US" altLang="zh-CN" sz="2400" dirty="0">
-              <a:latin typeface="Times New Roman" panose="02020603050405020304" pitchFamily="18" charset="0"/>
-              <a:ea typeface="宋体" panose="02010600030101010101" pitchFamily="2" charset="-122"/>
-              <a:cs typeface="Times New Roman" panose="02020603050405020304" pitchFamily="18" charset="0"/>
-            </a:endParaRPr>
-          </a:p>
-        </p:txBody>
-      </p:sp>
-    </p:spTree>
-    <p:extLst>
-      <p:ext uri="{BB962C8B-B14F-4D97-AF65-F5344CB8AC3E}">
-        <p14:creationId xmlns:p14="http://schemas.microsoft.com/office/powerpoint/2010/main" val="748064735"/>
+        <p14:creationId xmlns:p14="http://schemas.microsoft.com/office/powerpoint/2010/main" val="2495320737"/>
       </p:ext>
     </p:extLst>
   </p:cSld>
@@ -8291,7 +12202,7 @@
         <p:cNvPr id="1" name="">
           <a:extLst>
             <a:ext uri="{FF2B5EF4-FFF2-40B4-BE49-F238E27FC236}">
-              <a16:creationId xmlns:a16="http://schemas.microsoft.com/office/drawing/2014/main" id="{E9B72BA9-8C97-DBBB-D732-5C9EFDA425D1}"/>
+              <a16:creationId xmlns:a16="http://schemas.microsoft.com/office/drawing/2014/main" id="{D4960384-8194-EC47-3909-57EA21FBD17A}"/>
             </a:ext>
           </a:extLst>
         </p:cNvPr>
@@ -8306,448 +12217,10 @@
           <a:chExt cx="0" cy="0"/>
         </a:xfrm>
       </p:grpSpPr>
-      <p:sp>
-        <p:nvSpPr>
-          <p:cNvPr id="4" name="文本框 3">
-            <a:extLst>
-              <a:ext uri="{FF2B5EF4-FFF2-40B4-BE49-F238E27FC236}">
-                <a16:creationId xmlns:a16="http://schemas.microsoft.com/office/drawing/2014/main" id="{247D21AE-C87F-9F00-90E7-4F582733E344}"/>
-              </a:ext>
-            </a:extLst>
-          </p:cNvPr>
-          <p:cNvSpPr txBox="1"/>
-          <p:nvPr/>
-        </p:nvSpPr>
-        <p:spPr>
-          <a:xfrm>
-            <a:off x="231530" y="181707"/>
-            <a:ext cx="3760177" cy="523220"/>
-          </a:xfrm>
-          <a:prstGeom prst="rect">
-            <a:avLst/>
-          </a:prstGeom>
-          <a:noFill/>
-        </p:spPr>
-        <p:txBody>
-          <a:bodyPr wrap="square" rtlCol="0">
-            <a:spAutoFit/>
-          </a:bodyPr>
-          <a:lstStyle/>
-          <a:p>
-            <a:r>
-              <a:rPr lang="en-US" altLang="zh-CN" sz="2800" dirty="0">
-                <a:latin typeface="Times New Roman" panose="02020603050405020304" pitchFamily="18" charset="0"/>
-                <a:ea typeface="宋体" panose="02010600030101010101" pitchFamily="2" charset="-122"/>
-                <a:cs typeface="Times New Roman" panose="02020603050405020304" pitchFamily="18" charset="0"/>
-              </a:rPr>
-              <a:t>road—spline.py</a:t>
-            </a:r>
-          </a:p>
-        </p:txBody>
-      </p:sp>
-      <p:sp>
-        <p:nvSpPr>
-          <p:cNvPr id="2" name="文本框 1">
-            <a:extLst>
-              <a:ext uri="{FF2B5EF4-FFF2-40B4-BE49-F238E27FC236}">
-                <a16:creationId xmlns:a16="http://schemas.microsoft.com/office/drawing/2014/main" id="{E5BF14C1-E428-7B1F-2219-34B3764DDCFD}"/>
-              </a:ext>
-            </a:extLst>
-          </p:cNvPr>
-          <p:cNvSpPr txBox="1"/>
-          <p:nvPr/>
-        </p:nvSpPr>
-        <p:spPr>
-          <a:xfrm>
-            <a:off x="231529" y="838200"/>
-            <a:ext cx="11884271" cy="6432530"/>
-          </a:xfrm>
-          <a:prstGeom prst="rect">
-            <a:avLst/>
-          </a:prstGeom>
-          <a:noFill/>
-        </p:spPr>
-        <p:txBody>
-          <a:bodyPr wrap="square" rtlCol="0">
-            <a:spAutoFit/>
-          </a:bodyPr>
-          <a:lstStyle/>
-          <a:p>
-            <a:r>
-              <a:rPr lang="en-US" altLang="zh-CN" sz="2800" dirty="0">
-                <a:latin typeface="Times New Roman" panose="02020603050405020304" pitchFamily="18" charset="0"/>
-                <a:ea typeface="宋体" panose="02010600030101010101" pitchFamily="2" charset="-122"/>
-                <a:cs typeface="Times New Roman" panose="02020603050405020304" pitchFamily="18" charset="0"/>
-              </a:rPr>
-              <a:t>Class LinearSpline2D</a:t>
-            </a:r>
-            <a:r>
-              <a:rPr lang="zh-CN" altLang="en-US" sz="2800" dirty="0">
-                <a:latin typeface="Times New Roman" panose="02020603050405020304" pitchFamily="18" charset="0"/>
-                <a:ea typeface="宋体" panose="02010600030101010101" pitchFamily="2" charset="-122"/>
-                <a:cs typeface="Times New Roman" panose="02020603050405020304" pitchFamily="18" charset="0"/>
-              </a:rPr>
-              <a:t>：</a:t>
-            </a:r>
-            <a:endParaRPr lang="en-US" altLang="zh-CN" sz="2800" dirty="0">
-              <a:latin typeface="Times New Roman" panose="02020603050405020304" pitchFamily="18" charset="0"/>
-              <a:ea typeface="宋体" panose="02010600030101010101" pitchFamily="2" charset="-122"/>
-              <a:cs typeface="Times New Roman" panose="02020603050405020304" pitchFamily="18" charset="0"/>
-            </a:endParaRPr>
-          </a:p>
-          <a:p>
-            <a:r>
-              <a:rPr lang="en-US" altLang="zh-CN" sz="2400" dirty="0">
-                <a:solidFill>
-                  <a:srgbClr val="FF0000"/>
-                </a:solidFill>
-                <a:latin typeface="Times New Roman" panose="02020603050405020304" pitchFamily="18" charset="0"/>
-                <a:ea typeface="宋体" panose="02010600030101010101" pitchFamily="2" charset="-122"/>
-                <a:cs typeface="Times New Roman" panose="02020603050405020304" pitchFamily="18" charset="0"/>
-              </a:rPr>
-              <a:t>def __init__(self, points: list[tuple[float, float]]):</a:t>
-            </a:r>
-          </a:p>
-          <a:p>
-            <a:r>
-              <a:rPr lang="zh-CN" altLang="en-US" sz="2400" dirty="0">
-                <a:latin typeface="Times New Roman" panose="02020603050405020304" pitchFamily="18" charset="0"/>
-                <a:ea typeface="宋体" panose="02010600030101010101" pitchFamily="2" charset="-122"/>
-                <a:cs typeface="Times New Roman" panose="02020603050405020304" pitchFamily="18" charset="0"/>
-              </a:rPr>
-              <a:t>初始化一系列的变量。</a:t>
-            </a:r>
-            <a:endParaRPr lang="en-US" altLang="zh-CN" sz="2400" dirty="0">
-              <a:latin typeface="Times New Roman" panose="02020603050405020304" pitchFamily="18" charset="0"/>
-              <a:ea typeface="宋体" panose="02010600030101010101" pitchFamily="2" charset="-122"/>
-              <a:cs typeface="Times New Roman" panose="02020603050405020304" pitchFamily="18" charset="0"/>
-            </a:endParaRPr>
-          </a:p>
-          <a:p>
-            <a:r>
-              <a:rPr lang="en-US" altLang="zh-CN" sz="2400" dirty="0">
-                <a:solidFill>
-                  <a:srgbClr val="FF0000"/>
-                </a:solidFill>
-                <a:latin typeface="Times New Roman" panose="02020603050405020304" pitchFamily="18" charset="0"/>
-                <a:ea typeface="宋体" panose="02010600030101010101" pitchFamily="2" charset="-122"/>
-                <a:cs typeface="Times New Roman" panose="02020603050405020304" pitchFamily="18" charset="0"/>
-              </a:rPr>
-              <a:t>def __call__(self, lon: float) -&gt; tuple[float, float]:</a:t>
-            </a:r>
-          </a:p>
-          <a:p>
-            <a:r>
-              <a:rPr lang="zh-CN" altLang="en-US" sz="2400" dirty="0">
-                <a:latin typeface="Times New Roman" panose="02020603050405020304" pitchFamily="18" charset="0"/>
-                <a:ea typeface="宋体" panose="02010600030101010101" pitchFamily="2" charset="-122"/>
-                <a:cs typeface="Times New Roman" panose="02020603050405020304" pitchFamily="18" charset="0"/>
-              </a:rPr>
-              <a:t>通过类的实例调用，返回对应长度的</a:t>
-            </a:r>
-            <a:r>
-              <a:rPr lang="en-US" altLang="zh-CN" sz="2400" dirty="0">
-                <a:latin typeface="Times New Roman" panose="02020603050405020304" pitchFamily="18" charset="0"/>
-                <a:ea typeface="宋体" panose="02010600030101010101" pitchFamily="2" charset="-122"/>
-                <a:cs typeface="Times New Roman" panose="02020603050405020304" pitchFamily="18" charset="0"/>
-              </a:rPr>
-              <a:t>x</a:t>
-            </a:r>
-            <a:r>
-              <a:rPr lang="zh-CN" altLang="en-US" sz="2400" dirty="0">
-                <a:latin typeface="Times New Roman" panose="02020603050405020304" pitchFamily="18" charset="0"/>
-                <a:ea typeface="宋体" panose="02010600030101010101" pitchFamily="2" charset="-122"/>
-                <a:cs typeface="Times New Roman" panose="02020603050405020304" pitchFamily="18" charset="0"/>
-              </a:rPr>
-              <a:t>和</a:t>
-            </a:r>
-            <a:r>
-              <a:rPr lang="en-US" altLang="zh-CN" sz="2400" dirty="0">
-                <a:latin typeface="Times New Roman" panose="02020603050405020304" pitchFamily="18" charset="0"/>
-                <a:ea typeface="宋体" panose="02010600030101010101" pitchFamily="2" charset="-122"/>
-                <a:cs typeface="Times New Roman" panose="02020603050405020304" pitchFamily="18" charset="0"/>
-              </a:rPr>
-              <a:t>y</a:t>
-            </a:r>
-            <a:r>
-              <a:rPr lang="zh-CN" altLang="en-US" sz="2400" dirty="0">
-                <a:latin typeface="Times New Roman" panose="02020603050405020304" pitchFamily="18" charset="0"/>
-                <a:ea typeface="宋体" panose="02010600030101010101" pitchFamily="2" charset="-122"/>
-                <a:cs typeface="Times New Roman" panose="02020603050405020304" pitchFamily="18" charset="0"/>
-              </a:rPr>
-              <a:t>坐标。</a:t>
-            </a:r>
-            <a:endParaRPr lang="en-US" altLang="zh-CN" sz="2400" dirty="0">
-              <a:latin typeface="Times New Roman" panose="02020603050405020304" pitchFamily="18" charset="0"/>
-              <a:ea typeface="宋体" panose="02010600030101010101" pitchFamily="2" charset="-122"/>
-              <a:cs typeface="Times New Roman" panose="02020603050405020304" pitchFamily="18" charset="0"/>
-            </a:endParaRPr>
-          </a:p>
-          <a:p>
-            <a:r>
-              <a:rPr lang="en-US" altLang="zh-CN" sz="2400" dirty="0">
-                <a:solidFill>
-                  <a:srgbClr val="FF0000"/>
-                </a:solidFill>
-                <a:latin typeface="Times New Roman" panose="02020603050405020304" pitchFamily="18" charset="0"/>
-                <a:ea typeface="宋体" panose="02010600030101010101" pitchFamily="2" charset="-122"/>
-                <a:cs typeface="Times New Roman" panose="02020603050405020304" pitchFamily="18" charset="0"/>
-              </a:rPr>
-              <a:t>def get_dx_dy(self, lon: float) -&gt; tuple[float, float]:</a:t>
-            </a:r>
-          </a:p>
-          <a:p>
-            <a:r>
-              <a:rPr lang="zh-CN" altLang="en-US" sz="2400" dirty="0">
-                <a:latin typeface="Times New Roman" panose="02020603050405020304" pitchFamily="18" charset="0"/>
-                <a:ea typeface="宋体" panose="02010600030101010101" pitchFamily="2" charset="-122"/>
-                <a:cs typeface="Times New Roman" panose="02020603050405020304" pitchFamily="18" charset="0"/>
-              </a:rPr>
-              <a:t>返回对应长度下取整对应点的法向量</a:t>
-            </a:r>
-            <a:endParaRPr lang="en-US" altLang="zh-CN" sz="2400" dirty="0">
-              <a:latin typeface="Times New Roman" panose="02020603050405020304" pitchFamily="18" charset="0"/>
-              <a:ea typeface="宋体" panose="02010600030101010101" pitchFamily="2" charset="-122"/>
-              <a:cs typeface="Times New Roman" panose="02020603050405020304" pitchFamily="18" charset="0"/>
-            </a:endParaRPr>
-          </a:p>
-          <a:p>
-            <a:r>
-              <a:rPr lang="en-US" altLang="zh-CN" sz="2400" dirty="0">
-                <a:solidFill>
-                  <a:srgbClr val="FF0000"/>
-                </a:solidFill>
-                <a:latin typeface="Times New Roman" panose="02020603050405020304" pitchFamily="18" charset="0"/>
-                <a:ea typeface="宋体" panose="02010600030101010101" pitchFamily="2" charset="-122"/>
-                <a:cs typeface="Times New Roman" panose="02020603050405020304" pitchFamily="18" charset="0"/>
-              </a:rPr>
-              <a:t>def cartesian_to_frenet(self, position: tuple[float, float]) -&gt; tuple[float, float]:</a:t>
-            </a:r>
-          </a:p>
-          <a:p>
-            <a:r>
-              <a:rPr lang="zh-CN" altLang="en-US" sz="2400" dirty="0">
-                <a:latin typeface="Times New Roman" panose="02020603050405020304" pitchFamily="18" charset="0"/>
-                <a:ea typeface="宋体" panose="02010600030101010101" pitchFamily="2" charset="-122"/>
-                <a:cs typeface="Times New Roman" panose="02020603050405020304" pitchFamily="18" charset="0"/>
-              </a:rPr>
-              <a:t>？笛卡尔坐标系到</a:t>
-            </a:r>
-            <a:r>
-              <a:rPr lang="en-US" altLang="zh-CN" sz="2400" dirty="0">
-                <a:latin typeface="Times New Roman" panose="02020603050405020304" pitchFamily="18" charset="0"/>
-                <a:ea typeface="宋体" panose="02010600030101010101" pitchFamily="2" charset="-122"/>
-                <a:cs typeface="Times New Roman" panose="02020603050405020304" pitchFamily="18" charset="0"/>
-              </a:rPr>
-              <a:t>Frenet</a:t>
-            </a:r>
-            <a:r>
-              <a:rPr lang="zh-CN" altLang="en-US" sz="2400" dirty="0">
-                <a:latin typeface="Times New Roman" panose="02020603050405020304" pitchFamily="18" charset="0"/>
-                <a:ea typeface="宋体" panose="02010600030101010101" pitchFamily="2" charset="-122"/>
-                <a:cs typeface="Times New Roman" panose="02020603050405020304" pitchFamily="18" charset="0"/>
-              </a:rPr>
-              <a:t>坐标系的转换到</a:t>
-            </a:r>
-            <a:endParaRPr lang="en-US" altLang="zh-CN" sz="2400" dirty="0">
-              <a:latin typeface="Times New Roman" panose="02020603050405020304" pitchFamily="18" charset="0"/>
-              <a:ea typeface="宋体" panose="02010600030101010101" pitchFamily="2" charset="-122"/>
-              <a:cs typeface="Times New Roman" panose="02020603050405020304" pitchFamily="18" charset="0"/>
-            </a:endParaRPr>
-          </a:p>
-          <a:p>
-            <a:r>
-              <a:rPr lang="en-US" altLang="zh-CN" sz="2400" dirty="0">
-                <a:solidFill>
-                  <a:srgbClr val="FF0000"/>
-                </a:solidFill>
-                <a:latin typeface="Times New Roman" panose="02020603050405020304" pitchFamily="18" charset="0"/>
-                <a:ea typeface="宋体" panose="02010600030101010101" pitchFamily="2" charset="-122"/>
-                <a:cs typeface="Times New Roman" panose="02020603050405020304" pitchFamily="18" charset="0"/>
-              </a:rPr>
-              <a:t>def frenet_to_cartesian(self, lon: float, lat: float) -&gt; tuple[float, float]:</a:t>
-            </a:r>
-          </a:p>
-          <a:p>
-            <a:r>
-              <a:rPr lang="zh-CN" altLang="en-US" sz="2400" dirty="0">
-                <a:latin typeface="Times New Roman" panose="02020603050405020304" pitchFamily="18" charset="0"/>
-                <a:ea typeface="宋体" panose="02010600030101010101" pitchFamily="2" charset="-122"/>
-                <a:cs typeface="Times New Roman" panose="02020603050405020304" pitchFamily="18" charset="0"/>
-              </a:rPr>
-              <a:t>？</a:t>
-            </a:r>
-            <a:r>
-              <a:rPr lang="en-US" altLang="zh-CN" sz="2400" dirty="0">
-                <a:latin typeface="Times New Roman" panose="02020603050405020304" pitchFamily="18" charset="0"/>
-                <a:ea typeface="宋体" panose="02010600030101010101" pitchFamily="2" charset="-122"/>
-                <a:cs typeface="Times New Roman" panose="02020603050405020304" pitchFamily="18" charset="0"/>
-              </a:rPr>
-              <a:t>Frenet</a:t>
-            </a:r>
-            <a:r>
-              <a:rPr lang="zh-CN" altLang="en-US" sz="2400" dirty="0">
-                <a:latin typeface="Times New Roman" panose="02020603050405020304" pitchFamily="18" charset="0"/>
-                <a:ea typeface="宋体" panose="02010600030101010101" pitchFamily="2" charset="-122"/>
-                <a:cs typeface="Times New Roman" panose="02020603050405020304" pitchFamily="18" charset="0"/>
-              </a:rPr>
-              <a:t>坐标系到笛卡尔坐标系 的转换</a:t>
-            </a:r>
-            <a:endParaRPr lang="en-US" altLang="zh-CN" sz="2400" dirty="0">
-              <a:latin typeface="Times New Roman" panose="02020603050405020304" pitchFamily="18" charset="0"/>
-              <a:ea typeface="宋体" panose="02010600030101010101" pitchFamily="2" charset="-122"/>
-              <a:cs typeface="Times New Roman" panose="02020603050405020304" pitchFamily="18" charset="0"/>
-            </a:endParaRPr>
-          </a:p>
-          <a:p>
-            <a:r>
-              <a:rPr lang="en-US" altLang="zh-CN" sz="2400" dirty="0">
-                <a:solidFill>
-                  <a:srgbClr val="FF0000"/>
-                </a:solidFill>
-                <a:latin typeface="Times New Roman" panose="02020603050405020304" pitchFamily="18" charset="0"/>
-                <a:ea typeface="宋体" panose="02010600030101010101" pitchFamily="2" charset="-122"/>
-                <a:cs typeface="Times New Roman" panose="02020603050405020304" pitchFamily="18" charset="0"/>
-              </a:rPr>
-              <a:t>def _get_idx_segment_for_lon(self, lon: float) -&gt; int:</a:t>
-            </a:r>
-          </a:p>
-          <a:p>
-            <a:r>
-              <a:rPr lang="zh-CN" altLang="en-US" sz="2400" dirty="0">
-                <a:latin typeface="Times New Roman" panose="02020603050405020304" pitchFamily="18" charset="0"/>
-                <a:ea typeface="宋体" panose="02010600030101010101" pitchFamily="2" charset="-122"/>
-                <a:cs typeface="Times New Roman" panose="02020603050405020304" pitchFamily="18" charset="0"/>
-              </a:rPr>
-              <a:t>返回</a:t>
-            </a:r>
-            <a:r>
-              <a:rPr lang="en-US" altLang="zh-CN" sz="2400" dirty="0">
-                <a:latin typeface="Times New Roman" panose="02020603050405020304" pitchFamily="18" charset="0"/>
-                <a:ea typeface="宋体" panose="02010600030101010101" pitchFamily="2" charset="-122"/>
-                <a:cs typeface="Times New Roman" panose="02020603050405020304" pitchFamily="18" charset="0"/>
-              </a:rPr>
-              <a:t>lon</a:t>
-            </a:r>
-            <a:r>
-              <a:rPr lang="zh-CN" altLang="en-US" sz="2400" dirty="0">
-                <a:latin typeface="Times New Roman" panose="02020603050405020304" pitchFamily="18" charset="0"/>
-                <a:ea typeface="宋体" panose="02010600030101010101" pitchFamily="2" charset="-122"/>
-                <a:cs typeface="Times New Roman" panose="02020603050405020304" pitchFamily="18" charset="0"/>
-              </a:rPr>
-              <a:t>下取整对应采样点在</a:t>
-            </a:r>
-            <a:r>
-              <a:rPr lang="en-US" altLang="zh-CN" sz="2400" dirty="0">
-                <a:latin typeface="Times New Roman" panose="02020603050405020304" pitchFamily="18" charset="0"/>
-                <a:ea typeface="宋体" panose="02010600030101010101" pitchFamily="2" charset="-122"/>
-                <a:cs typeface="Times New Roman" panose="02020603050405020304" pitchFamily="18" charset="0"/>
-              </a:rPr>
-              <a:t>s_sample</a:t>
-            </a:r>
-            <a:r>
-              <a:rPr lang="zh-CN" altLang="en-US" sz="2400" dirty="0">
-                <a:latin typeface="Times New Roman" panose="02020603050405020304" pitchFamily="18" charset="0"/>
-                <a:ea typeface="宋体" panose="02010600030101010101" pitchFamily="2" charset="-122"/>
-                <a:cs typeface="Times New Roman" panose="02020603050405020304" pitchFamily="18" charset="0"/>
-              </a:rPr>
-              <a:t>中的索引</a:t>
-            </a:r>
-            <a:endParaRPr lang="en-US" altLang="zh-CN" sz="2400" dirty="0">
-              <a:latin typeface="Times New Roman" panose="02020603050405020304" pitchFamily="18" charset="0"/>
-              <a:ea typeface="宋体" panose="02010600030101010101" pitchFamily="2" charset="-122"/>
-              <a:cs typeface="Times New Roman" panose="02020603050405020304" pitchFamily="18" charset="0"/>
-            </a:endParaRPr>
-          </a:p>
-          <a:p>
-            <a:r>
-              <a:rPr lang="en-US" altLang="zh-CN" sz="2400" dirty="0">
-                <a:solidFill>
-                  <a:srgbClr val="FF0000"/>
-                </a:solidFill>
-                <a:latin typeface="Times New Roman" panose="02020603050405020304" pitchFamily="18" charset="0"/>
-                <a:ea typeface="宋体" panose="02010600030101010101" pitchFamily="2" charset="-122"/>
-                <a:cs typeface="Times New Roman" panose="02020603050405020304" pitchFamily="18" charset="0"/>
-              </a:rPr>
-              <a:t>def sample_curve(x_curve, y_curve, length: float, CURVE_SAMPLE_DISTANCE=1):</a:t>
-            </a:r>
-          </a:p>
-          <a:p>
-            <a:r>
-              <a:rPr lang="zh-CN" altLang="en-US" sz="2400" dirty="0">
-                <a:latin typeface="Times New Roman" panose="02020603050405020304" pitchFamily="18" charset="0"/>
-                <a:ea typeface="宋体" panose="02010600030101010101" pitchFamily="2" charset="-122"/>
-                <a:cs typeface="Times New Roman" panose="02020603050405020304" pitchFamily="18" charset="0"/>
-              </a:rPr>
-              <a:t>根据指定的样本点间距，从长度</a:t>
-            </a:r>
-            <a:r>
-              <a:rPr lang="en-US" altLang="zh-CN" sz="2400" dirty="0">
-                <a:latin typeface="Times New Roman" panose="02020603050405020304" pitchFamily="18" charset="0"/>
-                <a:ea typeface="宋体" panose="02010600030101010101" pitchFamily="2" charset="-122"/>
-                <a:cs typeface="Times New Roman" panose="02020603050405020304" pitchFamily="18" charset="0"/>
-              </a:rPr>
-              <a:t>0</a:t>
-            </a:r>
-            <a:r>
-              <a:rPr lang="zh-CN" altLang="en-US" sz="2400" dirty="0">
-                <a:latin typeface="Times New Roman" panose="02020603050405020304" pitchFamily="18" charset="0"/>
-                <a:ea typeface="宋体" panose="02010600030101010101" pitchFamily="2" charset="-122"/>
-                <a:cs typeface="Times New Roman" panose="02020603050405020304" pitchFamily="18" charset="0"/>
-              </a:rPr>
-              <a:t>开始沿曲线生成等间距的弧长坐标，并计算每个样本点的具体位置和方向。返回采样点距起点的距离</a:t>
-            </a:r>
-            <a:r>
-              <a:rPr lang="en-US" altLang="zh-CN" sz="2400" dirty="0">
-                <a:latin typeface="Times New Roman" panose="02020603050405020304" pitchFamily="18" charset="0"/>
-                <a:ea typeface="宋体" panose="02010600030101010101" pitchFamily="2" charset="-122"/>
-                <a:cs typeface="Times New Roman" panose="02020603050405020304" pitchFamily="18" charset="0"/>
-              </a:rPr>
-              <a:t>s_values</a:t>
-            </a:r>
-            <a:r>
-              <a:rPr lang="zh-CN" altLang="en-US" sz="2400" dirty="0">
-                <a:latin typeface="Times New Roman" panose="02020603050405020304" pitchFamily="18" charset="0"/>
-                <a:ea typeface="宋体" panose="02010600030101010101" pitchFamily="2" charset="-122"/>
-                <a:cs typeface="Times New Roman" panose="02020603050405020304" pitchFamily="18" charset="0"/>
-              </a:rPr>
-              <a:t>和该采样点的位姿</a:t>
-            </a:r>
-            <a:r>
-              <a:rPr lang="en-US" altLang="zh-CN" sz="2400" dirty="0">
-                <a:latin typeface="Times New Roman" panose="02020603050405020304" pitchFamily="18" charset="0"/>
-                <a:ea typeface="宋体" panose="02010600030101010101" pitchFamily="2" charset="-122"/>
-                <a:cs typeface="Times New Roman" panose="02020603050405020304" pitchFamily="18" charset="0"/>
-              </a:rPr>
-              <a:t>poses</a:t>
-            </a:r>
-            <a:r>
-              <a:rPr lang="zh-CN" altLang="en-US" sz="2400" dirty="0">
-                <a:latin typeface="Times New Roman" panose="02020603050405020304" pitchFamily="18" charset="0"/>
-                <a:ea typeface="宋体" panose="02010600030101010101" pitchFamily="2" charset="-122"/>
-                <a:cs typeface="Times New Roman" panose="02020603050405020304" pitchFamily="18" charset="0"/>
-              </a:rPr>
-              <a:t>。</a:t>
-            </a:r>
-            <a:endParaRPr lang="en-US" altLang="zh-CN" sz="2400" dirty="0">
-              <a:latin typeface="Times New Roman" panose="02020603050405020304" pitchFamily="18" charset="0"/>
-              <a:ea typeface="宋体" panose="02010600030101010101" pitchFamily="2" charset="-122"/>
-              <a:cs typeface="Times New Roman" panose="02020603050405020304" pitchFamily="18" charset="0"/>
-            </a:endParaRPr>
-          </a:p>
-          <a:p>
-            <a:endParaRPr lang="en-US" altLang="zh-CN" sz="2400" dirty="0">
-              <a:latin typeface="Times New Roman" panose="02020603050405020304" pitchFamily="18" charset="0"/>
-              <a:ea typeface="宋体" panose="02010600030101010101" pitchFamily="2" charset="-122"/>
-              <a:cs typeface="Times New Roman" panose="02020603050405020304" pitchFamily="18" charset="0"/>
-            </a:endParaRPr>
-          </a:p>
-        </p:txBody>
-      </p:sp>
     </p:spTree>
     <p:extLst>
       <p:ext uri="{BB962C8B-B14F-4D97-AF65-F5344CB8AC3E}">
-        <p14:creationId xmlns:p14="http://schemas.microsoft.com/office/powerpoint/2010/main" val="3138742476"/>
+        <p14:creationId xmlns:p14="http://schemas.microsoft.com/office/powerpoint/2010/main" val="307025454"/>
       </p:ext>
     </p:extLst>
   </p:cSld>
